--- a/assets/ppt/codegen/ssaform2.pptx
+++ b/assets/ppt/codegen/ssaform2.pptx
@@ -5,10 +5,10 @@
     <p:sldMasterId id="2147483648" r:id="rId1"/>
   </p:sldMasterIdLst>
   <p:notesMasterIdLst>
-    <p:notesMasterId r:id="rId21"/>
+    <p:notesMasterId r:id="rId23"/>
   </p:notesMasterIdLst>
   <p:handoutMasterIdLst>
-    <p:handoutMasterId r:id="rId22"/>
+    <p:handoutMasterId r:id="rId24"/>
   </p:handoutMasterIdLst>
   <p:sldIdLst>
     <p:sldId id="343" r:id="rId2"/>
@@ -20,16 +20,18 @@
     <p:sldId id="316" r:id="rId8"/>
     <p:sldId id="318" r:id="rId9"/>
     <p:sldId id="317" r:id="rId10"/>
-    <p:sldId id="319" r:id="rId11"/>
-    <p:sldId id="320" r:id="rId12"/>
-    <p:sldId id="323" r:id="rId13"/>
-    <p:sldId id="324" r:id="rId14"/>
-    <p:sldId id="322" r:id="rId15"/>
-    <p:sldId id="325" r:id="rId16"/>
-    <p:sldId id="326" r:id="rId17"/>
-    <p:sldId id="327" r:id="rId18"/>
-    <p:sldId id="328" r:id="rId19"/>
-    <p:sldId id="342" r:id="rId20"/>
+    <p:sldId id="344" r:id="rId11"/>
+    <p:sldId id="345" r:id="rId12"/>
+    <p:sldId id="319" r:id="rId13"/>
+    <p:sldId id="320" r:id="rId14"/>
+    <p:sldId id="323" r:id="rId15"/>
+    <p:sldId id="324" r:id="rId16"/>
+    <p:sldId id="322" r:id="rId17"/>
+    <p:sldId id="325" r:id="rId18"/>
+    <p:sldId id="326" r:id="rId19"/>
+    <p:sldId id="327" r:id="rId20"/>
+    <p:sldId id="328" r:id="rId21"/>
+    <p:sldId id="342" r:id="rId22"/>
   </p:sldIdLst>
   <p:sldSz cx="9144000" cy="6858000" type="screen4x3"/>
   <p:notesSz cx="6858000" cy="9144000"/>
@@ -244,7 +246,7 @@
             <a:fld id="{2A2B9AA4-819F-8549-A06A-E1B5D9D61F62}" type="datetimeFigureOut">
               <a:rPr lang="en-US" smtClean="0"/>
               <a:pPr/>
-              <a:t>16-07-12</a:t>
+              <a:t>16-07-19</a:t>
             </a:fld>
             <a:endParaRPr lang="en-US"/>
           </a:p>
@@ -325,6 +327,7 @@
     </p:extLst>
   </p:cSld>
   <p:clrMap bg1="lt1" tx1="dk1" bg2="lt2" tx2="dk2" accent1="accent1" accent2="accent2" accent3="accent3" accent4="accent4" accent5="accent5" accent6="accent6" hlink="hlink" folHlink="folHlink"/>
+  <p:hf hdr="0" ftr="0" dt="0"/>
 </p:handoutMaster>
 </file>
 
@@ -639,6 +642,7 @@
     </p:extLst>
   </p:cSld>
   <p:clrMap bg1="lt1" tx1="dk1" bg2="lt2" tx2="dk2" accent1="accent1" accent2="accent2" accent3="accent3" accent4="accent4" accent5="accent5" accent6="accent6" hlink="hlink" folHlink="folHlink"/>
+  <p:hf hdr="0" ftr="0" dt="0"/>
   <p:notesStyle>
     <a:lvl1pPr algn="l" rtl="0" fontAlgn="base">
       <a:spcBef>
@@ -1246,10 +1250,9 @@
             </a:lvl1pPr>
           </a:lstStyle>
           <a:p>
-            <a:fld id="{AB95C7E4-0B9F-5C4F-B0BB-7D0870E80820}" type="datetime1">
-              <a:rPr lang="en-US"/>
-              <a:pPr/>
-              <a:t>16-07-12</a:t>
+            <a:fld id="{A83F3A6A-2B10-DC41-8866-0D95DF015898}" type="datetime1">
+              <a:rPr lang="en-CA" smtClean="0"/>
+              <a:t>16-07-19</a:t>
             </a:fld>
             <a:endParaRPr lang="en-US"/>
           </a:p>
@@ -1425,10 +1428,9 @@
             </a:lvl1pPr>
           </a:lstStyle>
           <a:p>
-            <a:fld id="{3A78287B-B894-B846-9E44-F791ACF19059}" type="datetime1">
-              <a:rPr lang="en-US"/>
-              <a:pPr/>
-              <a:t>16-07-12</a:t>
+            <a:fld id="{1B2A897D-159E-E943-BB1E-E0E5858F2A48}" type="datetime1">
+              <a:rPr lang="en-CA" smtClean="0"/>
+              <a:t>16-07-19</a:t>
             </a:fld>
             <a:endParaRPr lang="en-US"/>
           </a:p>
@@ -1614,10 +1616,9 @@
             </a:lvl1pPr>
           </a:lstStyle>
           <a:p>
-            <a:fld id="{AF503467-82A6-CF47-888F-D2D6F0BEBDAA}" type="datetime1">
-              <a:rPr lang="en-US"/>
-              <a:pPr/>
-              <a:t>16-07-12</a:t>
+            <a:fld id="{A09D2FF6-AD79-0C4A-895D-88C6A3DC94DD}" type="datetime1">
+              <a:rPr lang="en-CA" smtClean="0"/>
+              <a:t>16-07-19</a:t>
             </a:fld>
             <a:endParaRPr lang="en-US"/>
           </a:p>
@@ -1793,10 +1794,9 @@
             </a:lvl1pPr>
           </a:lstStyle>
           <a:p>
-            <a:fld id="{1CDBAC56-34FA-234E-90F5-8D8510025076}" type="datetime1">
-              <a:rPr lang="en-US"/>
-              <a:pPr/>
-              <a:t>16-07-12</a:t>
+            <a:fld id="{B91F39AC-49BB-F840-B50F-2160584F20B0}" type="datetime1">
+              <a:rPr lang="en-CA" smtClean="0"/>
+              <a:t>16-07-19</a:t>
             </a:fld>
             <a:endParaRPr lang="en-US"/>
           </a:p>
@@ -1994,10 +1994,9 @@
             </a:lvl1pPr>
           </a:lstStyle>
           <a:p>
-            <a:fld id="{4F3C69AF-3A9D-814C-9DF9-7FA2561E5C10}" type="datetime1">
-              <a:rPr lang="en-US"/>
-              <a:pPr/>
-              <a:t>16-07-12</a:t>
+            <a:fld id="{13F8759B-55D6-CF47-83FE-70B165316CE9}" type="datetime1">
+              <a:rPr lang="en-CA" smtClean="0"/>
+              <a:t>16-07-19</a:t>
             </a:fld>
             <a:endParaRPr lang="en-US"/>
           </a:p>
@@ -2291,10 +2290,9 @@
             </a:lvl1pPr>
           </a:lstStyle>
           <a:p>
-            <a:fld id="{9F6C98B8-487D-E64E-A20E-2FA403A407A4}" type="datetime1">
-              <a:rPr lang="en-US"/>
-              <a:pPr/>
-              <a:t>16-07-12</a:t>
+            <a:fld id="{22DFC75E-20AA-3A4B-8036-FC4E21DCED42}" type="datetime1">
+              <a:rPr lang="en-CA" smtClean="0"/>
+              <a:t>16-07-19</a:t>
             </a:fld>
             <a:endParaRPr lang="en-US"/>
           </a:p>
@@ -2727,10 +2725,9 @@
             </a:lvl1pPr>
           </a:lstStyle>
           <a:p>
-            <a:fld id="{F302FB20-0336-7F42-9B59-D0B7963FA1FE}" type="datetime1">
-              <a:rPr lang="en-US"/>
-              <a:pPr/>
-              <a:t>16-07-12</a:t>
+            <a:fld id="{DC2F9846-8E12-E940-A6D6-9C91AF3C127A}" type="datetime1">
+              <a:rPr lang="en-CA" smtClean="0"/>
+              <a:t>16-07-19</a:t>
             </a:fld>
             <a:endParaRPr lang="en-US"/>
           </a:p>
@@ -2854,10 +2851,9 @@
             </a:lvl1pPr>
           </a:lstStyle>
           <a:p>
-            <a:fld id="{C4DFBF3A-2DAB-514F-ACE2-471A02E60E43}" type="datetime1">
-              <a:rPr lang="en-US"/>
-              <a:pPr/>
-              <a:t>16-07-12</a:t>
+            <a:fld id="{CFEF1C19-828C-9040-A09A-675642B5D8D1}" type="datetime1">
+              <a:rPr lang="en-CA" smtClean="0"/>
+              <a:t>16-07-19</a:t>
             </a:fld>
             <a:endParaRPr lang="en-US"/>
           </a:p>
@@ -2958,10 +2954,9 @@
             </a:lvl1pPr>
           </a:lstStyle>
           <a:p>
-            <a:fld id="{72899648-A55B-484E-9917-252FD30C3FAB}" type="datetime1">
-              <a:rPr lang="en-US"/>
-              <a:pPr/>
-              <a:t>16-07-12</a:t>
+            <a:fld id="{DE06ADBE-F554-D140-A4E6-ACABAB2BC95F}" type="datetime1">
+              <a:rPr lang="en-CA" smtClean="0"/>
+              <a:t>16-07-19</a:t>
             </a:fld>
             <a:endParaRPr lang="en-US"/>
           </a:p>
@@ -3244,10 +3239,9 @@
             </a:lvl1pPr>
           </a:lstStyle>
           <a:p>
-            <a:fld id="{F800954B-DD62-2D4C-BFCB-0E19002023E7}" type="datetime1">
-              <a:rPr lang="en-US"/>
-              <a:pPr/>
-              <a:t>16-07-12</a:t>
+            <a:fld id="{D281C4C4-61D3-3445-95EC-CBA6C057C797}" type="datetime1">
+              <a:rPr lang="en-CA" smtClean="0"/>
+              <a:t>16-07-19</a:t>
             </a:fld>
             <a:endParaRPr lang="en-US"/>
           </a:p>
@@ -3506,10 +3500,9 @@
             </a:lvl1pPr>
           </a:lstStyle>
           <a:p>
-            <a:fld id="{4A509321-4840-2347-8C57-92FBA0642572}" type="datetime1">
-              <a:rPr lang="en-US"/>
-              <a:pPr/>
-              <a:t>16-07-12</a:t>
+            <a:fld id="{1B6FC431-BFB1-CC4B-B2B2-680890BAD524}" type="datetime1">
+              <a:rPr lang="en-CA" smtClean="0"/>
+              <a:t>16-07-19</a:t>
             </a:fld>
             <a:endParaRPr lang="en-US"/>
           </a:p>
@@ -3755,10 +3748,9 @@
             </a:lvl1pPr>
           </a:lstStyle>
           <a:p>
-            <a:fld id="{1D0935BA-0F2B-F54E-8201-8A0D51FA8AFC}" type="datetime1">
-              <a:rPr lang="en-US" smtClean="0"/>
-              <a:pPr/>
-              <a:t>16-07-12</a:t>
+            <a:fld id="{34DBDBF9-2F7A-9241-B7C9-46604A8CA96B}" type="datetime1">
+              <a:rPr lang="en-CA" smtClean="0"/>
+              <a:t>16-07-19</a:t>
             </a:fld>
             <a:endParaRPr lang="en-US" dirty="0"/>
           </a:p>
@@ -3874,7 +3866,7 @@
     <p:sldLayoutId id="2147483658" r:id="rId10"/>
     <p:sldLayoutId id="2147483659" r:id="rId11"/>
   </p:sldLayoutIdLst>
-  <p:hf hdr="0" ftr="0"/>
+  <p:hf hdr="0" ftr="0" dt="0"/>
   <p:txStyles>
     <p:titleStyle>
       <a:lvl1pPr algn="ctr" rtl="0" fontAlgn="base">
@@ -4506,6 +4498,30 @@
               <a:cs typeface="Calibri"/>
               <a:sym typeface="Calibri"/>
             </a:endParaRPr>
+          </a:p>
+        </p:txBody>
+      </p:sp>
+      <p:sp>
+        <p:nvSpPr>
+          <p:cNvPr id="2" name="Slide Number Placeholder 1"/>
+          <p:cNvSpPr>
+            <a:spLocks noGrp="1"/>
+          </p:cNvSpPr>
+          <p:nvPr>
+            <p:ph type="sldNum" sz="quarter" idx="12"/>
+          </p:nvPr>
+        </p:nvSpPr>
+        <p:spPr/>
+        <p:txBody>
+          <a:bodyPr/>
+          <a:lstStyle/>
+          <a:p>
+            <a:fld id="{00632DF9-8F59-3B48-8E00-329792CA07DF}" type="slidenum">
+              <a:rPr lang="en-US" smtClean="0"/>
+              <a:pPr/>
+              <a:t>1</a:t>
+            </a:fld>
+            <a:endParaRPr lang="en-US"/>
           </a:p>
         </p:txBody>
       </p:sp>
@@ -4548,7 +4564,7 @@
       </p:grpSpPr>
       <p:sp>
         <p:nvSpPr>
-          <p:cNvPr id="5" name="Title 4"/>
+          <p:cNvPr id="7" name="Title 6"/>
           <p:cNvSpPr>
             <a:spLocks noGrp="1"/>
           </p:cNvSpPr>
@@ -4563,97 +4579,9 @@
           <a:p>
             <a:r>
               <a:rPr lang="en-US" dirty="0" smtClean="0"/>
-              <a:t>Dominance Frontier</a:t>
+              <a:t>Dominance Relation</a:t>
             </a:r>
             <a:endParaRPr lang="en-US" dirty="0"/>
-          </a:p>
-        </p:txBody>
-      </p:sp>
-      <p:sp>
-        <p:nvSpPr>
-          <p:cNvPr id="6" name="Content Placeholder 5"/>
-          <p:cNvSpPr>
-            <a:spLocks noGrp="1"/>
-          </p:cNvSpPr>
-          <p:nvPr>
-            <p:ph idx="1"/>
-          </p:nvPr>
-        </p:nvSpPr>
-        <p:spPr/>
-        <p:txBody>
-          <a:bodyPr/>
-          <a:lstStyle/>
-          <a:p>
-            <a:r>
-              <a:rPr lang="en-US" dirty="0" smtClean="0"/>
-              <a:t>X </a:t>
-            </a:r>
-            <a:r>
-              <a:rPr lang="en-US" i="1" dirty="0" smtClean="0"/>
-              <a:t>strictly dominates </a:t>
-            </a:r>
-            <a:r>
-              <a:rPr lang="en-US" dirty="0" smtClean="0"/>
-              <a:t>Y if X dominates Y and X ≠ Y</a:t>
-            </a:r>
-            <a:endParaRPr lang="en-US" i="1" dirty="0" smtClean="0"/>
-          </a:p>
-          <a:p>
-            <a:r>
-              <a:rPr lang="en-US" i="1" dirty="0" smtClean="0"/>
-              <a:t>Dominance Frontier </a:t>
-            </a:r>
-            <a:r>
-              <a:rPr lang="en-US" dirty="0" smtClean="0"/>
-              <a:t>(DF)</a:t>
-            </a:r>
-            <a:r>
-              <a:rPr lang="en-US" i="1" dirty="0" smtClean="0"/>
-              <a:t> </a:t>
-            </a:r>
-            <a:r>
-              <a:rPr lang="en-US" dirty="0" smtClean="0"/>
-              <a:t>of node X is the set of all nodes Y such that:</a:t>
-            </a:r>
-          </a:p>
-          <a:p>
-            <a:pPr lvl="1"/>
-            <a:r>
-              <a:rPr lang="en-US" dirty="0" smtClean="0"/>
-              <a:t>X dominates a predecessor of Y, AND</a:t>
-            </a:r>
-          </a:p>
-          <a:p>
-            <a:pPr lvl="1"/>
-            <a:r>
-              <a:rPr lang="en-US" dirty="0" smtClean="0"/>
-              <a:t>X does not strictly dominate Y</a:t>
-            </a:r>
-            <a:endParaRPr lang="en-US" dirty="0"/>
-          </a:p>
-        </p:txBody>
-      </p:sp>
-      <p:sp>
-        <p:nvSpPr>
-          <p:cNvPr id="3" name="Date Placeholder 2"/>
-          <p:cNvSpPr>
-            <a:spLocks noGrp="1"/>
-          </p:cNvSpPr>
-          <p:nvPr>
-            <p:ph type="dt" sz="half" idx="10"/>
-          </p:nvPr>
-        </p:nvSpPr>
-        <p:spPr/>
-        <p:txBody>
-          <a:bodyPr/>
-          <a:lstStyle/>
-          <a:p>
-            <a:fld id="{C4DFBF3A-2DAB-514F-ACE2-471A02E60E43}" type="datetime1">
-              <a:rPr lang="en-US" smtClean="0"/>
-              <a:pPr/>
-              <a:t>16-07-12</a:t>
-            </a:fld>
-            <a:endParaRPr lang="en-US"/>
           </a:p>
         </p:txBody>
       </p:sp>
@@ -4681,7 +4609,1202 @@
           </a:p>
         </p:txBody>
       </p:sp>
+      <p:sp>
+        <p:nvSpPr>
+          <p:cNvPr id="8" name="TextBox 7"/>
+          <p:cNvSpPr txBox="1"/>
+          <p:nvPr/>
+        </p:nvSpPr>
+        <p:spPr>
+          <a:xfrm>
+            <a:off x="4359968" y="1752600"/>
+            <a:ext cx="424064" cy="461665"/>
+          </a:xfrm>
+          <a:prstGeom prst="rect">
+            <a:avLst/>
+          </a:prstGeom>
+          <a:solidFill>
+            <a:schemeClr val="accent1"/>
+          </a:solidFill>
+          <a:ln>
+            <a:solidFill>
+              <a:schemeClr val="tx1"/>
+            </a:solidFill>
+          </a:ln>
+        </p:spPr>
+        <p:txBody>
+          <a:bodyPr wrap="none" rtlCol="0">
+            <a:spAutoFit/>
+          </a:bodyPr>
+          <a:lstStyle/>
+          <a:p>
+            <a:r>
+              <a:rPr lang="en-US" dirty="0" smtClean="0"/>
+              <a:t>1:</a:t>
+            </a:r>
+            <a:endParaRPr lang="en-US" dirty="0"/>
+          </a:p>
+        </p:txBody>
+      </p:sp>
+      <p:sp>
+        <p:nvSpPr>
+          <p:cNvPr id="9" name="TextBox 8"/>
+          <p:cNvSpPr txBox="1"/>
+          <p:nvPr/>
+        </p:nvSpPr>
+        <p:spPr>
+          <a:xfrm>
+            <a:off x="2362200" y="2667000"/>
+            <a:ext cx="424064" cy="461665"/>
+          </a:xfrm>
+          <a:prstGeom prst="rect">
+            <a:avLst/>
+          </a:prstGeom>
+          <a:solidFill>
+            <a:schemeClr val="accent1"/>
+          </a:solidFill>
+          <a:ln>
+            <a:solidFill>
+              <a:schemeClr val="tx1"/>
+            </a:solidFill>
+          </a:ln>
+        </p:spPr>
+        <p:txBody>
+          <a:bodyPr wrap="none" rtlCol="0">
+            <a:spAutoFit/>
+          </a:bodyPr>
+          <a:lstStyle/>
+          <a:p>
+            <a:r>
+              <a:rPr lang="en-US" dirty="0" smtClean="0"/>
+              <a:t>2:</a:t>
+            </a:r>
+            <a:endParaRPr lang="en-US" dirty="0"/>
+          </a:p>
+        </p:txBody>
+      </p:sp>
+      <p:sp>
+        <p:nvSpPr>
+          <p:cNvPr id="10" name="TextBox 9"/>
+          <p:cNvSpPr txBox="1"/>
+          <p:nvPr/>
+        </p:nvSpPr>
+        <p:spPr>
+          <a:xfrm>
+            <a:off x="2362200" y="3657600"/>
+            <a:ext cx="424064" cy="461665"/>
+          </a:xfrm>
+          <a:prstGeom prst="rect">
+            <a:avLst/>
+          </a:prstGeom>
+          <a:solidFill>
+            <a:schemeClr val="accent1"/>
+          </a:solidFill>
+          <a:ln>
+            <a:solidFill>
+              <a:schemeClr val="tx1"/>
+            </a:solidFill>
+          </a:ln>
+        </p:spPr>
+        <p:txBody>
+          <a:bodyPr wrap="none" rtlCol="0">
+            <a:spAutoFit/>
+          </a:bodyPr>
+          <a:lstStyle/>
+          <a:p>
+            <a:r>
+              <a:rPr lang="en-US" dirty="0" smtClean="0"/>
+              <a:t>3:</a:t>
+            </a:r>
+            <a:endParaRPr lang="en-US" dirty="0"/>
+          </a:p>
+        </p:txBody>
+      </p:sp>
+      <p:sp>
+        <p:nvSpPr>
+          <p:cNvPr id="11" name="TextBox 10"/>
+          <p:cNvSpPr txBox="1"/>
+          <p:nvPr/>
+        </p:nvSpPr>
+        <p:spPr>
+          <a:xfrm>
+            <a:off x="1619672" y="4653136"/>
+            <a:ext cx="1988345" cy="461665"/>
+          </a:xfrm>
+          <a:prstGeom prst="rect">
+            <a:avLst/>
+          </a:prstGeom>
+          <a:solidFill>
+            <a:schemeClr val="accent1"/>
+          </a:solidFill>
+          <a:ln>
+            <a:solidFill>
+              <a:schemeClr val="tx1"/>
+            </a:solidFill>
+          </a:ln>
+        </p:spPr>
+        <p:txBody>
+          <a:bodyPr wrap="none" rtlCol="0">
+            <a:spAutoFit/>
+          </a:bodyPr>
+          <a:lstStyle/>
+          <a:p>
+            <a:r>
+              <a:rPr lang="en-US" dirty="0" smtClean="0"/>
+              <a:t>4</a:t>
+            </a:r>
+            <a:r>
+              <a:rPr lang="en-US" dirty="0" smtClean="0"/>
+              <a:t>: a3=</a:t>
+            </a:r>
+            <a:r>
+              <a:rPr lang="en-US" dirty="0" smtClean="0">
+                <a:sym typeface="Symbol" charset="2"/>
+              </a:rPr>
+              <a:t>(a1,a2)</a:t>
+            </a:r>
+            <a:endParaRPr lang="en-US" dirty="0"/>
+          </a:p>
+        </p:txBody>
+      </p:sp>
+      <p:sp>
+        <p:nvSpPr>
+          <p:cNvPr id="12" name="TextBox 11"/>
+          <p:cNvSpPr txBox="1"/>
+          <p:nvPr/>
+        </p:nvSpPr>
+        <p:spPr>
+          <a:xfrm>
+            <a:off x="4359968" y="2667000"/>
+            <a:ext cx="424064" cy="461665"/>
+          </a:xfrm>
+          <a:prstGeom prst="rect">
+            <a:avLst/>
+          </a:prstGeom>
+          <a:solidFill>
+            <a:srgbClr val="CCFFCC"/>
+          </a:solidFill>
+          <a:ln>
+            <a:solidFill>
+              <a:schemeClr val="tx1"/>
+            </a:solidFill>
+          </a:ln>
+        </p:spPr>
+        <p:txBody>
+          <a:bodyPr wrap="none" rtlCol="0">
+            <a:spAutoFit/>
+          </a:bodyPr>
+          <a:lstStyle/>
+          <a:p>
+            <a:r>
+              <a:rPr lang="en-US" dirty="0" smtClean="0"/>
+              <a:t>5:</a:t>
+            </a:r>
+            <a:endParaRPr lang="en-US" dirty="0"/>
+          </a:p>
+        </p:txBody>
+      </p:sp>
+      <p:sp>
+        <p:nvSpPr>
+          <p:cNvPr id="13" name="TextBox 12"/>
+          <p:cNvSpPr txBox="1"/>
+          <p:nvPr/>
+        </p:nvSpPr>
+        <p:spPr>
+          <a:xfrm>
+            <a:off x="3810000" y="3657600"/>
+            <a:ext cx="424064" cy="461665"/>
+          </a:xfrm>
+          <a:prstGeom prst="rect">
+            <a:avLst/>
+          </a:prstGeom>
+          <a:solidFill>
+            <a:srgbClr val="660066"/>
+          </a:solidFill>
+          <a:ln>
+            <a:solidFill>
+              <a:schemeClr val="tx1"/>
+            </a:solidFill>
+          </a:ln>
+        </p:spPr>
+        <p:txBody>
+          <a:bodyPr wrap="none" rtlCol="0">
+            <a:spAutoFit/>
+          </a:bodyPr>
+          <a:lstStyle/>
+          <a:p>
+            <a:r>
+              <a:rPr lang="en-US" dirty="0" smtClean="0">
+                <a:solidFill>
+                  <a:schemeClr val="bg1"/>
+                </a:solidFill>
+              </a:rPr>
+              <a:t>6:</a:t>
+            </a:r>
+            <a:endParaRPr lang="en-US" dirty="0">
+              <a:solidFill>
+                <a:schemeClr val="bg1"/>
+              </a:solidFill>
+            </a:endParaRPr>
+          </a:p>
+        </p:txBody>
+      </p:sp>
+      <p:sp>
+        <p:nvSpPr>
+          <p:cNvPr id="14" name="TextBox 13"/>
+          <p:cNvSpPr txBox="1"/>
+          <p:nvPr/>
+        </p:nvSpPr>
+        <p:spPr>
+          <a:xfrm>
+            <a:off x="5029200" y="3657600"/>
+            <a:ext cx="424064" cy="461665"/>
+          </a:xfrm>
+          <a:prstGeom prst="rect">
+            <a:avLst/>
+          </a:prstGeom>
+          <a:solidFill>
+            <a:srgbClr val="660066"/>
+          </a:solidFill>
+          <a:ln>
+            <a:solidFill>
+              <a:schemeClr val="tx1"/>
+            </a:solidFill>
+          </a:ln>
+        </p:spPr>
+        <p:txBody>
+          <a:bodyPr wrap="none" rtlCol="0">
+            <a:spAutoFit/>
+          </a:bodyPr>
+          <a:lstStyle/>
+          <a:p>
+            <a:r>
+              <a:rPr lang="en-US" dirty="0" smtClean="0">
+                <a:solidFill>
+                  <a:srgbClr val="FFFFFF"/>
+                </a:solidFill>
+              </a:rPr>
+              <a:t>7:</a:t>
+            </a:r>
+            <a:endParaRPr lang="en-US" dirty="0">
+              <a:solidFill>
+                <a:srgbClr val="FFFFFF"/>
+              </a:solidFill>
+            </a:endParaRPr>
+          </a:p>
+        </p:txBody>
+      </p:sp>
+      <p:sp>
+        <p:nvSpPr>
+          <p:cNvPr id="15" name="TextBox 14"/>
+          <p:cNvSpPr txBox="1"/>
+          <p:nvPr/>
+        </p:nvSpPr>
+        <p:spPr>
+          <a:xfrm>
+            <a:off x="4359968" y="4648200"/>
+            <a:ext cx="424064" cy="461665"/>
+          </a:xfrm>
+          <a:prstGeom prst="rect">
+            <a:avLst/>
+          </a:prstGeom>
+          <a:solidFill>
+            <a:srgbClr val="660066"/>
+          </a:solidFill>
+          <a:ln>
+            <a:solidFill>
+              <a:schemeClr val="tx1"/>
+            </a:solidFill>
+          </a:ln>
+        </p:spPr>
+        <p:txBody>
+          <a:bodyPr wrap="none" rtlCol="0">
+            <a:spAutoFit/>
+          </a:bodyPr>
+          <a:lstStyle/>
+          <a:p>
+            <a:r>
+              <a:rPr lang="en-US" dirty="0" smtClean="0">
+                <a:solidFill>
+                  <a:srgbClr val="FFFFFF"/>
+                </a:solidFill>
+              </a:rPr>
+              <a:t>8:</a:t>
+            </a:r>
+            <a:endParaRPr lang="en-US" dirty="0">
+              <a:solidFill>
+                <a:srgbClr val="FFFFFF"/>
+              </a:solidFill>
+            </a:endParaRPr>
+          </a:p>
+        </p:txBody>
+      </p:sp>
+      <p:sp>
+        <p:nvSpPr>
+          <p:cNvPr id="16" name="TextBox 15"/>
+          <p:cNvSpPr txBox="1"/>
+          <p:nvPr/>
+        </p:nvSpPr>
+        <p:spPr>
+          <a:xfrm>
+            <a:off x="6781800" y="2667000"/>
+            <a:ext cx="424064" cy="461665"/>
+          </a:xfrm>
+          <a:prstGeom prst="rect">
+            <a:avLst/>
+          </a:prstGeom>
+          <a:solidFill>
+            <a:schemeClr val="accent1"/>
+          </a:solidFill>
+          <a:ln>
+            <a:solidFill>
+              <a:schemeClr val="tx1"/>
+            </a:solidFill>
+          </a:ln>
+        </p:spPr>
+        <p:txBody>
+          <a:bodyPr wrap="none" rtlCol="0">
+            <a:spAutoFit/>
+          </a:bodyPr>
+          <a:lstStyle/>
+          <a:p>
+            <a:r>
+              <a:rPr lang="en-US" dirty="0" smtClean="0"/>
+              <a:t>9:</a:t>
+            </a:r>
+            <a:endParaRPr lang="en-US" dirty="0"/>
+          </a:p>
+        </p:txBody>
+      </p:sp>
+      <p:sp>
+        <p:nvSpPr>
+          <p:cNvPr id="17" name="TextBox 16"/>
+          <p:cNvSpPr txBox="1"/>
+          <p:nvPr/>
+        </p:nvSpPr>
+        <p:spPr>
+          <a:xfrm>
+            <a:off x="6172200" y="3657600"/>
+            <a:ext cx="577953" cy="461665"/>
+          </a:xfrm>
+          <a:prstGeom prst="rect">
+            <a:avLst/>
+          </a:prstGeom>
+          <a:solidFill>
+            <a:schemeClr val="accent1"/>
+          </a:solidFill>
+          <a:ln>
+            <a:solidFill>
+              <a:schemeClr val="tx1"/>
+            </a:solidFill>
+          </a:ln>
+        </p:spPr>
+        <p:txBody>
+          <a:bodyPr wrap="none" rtlCol="0">
+            <a:spAutoFit/>
+          </a:bodyPr>
+          <a:lstStyle/>
+          <a:p>
+            <a:r>
+              <a:rPr lang="en-US" dirty="0" smtClean="0"/>
+              <a:t>10:</a:t>
+            </a:r>
+            <a:endParaRPr lang="en-US" dirty="0"/>
+          </a:p>
+        </p:txBody>
+      </p:sp>
+      <p:sp>
+        <p:nvSpPr>
+          <p:cNvPr id="18" name="TextBox 17"/>
+          <p:cNvSpPr txBox="1"/>
+          <p:nvPr/>
+        </p:nvSpPr>
+        <p:spPr>
+          <a:xfrm>
+            <a:off x="7391400" y="3657600"/>
+            <a:ext cx="566682" cy="461665"/>
+          </a:xfrm>
+          <a:prstGeom prst="rect">
+            <a:avLst/>
+          </a:prstGeom>
+          <a:solidFill>
+            <a:schemeClr val="accent1"/>
+          </a:solidFill>
+          <a:ln>
+            <a:solidFill>
+              <a:schemeClr val="tx1"/>
+            </a:solidFill>
+          </a:ln>
+        </p:spPr>
+        <p:txBody>
+          <a:bodyPr wrap="none" rtlCol="0">
+            <a:spAutoFit/>
+          </a:bodyPr>
+          <a:lstStyle/>
+          <a:p>
+            <a:r>
+              <a:rPr lang="en-US" dirty="0" smtClean="0"/>
+              <a:t>11:</a:t>
+            </a:r>
+            <a:endParaRPr lang="en-US" dirty="0"/>
+          </a:p>
+        </p:txBody>
+      </p:sp>
+      <p:sp>
+        <p:nvSpPr>
+          <p:cNvPr id="19" name="TextBox 18"/>
+          <p:cNvSpPr txBox="1"/>
+          <p:nvPr/>
+        </p:nvSpPr>
+        <p:spPr>
+          <a:xfrm>
+            <a:off x="6781800" y="4648200"/>
+            <a:ext cx="577953" cy="461665"/>
+          </a:xfrm>
+          <a:prstGeom prst="rect">
+            <a:avLst/>
+          </a:prstGeom>
+          <a:solidFill>
+            <a:schemeClr val="accent1"/>
+          </a:solidFill>
+          <a:ln>
+            <a:solidFill>
+              <a:schemeClr val="tx1"/>
+            </a:solidFill>
+          </a:ln>
+        </p:spPr>
+        <p:txBody>
+          <a:bodyPr wrap="none" rtlCol="0">
+            <a:spAutoFit/>
+          </a:bodyPr>
+          <a:lstStyle/>
+          <a:p>
+            <a:r>
+              <a:rPr lang="en-US" dirty="0" smtClean="0"/>
+              <a:t>12:</a:t>
+            </a:r>
+            <a:endParaRPr lang="en-US" dirty="0"/>
+          </a:p>
+        </p:txBody>
+      </p:sp>
+      <p:sp>
+        <p:nvSpPr>
+          <p:cNvPr id="20" name="TextBox 19"/>
+          <p:cNvSpPr txBox="1"/>
+          <p:nvPr/>
+        </p:nvSpPr>
+        <p:spPr>
+          <a:xfrm>
+            <a:off x="4283023" y="5715000"/>
+            <a:ext cx="577953" cy="461665"/>
+          </a:xfrm>
+          <a:prstGeom prst="rect">
+            <a:avLst/>
+          </a:prstGeom>
+          <a:solidFill>
+            <a:schemeClr val="accent1"/>
+          </a:solidFill>
+          <a:ln>
+            <a:solidFill>
+              <a:schemeClr val="tx1"/>
+            </a:solidFill>
+          </a:ln>
+        </p:spPr>
+        <p:txBody>
+          <a:bodyPr wrap="none" rtlCol="0">
+            <a:spAutoFit/>
+          </a:bodyPr>
+          <a:lstStyle/>
+          <a:p>
+            <a:r>
+              <a:rPr lang="en-US" dirty="0" smtClean="0"/>
+              <a:t>13:</a:t>
+            </a:r>
+            <a:endParaRPr lang="en-US" dirty="0"/>
+          </a:p>
+        </p:txBody>
+      </p:sp>
+      <p:cxnSp>
+        <p:nvCxnSpPr>
+          <p:cNvPr id="22" name="Straight Arrow Connector 21"/>
+          <p:cNvCxnSpPr>
+            <a:stCxn id="8" idx="2"/>
+            <a:endCxn id="9" idx="0"/>
+          </p:cNvCxnSpPr>
+          <p:nvPr/>
+        </p:nvCxnSpPr>
+        <p:spPr bwMode="auto">
+          <a:xfrm rot="5400000">
+            <a:off x="3346749" y="1441748"/>
+            <a:ext cx="452735" cy="1997768"/>
+          </a:xfrm>
+          <a:prstGeom prst="straightConnector1">
+            <a:avLst/>
+          </a:prstGeom>
+          <a:solidFill>
+            <a:schemeClr val="accent1"/>
+          </a:solidFill>
+          <a:ln w="9525" cap="flat" cmpd="sng" algn="ctr">
+            <a:solidFill>
+              <a:schemeClr val="tx1"/>
+            </a:solidFill>
+            <a:prstDash val="solid"/>
+            <a:round/>
+            <a:headEnd type="none" w="med" len="med"/>
+            <a:tailEnd type="arrow"/>
+          </a:ln>
+          <a:effectLst/>
+        </p:spPr>
+      </p:cxnSp>
+      <p:cxnSp>
+        <p:nvCxnSpPr>
+          <p:cNvPr id="24" name="Straight Arrow Connector 23"/>
+          <p:cNvCxnSpPr>
+            <a:stCxn id="8" idx="2"/>
+            <a:endCxn id="12" idx="0"/>
+          </p:cNvCxnSpPr>
+          <p:nvPr/>
+        </p:nvCxnSpPr>
+        <p:spPr bwMode="auto">
+          <a:xfrm rot="5400000">
+            <a:off x="4345633" y="2440632"/>
+            <a:ext cx="452735" cy="1588"/>
+          </a:xfrm>
+          <a:prstGeom prst="straightConnector1">
+            <a:avLst/>
+          </a:prstGeom>
+          <a:solidFill>
+            <a:schemeClr val="accent1"/>
+          </a:solidFill>
+          <a:ln w="9525" cap="flat" cmpd="sng" algn="ctr">
+            <a:solidFill>
+              <a:schemeClr val="tx1"/>
+            </a:solidFill>
+            <a:prstDash val="solid"/>
+            <a:round/>
+            <a:headEnd type="none" w="med" len="med"/>
+            <a:tailEnd type="arrow"/>
+          </a:ln>
+          <a:effectLst/>
+        </p:spPr>
+      </p:cxnSp>
+      <p:cxnSp>
+        <p:nvCxnSpPr>
+          <p:cNvPr id="25" name="Straight Arrow Connector 24"/>
+          <p:cNvCxnSpPr>
+            <a:stCxn id="8" idx="2"/>
+            <a:endCxn id="16" idx="0"/>
+          </p:cNvCxnSpPr>
+          <p:nvPr/>
+        </p:nvCxnSpPr>
+        <p:spPr bwMode="auto">
+          <a:xfrm rot="16200000" flipH="1">
+            <a:off x="5556549" y="1229716"/>
+            <a:ext cx="452735" cy="2421832"/>
+          </a:xfrm>
+          <a:prstGeom prst="straightConnector1">
+            <a:avLst/>
+          </a:prstGeom>
+          <a:solidFill>
+            <a:schemeClr val="accent1"/>
+          </a:solidFill>
+          <a:ln w="9525" cap="flat" cmpd="sng" algn="ctr">
+            <a:solidFill>
+              <a:schemeClr val="tx1"/>
+            </a:solidFill>
+            <a:prstDash val="solid"/>
+            <a:round/>
+            <a:headEnd type="none" w="med" len="med"/>
+            <a:tailEnd type="arrow"/>
+          </a:ln>
+          <a:effectLst/>
+        </p:spPr>
+      </p:cxnSp>
+      <p:cxnSp>
+        <p:nvCxnSpPr>
+          <p:cNvPr id="26" name="Straight Arrow Connector 25"/>
+          <p:cNvCxnSpPr>
+            <a:stCxn id="9" idx="2"/>
+            <a:endCxn id="10" idx="0"/>
+          </p:cNvCxnSpPr>
+          <p:nvPr/>
+        </p:nvCxnSpPr>
+        <p:spPr bwMode="auto">
+          <a:xfrm rot="5400000">
+            <a:off x="2309765" y="3393132"/>
+            <a:ext cx="528935" cy="1588"/>
+          </a:xfrm>
+          <a:prstGeom prst="straightConnector1">
+            <a:avLst/>
+          </a:prstGeom>
+          <a:solidFill>
+            <a:schemeClr val="accent1"/>
+          </a:solidFill>
+          <a:ln w="9525" cap="flat" cmpd="sng" algn="ctr">
+            <a:solidFill>
+              <a:schemeClr val="tx1"/>
+            </a:solidFill>
+            <a:prstDash val="solid"/>
+            <a:round/>
+            <a:headEnd type="none" w="med" len="med"/>
+            <a:tailEnd type="arrow"/>
+          </a:ln>
+          <a:effectLst/>
+        </p:spPr>
+      </p:cxnSp>
+      <p:cxnSp>
+        <p:nvCxnSpPr>
+          <p:cNvPr id="27" name="Straight Arrow Connector 26"/>
+          <p:cNvCxnSpPr>
+            <a:stCxn id="10" idx="2"/>
+            <a:endCxn id="11" idx="0"/>
+          </p:cNvCxnSpPr>
+          <p:nvPr/>
+        </p:nvCxnSpPr>
+        <p:spPr bwMode="auto">
+          <a:xfrm>
+            <a:off x="2574232" y="4119265"/>
+            <a:ext cx="39613" cy="533871"/>
+          </a:xfrm>
+          <a:prstGeom prst="straightConnector1">
+            <a:avLst/>
+          </a:prstGeom>
+          <a:solidFill>
+            <a:schemeClr val="accent1"/>
+          </a:solidFill>
+          <a:ln w="9525" cap="flat" cmpd="sng" algn="ctr">
+            <a:solidFill>
+              <a:schemeClr val="tx1"/>
+            </a:solidFill>
+            <a:prstDash val="solid"/>
+            <a:round/>
+            <a:headEnd type="none" w="med" len="med"/>
+            <a:tailEnd type="arrow"/>
+          </a:ln>
+          <a:effectLst/>
+        </p:spPr>
+      </p:cxnSp>
+      <p:cxnSp>
+        <p:nvCxnSpPr>
+          <p:cNvPr id="28" name="Straight Arrow Connector 27"/>
+          <p:cNvCxnSpPr>
+            <a:stCxn id="11" idx="2"/>
+            <a:endCxn id="20" idx="1"/>
+          </p:cNvCxnSpPr>
+          <p:nvPr/>
+        </p:nvCxnSpPr>
+        <p:spPr bwMode="auto">
+          <a:xfrm>
+            <a:off x="2613845" y="5114801"/>
+            <a:ext cx="1669178" cy="831032"/>
+          </a:xfrm>
+          <a:prstGeom prst="straightConnector1">
+            <a:avLst/>
+          </a:prstGeom>
+          <a:solidFill>
+            <a:schemeClr val="accent1"/>
+          </a:solidFill>
+          <a:ln w="9525" cap="flat" cmpd="sng" algn="ctr">
+            <a:solidFill>
+              <a:schemeClr val="tx1"/>
+            </a:solidFill>
+            <a:prstDash val="solid"/>
+            <a:round/>
+            <a:headEnd type="none" w="med" len="med"/>
+            <a:tailEnd type="arrow"/>
+          </a:ln>
+          <a:effectLst/>
+        </p:spPr>
+      </p:cxnSp>
+      <p:cxnSp>
+        <p:nvCxnSpPr>
+          <p:cNvPr id="29" name="Straight Arrow Connector 28"/>
+          <p:cNvCxnSpPr>
+            <a:stCxn id="12" idx="2"/>
+            <a:endCxn id="13" idx="0"/>
+          </p:cNvCxnSpPr>
+          <p:nvPr/>
+        </p:nvCxnSpPr>
+        <p:spPr bwMode="auto">
+          <a:xfrm rot="5400000">
+            <a:off x="4032549" y="3118148"/>
+            <a:ext cx="528935" cy="549968"/>
+          </a:xfrm>
+          <a:prstGeom prst="straightConnector1">
+            <a:avLst/>
+          </a:prstGeom>
+          <a:solidFill>
+            <a:schemeClr val="accent1"/>
+          </a:solidFill>
+          <a:ln w="9525" cap="flat" cmpd="sng" algn="ctr">
+            <a:solidFill>
+              <a:schemeClr val="tx1"/>
+            </a:solidFill>
+            <a:prstDash val="solid"/>
+            <a:round/>
+            <a:headEnd type="none" w="med" len="med"/>
+            <a:tailEnd type="arrow"/>
+          </a:ln>
+          <a:effectLst/>
+        </p:spPr>
+      </p:cxnSp>
+      <p:cxnSp>
+        <p:nvCxnSpPr>
+          <p:cNvPr id="30" name="Straight Arrow Connector 29"/>
+          <p:cNvCxnSpPr>
+            <a:stCxn id="12" idx="2"/>
+            <a:endCxn id="14" idx="0"/>
+          </p:cNvCxnSpPr>
+          <p:nvPr/>
+        </p:nvCxnSpPr>
+        <p:spPr bwMode="auto">
+          <a:xfrm rot="16200000" flipH="1">
+            <a:off x="4642149" y="3058516"/>
+            <a:ext cx="528935" cy="669232"/>
+          </a:xfrm>
+          <a:prstGeom prst="straightConnector1">
+            <a:avLst/>
+          </a:prstGeom>
+          <a:solidFill>
+            <a:schemeClr val="accent1"/>
+          </a:solidFill>
+          <a:ln w="9525" cap="flat" cmpd="sng" algn="ctr">
+            <a:solidFill>
+              <a:schemeClr val="tx1"/>
+            </a:solidFill>
+            <a:prstDash val="solid"/>
+            <a:round/>
+            <a:headEnd type="none" w="med" len="med"/>
+            <a:tailEnd type="arrow"/>
+          </a:ln>
+          <a:effectLst/>
+        </p:spPr>
+      </p:cxnSp>
+      <p:cxnSp>
+        <p:nvCxnSpPr>
+          <p:cNvPr id="31" name="Straight Arrow Connector 30"/>
+          <p:cNvCxnSpPr>
+            <a:stCxn id="13" idx="2"/>
+            <a:endCxn id="15" idx="0"/>
+          </p:cNvCxnSpPr>
+          <p:nvPr/>
+        </p:nvCxnSpPr>
+        <p:spPr bwMode="auto">
+          <a:xfrm rot="16200000" flipH="1">
+            <a:off x="4032549" y="4108748"/>
+            <a:ext cx="528935" cy="549968"/>
+          </a:xfrm>
+          <a:prstGeom prst="straightConnector1">
+            <a:avLst/>
+          </a:prstGeom>
+          <a:solidFill>
+            <a:schemeClr val="accent1"/>
+          </a:solidFill>
+          <a:ln w="9525" cap="flat" cmpd="sng" algn="ctr">
+            <a:solidFill>
+              <a:schemeClr val="tx1"/>
+            </a:solidFill>
+            <a:prstDash val="solid"/>
+            <a:round/>
+            <a:headEnd type="none" w="med" len="med"/>
+            <a:tailEnd type="arrow"/>
+          </a:ln>
+          <a:effectLst/>
+        </p:spPr>
+      </p:cxnSp>
+      <p:cxnSp>
+        <p:nvCxnSpPr>
+          <p:cNvPr id="32" name="Straight Arrow Connector 31"/>
+          <p:cNvCxnSpPr>
+            <a:stCxn id="14" idx="2"/>
+            <a:endCxn id="15" idx="0"/>
+          </p:cNvCxnSpPr>
+          <p:nvPr/>
+        </p:nvCxnSpPr>
+        <p:spPr bwMode="auto">
+          <a:xfrm rot="5400000">
+            <a:off x="4642149" y="4049116"/>
+            <a:ext cx="528935" cy="669232"/>
+          </a:xfrm>
+          <a:prstGeom prst="straightConnector1">
+            <a:avLst/>
+          </a:prstGeom>
+          <a:solidFill>
+            <a:schemeClr val="accent1"/>
+          </a:solidFill>
+          <a:ln w="9525" cap="flat" cmpd="sng" algn="ctr">
+            <a:solidFill>
+              <a:schemeClr val="tx1"/>
+            </a:solidFill>
+            <a:prstDash val="solid"/>
+            <a:round/>
+            <a:headEnd type="none" w="med" len="med"/>
+            <a:tailEnd type="arrow"/>
+          </a:ln>
+          <a:effectLst/>
+        </p:spPr>
+      </p:cxnSp>
+      <p:cxnSp>
+        <p:nvCxnSpPr>
+          <p:cNvPr id="33" name="Straight Arrow Connector 32"/>
+          <p:cNvCxnSpPr>
+            <a:stCxn id="15" idx="2"/>
+            <a:endCxn id="20" idx="0"/>
+          </p:cNvCxnSpPr>
+          <p:nvPr/>
+        </p:nvCxnSpPr>
+        <p:spPr bwMode="auto">
+          <a:xfrm rot="5400000">
+            <a:off x="4269433" y="5412432"/>
+            <a:ext cx="605135" cy="1588"/>
+          </a:xfrm>
+          <a:prstGeom prst="straightConnector1">
+            <a:avLst/>
+          </a:prstGeom>
+          <a:solidFill>
+            <a:schemeClr val="accent1"/>
+          </a:solidFill>
+          <a:ln w="9525" cap="flat" cmpd="sng" algn="ctr">
+            <a:solidFill>
+              <a:schemeClr val="tx1"/>
+            </a:solidFill>
+            <a:prstDash val="solid"/>
+            <a:round/>
+            <a:headEnd type="none" w="med" len="med"/>
+            <a:tailEnd type="arrow"/>
+          </a:ln>
+          <a:effectLst/>
+        </p:spPr>
+      </p:cxnSp>
+      <p:cxnSp>
+        <p:nvCxnSpPr>
+          <p:cNvPr id="57" name="Straight Arrow Connector 56"/>
+          <p:cNvCxnSpPr>
+            <a:stCxn id="16" idx="2"/>
+            <a:endCxn id="17" idx="0"/>
+          </p:cNvCxnSpPr>
+          <p:nvPr/>
+        </p:nvCxnSpPr>
+        <p:spPr bwMode="auto">
+          <a:xfrm rot="5400000">
+            <a:off x="6463038" y="3126805"/>
+            <a:ext cx="528935" cy="532655"/>
+          </a:xfrm>
+          <a:prstGeom prst="straightConnector1">
+            <a:avLst/>
+          </a:prstGeom>
+          <a:solidFill>
+            <a:schemeClr val="accent1"/>
+          </a:solidFill>
+          <a:ln w="9525" cap="flat" cmpd="sng" algn="ctr">
+            <a:solidFill>
+              <a:schemeClr val="tx1"/>
+            </a:solidFill>
+            <a:prstDash val="solid"/>
+            <a:round/>
+            <a:headEnd type="none" w="med" len="med"/>
+            <a:tailEnd type="arrow"/>
+          </a:ln>
+          <a:effectLst/>
+        </p:spPr>
+      </p:cxnSp>
+      <p:cxnSp>
+        <p:nvCxnSpPr>
+          <p:cNvPr id="60" name="Straight Arrow Connector 59"/>
+          <p:cNvCxnSpPr>
+            <a:stCxn id="16" idx="2"/>
+            <a:endCxn id="18" idx="0"/>
+          </p:cNvCxnSpPr>
+          <p:nvPr/>
+        </p:nvCxnSpPr>
+        <p:spPr bwMode="auto">
+          <a:xfrm rot="16200000" flipH="1">
+            <a:off x="7069819" y="3052677"/>
+            <a:ext cx="528935" cy="680909"/>
+          </a:xfrm>
+          <a:prstGeom prst="straightConnector1">
+            <a:avLst/>
+          </a:prstGeom>
+          <a:solidFill>
+            <a:schemeClr val="accent1"/>
+          </a:solidFill>
+          <a:ln w="9525" cap="flat" cmpd="sng" algn="ctr">
+            <a:solidFill>
+              <a:schemeClr val="tx1"/>
+            </a:solidFill>
+            <a:prstDash val="solid"/>
+            <a:round/>
+            <a:headEnd type="none" w="med" len="med"/>
+            <a:tailEnd type="arrow"/>
+          </a:ln>
+          <a:effectLst/>
+        </p:spPr>
+      </p:cxnSp>
+      <p:cxnSp>
+        <p:nvCxnSpPr>
+          <p:cNvPr id="63" name="Straight Arrow Connector 62"/>
+          <p:cNvCxnSpPr>
+            <a:stCxn id="17" idx="2"/>
+            <a:endCxn id="19" idx="0"/>
+          </p:cNvCxnSpPr>
+          <p:nvPr/>
+        </p:nvCxnSpPr>
+        <p:spPr bwMode="auto">
+          <a:xfrm rot="16200000" flipH="1">
+            <a:off x="6501510" y="4078932"/>
+            <a:ext cx="528935" cy="609600"/>
+          </a:xfrm>
+          <a:prstGeom prst="straightConnector1">
+            <a:avLst/>
+          </a:prstGeom>
+          <a:solidFill>
+            <a:schemeClr val="accent1"/>
+          </a:solidFill>
+          <a:ln w="9525" cap="flat" cmpd="sng" algn="ctr">
+            <a:solidFill>
+              <a:schemeClr val="tx1"/>
+            </a:solidFill>
+            <a:prstDash val="solid"/>
+            <a:round/>
+            <a:headEnd type="none" w="med" len="med"/>
+            <a:tailEnd type="arrow"/>
+          </a:ln>
+          <a:effectLst/>
+        </p:spPr>
+      </p:cxnSp>
+      <p:cxnSp>
+        <p:nvCxnSpPr>
+          <p:cNvPr id="66" name="Straight Arrow Connector 65"/>
+          <p:cNvCxnSpPr>
+            <a:stCxn id="18" idx="2"/>
+            <a:endCxn id="19" idx="0"/>
+          </p:cNvCxnSpPr>
+          <p:nvPr/>
+        </p:nvCxnSpPr>
+        <p:spPr bwMode="auto">
+          <a:xfrm rot="5400000">
+            <a:off x="7108292" y="4081750"/>
+            <a:ext cx="528935" cy="603964"/>
+          </a:xfrm>
+          <a:prstGeom prst="straightConnector1">
+            <a:avLst/>
+          </a:prstGeom>
+          <a:solidFill>
+            <a:schemeClr val="accent1"/>
+          </a:solidFill>
+          <a:ln w="9525" cap="flat" cmpd="sng" algn="ctr">
+            <a:solidFill>
+              <a:schemeClr val="tx1"/>
+            </a:solidFill>
+            <a:prstDash val="solid"/>
+            <a:round/>
+            <a:headEnd type="none" w="med" len="med"/>
+            <a:tailEnd type="arrow"/>
+          </a:ln>
+          <a:effectLst/>
+        </p:spPr>
+      </p:cxnSp>
+      <p:cxnSp>
+        <p:nvCxnSpPr>
+          <p:cNvPr id="69" name="Straight Arrow Connector 68"/>
+          <p:cNvCxnSpPr>
+            <a:stCxn id="14" idx="2"/>
+            <a:endCxn id="19" idx="1"/>
+          </p:cNvCxnSpPr>
+          <p:nvPr/>
+        </p:nvCxnSpPr>
+        <p:spPr bwMode="auto">
+          <a:xfrm rot="16200000" flipH="1">
+            <a:off x="5631632" y="3728865"/>
+            <a:ext cx="759768" cy="1540568"/>
+          </a:xfrm>
+          <a:prstGeom prst="straightConnector1">
+            <a:avLst/>
+          </a:prstGeom>
+          <a:solidFill>
+            <a:schemeClr val="accent1"/>
+          </a:solidFill>
+          <a:ln w="9525" cap="flat" cmpd="sng" algn="ctr">
+            <a:solidFill>
+              <a:schemeClr val="tx1"/>
+            </a:solidFill>
+            <a:prstDash val="solid"/>
+            <a:round/>
+            <a:headEnd type="none" w="med" len="med"/>
+            <a:tailEnd type="arrow"/>
+          </a:ln>
+          <a:effectLst/>
+        </p:spPr>
+      </p:cxnSp>
+      <p:cxnSp>
+        <p:nvCxnSpPr>
+          <p:cNvPr id="73" name="Straight Arrow Connector 72"/>
+          <p:cNvCxnSpPr>
+            <a:stCxn id="19" idx="2"/>
+            <a:endCxn id="20" idx="3"/>
+          </p:cNvCxnSpPr>
+          <p:nvPr/>
+        </p:nvCxnSpPr>
+        <p:spPr bwMode="auto">
+          <a:xfrm rot="5400000">
+            <a:off x="5547893" y="4422949"/>
+            <a:ext cx="835968" cy="2209801"/>
+          </a:xfrm>
+          <a:prstGeom prst="straightConnector1">
+            <a:avLst/>
+          </a:prstGeom>
+          <a:solidFill>
+            <a:schemeClr val="accent1"/>
+          </a:solidFill>
+          <a:ln w="9525" cap="flat" cmpd="sng" algn="ctr">
+            <a:solidFill>
+              <a:schemeClr val="tx1"/>
+            </a:solidFill>
+            <a:prstDash val="solid"/>
+            <a:round/>
+            <a:headEnd type="none" w="med" len="med"/>
+            <a:tailEnd type="arrow"/>
+          </a:ln>
+          <a:effectLst/>
+        </p:spPr>
+      </p:cxnSp>
+      <p:cxnSp>
+        <p:nvCxnSpPr>
+          <p:cNvPr id="76" name="Straight Arrow Connector 75"/>
+          <p:cNvCxnSpPr>
+            <a:stCxn id="13" idx="2"/>
+            <a:endCxn id="11" idx="3"/>
+          </p:cNvCxnSpPr>
+          <p:nvPr/>
+        </p:nvCxnSpPr>
+        <p:spPr bwMode="auto">
+          <a:xfrm flipH="1">
+            <a:off x="3608017" y="4119265"/>
+            <a:ext cx="414015" cy="764704"/>
+          </a:xfrm>
+          <a:prstGeom prst="straightConnector1">
+            <a:avLst/>
+          </a:prstGeom>
+          <a:solidFill>
+            <a:schemeClr val="accent1"/>
+          </a:solidFill>
+          <a:ln w="9525" cap="flat" cmpd="sng" algn="ctr">
+            <a:solidFill>
+              <a:schemeClr val="tx1"/>
+            </a:solidFill>
+            <a:prstDash val="solid"/>
+            <a:round/>
+            <a:headEnd type="none" w="med" len="med"/>
+            <a:tailEnd type="arrow"/>
+          </a:ln>
+          <a:effectLst/>
+        </p:spPr>
+      </p:cxnSp>
+      <p:cxnSp>
+        <p:nvCxnSpPr>
+          <p:cNvPr id="80" name="Shape 79"/>
+          <p:cNvCxnSpPr>
+            <a:stCxn id="10" idx="1"/>
+            <a:endCxn id="10" idx="0"/>
+          </p:cNvCxnSpPr>
+          <p:nvPr/>
+        </p:nvCxnSpPr>
+        <p:spPr bwMode="auto">
+          <a:xfrm rot="10800000" flipH="1">
+            <a:off x="2362200" y="3657601"/>
+            <a:ext cx="212032" cy="230833"/>
+          </a:xfrm>
+          <a:prstGeom prst="curvedConnector4">
+            <a:avLst>
+              <a:gd name="adj1" fmla="val -107814"/>
+              <a:gd name="adj2" fmla="val 199033"/>
+            </a:avLst>
+          </a:prstGeom>
+          <a:solidFill>
+            <a:schemeClr val="accent1"/>
+          </a:solidFill>
+          <a:ln w="9525" cap="flat" cmpd="sng" algn="ctr">
+            <a:solidFill>
+              <a:schemeClr val="tx1"/>
+            </a:solidFill>
+            <a:prstDash val="solid"/>
+            <a:round/>
+            <a:headEnd type="none" w="med" len="med"/>
+            <a:tailEnd type="arrow"/>
+          </a:ln>
+          <a:effectLst/>
+        </p:spPr>
+      </p:cxnSp>
+      <p:cxnSp>
+        <p:nvCxnSpPr>
+          <p:cNvPr id="81" name="Shape 80"/>
+          <p:cNvCxnSpPr>
+            <a:stCxn id="15" idx="1"/>
+            <a:endCxn id="12" idx="1"/>
+          </p:cNvCxnSpPr>
+          <p:nvPr/>
+        </p:nvCxnSpPr>
+        <p:spPr bwMode="auto">
+          <a:xfrm rot="10800000">
+            <a:off x="4359968" y="2897833"/>
+            <a:ext cx="1588" cy="1981200"/>
+          </a:xfrm>
+          <a:prstGeom prst="curvedConnector3">
+            <a:avLst>
+              <a:gd name="adj1" fmla="val 63979849"/>
+            </a:avLst>
+          </a:prstGeom>
+          <a:solidFill>
+            <a:schemeClr val="accent1"/>
+          </a:solidFill>
+          <a:ln w="9525" cap="flat" cmpd="sng" algn="ctr">
+            <a:solidFill>
+              <a:schemeClr val="tx1"/>
+            </a:solidFill>
+            <a:prstDash val="solid"/>
+            <a:round/>
+            <a:headEnd type="none" w="med" len="med"/>
+            <a:tailEnd type="arrow"/>
+          </a:ln>
+          <a:effectLst/>
+        </p:spPr>
+      </p:cxnSp>
+      <p:sp>
+        <p:nvSpPr>
+          <p:cNvPr id="37" name="TextBox 36"/>
+          <p:cNvSpPr txBox="1"/>
+          <p:nvPr/>
+        </p:nvSpPr>
+        <p:spPr>
+          <a:xfrm>
+            <a:off x="4932040" y="1700808"/>
+            <a:ext cx="648735" cy="461665"/>
+          </a:xfrm>
+          <a:prstGeom prst="rect">
+            <a:avLst/>
+          </a:prstGeom>
+          <a:noFill/>
+        </p:spPr>
+        <p:txBody>
+          <a:bodyPr wrap="none" rtlCol="0">
+            <a:spAutoFit/>
+          </a:bodyPr>
+          <a:lstStyle/>
+          <a:p>
+            <a:r>
+              <a:rPr lang="en-US" dirty="0" smtClean="0"/>
+              <a:t>a=0</a:t>
+            </a:r>
+            <a:endParaRPr lang="en-US" dirty="0"/>
+          </a:p>
+        </p:txBody>
+      </p:sp>
     </p:spTree>
+    <p:extLst>
+      <p:ext uri="{BB962C8B-B14F-4D97-AF65-F5344CB8AC3E}">
+        <p14:creationId xmlns:p14="http://schemas.microsoft.com/office/powerpoint/2010/main" val="3556215333"/>
+      </p:ext>
+    </p:extLst>
   </p:cSld>
   <p:clrMapOvr>
     <a:masterClrMapping/>
@@ -4730,33 +5853,9 @@
           <a:p>
             <a:r>
               <a:rPr lang="en-US" dirty="0" smtClean="0"/>
-              <a:t>Dominance Frontier</a:t>
+              <a:t>Dominance Relation</a:t>
             </a:r>
             <a:endParaRPr lang="en-US" dirty="0"/>
-          </a:p>
-        </p:txBody>
-      </p:sp>
-      <p:sp>
-        <p:nvSpPr>
-          <p:cNvPr id="3" name="Date Placeholder 2"/>
-          <p:cNvSpPr>
-            <a:spLocks noGrp="1"/>
-          </p:cNvSpPr>
-          <p:nvPr>
-            <p:ph type="dt" sz="half" idx="10"/>
-          </p:nvPr>
-        </p:nvSpPr>
-        <p:spPr/>
-        <p:txBody>
-          <a:bodyPr/>
-          <a:lstStyle/>
-          <a:p>
-            <a:fld id="{C4DFBF3A-2DAB-514F-ACE2-471A02E60E43}" type="datetime1">
-              <a:rPr lang="en-US" smtClean="0"/>
-              <a:pPr/>
-              <a:t>16-07-12</a:t>
-            </a:fld>
-            <a:endParaRPr lang="en-US"/>
           </a:p>
         </p:txBody>
       </p:sp>
@@ -4779,6 +5878,1425 @@
               <a:rPr lang="en-US" smtClean="0"/>
               <a:pPr/>
               <a:t>11</a:t>
+            </a:fld>
+            <a:endParaRPr lang="en-US"/>
+          </a:p>
+        </p:txBody>
+      </p:sp>
+      <p:sp>
+        <p:nvSpPr>
+          <p:cNvPr id="8" name="TextBox 7"/>
+          <p:cNvSpPr txBox="1"/>
+          <p:nvPr/>
+        </p:nvSpPr>
+        <p:spPr>
+          <a:xfrm>
+            <a:off x="4359968" y="1752600"/>
+            <a:ext cx="424064" cy="461665"/>
+          </a:xfrm>
+          <a:prstGeom prst="rect">
+            <a:avLst/>
+          </a:prstGeom>
+          <a:solidFill>
+            <a:schemeClr val="accent1"/>
+          </a:solidFill>
+          <a:ln>
+            <a:solidFill>
+              <a:schemeClr val="tx1"/>
+            </a:solidFill>
+          </a:ln>
+        </p:spPr>
+        <p:txBody>
+          <a:bodyPr wrap="none" rtlCol="0">
+            <a:spAutoFit/>
+          </a:bodyPr>
+          <a:lstStyle/>
+          <a:p>
+            <a:r>
+              <a:rPr lang="en-US" dirty="0" smtClean="0"/>
+              <a:t>1:</a:t>
+            </a:r>
+            <a:endParaRPr lang="en-US" dirty="0"/>
+          </a:p>
+        </p:txBody>
+      </p:sp>
+      <p:sp>
+        <p:nvSpPr>
+          <p:cNvPr id="9" name="TextBox 8"/>
+          <p:cNvSpPr txBox="1"/>
+          <p:nvPr/>
+        </p:nvSpPr>
+        <p:spPr>
+          <a:xfrm>
+            <a:off x="2362200" y="2667000"/>
+            <a:ext cx="424064" cy="461665"/>
+          </a:xfrm>
+          <a:prstGeom prst="rect">
+            <a:avLst/>
+          </a:prstGeom>
+          <a:solidFill>
+            <a:schemeClr val="accent1"/>
+          </a:solidFill>
+          <a:ln>
+            <a:solidFill>
+              <a:schemeClr val="tx1"/>
+            </a:solidFill>
+          </a:ln>
+        </p:spPr>
+        <p:txBody>
+          <a:bodyPr wrap="none" rtlCol="0">
+            <a:spAutoFit/>
+          </a:bodyPr>
+          <a:lstStyle/>
+          <a:p>
+            <a:r>
+              <a:rPr lang="en-US" dirty="0" smtClean="0"/>
+              <a:t>2:</a:t>
+            </a:r>
+            <a:endParaRPr lang="en-US" dirty="0"/>
+          </a:p>
+        </p:txBody>
+      </p:sp>
+      <p:sp>
+        <p:nvSpPr>
+          <p:cNvPr id="10" name="TextBox 9"/>
+          <p:cNvSpPr txBox="1"/>
+          <p:nvPr/>
+        </p:nvSpPr>
+        <p:spPr>
+          <a:xfrm>
+            <a:off x="2362200" y="3657600"/>
+            <a:ext cx="424064" cy="461665"/>
+          </a:xfrm>
+          <a:prstGeom prst="rect">
+            <a:avLst/>
+          </a:prstGeom>
+          <a:solidFill>
+            <a:schemeClr val="accent1"/>
+          </a:solidFill>
+          <a:ln>
+            <a:solidFill>
+              <a:schemeClr val="tx1"/>
+            </a:solidFill>
+          </a:ln>
+        </p:spPr>
+        <p:txBody>
+          <a:bodyPr wrap="none" rtlCol="0">
+            <a:spAutoFit/>
+          </a:bodyPr>
+          <a:lstStyle/>
+          <a:p>
+            <a:r>
+              <a:rPr lang="en-US" dirty="0" smtClean="0"/>
+              <a:t>3:</a:t>
+            </a:r>
+            <a:endParaRPr lang="en-US" dirty="0"/>
+          </a:p>
+        </p:txBody>
+      </p:sp>
+      <p:sp>
+        <p:nvSpPr>
+          <p:cNvPr id="11" name="TextBox 10"/>
+          <p:cNvSpPr txBox="1"/>
+          <p:nvPr/>
+        </p:nvSpPr>
+        <p:spPr>
+          <a:xfrm>
+            <a:off x="2339752" y="4653136"/>
+            <a:ext cx="424064" cy="461665"/>
+          </a:xfrm>
+          <a:prstGeom prst="rect">
+            <a:avLst/>
+          </a:prstGeom>
+          <a:solidFill>
+            <a:schemeClr val="accent1"/>
+          </a:solidFill>
+          <a:ln>
+            <a:solidFill>
+              <a:schemeClr val="tx1"/>
+            </a:solidFill>
+          </a:ln>
+        </p:spPr>
+        <p:txBody>
+          <a:bodyPr wrap="none" rtlCol="0">
+            <a:spAutoFit/>
+          </a:bodyPr>
+          <a:lstStyle/>
+          <a:p>
+            <a:r>
+              <a:rPr lang="en-US" dirty="0" smtClean="0"/>
+              <a:t>4</a:t>
+            </a:r>
+            <a:r>
+              <a:rPr lang="en-US" dirty="0" smtClean="0"/>
+              <a:t>:</a:t>
+            </a:r>
+            <a:endParaRPr lang="en-US" dirty="0"/>
+          </a:p>
+        </p:txBody>
+      </p:sp>
+      <p:sp>
+        <p:nvSpPr>
+          <p:cNvPr id="12" name="TextBox 11"/>
+          <p:cNvSpPr txBox="1"/>
+          <p:nvPr/>
+        </p:nvSpPr>
+        <p:spPr>
+          <a:xfrm>
+            <a:off x="4359968" y="2667000"/>
+            <a:ext cx="424064" cy="461665"/>
+          </a:xfrm>
+          <a:prstGeom prst="rect">
+            <a:avLst/>
+          </a:prstGeom>
+          <a:solidFill>
+            <a:srgbClr val="CCFFCC"/>
+          </a:solidFill>
+          <a:ln>
+            <a:solidFill>
+              <a:schemeClr val="tx1"/>
+            </a:solidFill>
+          </a:ln>
+        </p:spPr>
+        <p:txBody>
+          <a:bodyPr wrap="none" rtlCol="0">
+            <a:spAutoFit/>
+          </a:bodyPr>
+          <a:lstStyle/>
+          <a:p>
+            <a:r>
+              <a:rPr lang="en-US" dirty="0" smtClean="0"/>
+              <a:t>5:</a:t>
+            </a:r>
+            <a:endParaRPr lang="en-US" dirty="0"/>
+          </a:p>
+        </p:txBody>
+      </p:sp>
+      <p:sp>
+        <p:nvSpPr>
+          <p:cNvPr id="13" name="TextBox 12"/>
+          <p:cNvSpPr txBox="1"/>
+          <p:nvPr/>
+        </p:nvSpPr>
+        <p:spPr>
+          <a:xfrm>
+            <a:off x="3810000" y="3657600"/>
+            <a:ext cx="424064" cy="461665"/>
+          </a:xfrm>
+          <a:prstGeom prst="rect">
+            <a:avLst/>
+          </a:prstGeom>
+          <a:solidFill>
+            <a:srgbClr val="660066"/>
+          </a:solidFill>
+          <a:ln>
+            <a:solidFill>
+              <a:schemeClr val="tx1"/>
+            </a:solidFill>
+          </a:ln>
+        </p:spPr>
+        <p:txBody>
+          <a:bodyPr wrap="none" rtlCol="0">
+            <a:spAutoFit/>
+          </a:bodyPr>
+          <a:lstStyle/>
+          <a:p>
+            <a:r>
+              <a:rPr lang="en-US" dirty="0" smtClean="0">
+                <a:solidFill>
+                  <a:schemeClr val="bg1"/>
+                </a:solidFill>
+              </a:rPr>
+              <a:t>6:</a:t>
+            </a:r>
+            <a:endParaRPr lang="en-US" dirty="0">
+              <a:solidFill>
+                <a:schemeClr val="bg1"/>
+              </a:solidFill>
+            </a:endParaRPr>
+          </a:p>
+        </p:txBody>
+      </p:sp>
+      <p:sp>
+        <p:nvSpPr>
+          <p:cNvPr id="14" name="TextBox 13"/>
+          <p:cNvSpPr txBox="1"/>
+          <p:nvPr/>
+        </p:nvSpPr>
+        <p:spPr>
+          <a:xfrm>
+            <a:off x="5029200" y="3657600"/>
+            <a:ext cx="424064" cy="461665"/>
+          </a:xfrm>
+          <a:prstGeom prst="rect">
+            <a:avLst/>
+          </a:prstGeom>
+          <a:solidFill>
+            <a:srgbClr val="660066"/>
+          </a:solidFill>
+          <a:ln>
+            <a:solidFill>
+              <a:schemeClr val="tx1"/>
+            </a:solidFill>
+          </a:ln>
+        </p:spPr>
+        <p:txBody>
+          <a:bodyPr wrap="none" rtlCol="0">
+            <a:spAutoFit/>
+          </a:bodyPr>
+          <a:lstStyle/>
+          <a:p>
+            <a:r>
+              <a:rPr lang="en-US" dirty="0" smtClean="0">
+                <a:solidFill>
+                  <a:srgbClr val="FFFFFF"/>
+                </a:solidFill>
+              </a:rPr>
+              <a:t>7:</a:t>
+            </a:r>
+            <a:endParaRPr lang="en-US" dirty="0">
+              <a:solidFill>
+                <a:srgbClr val="FFFFFF"/>
+              </a:solidFill>
+            </a:endParaRPr>
+          </a:p>
+        </p:txBody>
+      </p:sp>
+      <p:sp>
+        <p:nvSpPr>
+          <p:cNvPr id="15" name="TextBox 14"/>
+          <p:cNvSpPr txBox="1"/>
+          <p:nvPr/>
+        </p:nvSpPr>
+        <p:spPr>
+          <a:xfrm>
+            <a:off x="3995936" y="4653136"/>
+            <a:ext cx="1120820" cy="461665"/>
+          </a:xfrm>
+          <a:prstGeom prst="rect">
+            <a:avLst/>
+          </a:prstGeom>
+          <a:solidFill>
+            <a:srgbClr val="660066"/>
+          </a:solidFill>
+          <a:ln>
+            <a:solidFill>
+              <a:schemeClr val="tx1"/>
+            </a:solidFill>
+          </a:ln>
+        </p:spPr>
+        <p:txBody>
+          <a:bodyPr wrap="none" rtlCol="0">
+            <a:spAutoFit/>
+          </a:bodyPr>
+          <a:lstStyle/>
+          <a:p>
+            <a:r>
+              <a:rPr lang="en-US" dirty="0" smtClean="0">
+                <a:solidFill>
+                  <a:srgbClr val="FFFFFF"/>
+                </a:solidFill>
+              </a:rPr>
+              <a:t>8</a:t>
+            </a:r>
+            <a:r>
+              <a:rPr lang="en-US" dirty="0" smtClean="0">
+                <a:solidFill>
+                  <a:srgbClr val="FFFFFF"/>
+                </a:solidFill>
+              </a:rPr>
+              <a:t>: b = a</a:t>
+            </a:r>
+            <a:endParaRPr lang="en-US" dirty="0">
+              <a:solidFill>
+                <a:srgbClr val="FFFFFF"/>
+              </a:solidFill>
+            </a:endParaRPr>
+          </a:p>
+        </p:txBody>
+      </p:sp>
+      <p:sp>
+        <p:nvSpPr>
+          <p:cNvPr id="16" name="TextBox 15"/>
+          <p:cNvSpPr txBox="1"/>
+          <p:nvPr/>
+        </p:nvSpPr>
+        <p:spPr>
+          <a:xfrm>
+            <a:off x="6781800" y="2667000"/>
+            <a:ext cx="424064" cy="461665"/>
+          </a:xfrm>
+          <a:prstGeom prst="rect">
+            <a:avLst/>
+          </a:prstGeom>
+          <a:solidFill>
+            <a:schemeClr val="accent1"/>
+          </a:solidFill>
+          <a:ln>
+            <a:solidFill>
+              <a:schemeClr val="tx1"/>
+            </a:solidFill>
+          </a:ln>
+        </p:spPr>
+        <p:txBody>
+          <a:bodyPr wrap="none" rtlCol="0">
+            <a:spAutoFit/>
+          </a:bodyPr>
+          <a:lstStyle/>
+          <a:p>
+            <a:r>
+              <a:rPr lang="en-US" dirty="0" smtClean="0"/>
+              <a:t>9:</a:t>
+            </a:r>
+            <a:endParaRPr lang="en-US" dirty="0"/>
+          </a:p>
+        </p:txBody>
+      </p:sp>
+      <p:sp>
+        <p:nvSpPr>
+          <p:cNvPr id="17" name="TextBox 16"/>
+          <p:cNvSpPr txBox="1"/>
+          <p:nvPr/>
+        </p:nvSpPr>
+        <p:spPr>
+          <a:xfrm>
+            <a:off x="6172200" y="3657600"/>
+            <a:ext cx="577953" cy="461665"/>
+          </a:xfrm>
+          <a:prstGeom prst="rect">
+            <a:avLst/>
+          </a:prstGeom>
+          <a:solidFill>
+            <a:schemeClr val="accent1"/>
+          </a:solidFill>
+          <a:ln>
+            <a:solidFill>
+              <a:schemeClr val="tx1"/>
+            </a:solidFill>
+          </a:ln>
+        </p:spPr>
+        <p:txBody>
+          <a:bodyPr wrap="none" rtlCol="0">
+            <a:spAutoFit/>
+          </a:bodyPr>
+          <a:lstStyle/>
+          <a:p>
+            <a:r>
+              <a:rPr lang="en-US" dirty="0" smtClean="0"/>
+              <a:t>10:</a:t>
+            </a:r>
+            <a:endParaRPr lang="en-US" dirty="0"/>
+          </a:p>
+        </p:txBody>
+      </p:sp>
+      <p:sp>
+        <p:nvSpPr>
+          <p:cNvPr id="18" name="TextBox 17"/>
+          <p:cNvSpPr txBox="1"/>
+          <p:nvPr/>
+        </p:nvSpPr>
+        <p:spPr>
+          <a:xfrm>
+            <a:off x="7391400" y="3657600"/>
+            <a:ext cx="566682" cy="461665"/>
+          </a:xfrm>
+          <a:prstGeom prst="rect">
+            <a:avLst/>
+          </a:prstGeom>
+          <a:solidFill>
+            <a:schemeClr val="accent1"/>
+          </a:solidFill>
+          <a:ln>
+            <a:solidFill>
+              <a:schemeClr val="tx1"/>
+            </a:solidFill>
+          </a:ln>
+        </p:spPr>
+        <p:txBody>
+          <a:bodyPr wrap="none" rtlCol="0">
+            <a:spAutoFit/>
+          </a:bodyPr>
+          <a:lstStyle/>
+          <a:p>
+            <a:r>
+              <a:rPr lang="en-US" dirty="0" smtClean="0"/>
+              <a:t>11:</a:t>
+            </a:r>
+            <a:endParaRPr lang="en-US" dirty="0"/>
+          </a:p>
+        </p:txBody>
+      </p:sp>
+      <p:sp>
+        <p:nvSpPr>
+          <p:cNvPr id="19" name="TextBox 18"/>
+          <p:cNvSpPr txBox="1"/>
+          <p:nvPr/>
+        </p:nvSpPr>
+        <p:spPr>
+          <a:xfrm>
+            <a:off x="6781800" y="4648200"/>
+            <a:ext cx="577953" cy="461665"/>
+          </a:xfrm>
+          <a:prstGeom prst="rect">
+            <a:avLst/>
+          </a:prstGeom>
+          <a:solidFill>
+            <a:schemeClr val="accent1"/>
+          </a:solidFill>
+          <a:ln>
+            <a:solidFill>
+              <a:schemeClr val="tx1"/>
+            </a:solidFill>
+          </a:ln>
+        </p:spPr>
+        <p:txBody>
+          <a:bodyPr wrap="none" rtlCol="0">
+            <a:spAutoFit/>
+          </a:bodyPr>
+          <a:lstStyle/>
+          <a:p>
+            <a:r>
+              <a:rPr lang="en-US" dirty="0" smtClean="0"/>
+              <a:t>12:</a:t>
+            </a:r>
+            <a:endParaRPr lang="en-US" dirty="0"/>
+          </a:p>
+        </p:txBody>
+      </p:sp>
+      <p:sp>
+        <p:nvSpPr>
+          <p:cNvPr id="20" name="TextBox 19"/>
+          <p:cNvSpPr txBox="1"/>
+          <p:nvPr/>
+        </p:nvSpPr>
+        <p:spPr>
+          <a:xfrm>
+            <a:off x="4283023" y="5715000"/>
+            <a:ext cx="577953" cy="461665"/>
+          </a:xfrm>
+          <a:prstGeom prst="rect">
+            <a:avLst/>
+          </a:prstGeom>
+          <a:solidFill>
+            <a:schemeClr val="accent1"/>
+          </a:solidFill>
+          <a:ln>
+            <a:solidFill>
+              <a:schemeClr val="tx1"/>
+            </a:solidFill>
+          </a:ln>
+        </p:spPr>
+        <p:txBody>
+          <a:bodyPr wrap="none" rtlCol="0">
+            <a:spAutoFit/>
+          </a:bodyPr>
+          <a:lstStyle/>
+          <a:p>
+            <a:r>
+              <a:rPr lang="en-US" dirty="0" smtClean="0"/>
+              <a:t>13:</a:t>
+            </a:r>
+            <a:endParaRPr lang="en-US" dirty="0"/>
+          </a:p>
+        </p:txBody>
+      </p:sp>
+      <p:cxnSp>
+        <p:nvCxnSpPr>
+          <p:cNvPr id="22" name="Straight Arrow Connector 21"/>
+          <p:cNvCxnSpPr>
+            <a:stCxn id="8" idx="2"/>
+            <a:endCxn id="9" idx="0"/>
+          </p:cNvCxnSpPr>
+          <p:nvPr/>
+        </p:nvCxnSpPr>
+        <p:spPr bwMode="auto">
+          <a:xfrm rot="5400000">
+            <a:off x="3346749" y="1441748"/>
+            <a:ext cx="452735" cy="1997768"/>
+          </a:xfrm>
+          <a:prstGeom prst="straightConnector1">
+            <a:avLst/>
+          </a:prstGeom>
+          <a:solidFill>
+            <a:schemeClr val="accent1"/>
+          </a:solidFill>
+          <a:ln w="9525" cap="flat" cmpd="sng" algn="ctr">
+            <a:solidFill>
+              <a:schemeClr val="tx1"/>
+            </a:solidFill>
+            <a:prstDash val="solid"/>
+            <a:round/>
+            <a:headEnd type="none" w="med" len="med"/>
+            <a:tailEnd type="arrow"/>
+          </a:ln>
+          <a:effectLst/>
+        </p:spPr>
+      </p:cxnSp>
+      <p:cxnSp>
+        <p:nvCxnSpPr>
+          <p:cNvPr id="24" name="Straight Arrow Connector 23"/>
+          <p:cNvCxnSpPr>
+            <a:stCxn id="8" idx="2"/>
+            <a:endCxn id="12" idx="0"/>
+          </p:cNvCxnSpPr>
+          <p:nvPr/>
+        </p:nvCxnSpPr>
+        <p:spPr bwMode="auto">
+          <a:xfrm rot="5400000">
+            <a:off x="4345633" y="2440632"/>
+            <a:ext cx="452735" cy="1588"/>
+          </a:xfrm>
+          <a:prstGeom prst="straightConnector1">
+            <a:avLst/>
+          </a:prstGeom>
+          <a:solidFill>
+            <a:schemeClr val="accent1"/>
+          </a:solidFill>
+          <a:ln w="9525" cap="flat" cmpd="sng" algn="ctr">
+            <a:solidFill>
+              <a:schemeClr val="tx1"/>
+            </a:solidFill>
+            <a:prstDash val="solid"/>
+            <a:round/>
+            <a:headEnd type="none" w="med" len="med"/>
+            <a:tailEnd type="arrow"/>
+          </a:ln>
+          <a:effectLst/>
+        </p:spPr>
+      </p:cxnSp>
+      <p:cxnSp>
+        <p:nvCxnSpPr>
+          <p:cNvPr id="25" name="Straight Arrow Connector 24"/>
+          <p:cNvCxnSpPr>
+            <a:stCxn id="8" idx="2"/>
+            <a:endCxn id="16" idx="0"/>
+          </p:cNvCxnSpPr>
+          <p:nvPr/>
+        </p:nvCxnSpPr>
+        <p:spPr bwMode="auto">
+          <a:xfrm rot="16200000" flipH="1">
+            <a:off x="5556549" y="1229716"/>
+            <a:ext cx="452735" cy="2421832"/>
+          </a:xfrm>
+          <a:prstGeom prst="straightConnector1">
+            <a:avLst/>
+          </a:prstGeom>
+          <a:solidFill>
+            <a:schemeClr val="accent1"/>
+          </a:solidFill>
+          <a:ln w="9525" cap="flat" cmpd="sng" algn="ctr">
+            <a:solidFill>
+              <a:schemeClr val="tx1"/>
+            </a:solidFill>
+            <a:prstDash val="solid"/>
+            <a:round/>
+            <a:headEnd type="none" w="med" len="med"/>
+            <a:tailEnd type="arrow"/>
+          </a:ln>
+          <a:effectLst/>
+        </p:spPr>
+      </p:cxnSp>
+      <p:cxnSp>
+        <p:nvCxnSpPr>
+          <p:cNvPr id="26" name="Straight Arrow Connector 25"/>
+          <p:cNvCxnSpPr>
+            <a:stCxn id="9" idx="2"/>
+            <a:endCxn id="10" idx="0"/>
+          </p:cNvCxnSpPr>
+          <p:nvPr/>
+        </p:nvCxnSpPr>
+        <p:spPr bwMode="auto">
+          <a:xfrm rot="5400000">
+            <a:off x="2309765" y="3393132"/>
+            <a:ext cx="528935" cy="1588"/>
+          </a:xfrm>
+          <a:prstGeom prst="straightConnector1">
+            <a:avLst/>
+          </a:prstGeom>
+          <a:solidFill>
+            <a:schemeClr val="accent1"/>
+          </a:solidFill>
+          <a:ln w="9525" cap="flat" cmpd="sng" algn="ctr">
+            <a:solidFill>
+              <a:schemeClr val="tx1"/>
+            </a:solidFill>
+            <a:prstDash val="solid"/>
+            <a:round/>
+            <a:headEnd type="none" w="med" len="med"/>
+            <a:tailEnd type="arrow"/>
+          </a:ln>
+          <a:effectLst/>
+        </p:spPr>
+      </p:cxnSp>
+      <p:cxnSp>
+        <p:nvCxnSpPr>
+          <p:cNvPr id="27" name="Straight Arrow Connector 26"/>
+          <p:cNvCxnSpPr>
+            <a:stCxn id="10" idx="2"/>
+            <a:endCxn id="11" idx="0"/>
+          </p:cNvCxnSpPr>
+          <p:nvPr/>
+        </p:nvCxnSpPr>
+        <p:spPr bwMode="auto">
+          <a:xfrm flipH="1">
+            <a:off x="2551784" y="4119265"/>
+            <a:ext cx="22448" cy="533871"/>
+          </a:xfrm>
+          <a:prstGeom prst="straightConnector1">
+            <a:avLst/>
+          </a:prstGeom>
+          <a:solidFill>
+            <a:schemeClr val="accent1"/>
+          </a:solidFill>
+          <a:ln w="9525" cap="flat" cmpd="sng" algn="ctr">
+            <a:solidFill>
+              <a:schemeClr val="tx1"/>
+            </a:solidFill>
+            <a:prstDash val="solid"/>
+            <a:round/>
+            <a:headEnd type="none" w="med" len="med"/>
+            <a:tailEnd type="arrow"/>
+          </a:ln>
+          <a:effectLst/>
+        </p:spPr>
+      </p:cxnSp>
+      <p:cxnSp>
+        <p:nvCxnSpPr>
+          <p:cNvPr id="28" name="Straight Arrow Connector 27"/>
+          <p:cNvCxnSpPr>
+            <a:stCxn id="11" idx="2"/>
+            <a:endCxn id="20" idx="1"/>
+          </p:cNvCxnSpPr>
+          <p:nvPr/>
+        </p:nvCxnSpPr>
+        <p:spPr bwMode="auto">
+          <a:xfrm>
+            <a:off x="2551784" y="5114801"/>
+            <a:ext cx="1731239" cy="831032"/>
+          </a:xfrm>
+          <a:prstGeom prst="straightConnector1">
+            <a:avLst/>
+          </a:prstGeom>
+          <a:solidFill>
+            <a:schemeClr val="accent1"/>
+          </a:solidFill>
+          <a:ln w="9525" cap="flat" cmpd="sng" algn="ctr">
+            <a:solidFill>
+              <a:schemeClr val="tx1"/>
+            </a:solidFill>
+            <a:prstDash val="solid"/>
+            <a:round/>
+            <a:headEnd type="none" w="med" len="med"/>
+            <a:tailEnd type="arrow"/>
+          </a:ln>
+          <a:effectLst/>
+        </p:spPr>
+      </p:cxnSp>
+      <p:cxnSp>
+        <p:nvCxnSpPr>
+          <p:cNvPr id="29" name="Straight Arrow Connector 28"/>
+          <p:cNvCxnSpPr>
+            <a:stCxn id="12" idx="2"/>
+            <a:endCxn id="13" idx="0"/>
+          </p:cNvCxnSpPr>
+          <p:nvPr/>
+        </p:nvCxnSpPr>
+        <p:spPr bwMode="auto">
+          <a:xfrm rot="5400000">
+            <a:off x="4032549" y="3118148"/>
+            <a:ext cx="528935" cy="549968"/>
+          </a:xfrm>
+          <a:prstGeom prst="straightConnector1">
+            <a:avLst/>
+          </a:prstGeom>
+          <a:solidFill>
+            <a:schemeClr val="accent1"/>
+          </a:solidFill>
+          <a:ln w="9525" cap="flat" cmpd="sng" algn="ctr">
+            <a:solidFill>
+              <a:schemeClr val="tx1"/>
+            </a:solidFill>
+            <a:prstDash val="solid"/>
+            <a:round/>
+            <a:headEnd type="none" w="med" len="med"/>
+            <a:tailEnd type="arrow"/>
+          </a:ln>
+          <a:effectLst/>
+        </p:spPr>
+      </p:cxnSp>
+      <p:cxnSp>
+        <p:nvCxnSpPr>
+          <p:cNvPr id="30" name="Straight Arrow Connector 29"/>
+          <p:cNvCxnSpPr>
+            <a:stCxn id="12" idx="2"/>
+            <a:endCxn id="14" idx="0"/>
+          </p:cNvCxnSpPr>
+          <p:nvPr/>
+        </p:nvCxnSpPr>
+        <p:spPr bwMode="auto">
+          <a:xfrm rot="16200000" flipH="1">
+            <a:off x="4642149" y="3058516"/>
+            <a:ext cx="528935" cy="669232"/>
+          </a:xfrm>
+          <a:prstGeom prst="straightConnector1">
+            <a:avLst/>
+          </a:prstGeom>
+          <a:solidFill>
+            <a:schemeClr val="accent1"/>
+          </a:solidFill>
+          <a:ln w="9525" cap="flat" cmpd="sng" algn="ctr">
+            <a:solidFill>
+              <a:schemeClr val="tx1"/>
+            </a:solidFill>
+            <a:prstDash val="solid"/>
+            <a:round/>
+            <a:headEnd type="none" w="med" len="med"/>
+            <a:tailEnd type="arrow"/>
+          </a:ln>
+          <a:effectLst/>
+        </p:spPr>
+      </p:cxnSp>
+      <p:cxnSp>
+        <p:nvCxnSpPr>
+          <p:cNvPr id="31" name="Straight Arrow Connector 30"/>
+          <p:cNvCxnSpPr>
+            <a:stCxn id="13" idx="2"/>
+            <a:endCxn id="15" idx="0"/>
+          </p:cNvCxnSpPr>
+          <p:nvPr/>
+        </p:nvCxnSpPr>
+        <p:spPr bwMode="auto">
+          <a:xfrm>
+            <a:off x="4022032" y="4119265"/>
+            <a:ext cx="534314" cy="533871"/>
+          </a:xfrm>
+          <a:prstGeom prst="straightConnector1">
+            <a:avLst/>
+          </a:prstGeom>
+          <a:solidFill>
+            <a:schemeClr val="accent1"/>
+          </a:solidFill>
+          <a:ln w="9525" cap="flat" cmpd="sng" algn="ctr">
+            <a:solidFill>
+              <a:schemeClr val="tx1"/>
+            </a:solidFill>
+            <a:prstDash val="solid"/>
+            <a:round/>
+            <a:headEnd type="none" w="med" len="med"/>
+            <a:tailEnd type="arrow"/>
+          </a:ln>
+          <a:effectLst/>
+        </p:spPr>
+      </p:cxnSp>
+      <p:cxnSp>
+        <p:nvCxnSpPr>
+          <p:cNvPr id="32" name="Straight Arrow Connector 31"/>
+          <p:cNvCxnSpPr>
+            <a:stCxn id="14" idx="2"/>
+            <a:endCxn id="15" idx="0"/>
+          </p:cNvCxnSpPr>
+          <p:nvPr/>
+        </p:nvCxnSpPr>
+        <p:spPr bwMode="auto">
+          <a:xfrm flipH="1">
+            <a:off x="4556346" y="4119265"/>
+            <a:ext cx="684886" cy="533871"/>
+          </a:xfrm>
+          <a:prstGeom prst="straightConnector1">
+            <a:avLst/>
+          </a:prstGeom>
+          <a:solidFill>
+            <a:schemeClr val="accent1"/>
+          </a:solidFill>
+          <a:ln w="9525" cap="flat" cmpd="sng" algn="ctr">
+            <a:solidFill>
+              <a:schemeClr val="tx1"/>
+            </a:solidFill>
+            <a:prstDash val="solid"/>
+            <a:round/>
+            <a:headEnd type="none" w="med" len="med"/>
+            <a:tailEnd type="arrow"/>
+          </a:ln>
+          <a:effectLst/>
+        </p:spPr>
+      </p:cxnSp>
+      <p:cxnSp>
+        <p:nvCxnSpPr>
+          <p:cNvPr id="33" name="Straight Arrow Connector 32"/>
+          <p:cNvCxnSpPr>
+            <a:stCxn id="15" idx="2"/>
+            <a:endCxn id="20" idx="0"/>
+          </p:cNvCxnSpPr>
+          <p:nvPr/>
+        </p:nvCxnSpPr>
+        <p:spPr bwMode="auto">
+          <a:xfrm>
+            <a:off x="4556346" y="5114801"/>
+            <a:ext cx="15654" cy="600199"/>
+          </a:xfrm>
+          <a:prstGeom prst="straightConnector1">
+            <a:avLst/>
+          </a:prstGeom>
+          <a:solidFill>
+            <a:schemeClr val="accent1"/>
+          </a:solidFill>
+          <a:ln w="9525" cap="flat" cmpd="sng" algn="ctr">
+            <a:solidFill>
+              <a:schemeClr val="tx1"/>
+            </a:solidFill>
+            <a:prstDash val="solid"/>
+            <a:round/>
+            <a:headEnd type="none" w="med" len="med"/>
+            <a:tailEnd type="arrow"/>
+          </a:ln>
+          <a:effectLst/>
+        </p:spPr>
+      </p:cxnSp>
+      <p:cxnSp>
+        <p:nvCxnSpPr>
+          <p:cNvPr id="57" name="Straight Arrow Connector 56"/>
+          <p:cNvCxnSpPr>
+            <a:stCxn id="16" idx="2"/>
+            <a:endCxn id="17" idx="0"/>
+          </p:cNvCxnSpPr>
+          <p:nvPr/>
+        </p:nvCxnSpPr>
+        <p:spPr bwMode="auto">
+          <a:xfrm rot="5400000">
+            <a:off x="6463038" y="3126805"/>
+            <a:ext cx="528935" cy="532655"/>
+          </a:xfrm>
+          <a:prstGeom prst="straightConnector1">
+            <a:avLst/>
+          </a:prstGeom>
+          <a:solidFill>
+            <a:schemeClr val="accent1"/>
+          </a:solidFill>
+          <a:ln w="9525" cap="flat" cmpd="sng" algn="ctr">
+            <a:solidFill>
+              <a:schemeClr val="tx1"/>
+            </a:solidFill>
+            <a:prstDash val="solid"/>
+            <a:round/>
+            <a:headEnd type="none" w="med" len="med"/>
+            <a:tailEnd type="arrow"/>
+          </a:ln>
+          <a:effectLst/>
+        </p:spPr>
+      </p:cxnSp>
+      <p:cxnSp>
+        <p:nvCxnSpPr>
+          <p:cNvPr id="60" name="Straight Arrow Connector 59"/>
+          <p:cNvCxnSpPr>
+            <a:stCxn id="16" idx="2"/>
+            <a:endCxn id="18" idx="0"/>
+          </p:cNvCxnSpPr>
+          <p:nvPr/>
+        </p:nvCxnSpPr>
+        <p:spPr bwMode="auto">
+          <a:xfrm rot="16200000" flipH="1">
+            <a:off x="7069819" y="3052677"/>
+            <a:ext cx="528935" cy="680909"/>
+          </a:xfrm>
+          <a:prstGeom prst="straightConnector1">
+            <a:avLst/>
+          </a:prstGeom>
+          <a:solidFill>
+            <a:schemeClr val="accent1"/>
+          </a:solidFill>
+          <a:ln w="9525" cap="flat" cmpd="sng" algn="ctr">
+            <a:solidFill>
+              <a:schemeClr val="tx1"/>
+            </a:solidFill>
+            <a:prstDash val="solid"/>
+            <a:round/>
+            <a:headEnd type="none" w="med" len="med"/>
+            <a:tailEnd type="arrow"/>
+          </a:ln>
+          <a:effectLst/>
+        </p:spPr>
+      </p:cxnSp>
+      <p:cxnSp>
+        <p:nvCxnSpPr>
+          <p:cNvPr id="63" name="Straight Arrow Connector 62"/>
+          <p:cNvCxnSpPr>
+            <a:stCxn id="17" idx="2"/>
+            <a:endCxn id="19" idx="0"/>
+          </p:cNvCxnSpPr>
+          <p:nvPr/>
+        </p:nvCxnSpPr>
+        <p:spPr bwMode="auto">
+          <a:xfrm rot="16200000" flipH="1">
+            <a:off x="6501510" y="4078932"/>
+            <a:ext cx="528935" cy="609600"/>
+          </a:xfrm>
+          <a:prstGeom prst="straightConnector1">
+            <a:avLst/>
+          </a:prstGeom>
+          <a:solidFill>
+            <a:schemeClr val="accent1"/>
+          </a:solidFill>
+          <a:ln w="9525" cap="flat" cmpd="sng" algn="ctr">
+            <a:solidFill>
+              <a:schemeClr val="tx1"/>
+            </a:solidFill>
+            <a:prstDash val="solid"/>
+            <a:round/>
+            <a:headEnd type="none" w="med" len="med"/>
+            <a:tailEnd type="arrow"/>
+          </a:ln>
+          <a:effectLst/>
+        </p:spPr>
+      </p:cxnSp>
+      <p:cxnSp>
+        <p:nvCxnSpPr>
+          <p:cNvPr id="66" name="Straight Arrow Connector 65"/>
+          <p:cNvCxnSpPr>
+            <a:stCxn id="18" idx="2"/>
+            <a:endCxn id="19" idx="0"/>
+          </p:cNvCxnSpPr>
+          <p:nvPr/>
+        </p:nvCxnSpPr>
+        <p:spPr bwMode="auto">
+          <a:xfrm rot="5400000">
+            <a:off x="7108292" y="4081750"/>
+            <a:ext cx="528935" cy="603964"/>
+          </a:xfrm>
+          <a:prstGeom prst="straightConnector1">
+            <a:avLst/>
+          </a:prstGeom>
+          <a:solidFill>
+            <a:schemeClr val="accent1"/>
+          </a:solidFill>
+          <a:ln w="9525" cap="flat" cmpd="sng" algn="ctr">
+            <a:solidFill>
+              <a:schemeClr val="tx1"/>
+            </a:solidFill>
+            <a:prstDash val="solid"/>
+            <a:round/>
+            <a:headEnd type="none" w="med" len="med"/>
+            <a:tailEnd type="arrow"/>
+          </a:ln>
+          <a:effectLst/>
+        </p:spPr>
+      </p:cxnSp>
+      <p:cxnSp>
+        <p:nvCxnSpPr>
+          <p:cNvPr id="69" name="Straight Arrow Connector 68"/>
+          <p:cNvCxnSpPr>
+            <a:stCxn id="14" idx="2"/>
+            <a:endCxn id="19" idx="1"/>
+          </p:cNvCxnSpPr>
+          <p:nvPr/>
+        </p:nvCxnSpPr>
+        <p:spPr bwMode="auto">
+          <a:xfrm rot="16200000" flipH="1">
+            <a:off x="5631632" y="3728865"/>
+            <a:ext cx="759768" cy="1540568"/>
+          </a:xfrm>
+          <a:prstGeom prst="straightConnector1">
+            <a:avLst/>
+          </a:prstGeom>
+          <a:solidFill>
+            <a:schemeClr val="accent1"/>
+          </a:solidFill>
+          <a:ln w="9525" cap="flat" cmpd="sng" algn="ctr">
+            <a:solidFill>
+              <a:schemeClr val="tx1"/>
+            </a:solidFill>
+            <a:prstDash val="solid"/>
+            <a:round/>
+            <a:headEnd type="none" w="med" len="med"/>
+            <a:tailEnd type="arrow"/>
+          </a:ln>
+          <a:effectLst/>
+        </p:spPr>
+      </p:cxnSp>
+      <p:cxnSp>
+        <p:nvCxnSpPr>
+          <p:cNvPr id="73" name="Straight Arrow Connector 72"/>
+          <p:cNvCxnSpPr>
+            <a:stCxn id="19" idx="2"/>
+            <a:endCxn id="20" idx="3"/>
+          </p:cNvCxnSpPr>
+          <p:nvPr/>
+        </p:nvCxnSpPr>
+        <p:spPr bwMode="auto">
+          <a:xfrm rot="5400000">
+            <a:off x="5547893" y="4422949"/>
+            <a:ext cx="835968" cy="2209801"/>
+          </a:xfrm>
+          <a:prstGeom prst="straightConnector1">
+            <a:avLst/>
+          </a:prstGeom>
+          <a:solidFill>
+            <a:schemeClr val="accent1"/>
+          </a:solidFill>
+          <a:ln w="9525" cap="flat" cmpd="sng" algn="ctr">
+            <a:solidFill>
+              <a:schemeClr val="tx1"/>
+            </a:solidFill>
+            <a:prstDash val="solid"/>
+            <a:round/>
+            <a:headEnd type="none" w="med" len="med"/>
+            <a:tailEnd type="arrow"/>
+          </a:ln>
+          <a:effectLst/>
+        </p:spPr>
+      </p:cxnSp>
+      <p:cxnSp>
+        <p:nvCxnSpPr>
+          <p:cNvPr id="76" name="Straight Arrow Connector 75"/>
+          <p:cNvCxnSpPr>
+            <a:stCxn id="13" idx="2"/>
+            <a:endCxn id="11" idx="3"/>
+          </p:cNvCxnSpPr>
+          <p:nvPr/>
+        </p:nvCxnSpPr>
+        <p:spPr bwMode="auto">
+          <a:xfrm flipH="1">
+            <a:off x="2763816" y="4119265"/>
+            <a:ext cx="1258216" cy="764704"/>
+          </a:xfrm>
+          <a:prstGeom prst="straightConnector1">
+            <a:avLst/>
+          </a:prstGeom>
+          <a:solidFill>
+            <a:schemeClr val="accent1"/>
+          </a:solidFill>
+          <a:ln w="9525" cap="flat" cmpd="sng" algn="ctr">
+            <a:solidFill>
+              <a:schemeClr val="tx1"/>
+            </a:solidFill>
+            <a:prstDash val="solid"/>
+            <a:round/>
+            <a:headEnd type="none" w="med" len="med"/>
+            <a:tailEnd type="arrow"/>
+          </a:ln>
+          <a:effectLst/>
+        </p:spPr>
+      </p:cxnSp>
+      <p:cxnSp>
+        <p:nvCxnSpPr>
+          <p:cNvPr id="80" name="Shape 79"/>
+          <p:cNvCxnSpPr>
+            <a:stCxn id="10" idx="1"/>
+            <a:endCxn id="10" idx="0"/>
+          </p:cNvCxnSpPr>
+          <p:nvPr/>
+        </p:nvCxnSpPr>
+        <p:spPr bwMode="auto">
+          <a:xfrm rot="10800000" flipH="1">
+            <a:off x="2362200" y="3657601"/>
+            <a:ext cx="212032" cy="230833"/>
+          </a:xfrm>
+          <a:prstGeom prst="curvedConnector4">
+            <a:avLst>
+              <a:gd name="adj1" fmla="val -107814"/>
+              <a:gd name="adj2" fmla="val 199033"/>
+            </a:avLst>
+          </a:prstGeom>
+          <a:solidFill>
+            <a:schemeClr val="accent1"/>
+          </a:solidFill>
+          <a:ln w="9525" cap="flat" cmpd="sng" algn="ctr">
+            <a:solidFill>
+              <a:schemeClr val="tx1"/>
+            </a:solidFill>
+            <a:prstDash val="solid"/>
+            <a:round/>
+            <a:headEnd type="none" w="med" len="med"/>
+            <a:tailEnd type="arrow"/>
+          </a:ln>
+          <a:effectLst/>
+        </p:spPr>
+      </p:cxnSp>
+      <p:cxnSp>
+        <p:nvCxnSpPr>
+          <p:cNvPr id="81" name="Shape 80"/>
+          <p:cNvCxnSpPr>
+            <a:stCxn id="15" idx="1"/>
+            <a:endCxn id="12" idx="1"/>
+          </p:cNvCxnSpPr>
+          <p:nvPr/>
+        </p:nvCxnSpPr>
+        <p:spPr bwMode="auto">
+          <a:xfrm rot="10800000" flipH="1">
+            <a:off x="3995936" y="2897833"/>
+            <a:ext cx="364032" cy="1986136"/>
+          </a:xfrm>
+          <a:prstGeom prst="curvedConnector3">
+            <a:avLst>
+              <a:gd name="adj1" fmla="val -136675"/>
+            </a:avLst>
+          </a:prstGeom>
+          <a:solidFill>
+            <a:schemeClr val="accent1"/>
+          </a:solidFill>
+          <a:ln w="9525" cap="flat" cmpd="sng" algn="ctr">
+            <a:solidFill>
+              <a:schemeClr val="tx1"/>
+            </a:solidFill>
+            <a:prstDash val="solid"/>
+            <a:round/>
+            <a:headEnd type="none" w="med" len="med"/>
+            <a:tailEnd type="arrow"/>
+          </a:ln>
+          <a:effectLst/>
+        </p:spPr>
+      </p:cxnSp>
+      <p:sp>
+        <p:nvSpPr>
+          <p:cNvPr id="37" name="TextBox 36"/>
+          <p:cNvSpPr txBox="1"/>
+          <p:nvPr/>
+        </p:nvSpPr>
+        <p:spPr>
+          <a:xfrm>
+            <a:off x="4932040" y="2708920"/>
+            <a:ext cx="648735" cy="461665"/>
+          </a:xfrm>
+          <a:prstGeom prst="rect">
+            <a:avLst/>
+          </a:prstGeom>
+          <a:noFill/>
+        </p:spPr>
+        <p:txBody>
+          <a:bodyPr wrap="none" rtlCol="0">
+            <a:spAutoFit/>
+          </a:bodyPr>
+          <a:lstStyle/>
+          <a:p>
+            <a:r>
+              <a:rPr lang="en-US" dirty="0" smtClean="0"/>
+              <a:t>a=0</a:t>
+            </a:r>
+            <a:endParaRPr lang="en-US" dirty="0"/>
+          </a:p>
+        </p:txBody>
+      </p:sp>
+    </p:spTree>
+    <p:extLst>
+      <p:ext uri="{BB962C8B-B14F-4D97-AF65-F5344CB8AC3E}">
+        <p14:creationId xmlns:p14="http://schemas.microsoft.com/office/powerpoint/2010/main" val="3029071394"/>
+      </p:ext>
+    </p:extLst>
+  </p:cSld>
+  <p:clrMapOvr>
+    <a:masterClrMapping/>
+  </p:clrMapOvr>
+  <p:timing>
+    <p:tnLst>
+      <p:par>
+        <p:cTn xmlns:p14="http://schemas.microsoft.com/office/powerpoint/2010/main" id="1" dur="indefinite" restart="never" nodeType="tmRoot"/>
+      </p:par>
+    </p:tnLst>
+  </p:timing>
+</p:sld>
+</file>
+
+<file path=ppt/slides/slide12.xml><?xml version="1.0" encoding="utf-8"?>
+<p:sld xmlns:a="http://schemas.openxmlformats.org/drawingml/2006/main" xmlns:r="http://schemas.openxmlformats.org/officeDocument/2006/relationships" xmlns:p="http://schemas.openxmlformats.org/presentationml/2006/main">
+  <p:cSld>
+    <p:spTree>
+      <p:nvGrpSpPr>
+        <p:cNvPr id="1" name=""/>
+        <p:cNvGrpSpPr/>
+        <p:nvPr/>
+      </p:nvGrpSpPr>
+      <p:grpSpPr>
+        <a:xfrm>
+          <a:off x="0" y="0"/>
+          <a:ext cx="0" cy="0"/>
+          <a:chOff x="0" y="0"/>
+          <a:chExt cx="0" cy="0"/>
+        </a:xfrm>
+      </p:grpSpPr>
+      <p:sp>
+        <p:nvSpPr>
+          <p:cNvPr id="5" name="Title 4"/>
+          <p:cNvSpPr>
+            <a:spLocks noGrp="1"/>
+          </p:cNvSpPr>
+          <p:nvPr>
+            <p:ph type="title"/>
+          </p:nvPr>
+        </p:nvSpPr>
+        <p:spPr/>
+        <p:txBody>
+          <a:bodyPr/>
+          <a:lstStyle/>
+          <a:p>
+            <a:r>
+              <a:rPr lang="en-US" dirty="0" smtClean="0"/>
+              <a:t>Dominance Frontier</a:t>
+            </a:r>
+            <a:endParaRPr lang="en-US" dirty="0"/>
+          </a:p>
+        </p:txBody>
+      </p:sp>
+      <p:sp>
+        <p:nvSpPr>
+          <p:cNvPr id="6" name="Content Placeholder 5"/>
+          <p:cNvSpPr>
+            <a:spLocks noGrp="1"/>
+          </p:cNvSpPr>
+          <p:nvPr>
+            <p:ph idx="1"/>
+          </p:nvPr>
+        </p:nvSpPr>
+        <p:spPr/>
+        <p:txBody>
+          <a:bodyPr/>
+          <a:lstStyle/>
+          <a:p>
+            <a:r>
+              <a:rPr lang="en-US" dirty="0" smtClean="0"/>
+              <a:t>X </a:t>
+            </a:r>
+            <a:r>
+              <a:rPr lang="en-US" i="1" dirty="0" smtClean="0"/>
+              <a:t>strictly dominates </a:t>
+            </a:r>
+            <a:r>
+              <a:rPr lang="en-US" dirty="0" smtClean="0"/>
+              <a:t>Y if X dominates Y and X ≠ Y</a:t>
+            </a:r>
+            <a:endParaRPr lang="en-US" i="1" dirty="0" smtClean="0"/>
+          </a:p>
+          <a:p>
+            <a:r>
+              <a:rPr lang="en-US" i="1" dirty="0" smtClean="0"/>
+              <a:t>Dominance Frontier </a:t>
+            </a:r>
+            <a:r>
+              <a:rPr lang="en-US" dirty="0" smtClean="0"/>
+              <a:t>(DF)</a:t>
+            </a:r>
+            <a:r>
+              <a:rPr lang="en-US" i="1" dirty="0" smtClean="0"/>
+              <a:t> </a:t>
+            </a:r>
+            <a:r>
+              <a:rPr lang="en-US" dirty="0" smtClean="0"/>
+              <a:t>of node X is the set of all nodes Y such that:</a:t>
+            </a:r>
+          </a:p>
+          <a:p>
+            <a:pPr lvl="1"/>
+            <a:r>
+              <a:rPr lang="en-US" dirty="0" smtClean="0"/>
+              <a:t>X dominates a predecessor of Y, AND</a:t>
+            </a:r>
+          </a:p>
+          <a:p>
+            <a:pPr lvl="1"/>
+            <a:r>
+              <a:rPr lang="en-US" dirty="0" smtClean="0"/>
+              <a:t>X does not strictly dominate Y</a:t>
+            </a:r>
+            <a:endParaRPr lang="en-US" dirty="0"/>
+          </a:p>
+        </p:txBody>
+      </p:sp>
+      <p:sp>
+        <p:nvSpPr>
+          <p:cNvPr id="4" name="Slide Number Placeholder 3"/>
+          <p:cNvSpPr>
+            <a:spLocks noGrp="1"/>
+          </p:cNvSpPr>
+          <p:nvPr>
+            <p:ph type="sldNum" sz="quarter" idx="12"/>
+          </p:nvPr>
+        </p:nvSpPr>
+        <p:spPr/>
+        <p:txBody>
+          <a:bodyPr/>
+          <a:lstStyle/>
+          <a:p>
+            <a:fld id="{37B6CB5A-F5BD-474A-BDA3-1E989790071A}" type="slidenum">
+              <a:rPr lang="en-US" smtClean="0"/>
+              <a:pPr/>
+              <a:t>12</a:t>
+            </a:fld>
+            <a:endParaRPr lang="en-US"/>
+          </a:p>
+        </p:txBody>
+      </p:sp>
+    </p:spTree>
+  </p:cSld>
+  <p:clrMapOvr>
+    <a:masterClrMapping/>
+  </p:clrMapOvr>
+  <p:timing>
+    <p:tnLst>
+      <p:par>
+        <p:cTn xmlns:p14="http://schemas.microsoft.com/office/powerpoint/2010/main" id="1" dur="indefinite" restart="never" nodeType="tmRoot"/>
+      </p:par>
+    </p:tnLst>
+  </p:timing>
+</p:sld>
+</file>
+
+<file path=ppt/slides/slide13.xml><?xml version="1.0" encoding="utf-8"?>
+<p:sld xmlns:a="http://schemas.openxmlformats.org/drawingml/2006/main" xmlns:r="http://schemas.openxmlformats.org/officeDocument/2006/relationships" xmlns:p="http://schemas.openxmlformats.org/presentationml/2006/main">
+  <p:cSld>
+    <p:spTree>
+      <p:nvGrpSpPr>
+        <p:cNvPr id="1" name=""/>
+        <p:cNvGrpSpPr/>
+        <p:nvPr/>
+      </p:nvGrpSpPr>
+      <p:grpSpPr>
+        <a:xfrm>
+          <a:off x="0" y="0"/>
+          <a:ext cx="0" cy="0"/>
+          <a:chOff x="0" y="0"/>
+          <a:chExt cx="0" cy="0"/>
+        </a:xfrm>
+      </p:grpSpPr>
+      <p:sp>
+        <p:nvSpPr>
+          <p:cNvPr id="7" name="Title 6"/>
+          <p:cNvSpPr>
+            <a:spLocks noGrp="1"/>
+          </p:cNvSpPr>
+          <p:nvPr>
+            <p:ph type="title"/>
+          </p:nvPr>
+        </p:nvSpPr>
+        <p:spPr/>
+        <p:txBody>
+          <a:bodyPr/>
+          <a:lstStyle/>
+          <a:p>
+            <a:r>
+              <a:rPr lang="en-US" dirty="0" smtClean="0"/>
+              <a:t>Dominance Frontier</a:t>
+            </a:r>
+            <a:endParaRPr lang="en-US" dirty="0"/>
+          </a:p>
+        </p:txBody>
+      </p:sp>
+      <p:sp>
+        <p:nvSpPr>
+          <p:cNvPr id="4" name="Slide Number Placeholder 3"/>
+          <p:cNvSpPr>
+            <a:spLocks noGrp="1"/>
+          </p:cNvSpPr>
+          <p:nvPr>
+            <p:ph type="sldNum" sz="quarter" idx="12"/>
+          </p:nvPr>
+        </p:nvSpPr>
+        <p:spPr/>
+        <p:txBody>
+          <a:bodyPr/>
+          <a:lstStyle/>
+          <a:p>
+            <a:fld id="{37B6CB5A-F5BD-474A-BDA3-1E989790071A}" type="slidenum">
+              <a:rPr lang="en-US" smtClean="0"/>
+              <a:pPr/>
+              <a:t>13</a:t>
             </a:fld>
             <a:endParaRPr lang="en-US"/>
           </a:p>
@@ -6388,476 +8906,6 @@
 </p:sld>
 </file>
 
-<file path=ppt/slides/slide12.xml><?xml version="1.0" encoding="utf-8"?>
-<p:sld xmlns:a="http://schemas.openxmlformats.org/drawingml/2006/main" xmlns:r="http://schemas.openxmlformats.org/officeDocument/2006/relationships" xmlns:p="http://schemas.openxmlformats.org/presentationml/2006/main">
-  <p:cSld>
-    <p:spTree>
-      <p:nvGrpSpPr>
-        <p:cNvPr id="1" name=""/>
-        <p:cNvGrpSpPr/>
-        <p:nvPr/>
-      </p:nvGrpSpPr>
-      <p:grpSpPr>
-        <a:xfrm>
-          <a:off x="0" y="0"/>
-          <a:ext cx="0" cy="0"/>
-          <a:chOff x="0" y="0"/>
-          <a:chExt cx="0" cy="0"/>
-        </a:xfrm>
-      </p:grpSpPr>
-      <p:sp>
-        <p:nvSpPr>
-          <p:cNvPr id="2" name="Title 1"/>
-          <p:cNvSpPr>
-            <a:spLocks noGrp="1"/>
-          </p:cNvSpPr>
-          <p:nvPr>
-            <p:ph type="title"/>
-          </p:nvPr>
-        </p:nvSpPr>
-        <p:spPr/>
-        <p:txBody>
-          <a:bodyPr/>
-          <a:lstStyle/>
-          <a:p>
-            <a:r>
-              <a:rPr lang="en-US" dirty="0" smtClean="0"/>
-              <a:t>Dominance Frontier</a:t>
-            </a:r>
-            <a:endParaRPr lang="en-US" dirty="0"/>
-          </a:p>
-        </p:txBody>
-      </p:sp>
-      <p:sp>
-        <p:nvSpPr>
-          <p:cNvPr id="5" name="Content Placeholder 4"/>
-          <p:cNvSpPr>
-            <a:spLocks noGrp="1"/>
-          </p:cNvSpPr>
-          <p:nvPr>
-            <p:ph idx="1"/>
-          </p:nvPr>
-        </p:nvSpPr>
-        <p:spPr/>
-        <p:txBody>
-          <a:bodyPr/>
-          <a:lstStyle/>
-          <a:p>
-            <a:r>
-              <a:rPr lang="en-US" dirty="0" smtClean="0"/>
-              <a:t>Algorithm to compute DF(X):</a:t>
-            </a:r>
-          </a:p>
-          <a:p>
-            <a:pPr lvl="1"/>
-            <a:r>
-              <a:rPr lang="en-US" dirty="0" err="1" smtClean="0"/>
-              <a:t>Local(X</a:t>
-            </a:r>
-            <a:r>
-              <a:rPr lang="en-US" dirty="0" smtClean="0"/>
-              <a:t>) := set of successors of X who do not immediately dominate X</a:t>
-            </a:r>
-          </a:p>
-          <a:p>
-            <a:pPr lvl="1"/>
-            <a:r>
-              <a:rPr lang="en-US" dirty="0" err="1" smtClean="0"/>
-              <a:t>Up(X</a:t>
-            </a:r>
-            <a:r>
-              <a:rPr lang="en-US" dirty="0" smtClean="0"/>
-              <a:t>) := set of nodes in DF(X) that are not dominated by X’s immediate dominator.</a:t>
-            </a:r>
-          </a:p>
-          <a:p>
-            <a:pPr lvl="1"/>
-            <a:r>
-              <a:rPr lang="en-US" dirty="0" smtClean="0"/>
-              <a:t>DF(X) := Union of </a:t>
-            </a:r>
-            <a:r>
-              <a:rPr lang="en-US" dirty="0" err="1" smtClean="0"/>
-              <a:t>Local(X</a:t>
-            </a:r>
-            <a:r>
-              <a:rPr lang="en-US" dirty="0" smtClean="0"/>
-              <a:t>) &amp; ( Union of </a:t>
-            </a:r>
-            <a:r>
-              <a:rPr lang="en-US" dirty="0" err="1" smtClean="0"/>
-              <a:t>Up(K</a:t>
-            </a:r>
-            <a:r>
-              <a:rPr lang="en-US" dirty="0" smtClean="0"/>
-              <a:t>) for all K that are children of X )</a:t>
-            </a:r>
-            <a:endParaRPr lang="en-US" dirty="0"/>
-          </a:p>
-        </p:txBody>
-      </p:sp>
-      <p:sp>
-        <p:nvSpPr>
-          <p:cNvPr id="3" name="Date Placeholder 2"/>
-          <p:cNvSpPr>
-            <a:spLocks noGrp="1"/>
-          </p:cNvSpPr>
-          <p:nvPr>
-            <p:ph type="dt" sz="half" idx="10"/>
-          </p:nvPr>
-        </p:nvSpPr>
-        <p:spPr/>
-        <p:txBody>
-          <a:bodyPr/>
-          <a:lstStyle/>
-          <a:p>
-            <a:fld id="{C4DFBF3A-2DAB-514F-ACE2-471A02E60E43}" type="datetime1">
-              <a:rPr lang="en-US" smtClean="0"/>
-              <a:pPr/>
-              <a:t>16-07-12</a:t>
-            </a:fld>
-            <a:endParaRPr lang="en-US"/>
-          </a:p>
-        </p:txBody>
-      </p:sp>
-      <p:sp>
-        <p:nvSpPr>
-          <p:cNvPr id="4" name="Slide Number Placeholder 3"/>
-          <p:cNvSpPr>
-            <a:spLocks noGrp="1"/>
-          </p:cNvSpPr>
-          <p:nvPr>
-            <p:ph type="sldNum" sz="quarter" idx="12"/>
-          </p:nvPr>
-        </p:nvSpPr>
-        <p:spPr/>
-        <p:txBody>
-          <a:bodyPr/>
-          <a:lstStyle/>
-          <a:p>
-            <a:fld id="{37B6CB5A-F5BD-474A-BDA3-1E989790071A}" type="slidenum">
-              <a:rPr lang="en-US" smtClean="0"/>
-              <a:pPr/>
-              <a:t>12</a:t>
-            </a:fld>
-            <a:endParaRPr lang="en-US"/>
-          </a:p>
-        </p:txBody>
-      </p:sp>
-    </p:spTree>
-  </p:cSld>
-  <p:clrMapOvr>
-    <a:masterClrMapping/>
-  </p:clrMapOvr>
-  <p:timing>
-    <p:tnLst>
-      <p:par>
-        <p:cTn xmlns:p14="http://schemas.microsoft.com/office/powerpoint/2010/main" id="1" dur="indefinite" restart="never" nodeType="tmRoot"/>
-      </p:par>
-    </p:tnLst>
-  </p:timing>
-</p:sld>
-</file>
-
-<file path=ppt/slides/slide13.xml><?xml version="1.0" encoding="utf-8"?>
-<p:sld xmlns:a="http://schemas.openxmlformats.org/drawingml/2006/main" xmlns:r="http://schemas.openxmlformats.org/officeDocument/2006/relationships" xmlns:p="http://schemas.openxmlformats.org/presentationml/2006/main">
-  <p:cSld>
-    <p:spTree>
-      <p:nvGrpSpPr>
-        <p:cNvPr id="1" name=""/>
-        <p:cNvGrpSpPr/>
-        <p:nvPr/>
-      </p:nvGrpSpPr>
-      <p:grpSpPr>
-        <a:xfrm>
-          <a:off x="0" y="0"/>
-          <a:ext cx="0" cy="0"/>
-          <a:chOff x="0" y="0"/>
-          <a:chExt cx="0" cy="0"/>
-        </a:xfrm>
-      </p:grpSpPr>
-      <p:sp>
-        <p:nvSpPr>
-          <p:cNvPr id="2" name="Title 1"/>
-          <p:cNvSpPr>
-            <a:spLocks noGrp="1"/>
-          </p:cNvSpPr>
-          <p:nvPr>
-            <p:ph type="title"/>
-          </p:nvPr>
-        </p:nvSpPr>
-        <p:spPr/>
-        <p:txBody>
-          <a:bodyPr/>
-          <a:lstStyle/>
-          <a:p>
-            <a:r>
-              <a:rPr lang="en-US" dirty="0" smtClean="0"/>
-              <a:t>Dominance Frontier</a:t>
-            </a:r>
-            <a:endParaRPr lang="en-US" dirty="0"/>
-          </a:p>
-        </p:txBody>
-      </p:sp>
-      <p:sp>
-        <p:nvSpPr>
-          <p:cNvPr id="5" name="Content Placeholder 4"/>
-          <p:cNvSpPr>
-            <a:spLocks noGrp="1"/>
-          </p:cNvSpPr>
-          <p:nvPr>
-            <p:ph idx="1"/>
-          </p:nvPr>
-        </p:nvSpPr>
-        <p:spPr>
-          <a:xfrm>
-            <a:off x="685800" y="1828800"/>
-            <a:ext cx="7772400" cy="4419600"/>
-          </a:xfrm>
-        </p:spPr>
-        <p:txBody>
-          <a:bodyPr/>
-          <a:lstStyle/>
-          <a:p>
-            <a:r>
-              <a:rPr lang="en-US" sz="2800" dirty="0" err="1" smtClean="0"/>
-              <a:t>ComputeDF(X</a:t>
-            </a:r>
-            <a:r>
-              <a:rPr lang="en-US" sz="2800" dirty="0" smtClean="0"/>
-              <a:t>):</a:t>
-            </a:r>
-          </a:p>
-          <a:p>
-            <a:pPr lvl="1">
-              <a:buNone/>
-            </a:pPr>
-            <a:r>
-              <a:rPr lang="en-US" sz="2400" dirty="0" smtClean="0"/>
-              <a:t>S := {} </a:t>
-            </a:r>
-            <a:r>
-              <a:rPr lang="en-US" sz="2400" dirty="0" smtClean="0">
-                <a:solidFill>
-                  <a:schemeClr val="accent2"/>
-                </a:solidFill>
-              </a:rPr>
-              <a:t>// empty set</a:t>
-            </a:r>
-          </a:p>
-          <a:p>
-            <a:pPr lvl="1">
-              <a:buNone/>
-            </a:pPr>
-            <a:r>
-              <a:rPr lang="en-US" sz="2400" dirty="0" smtClean="0"/>
-              <a:t>For each node Y in </a:t>
-            </a:r>
-            <a:r>
-              <a:rPr lang="en-US" sz="2400" dirty="0" err="1" smtClean="0"/>
-              <a:t>Successor(X</a:t>
-            </a:r>
-            <a:r>
-              <a:rPr lang="en-US" sz="2400" dirty="0" smtClean="0"/>
-              <a:t>):</a:t>
-            </a:r>
-          </a:p>
-          <a:p>
-            <a:pPr lvl="1">
-              <a:buNone/>
-            </a:pPr>
-            <a:r>
-              <a:rPr lang="en-US" sz="2400" dirty="0" smtClean="0"/>
-              <a:t>	If Y is not immediately dominating X:</a:t>
-            </a:r>
-          </a:p>
-          <a:p>
-            <a:pPr lvl="1">
-              <a:buNone/>
-            </a:pPr>
-            <a:r>
-              <a:rPr lang="en-US" sz="2400" dirty="0" smtClean="0"/>
-              <a:t>		S := S + {Y</a:t>
-            </a:r>
-            <a:r>
-              <a:rPr lang="en-US" sz="2400" dirty="0" smtClean="0">
-                <a:solidFill>
-                  <a:srgbClr val="333399"/>
-                </a:solidFill>
-              </a:rPr>
-              <a:t>} // this is </a:t>
-            </a:r>
-            <a:r>
-              <a:rPr lang="en-US" sz="2400" dirty="0" err="1" smtClean="0">
-                <a:solidFill>
-                  <a:srgbClr val="333399"/>
-                </a:solidFill>
-              </a:rPr>
-              <a:t>Local(X</a:t>
-            </a:r>
-            <a:r>
-              <a:rPr lang="en-US" sz="2400" dirty="0" smtClean="0">
-                <a:solidFill>
-                  <a:srgbClr val="333399"/>
-                </a:solidFill>
-              </a:rPr>
-              <a:t>), + means union</a:t>
-            </a:r>
-          </a:p>
-          <a:p>
-            <a:pPr lvl="1">
-              <a:buNone/>
-            </a:pPr>
-            <a:r>
-              <a:rPr lang="en-US" sz="2400" dirty="0" smtClean="0"/>
-              <a:t>For each child K of X in D(X): </a:t>
-            </a:r>
-            <a:r>
-              <a:rPr lang="en-US" sz="2400" dirty="0" smtClean="0">
-                <a:solidFill>
-                  <a:srgbClr val="333399"/>
-                </a:solidFill>
-              </a:rPr>
-              <a:t>// X dominates K</a:t>
-            </a:r>
-          </a:p>
-          <a:p>
-            <a:pPr lvl="1">
-              <a:buNone/>
-            </a:pPr>
-            <a:r>
-              <a:rPr lang="en-US" sz="2400" dirty="0" smtClean="0"/>
-              <a:t>	For each element Y in </a:t>
-            </a:r>
-            <a:r>
-              <a:rPr lang="en-US" sz="2400" dirty="0" err="1" smtClean="0"/>
-              <a:t>ComputeDF(K</a:t>
-            </a:r>
-            <a:r>
-              <a:rPr lang="en-US" sz="2400" dirty="0" smtClean="0"/>
-              <a:t>):</a:t>
-            </a:r>
-          </a:p>
-          <a:p>
-            <a:pPr lvl="1">
-              <a:buNone/>
-            </a:pPr>
-            <a:r>
-              <a:rPr lang="en-US" sz="2400" dirty="0" smtClean="0"/>
-              <a:t>		If X does not dominate Y, </a:t>
-            </a:r>
-          </a:p>
-          <a:p>
-            <a:pPr lvl="1">
-              <a:buNone/>
-            </a:pPr>
-            <a:r>
-              <a:rPr lang="en-US" sz="2400" dirty="0" smtClean="0"/>
-              <a:t>			S := S + {Y} </a:t>
-            </a:r>
-            <a:r>
-              <a:rPr lang="en-US" sz="2400" dirty="0" smtClean="0">
-                <a:solidFill>
-                  <a:srgbClr val="333399"/>
-                </a:solidFill>
-              </a:rPr>
-              <a:t>// this is </a:t>
-            </a:r>
-            <a:r>
-              <a:rPr lang="en-US" sz="2400" dirty="0" err="1" smtClean="0">
-                <a:solidFill>
-                  <a:srgbClr val="333399"/>
-                </a:solidFill>
-              </a:rPr>
-              <a:t>Up(X</a:t>
-            </a:r>
-            <a:r>
-              <a:rPr lang="en-US" sz="2400" dirty="0" smtClean="0">
-                <a:solidFill>
-                  <a:srgbClr val="333399"/>
-                </a:solidFill>
-              </a:rPr>
-              <a:t>)</a:t>
-            </a:r>
-            <a:r>
-              <a:rPr lang="en-US" sz="2400" dirty="0" smtClean="0"/>
-              <a:t> </a:t>
-            </a:r>
-          </a:p>
-          <a:p>
-            <a:pPr lvl="1">
-              <a:buNone/>
-            </a:pPr>
-            <a:r>
-              <a:rPr lang="en-US" sz="2400" dirty="0" smtClean="0"/>
-              <a:t>DF(X) = S</a:t>
-            </a:r>
-          </a:p>
-        </p:txBody>
-      </p:sp>
-      <p:sp>
-        <p:nvSpPr>
-          <p:cNvPr id="3" name="Date Placeholder 2"/>
-          <p:cNvSpPr>
-            <a:spLocks noGrp="1"/>
-          </p:cNvSpPr>
-          <p:nvPr>
-            <p:ph type="dt" sz="half" idx="10"/>
-          </p:nvPr>
-        </p:nvSpPr>
-        <p:spPr/>
-        <p:txBody>
-          <a:bodyPr/>
-          <a:lstStyle/>
-          <a:p>
-            <a:fld id="{C4DFBF3A-2DAB-514F-ACE2-471A02E60E43}" type="datetime1">
-              <a:rPr lang="en-US" smtClean="0"/>
-              <a:pPr/>
-              <a:t>16-07-12</a:t>
-            </a:fld>
-            <a:endParaRPr lang="en-US"/>
-          </a:p>
-        </p:txBody>
-      </p:sp>
-      <p:sp>
-        <p:nvSpPr>
-          <p:cNvPr id="4" name="Slide Number Placeholder 3"/>
-          <p:cNvSpPr>
-            <a:spLocks noGrp="1"/>
-          </p:cNvSpPr>
-          <p:nvPr>
-            <p:ph type="sldNum" sz="quarter" idx="12"/>
-          </p:nvPr>
-        </p:nvSpPr>
-        <p:spPr/>
-        <p:txBody>
-          <a:bodyPr/>
-          <a:lstStyle/>
-          <a:p>
-            <a:fld id="{37B6CB5A-F5BD-474A-BDA3-1E989790071A}" type="slidenum">
-              <a:rPr lang="en-US" smtClean="0"/>
-              <a:pPr/>
-              <a:t>13</a:t>
-            </a:fld>
-            <a:endParaRPr lang="en-US" dirty="0"/>
-          </a:p>
-        </p:txBody>
-      </p:sp>
-    </p:spTree>
-  </p:cSld>
-  <p:clrMapOvr>
-    <a:masterClrMapping/>
-  </p:clrMapOvr>
-  <p:timing>
-    <p:tnLst>
-      <p:par>
-        <p:cTn xmlns:p14="http://schemas.microsoft.com/office/powerpoint/2010/main" id="1" dur="indefinite" restart="never" nodeType="tmRoot"/>
-      </p:par>
-    </p:tnLst>
-  </p:timing>
-</p:sld>
-</file>
-
 <file path=ppt/slides/slide14.xml><?xml version="1.0" encoding="utf-8"?>
 <p:sld xmlns:a="http://schemas.openxmlformats.org/drawingml/2006/main" xmlns:r="http://schemas.openxmlformats.org/officeDocument/2006/relationships" xmlns:p="http://schemas.openxmlformats.org/presentationml/2006/main">
   <p:cSld>
@@ -6877,7 +8925,7 @@
       </p:grpSpPr>
       <p:sp>
         <p:nvSpPr>
-          <p:cNvPr id="5" name="Title 4"/>
+          <p:cNvPr id="2" name="Title 1"/>
           <p:cNvSpPr>
             <a:spLocks noGrp="1"/>
           </p:cNvSpPr>
@@ -6900,7 +8948,7 @@
       </p:sp>
       <p:sp>
         <p:nvSpPr>
-          <p:cNvPr id="6" name="Content Placeholder 5"/>
+          <p:cNvPr id="5" name="Content Placeholder 4"/>
           <p:cNvSpPr>
             <a:spLocks noGrp="1"/>
           </p:cNvSpPr>
@@ -6915,120 +8963,54 @@
           <a:p>
             <a:r>
               <a:rPr lang="en-US" dirty="0" smtClean="0"/>
-              <a:t>Dominance Frontier Criterion</a:t>
+              <a:t>Algorithm to compute DF(X):</a:t>
             </a:r>
           </a:p>
           <a:p>
             <a:pPr lvl="1"/>
             <a:r>
+              <a:rPr lang="en-US" dirty="0" err="1" smtClean="0"/>
+              <a:t>Local(X</a:t>
+            </a:r>
+            <a:r>
               <a:rPr lang="en-US" dirty="0" smtClean="0"/>
-              <a:t>If node X contains definition of some variable </a:t>
-            </a:r>
-            <a:r>
-              <a:rPr lang="en-US" i="1" dirty="0" smtClean="0"/>
-              <a:t>a</a:t>
+              <a:t>) := set of successors of X who do not immediately dominate X</a:t>
+            </a:r>
+          </a:p>
+          <a:p>
+            <a:pPr lvl="1"/>
+            <a:r>
+              <a:rPr lang="en-US" dirty="0" err="1" smtClean="0"/>
+              <a:t>Up(X</a:t>
             </a:r>
             <a:r>
               <a:rPr lang="en-US" dirty="0" smtClean="0"/>
-              <a:t>, then any node Y in the DF(X) needs a </a:t>
-            </a:r>
-            <a:r>
-              <a:rPr lang="en-US" dirty="0" err="1" smtClean="0">
-                <a:sym typeface="Symbol" charset="2"/>
-              </a:rPr>
-              <a:t></a:t>
-            </a:r>
-            <a:r>
-              <a:rPr lang="en-US" dirty="0" smtClean="0">
-                <a:sym typeface="Symbol" charset="2"/>
-              </a:rPr>
-              <a:t> function for </a:t>
-            </a:r>
-            <a:r>
-              <a:rPr lang="en-US" i="1" dirty="0" smtClean="0">
-                <a:sym typeface="Symbol" charset="2"/>
-              </a:rPr>
-              <a:t>a</a:t>
-            </a:r>
-            <a:r>
-              <a:rPr lang="en-US" dirty="0" smtClean="0">
-                <a:sym typeface="Symbol" charset="2"/>
-              </a:rPr>
-              <a:t>.</a:t>
-            </a:r>
-          </a:p>
-          <a:p>
-            <a:r>
-              <a:rPr lang="en-US" dirty="0" smtClean="0">
-                <a:sym typeface="Symbol" charset="2"/>
-              </a:rPr>
-              <a:t>Iterated Dominance Frontier</a:t>
+              <a:t>) := set of nodes in DF(X) that are not dominated by X’s immediate dominator.</a:t>
             </a:r>
           </a:p>
           <a:p>
             <a:pPr lvl="1"/>
             <a:r>
-              <a:rPr lang="en-US" dirty="0" smtClean="0">
-                <a:sym typeface="Symbol" charset="2"/>
-              </a:rPr>
-              <a:t>Since </a:t>
-            </a:r>
-            <a:r>
               <a:rPr lang="en-US" dirty="0" smtClean="0"/>
-              <a:t>a </a:t>
-            </a:r>
-            <a:r>
-              <a:rPr lang="en-US" dirty="0" err="1" smtClean="0">
-                <a:sym typeface="Symbol" charset="2"/>
-              </a:rPr>
-              <a:t></a:t>
-            </a:r>
-            <a:r>
-              <a:rPr lang="en-US" dirty="0" smtClean="0">
-                <a:sym typeface="Symbol" charset="2"/>
-              </a:rPr>
-              <a:t> function is itself a definition of a new variable, we must iterate the DF criterion until no nodes in the CFG need </a:t>
+              <a:t>DF(X) := Union of </a:t>
+            </a:r>
+            <a:r>
+              <a:rPr lang="en-US" dirty="0" err="1" smtClean="0"/>
+              <a:t>Local(X</a:t>
             </a:r>
             <a:r>
               <a:rPr lang="en-US" dirty="0" smtClean="0"/>
-              <a:t>a </a:t>
-            </a:r>
-            <a:r>
-              <a:rPr lang="en-US" dirty="0" err="1" smtClean="0">
-                <a:sym typeface="Symbol" charset="2"/>
-              </a:rPr>
-              <a:t></a:t>
-            </a:r>
-            <a:r>
-              <a:rPr lang="en-US" dirty="0" smtClean="0">
-                <a:sym typeface="Symbol" charset="2"/>
-              </a:rPr>
-              <a:t> function.</a:t>
-            </a:r>
-          </a:p>
-        </p:txBody>
-      </p:sp>
-      <p:sp>
-        <p:nvSpPr>
-          <p:cNvPr id="3" name="Date Placeholder 2"/>
-          <p:cNvSpPr>
-            <a:spLocks noGrp="1"/>
-          </p:cNvSpPr>
-          <p:nvPr>
-            <p:ph type="dt" sz="half" idx="10"/>
-          </p:nvPr>
-        </p:nvSpPr>
-        <p:spPr/>
-        <p:txBody>
-          <a:bodyPr/>
-          <a:lstStyle/>
-          <a:p>
-            <a:fld id="{C4DFBF3A-2DAB-514F-ACE2-471A02E60E43}" type="datetime1">
-              <a:rPr lang="en-US" smtClean="0"/>
-              <a:pPr/>
-              <a:t>16-07-12</a:t>
-            </a:fld>
-            <a:endParaRPr lang="en-US"/>
+              <a:t>) &amp; ( Union of </a:t>
+            </a:r>
+            <a:r>
+              <a:rPr lang="en-US" dirty="0" err="1" smtClean="0"/>
+              <a:t>Up(K</a:t>
+            </a:r>
+            <a:r>
+              <a:rPr lang="en-US" dirty="0" smtClean="0"/>
+              <a:t>) for all K that are children of X )</a:t>
+            </a:r>
+            <a:endParaRPr lang="en-US" dirty="0"/>
           </a:p>
         </p:txBody>
       </p:sp>
@@ -7105,7 +9087,320 @@
           <a:p>
             <a:r>
               <a:rPr lang="en-US" dirty="0" smtClean="0"/>
-              <a:t>Placing </a:t>
+              <a:t>Dominance Frontier</a:t>
+            </a:r>
+            <a:endParaRPr lang="en-US" dirty="0"/>
+          </a:p>
+        </p:txBody>
+      </p:sp>
+      <p:sp>
+        <p:nvSpPr>
+          <p:cNvPr id="5" name="Content Placeholder 4"/>
+          <p:cNvSpPr>
+            <a:spLocks noGrp="1"/>
+          </p:cNvSpPr>
+          <p:nvPr>
+            <p:ph idx="1"/>
+          </p:nvPr>
+        </p:nvSpPr>
+        <p:spPr>
+          <a:xfrm>
+            <a:off x="685800" y="1828800"/>
+            <a:ext cx="7772400" cy="4419600"/>
+          </a:xfrm>
+        </p:spPr>
+        <p:txBody>
+          <a:bodyPr/>
+          <a:lstStyle/>
+          <a:p>
+            <a:r>
+              <a:rPr lang="en-US" sz="2800" dirty="0" err="1" smtClean="0"/>
+              <a:t>ComputeDF(X</a:t>
+            </a:r>
+            <a:r>
+              <a:rPr lang="en-US" sz="2800" dirty="0" smtClean="0"/>
+              <a:t>):</a:t>
+            </a:r>
+          </a:p>
+          <a:p>
+            <a:pPr lvl="1">
+              <a:buNone/>
+            </a:pPr>
+            <a:r>
+              <a:rPr lang="en-US" sz="2400" dirty="0" smtClean="0"/>
+              <a:t>S := {} </a:t>
+            </a:r>
+            <a:r>
+              <a:rPr lang="en-US" sz="2400" dirty="0" smtClean="0">
+                <a:solidFill>
+                  <a:schemeClr val="accent2"/>
+                </a:solidFill>
+              </a:rPr>
+              <a:t>// empty set</a:t>
+            </a:r>
+          </a:p>
+          <a:p>
+            <a:pPr lvl="1">
+              <a:buNone/>
+            </a:pPr>
+            <a:r>
+              <a:rPr lang="en-US" sz="2400" dirty="0" smtClean="0"/>
+              <a:t>For each node Y in </a:t>
+            </a:r>
+            <a:r>
+              <a:rPr lang="en-US" sz="2400" dirty="0" err="1" smtClean="0"/>
+              <a:t>Successor(X</a:t>
+            </a:r>
+            <a:r>
+              <a:rPr lang="en-US" sz="2400" dirty="0" smtClean="0"/>
+              <a:t>):</a:t>
+            </a:r>
+          </a:p>
+          <a:p>
+            <a:pPr lvl="1">
+              <a:buNone/>
+            </a:pPr>
+            <a:r>
+              <a:rPr lang="en-US" sz="2400" dirty="0" smtClean="0"/>
+              <a:t>	If Y is not immediately dominating X:</a:t>
+            </a:r>
+          </a:p>
+          <a:p>
+            <a:pPr lvl="1">
+              <a:buNone/>
+            </a:pPr>
+            <a:r>
+              <a:rPr lang="en-US" sz="2400" dirty="0" smtClean="0"/>
+              <a:t>		S := S + {Y</a:t>
+            </a:r>
+            <a:r>
+              <a:rPr lang="en-US" sz="2400" dirty="0" smtClean="0">
+                <a:solidFill>
+                  <a:srgbClr val="333399"/>
+                </a:solidFill>
+              </a:rPr>
+              <a:t>} // this is </a:t>
+            </a:r>
+            <a:r>
+              <a:rPr lang="en-US" sz="2400" dirty="0" err="1" smtClean="0">
+                <a:solidFill>
+                  <a:srgbClr val="333399"/>
+                </a:solidFill>
+              </a:rPr>
+              <a:t>Local(X</a:t>
+            </a:r>
+            <a:r>
+              <a:rPr lang="en-US" sz="2400" dirty="0" smtClean="0">
+                <a:solidFill>
+                  <a:srgbClr val="333399"/>
+                </a:solidFill>
+              </a:rPr>
+              <a:t>), + means union</a:t>
+            </a:r>
+          </a:p>
+          <a:p>
+            <a:pPr lvl="1">
+              <a:buNone/>
+            </a:pPr>
+            <a:r>
+              <a:rPr lang="en-US" sz="2400" dirty="0" smtClean="0"/>
+              <a:t>For each child K of X in D(X): </a:t>
+            </a:r>
+            <a:r>
+              <a:rPr lang="en-US" sz="2400" dirty="0" smtClean="0">
+                <a:solidFill>
+                  <a:srgbClr val="333399"/>
+                </a:solidFill>
+              </a:rPr>
+              <a:t>// X dominates K</a:t>
+            </a:r>
+          </a:p>
+          <a:p>
+            <a:pPr lvl="1">
+              <a:buNone/>
+            </a:pPr>
+            <a:r>
+              <a:rPr lang="en-US" sz="2400" dirty="0" smtClean="0"/>
+              <a:t>	For each element Y in </a:t>
+            </a:r>
+            <a:r>
+              <a:rPr lang="en-US" sz="2400" dirty="0" err="1" smtClean="0"/>
+              <a:t>ComputeDF(K</a:t>
+            </a:r>
+            <a:r>
+              <a:rPr lang="en-US" sz="2400" dirty="0" smtClean="0"/>
+              <a:t>):</a:t>
+            </a:r>
+          </a:p>
+          <a:p>
+            <a:pPr lvl="1">
+              <a:buNone/>
+            </a:pPr>
+            <a:r>
+              <a:rPr lang="en-US" sz="2400" dirty="0" smtClean="0"/>
+              <a:t>		If X does not dominate Y, </a:t>
+            </a:r>
+          </a:p>
+          <a:p>
+            <a:pPr lvl="1">
+              <a:buNone/>
+            </a:pPr>
+            <a:r>
+              <a:rPr lang="en-US" sz="2400" dirty="0" smtClean="0"/>
+              <a:t>			S := S + {Y} </a:t>
+            </a:r>
+            <a:r>
+              <a:rPr lang="en-US" sz="2400" dirty="0" smtClean="0">
+                <a:solidFill>
+                  <a:srgbClr val="333399"/>
+                </a:solidFill>
+              </a:rPr>
+              <a:t>// this is </a:t>
+            </a:r>
+            <a:r>
+              <a:rPr lang="en-US" sz="2400" dirty="0" err="1" smtClean="0">
+                <a:solidFill>
+                  <a:srgbClr val="333399"/>
+                </a:solidFill>
+              </a:rPr>
+              <a:t>Up(X</a:t>
+            </a:r>
+            <a:r>
+              <a:rPr lang="en-US" sz="2400" dirty="0" smtClean="0">
+                <a:solidFill>
+                  <a:srgbClr val="333399"/>
+                </a:solidFill>
+              </a:rPr>
+              <a:t>)</a:t>
+            </a:r>
+            <a:r>
+              <a:rPr lang="en-US" sz="2400" dirty="0" smtClean="0"/>
+              <a:t> </a:t>
+            </a:r>
+          </a:p>
+          <a:p>
+            <a:pPr lvl="1">
+              <a:buNone/>
+            </a:pPr>
+            <a:r>
+              <a:rPr lang="en-US" sz="2400" dirty="0" smtClean="0"/>
+              <a:t>DF(X) = S</a:t>
+            </a:r>
+          </a:p>
+        </p:txBody>
+      </p:sp>
+      <p:sp>
+        <p:nvSpPr>
+          <p:cNvPr id="4" name="Slide Number Placeholder 3"/>
+          <p:cNvSpPr>
+            <a:spLocks noGrp="1"/>
+          </p:cNvSpPr>
+          <p:nvPr>
+            <p:ph type="sldNum" sz="quarter" idx="12"/>
+          </p:nvPr>
+        </p:nvSpPr>
+        <p:spPr/>
+        <p:txBody>
+          <a:bodyPr/>
+          <a:lstStyle/>
+          <a:p>
+            <a:fld id="{37B6CB5A-F5BD-474A-BDA3-1E989790071A}" type="slidenum">
+              <a:rPr lang="en-US" smtClean="0"/>
+              <a:pPr/>
+              <a:t>15</a:t>
+            </a:fld>
+            <a:endParaRPr lang="en-US" dirty="0"/>
+          </a:p>
+        </p:txBody>
+      </p:sp>
+    </p:spTree>
+  </p:cSld>
+  <p:clrMapOvr>
+    <a:masterClrMapping/>
+  </p:clrMapOvr>
+  <p:timing>
+    <p:tnLst>
+      <p:par>
+        <p:cTn xmlns:p14="http://schemas.microsoft.com/office/powerpoint/2010/main" id="1" dur="indefinite" restart="never" nodeType="tmRoot"/>
+      </p:par>
+    </p:tnLst>
+  </p:timing>
+</p:sld>
+</file>
+
+<file path=ppt/slides/slide16.xml><?xml version="1.0" encoding="utf-8"?>
+<p:sld xmlns:a="http://schemas.openxmlformats.org/drawingml/2006/main" xmlns:r="http://schemas.openxmlformats.org/officeDocument/2006/relationships" xmlns:p="http://schemas.openxmlformats.org/presentationml/2006/main">
+  <p:cSld>
+    <p:spTree>
+      <p:nvGrpSpPr>
+        <p:cNvPr id="1" name=""/>
+        <p:cNvGrpSpPr/>
+        <p:nvPr/>
+      </p:nvGrpSpPr>
+      <p:grpSpPr>
+        <a:xfrm>
+          <a:off x="0" y="0"/>
+          <a:ext cx="0" cy="0"/>
+          <a:chOff x="0" y="0"/>
+          <a:chExt cx="0" cy="0"/>
+        </a:xfrm>
+      </p:grpSpPr>
+      <p:sp>
+        <p:nvSpPr>
+          <p:cNvPr id="5" name="Title 4"/>
+          <p:cNvSpPr>
+            <a:spLocks noGrp="1"/>
+          </p:cNvSpPr>
+          <p:nvPr>
+            <p:ph type="title"/>
+          </p:nvPr>
+        </p:nvSpPr>
+        <p:spPr/>
+        <p:txBody>
+          <a:bodyPr/>
+          <a:lstStyle/>
+          <a:p>
+            <a:r>
+              <a:rPr lang="en-US" dirty="0" smtClean="0"/>
+              <a:t>Dominance Frontier</a:t>
+            </a:r>
+            <a:endParaRPr lang="en-US" dirty="0"/>
+          </a:p>
+        </p:txBody>
+      </p:sp>
+      <p:sp>
+        <p:nvSpPr>
+          <p:cNvPr id="6" name="Content Placeholder 5"/>
+          <p:cNvSpPr>
+            <a:spLocks noGrp="1"/>
+          </p:cNvSpPr>
+          <p:nvPr>
+            <p:ph idx="1"/>
+          </p:nvPr>
+        </p:nvSpPr>
+        <p:spPr/>
+        <p:txBody>
+          <a:bodyPr/>
+          <a:lstStyle/>
+          <a:p>
+            <a:r>
+              <a:rPr lang="en-US" dirty="0" smtClean="0"/>
+              <a:t>Dominance Frontier Criterion</a:t>
+            </a:r>
+          </a:p>
+          <a:p>
+            <a:pPr lvl="1"/>
+            <a:r>
+              <a:rPr lang="en-US" dirty="0" smtClean="0"/>
+              <a:t>If node X contains definition of some variable </a:t>
+            </a:r>
+            <a:r>
+              <a:rPr lang="en-US" i="1" dirty="0" smtClean="0"/>
+              <a:t>a</a:t>
+            </a:r>
+            <a:r>
+              <a:rPr lang="en-US" dirty="0" smtClean="0"/>
+              <a:t>, then any node Y in the DF(X) needs a </a:t>
             </a:r>
             <a:r>
               <a:rPr lang="en-US" dirty="0" err="1" smtClean="0">
@@ -7117,24 +9412,80 @@
               <a:rPr lang="en-US" dirty="0" smtClean="0">
                 <a:sym typeface="Symbol" charset="2"/>
               </a:rPr>
-              <a:t> Functions</a:t>
+              <a:t> function for </a:t>
+            </a:r>
+            <a:r>
+              <a:rPr lang="en-US" i="1" dirty="0" smtClean="0">
+                <a:sym typeface="Symbol" charset="2"/>
+              </a:rPr>
+              <a:t>a</a:t>
+            </a:r>
+            <a:r>
+              <a:rPr lang="en-US" dirty="0" smtClean="0">
+                <a:sym typeface="Symbol" charset="2"/>
+              </a:rPr>
+              <a:t>.</a:t>
+            </a:r>
+          </a:p>
+          <a:p>
+            <a:r>
+              <a:rPr lang="en-US" dirty="0" smtClean="0">
+                <a:sym typeface="Symbol" charset="2"/>
+              </a:rPr>
+              <a:t>Iterated Dominance Frontier</a:t>
+            </a:r>
+          </a:p>
+          <a:p>
+            <a:pPr lvl="1"/>
+            <a:r>
+              <a:rPr lang="en-US" dirty="0" smtClean="0">
+                <a:sym typeface="Symbol" charset="2"/>
+              </a:rPr>
+              <a:t>Since </a:t>
             </a:r>
             <a:r>
               <a:rPr lang="en-US" dirty="0" smtClean="0"/>
-              <a:t> </a:t>
-            </a:r>
-            <a:endParaRPr lang="en-US" dirty="0"/>
-          </a:p>
-        </p:txBody>
-      </p:sp>
-      <p:sp>
-        <p:nvSpPr>
-          <p:cNvPr id="4" name="Date Placeholder 3"/>
+              <a:t>a </a:t>
+            </a:r>
+            <a:r>
+              <a:rPr lang="en-US" dirty="0" err="1" smtClean="0">
+                <a:sym typeface="Symbol" charset="2"/>
+              </a:rPr>
+              <a:t></a:t>
+            </a:r>
+            <a:r>
+              <a:rPr lang="en-US" dirty="0" smtClean="0">
+                <a:sym typeface="Symbol" charset="2"/>
+              </a:rPr>
+              <a:t> function is itself a definition of a new variable, we must iterate the DF criterion until no nodes in the CFG need </a:t>
+            </a:r>
+            <a:r>
+              <a:rPr lang="en-US" dirty="0" smtClean="0"/>
+              <a:t>a </a:t>
+            </a:r>
+            <a:r>
+              <a:rPr lang="en-US" dirty="0" err="1" smtClean="0">
+                <a:sym typeface="Symbol" charset="2"/>
+              </a:rPr>
+              <a:t></a:t>
+            </a:r>
+            <a:r>
+              <a:rPr lang="en-US" dirty="0" smtClean="0">
+                <a:sym typeface="Symbol" charset="2"/>
+              </a:rPr>
+              <a:t> function.</a:t>
+            </a:r>
+          </a:p>
+        </p:txBody>
+      </p:sp>
+      <p:sp>
+        <p:nvSpPr>
+          <p:cNvPr id="4" name="Slide Number Placeholder 3"/>
           <p:cNvSpPr>
             <a:spLocks noGrp="1"/>
           </p:cNvSpPr>
           <p:nvPr>
-            <p:ph type="dt" sz="half" idx="10"/>
+            <p:ph type="sldNum" sz="quarter" idx="12"/>
           </p:nvPr>
         </p:nvSpPr>
         <p:spPr/>
@@ -7142,12 +9493,83 @@
           <a:bodyPr/>
           <a:lstStyle/>
           <a:p>
-            <a:fld id="{1CDBAC56-34FA-234E-90F5-8D8510025076}" type="datetime1">
+            <a:fld id="{37B6CB5A-F5BD-474A-BDA3-1E989790071A}" type="slidenum">
               <a:rPr lang="en-US" smtClean="0"/>
               <a:pPr/>
-              <a:t>16-07-12</a:t>
+              <a:t>16</a:t>
             </a:fld>
             <a:endParaRPr lang="en-US"/>
+          </a:p>
+        </p:txBody>
+      </p:sp>
+    </p:spTree>
+  </p:cSld>
+  <p:clrMapOvr>
+    <a:masterClrMapping/>
+  </p:clrMapOvr>
+  <p:timing>
+    <p:tnLst>
+      <p:par>
+        <p:cTn xmlns:p14="http://schemas.microsoft.com/office/powerpoint/2010/main" id="1" dur="indefinite" restart="never" nodeType="tmRoot"/>
+      </p:par>
+    </p:tnLst>
+  </p:timing>
+</p:sld>
+</file>
+
+<file path=ppt/slides/slide17.xml><?xml version="1.0" encoding="utf-8"?>
+<p:sld xmlns:a="http://schemas.openxmlformats.org/drawingml/2006/main" xmlns:r="http://schemas.openxmlformats.org/officeDocument/2006/relationships" xmlns:p="http://schemas.openxmlformats.org/presentationml/2006/main">
+  <p:cSld>
+    <p:spTree>
+      <p:nvGrpSpPr>
+        <p:cNvPr id="1" name=""/>
+        <p:cNvGrpSpPr/>
+        <p:nvPr/>
+      </p:nvGrpSpPr>
+      <p:grpSpPr>
+        <a:xfrm>
+          <a:off x="0" y="0"/>
+          <a:ext cx="0" cy="0"/>
+          <a:chOff x="0" y="0"/>
+          <a:chExt cx="0" cy="0"/>
+        </a:xfrm>
+      </p:grpSpPr>
+      <p:sp>
+        <p:nvSpPr>
+          <p:cNvPr id="2" name="Title 1"/>
+          <p:cNvSpPr>
+            <a:spLocks noGrp="1"/>
+          </p:cNvSpPr>
+          <p:nvPr>
+            <p:ph type="title"/>
+          </p:nvPr>
+        </p:nvSpPr>
+        <p:spPr/>
+        <p:txBody>
+          <a:bodyPr/>
+          <a:lstStyle/>
+          <a:p>
+            <a:r>
+              <a:rPr lang="en-US" dirty="0" smtClean="0"/>
+              <a:t>Placing </a:t>
+            </a:r>
+            <a:r>
+              <a:rPr lang="en-US" dirty="0" err="1" smtClean="0">
+                <a:sym typeface="Symbol" charset="2"/>
+              </a:rPr>
+              <a:t></a:t>
+            </a:r>
+            <a:r>
+              <a:rPr lang="en-US" dirty="0" smtClean="0">
+                <a:sym typeface="Symbol" charset="2"/>
+              </a:rPr>
+              <a:t> Functions</a:t>
+            </a:r>
+            <a:r>
+              <a:rPr lang="en-US" dirty="0" smtClean="0"/>
+              <a:t> </a:t>
+            </a:r>
+            <a:endParaRPr lang="en-US" dirty="0"/>
           </a:p>
         </p:txBody>
       </p:sp>
@@ -7169,7 +9591,7 @@
             <a:fld id="{4DFFAA38-3D7A-BB4F-941A-338C60DCD924}" type="slidenum">
               <a:rPr lang="en-US" smtClean="0"/>
               <a:pPr/>
-              <a:t>15</a:t>
+              <a:t>17</a:t>
             </a:fld>
             <a:endParaRPr lang="en-US"/>
           </a:p>
@@ -7943,7 +10365,7 @@
 </p:sld>
 </file>
 
-<file path=ppt/slides/slide16.xml><?xml version="1.0" encoding="utf-8"?>
+<file path=ppt/slides/slide18.xml><?xml version="1.0" encoding="utf-8"?>
 <p:sld xmlns:a="http://schemas.openxmlformats.org/drawingml/2006/main" xmlns:r="http://schemas.openxmlformats.org/officeDocument/2006/relationships" xmlns:p="http://schemas.openxmlformats.org/presentationml/2006/main">
   <p:cSld>
     <p:spTree>
@@ -8001,30 +10423,6 @@
       </p:sp>
       <p:sp>
         <p:nvSpPr>
-          <p:cNvPr id="4" name="Date Placeholder 3"/>
-          <p:cNvSpPr>
-            <a:spLocks noGrp="1"/>
-          </p:cNvSpPr>
-          <p:nvPr>
-            <p:ph type="dt" sz="half" idx="10"/>
-          </p:nvPr>
-        </p:nvSpPr>
-        <p:spPr/>
-        <p:txBody>
-          <a:bodyPr/>
-          <a:lstStyle/>
-          <a:p>
-            <a:fld id="{1CDBAC56-34FA-234E-90F5-8D8510025076}" type="datetime1">
-              <a:rPr lang="en-US" smtClean="0"/>
-              <a:pPr/>
-              <a:t>16-07-12</a:t>
-            </a:fld>
-            <a:endParaRPr lang="en-US"/>
-          </a:p>
-        </p:txBody>
-      </p:sp>
-      <p:sp>
-        <p:nvSpPr>
           <p:cNvPr id="5" name="Slide Number Placeholder 4"/>
           <p:cNvSpPr>
             <a:spLocks noGrp="1"/>
@@ -8041,7 +10439,7 @@
             <a:fld id="{4DFFAA38-3D7A-BB4F-941A-338C60DCD924}" type="slidenum">
               <a:rPr lang="en-US" smtClean="0"/>
               <a:pPr/>
-              <a:t>16</a:t>
+              <a:t>18</a:t>
             </a:fld>
             <a:endParaRPr lang="en-US"/>
           </a:p>
@@ -8718,1394 +11116,6 @@
 </p:sld>
 </file>
 
-<file path=ppt/slides/slide17.xml><?xml version="1.0" encoding="utf-8"?>
-<p:sld xmlns:a="http://schemas.openxmlformats.org/drawingml/2006/main" xmlns:r="http://schemas.openxmlformats.org/officeDocument/2006/relationships" xmlns:p="http://schemas.openxmlformats.org/presentationml/2006/main">
-  <p:cSld>
-    <p:spTree>
-      <p:nvGrpSpPr>
-        <p:cNvPr id="1" name=""/>
-        <p:cNvGrpSpPr/>
-        <p:nvPr/>
-      </p:nvGrpSpPr>
-      <p:grpSpPr>
-        <a:xfrm>
-          <a:off x="0" y="0"/>
-          <a:ext cx="0" cy="0"/>
-          <a:chOff x="0" y="0"/>
-          <a:chExt cx="0" cy="0"/>
-        </a:xfrm>
-      </p:grpSpPr>
-      <p:sp>
-        <p:nvSpPr>
-          <p:cNvPr id="2" name="Title 1"/>
-          <p:cNvSpPr>
-            <a:spLocks noGrp="1"/>
-          </p:cNvSpPr>
-          <p:nvPr>
-            <p:ph type="title"/>
-          </p:nvPr>
-        </p:nvSpPr>
-        <p:spPr/>
-        <p:txBody>
-          <a:bodyPr/>
-          <a:lstStyle/>
-          <a:p>
-            <a:r>
-              <a:rPr lang="en-US" dirty="0" smtClean="0"/>
-              <a:t>Placing </a:t>
-            </a:r>
-            <a:r>
-              <a:rPr lang="en-US" dirty="0" err="1" smtClean="0">
-                <a:sym typeface="Symbol" charset="2"/>
-              </a:rPr>
-              <a:t></a:t>
-            </a:r>
-            <a:r>
-              <a:rPr lang="en-US" dirty="0" smtClean="0">
-                <a:sym typeface="Symbol" charset="2"/>
-              </a:rPr>
-              <a:t> Functions</a:t>
-            </a:r>
-            <a:r>
-              <a:rPr lang="en-US" dirty="0" smtClean="0"/>
-              <a:t> </a:t>
-            </a:r>
-            <a:endParaRPr lang="en-US" dirty="0"/>
-          </a:p>
-        </p:txBody>
-      </p:sp>
-      <p:sp>
-        <p:nvSpPr>
-          <p:cNvPr id="4" name="Date Placeholder 3"/>
-          <p:cNvSpPr>
-            <a:spLocks noGrp="1"/>
-          </p:cNvSpPr>
-          <p:nvPr>
-            <p:ph type="dt" sz="half" idx="10"/>
-          </p:nvPr>
-        </p:nvSpPr>
-        <p:spPr/>
-        <p:txBody>
-          <a:bodyPr/>
-          <a:lstStyle/>
-          <a:p>
-            <a:fld id="{1CDBAC56-34FA-234E-90F5-8D8510025076}" type="datetime1">
-              <a:rPr lang="en-US" smtClean="0"/>
-              <a:pPr/>
-              <a:t>16-07-12</a:t>
-            </a:fld>
-            <a:endParaRPr lang="en-US"/>
-          </a:p>
-        </p:txBody>
-      </p:sp>
-      <p:sp>
-        <p:nvSpPr>
-          <p:cNvPr id="5" name="Slide Number Placeholder 4"/>
-          <p:cNvSpPr>
-            <a:spLocks noGrp="1"/>
-          </p:cNvSpPr>
-          <p:nvPr>
-            <p:ph type="sldNum" sz="quarter" idx="12"/>
-          </p:nvPr>
-        </p:nvSpPr>
-        <p:spPr/>
-        <p:txBody>
-          <a:bodyPr/>
-          <a:lstStyle/>
-          <a:p>
-            <a:fld id="{4DFFAA38-3D7A-BB4F-941A-338C60DCD924}" type="slidenum">
-              <a:rPr lang="en-US" smtClean="0"/>
-              <a:pPr/>
-              <a:t>17</a:t>
-            </a:fld>
-            <a:endParaRPr lang="en-US"/>
-          </a:p>
-        </p:txBody>
-      </p:sp>
-      <p:sp>
-        <p:nvSpPr>
-          <p:cNvPr id="6" name="TextBox 5"/>
-          <p:cNvSpPr txBox="1"/>
-          <p:nvPr/>
-        </p:nvSpPr>
-        <p:spPr>
-          <a:xfrm>
-            <a:off x="3352800" y="1752600"/>
-            <a:ext cx="1957387" cy="461665"/>
-          </a:xfrm>
-          <a:prstGeom prst="rect">
-            <a:avLst/>
-          </a:prstGeom>
-          <a:solidFill>
-            <a:schemeClr val="accent1"/>
-          </a:solidFill>
-          <a:ln>
-            <a:solidFill>
-              <a:schemeClr val="tx1"/>
-            </a:solidFill>
-          </a:ln>
-        </p:spPr>
-        <p:txBody>
-          <a:bodyPr wrap="none" rtlCol="0">
-            <a:spAutoFit/>
-          </a:bodyPr>
-          <a:lstStyle/>
-          <a:p>
-            <a:r>
-              <a:rPr lang="en-US" dirty="0" smtClean="0"/>
-              <a:t>1: V:=_; W:=_</a:t>
-            </a:r>
-            <a:endParaRPr lang="en-US" dirty="0"/>
-          </a:p>
-        </p:txBody>
-      </p:sp>
-      <p:sp>
-        <p:nvSpPr>
-          <p:cNvPr id="7" name="TextBox 6"/>
-          <p:cNvSpPr txBox="1"/>
-          <p:nvPr/>
-        </p:nvSpPr>
-        <p:spPr>
-          <a:xfrm>
-            <a:off x="1524000" y="2743200"/>
-            <a:ext cx="1143000" cy="461665"/>
-          </a:xfrm>
-          <a:prstGeom prst="rect">
-            <a:avLst/>
-          </a:prstGeom>
-          <a:solidFill>
-            <a:schemeClr val="accent1"/>
-          </a:solidFill>
-          <a:ln>
-            <a:solidFill>
-              <a:schemeClr val="tx1"/>
-            </a:solidFill>
-          </a:ln>
-        </p:spPr>
-        <p:txBody>
-          <a:bodyPr wrap="square" rtlCol="0">
-            <a:spAutoFit/>
-          </a:bodyPr>
-          <a:lstStyle/>
-          <a:p>
-            <a:r>
-              <a:rPr lang="en-US" dirty="0" smtClean="0"/>
-              <a:t>2:</a:t>
-            </a:r>
-            <a:endParaRPr lang="en-US" dirty="0"/>
-          </a:p>
-        </p:txBody>
-      </p:sp>
-      <p:sp>
-        <p:nvSpPr>
-          <p:cNvPr id="8" name="TextBox 7"/>
-          <p:cNvSpPr txBox="1"/>
-          <p:nvPr/>
-        </p:nvSpPr>
-        <p:spPr>
-          <a:xfrm>
-            <a:off x="5257800" y="2743200"/>
-            <a:ext cx="1371600" cy="461665"/>
-          </a:xfrm>
-          <a:prstGeom prst="rect">
-            <a:avLst/>
-          </a:prstGeom>
-          <a:solidFill>
-            <a:schemeClr val="accent1"/>
-          </a:solidFill>
-          <a:ln>
-            <a:solidFill>
-              <a:schemeClr val="tx1"/>
-            </a:solidFill>
-          </a:ln>
-        </p:spPr>
-        <p:txBody>
-          <a:bodyPr wrap="square" rtlCol="0">
-            <a:spAutoFit/>
-          </a:bodyPr>
-          <a:lstStyle/>
-          <a:p>
-            <a:r>
-              <a:rPr lang="en-US" dirty="0" smtClean="0"/>
-              <a:t>3: V:=_</a:t>
-            </a:r>
-            <a:endParaRPr lang="en-US" dirty="0"/>
-          </a:p>
-        </p:txBody>
-      </p:sp>
-      <p:sp>
-        <p:nvSpPr>
-          <p:cNvPr id="9" name="TextBox 8"/>
-          <p:cNvSpPr txBox="1"/>
-          <p:nvPr/>
-        </p:nvSpPr>
-        <p:spPr>
-          <a:xfrm>
-            <a:off x="3962400" y="3733800"/>
-            <a:ext cx="1371600" cy="461665"/>
-          </a:xfrm>
-          <a:prstGeom prst="rect">
-            <a:avLst/>
-          </a:prstGeom>
-          <a:solidFill>
-            <a:schemeClr val="accent1"/>
-          </a:solidFill>
-          <a:ln>
-            <a:solidFill>
-              <a:schemeClr val="tx1"/>
-            </a:solidFill>
-          </a:ln>
-        </p:spPr>
-        <p:txBody>
-          <a:bodyPr wrap="square" rtlCol="0">
-            <a:spAutoFit/>
-          </a:bodyPr>
-          <a:lstStyle/>
-          <a:p>
-            <a:r>
-              <a:rPr lang="en-US" dirty="0" smtClean="0"/>
-              <a:t>4:</a:t>
-            </a:r>
-            <a:endParaRPr lang="en-US" dirty="0"/>
-          </a:p>
-        </p:txBody>
-      </p:sp>
-      <p:sp>
-        <p:nvSpPr>
-          <p:cNvPr id="10" name="TextBox 9"/>
-          <p:cNvSpPr txBox="1"/>
-          <p:nvPr/>
-        </p:nvSpPr>
-        <p:spPr>
-          <a:xfrm>
-            <a:off x="6477000" y="3733800"/>
-            <a:ext cx="1371600" cy="461665"/>
-          </a:xfrm>
-          <a:prstGeom prst="rect">
-            <a:avLst/>
-          </a:prstGeom>
-          <a:solidFill>
-            <a:schemeClr val="accent1"/>
-          </a:solidFill>
-          <a:ln>
-            <a:solidFill>
-              <a:schemeClr val="tx1"/>
-            </a:solidFill>
-          </a:ln>
-        </p:spPr>
-        <p:txBody>
-          <a:bodyPr wrap="square" rtlCol="0">
-            <a:spAutoFit/>
-          </a:bodyPr>
-          <a:lstStyle/>
-          <a:p>
-            <a:r>
-              <a:rPr lang="en-US" dirty="0" smtClean="0"/>
-              <a:t>5: W:=_</a:t>
-            </a:r>
-            <a:endParaRPr lang="en-US" dirty="0"/>
-          </a:p>
-        </p:txBody>
-      </p:sp>
-      <p:sp>
-        <p:nvSpPr>
-          <p:cNvPr id="11" name="TextBox 10"/>
-          <p:cNvSpPr txBox="1"/>
-          <p:nvPr/>
-        </p:nvSpPr>
-        <p:spPr>
-          <a:xfrm>
-            <a:off x="5029200" y="4648200"/>
-            <a:ext cx="2209800" cy="461665"/>
-          </a:xfrm>
-          <a:prstGeom prst="rect">
-            <a:avLst/>
-          </a:prstGeom>
-          <a:solidFill>
-            <a:schemeClr val="accent1"/>
-          </a:solidFill>
-          <a:ln>
-            <a:solidFill>
-              <a:schemeClr val="tx1"/>
-            </a:solidFill>
-          </a:ln>
-        </p:spPr>
-        <p:txBody>
-          <a:bodyPr wrap="square" rtlCol="0">
-            <a:spAutoFit/>
-          </a:bodyPr>
-          <a:lstStyle/>
-          <a:p>
-            <a:r>
-              <a:rPr lang="en-US" dirty="0" smtClean="0"/>
-              <a:t>6: </a:t>
-            </a:r>
-            <a:r>
-              <a:rPr lang="en-US" dirty="0" smtClean="0">
-                <a:sym typeface="Symbol" charset="2"/>
-              </a:rPr>
-              <a:t>W:= (W,W) </a:t>
-            </a:r>
-            <a:endParaRPr lang="en-US" dirty="0" smtClean="0"/>
-          </a:p>
-        </p:txBody>
-      </p:sp>
-      <p:cxnSp>
-        <p:nvCxnSpPr>
-          <p:cNvPr id="14" name="Straight Arrow Connector 13"/>
-          <p:cNvCxnSpPr>
-            <a:stCxn id="6" idx="2"/>
-            <a:endCxn id="7" idx="0"/>
-          </p:cNvCxnSpPr>
-          <p:nvPr/>
-        </p:nvCxnSpPr>
-        <p:spPr bwMode="auto">
-          <a:xfrm rot="5400000">
-            <a:off x="2949030" y="1360735"/>
-            <a:ext cx="528935" cy="2235994"/>
-          </a:xfrm>
-          <a:prstGeom prst="straightConnector1">
-            <a:avLst/>
-          </a:prstGeom>
-          <a:solidFill>
-            <a:schemeClr val="accent1"/>
-          </a:solidFill>
-          <a:ln w="9525" cap="flat" cmpd="sng" algn="ctr">
-            <a:solidFill>
-              <a:schemeClr val="tx1"/>
-            </a:solidFill>
-            <a:prstDash val="solid"/>
-            <a:round/>
-            <a:headEnd type="none" w="med" len="med"/>
-            <a:tailEnd type="arrow"/>
-          </a:ln>
-          <a:effectLst/>
-        </p:spPr>
-      </p:cxnSp>
-      <p:cxnSp>
-        <p:nvCxnSpPr>
-          <p:cNvPr id="16" name="Straight Arrow Connector 15"/>
-          <p:cNvCxnSpPr>
-            <a:stCxn id="6" idx="2"/>
-            <a:endCxn id="8" idx="0"/>
-          </p:cNvCxnSpPr>
-          <p:nvPr/>
-        </p:nvCxnSpPr>
-        <p:spPr bwMode="auto">
-          <a:xfrm rot="16200000" flipH="1">
-            <a:off x="4873080" y="1672679"/>
-            <a:ext cx="528935" cy="1612106"/>
-          </a:xfrm>
-          <a:prstGeom prst="straightConnector1">
-            <a:avLst/>
-          </a:prstGeom>
-          <a:solidFill>
-            <a:schemeClr val="accent1"/>
-          </a:solidFill>
-          <a:ln w="9525" cap="flat" cmpd="sng" algn="ctr">
-            <a:solidFill>
-              <a:schemeClr val="tx1"/>
-            </a:solidFill>
-            <a:prstDash val="solid"/>
-            <a:round/>
-            <a:headEnd type="none" w="med" len="med"/>
-            <a:tailEnd type="arrow"/>
-          </a:ln>
-          <a:effectLst/>
-        </p:spPr>
-      </p:cxnSp>
-      <p:cxnSp>
-        <p:nvCxnSpPr>
-          <p:cNvPr id="18" name="Straight Arrow Connector 17"/>
-          <p:cNvCxnSpPr>
-            <a:stCxn id="8" idx="2"/>
-            <a:endCxn id="9" idx="0"/>
-          </p:cNvCxnSpPr>
-          <p:nvPr/>
-        </p:nvCxnSpPr>
-        <p:spPr bwMode="auto">
-          <a:xfrm rot="5400000">
-            <a:off x="5031433" y="2821632"/>
-            <a:ext cx="528935" cy="1295400"/>
-          </a:xfrm>
-          <a:prstGeom prst="straightConnector1">
-            <a:avLst/>
-          </a:prstGeom>
-          <a:solidFill>
-            <a:schemeClr val="accent1"/>
-          </a:solidFill>
-          <a:ln w="9525" cap="flat" cmpd="sng" algn="ctr">
-            <a:solidFill>
-              <a:schemeClr val="tx1"/>
-            </a:solidFill>
-            <a:prstDash val="solid"/>
-            <a:round/>
-            <a:headEnd type="none" w="med" len="med"/>
-            <a:tailEnd type="arrow"/>
-          </a:ln>
-          <a:effectLst/>
-        </p:spPr>
-      </p:cxnSp>
-      <p:cxnSp>
-        <p:nvCxnSpPr>
-          <p:cNvPr id="20" name="Straight Arrow Connector 19"/>
-          <p:cNvCxnSpPr>
-            <a:stCxn id="8" idx="2"/>
-            <a:endCxn id="10" idx="0"/>
-          </p:cNvCxnSpPr>
-          <p:nvPr/>
-        </p:nvCxnSpPr>
-        <p:spPr bwMode="auto">
-          <a:xfrm rot="16200000" flipH="1">
-            <a:off x="6288733" y="2859732"/>
-            <a:ext cx="528935" cy="1219200"/>
-          </a:xfrm>
-          <a:prstGeom prst="straightConnector1">
-            <a:avLst/>
-          </a:prstGeom>
-          <a:solidFill>
-            <a:schemeClr val="accent1"/>
-          </a:solidFill>
-          <a:ln w="9525" cap="flat" cmpd="sng" algn="ctr">
-            <a:solidFill>
-              <a:schemeClr val="tx1"/>
-            </a:solidFill>
-            <a:prstDash val="solid"/>
-            <a:round/>
-            <a:headEnd type="none" w="med" len="med"/>
-            <a:tailEnd type="arrow"/>
-          </a:ln>
-          <a:effectLst/>
-        </p:spPr>
-      </p:cxnSp>
-      <p:cxnSp>
-        <p:nvCxnSpPr>
-          <p:cNvPr id="22" name="Straight Arrow Connector 21"/>
-          <p:cNvCxnSpPr>
-            <a:stCxn id="9" idx="2"/>
-            <a:endCxn id="11" idx="0"/>
-          </p:cNvCxnSpPr>
-          <p:nvPr/>
-        </p:nvCxnSpPr>
-        <p:spPr bwMode="auto">
-          <a:xfrm rot="16200000" flipH="1">
-            <a:off x="5164783" y="3678882"/>
-            <a:ext cx="452735" cy="1485900"/>
-          </a:xfrm>
-          <a:prstGeom prst="straightConnector1">
-            <a:avLst/>
-          </a:prstGeom>
-          <a:solidFill>
-            <a:schemeClr val="accent1"/>
-          </a:solidFill>
-          <a:ln w="9525" cap="flat" cmpd="sng" algn="ctr">
-            <a:solidFill>
-              <a:schemeClr val="tx1"/>
-            </a:solidFill>
-            <a:prstDash val="solid"/>
-            <a:round/>
-            <a:headEnd type="none" w="med" len="med"/>
-            <a:tailEnd type="arrow"/>
-          </a:ln>
-          <a:effectLst/>
-        </p:spPr>
-      </p:cxnSp>
-      <p:cxnSp>
-        <p:nvCxnSpPr>
-          <p:cNvPr id="24" name="Straight Arrow Connector 23"/>
-          <p:cNvCxnSpPr>
-            <a:stCxn id="10" idx="2"/>
-            <a:endCxn id="11" idx="0"/>
-          </p:cNvCxnSpPr>
-          <p:nvPr/>
-        </p:nvCxnSpPr>
-        <p:spPr bwMode="auto">
-          <a:xfrm rot="5400000">
-            <a:off x="6422083" y="3907482"/>
-            <a:ext cx="452735" cy="1028700"/>
-          </a:xfrm>
-          <a:prstGeom prst="straightConnector1">
-            <a:avLst/>
-          </a:prstGeom>
-          <a:solidFill>
-            <a:schemeClr val="accent1"/>
-          </a:solidFill>
-          <a:ln w="9525" cap="flat" cmpd="sng" algn="ctr">
-            <a:solidFill>
-              <a:schemeClr val="tx1"/>
-            </a:solidFill>
-            <a:prstDash val="solid"/>
-            <a:round/>
-            <a:headEnd type="none" w="med" len="med"/>
-            <a:tailEnd type="arrow"/>
-          </a:ln>
-          <a:effectLst/>
-        </p:spPr>
-      </p:cxnSp>
-      <p:cxnSp>
-        <p:nvCxnSpPr>
-          <p:cNvPr id="26" name="Straight Arrow Connector 25"/>
-          <p:cNvCxnSpPr>
-            <a:stCxn id="7" idx="2"/>
-            <a:endCxn id="41" idx="0"/>
-          </p:cNvCxnSpPr>
-          <p:nvPr/>
-        </p:nvCxnSpPr>
-        <p:spPr bwMode="auto">
-          <a:xfrm rot="16200000" flipH="1">
-            <a:off x="1716733" y="3583632"/>
-            <a:ext cx="2433935" cy="1676400"/>
-          </a:xfrm>
-          <a:prstGeom prst="straightConnector1">
-            <a:avLst/>
-          </a:prstGeom>
-          <a:solidFill>
-            <a:schemeClr val="accent1"/>
-          </a:solidFill>
-          <a:ln w="9525" cap="flat" cmpd="sng" algn="ctr">
-            <a:solidFill>
-              <a:schemeClr val="tx1"/>
-            </a:solidFill>
-            <a:prstDash val="solid"/>
-            <a:round/>
-            <a:headEnd type="none" w="med" len="med"/>
-            <a:tailEnd type="arrow"/>
-          </a:ln>
-          <a:effectLst/>
-        </p:spPr>
-      </p:cxnSp>
-      <p:cxnSp>
-        <p:nvCxnSpPr>
-          <p:cNvPr id="28" name="Straight Arrow Connector 27"/>
-          <p:cNvCxnSpPr>
-            <a:stCxn id="11" idx="2"/>
-            <a:endCxn id="41" idx="0"/>
-          </p:cNvCxnSpPr>
-          <p:nvPr/>
-        </p:nvCxnSpPr>
-        <p:spPr bwMode="auto">
-          <a:xfrm rot="5400000">
-            <a:off x="4688533" y="4193232"/>
-            <a:ext cx="528935" cy="2362200"/>
-          </a:xfrm>
-          <a:prstGeom prst="straightConnector1">
-            <a:avLst/>
-          </a:prstGeom>
-          <a:solidFill>
-            <a:schemeClr val="accent1"/>
-          </a:solidFill>
-          <a:ln w="9525" cap="flat" cmpd="sng" algn="ctr">
-            <a:solidFill>
-              <a:schemeClr val="tx1"/>
-            </a:solidFill>
-            <a:prstDash val="solid"/>
-            <a:round/>
-            <a:headEnd type="none" w="med" len="med"/>
-            <a:tailEnd type="arrow"/>
-          </a:ln>
-          <a:effectLst/>
-        </p:spPr>
-      </p:cxnSp>
-      <p:sp>
-        <p:nvSpPr>
-          <p:cNvPr id="29" name="TextBox 28"/>
-          <p:cNvSpPr txBox="1"/>
-          <p:nvPr/>
-        </p:nvSpPr>
-        <p:spPr>
-          <a:xfrm>
-            <a:off x="6934200" y="2057400"/>
-            <a:ext cx="1559892" cy="461665"/>
-          </a:xfrm>
-          <a:prstGeom prst="rect">
-            <a:avLst/>
-          </a:prstGeom>
-          <a:solidFill>
-            <a:schemeClr val="accent1"/>
-          </a:solidFill>
-        </p:spPr>
-        <p:txBody>
-          <a:bodyPr wrap="none" rtlCol="0">
-            <a:spAutoFit/>
-          </a:bodyPr>
-          <a:lstStyle/>
-          <a:p>
-            <a:r>
-              <a:rPr lang="en-US" dirty="0" smtClean="0"/>
-              <a:t>DF(3)={7}</a:t>
-            </a:r>
-            <a:endParaRPr lang="en-US" dirty="0"/>
-          </a:p>
-        </p:txBody>
-      </p:sp>
-      <p:sp>
-        <p:nvSpPr>
-          <p:cNvPr id="21" name="TextBox 20"/>
-          <p:cNvSpPr txBox="1"/>
-          <p:nvPr/>
-        </p:nvSpPr>
-        <p:spPr>
-          <a:xfrm>
-            <a:off x="6934200" y="2971800"/>
-            <a:ext cx="1559892" cy="461665"/>
-          </a:xfrm>
-          <a:prstGeom prst="rect">
-            <a:avLst/>
-          </a:prstGeom>
-          <a:solidFill>
-            <a:schemeClr val="accent1"/>
-          </a:solidFill>
-        </p:spPr>
-        <p:txBody>
-          <a:bodyPr wrap="none" rtlCol="0">
-            <a:spAutoFit/>
-          </a:bodyPr>
-          <a:lstStyle/>
-          <a:p>
-            <a:r>
-              <a:rPr lang="en-US" dirty="0" smtClean="0"/>
-              <a:t>DF(5)={6}</a:t>
-            </a:r>
-            <a:endParaRPr lang="en-US" dirty="0"/>
-          </a:p>
-        </p:txBody>
-      </p:sp>
-      <p:sp>
-        <p:nvSpPr>
-          <p:cNvPr id="41" name="TextBox 40"/>
-          <p:cNvSpPr txBox="1"/>
-          <p:nvPr/>
-        </p:nvSpPr>
-        <p:spPr>
-          <a:xfrm>
-            <a:off x="2819400" y="5638800"/>
-            <a:ext cx="1905000" cy="461665"/>
-          </a:xfrm>
-          <a:prstGeom prst="rect">
-            <a:avLst/>
-          </a:prstGeom>
-          <a:solidFill>
-            <a:schemeClr val="accent1"/>
-          </a:solidFill>
-          <a:ln>
-            <a:solidFill>
-              <a:schemeClr val="tx1"/>
-            </a:solidFill>
-          </a:ln>
-        </p:spPr>
-        <p:txBody>
-          <a:bodyPr wrap="square" rtlCol="0">
-            <a:spAutoFit/>
-          </a:bodyPr>
-          <a:lstStyle/>
-          <a:p>
-            <a:r>
-              <a:rPr lang="en-US" dirty="0" smtClean="0"/>
-              <a:t>7: V:= </a:t>
-            </a:r>
-            <a:r>
-              <a:rPr lang="en-US" dirty="0" smtClean="0">
-                <a:sym typeface="Symbol" charset="2"/>
-              </a:rPr>
-              <a:t>(V,V)</a:t>
-            </a:r>
-            <a:endParaRPr lang="en-US" dirty="0"/>
-          </a:p>
-        </p:txBody>
-      </p:sp>
-    </p:spTree>
-  </p:cSld>
-  <p:clrMapOvr>
-    <a:masterClrMapping/>
-  </p:clrMapOvr>
-  <p:timing>
-    <p:tnLst>
-      <p:par>
-        <p:cTn xmlns:p14="http://schemas.microsoft.com/office/powerpoint/2010/main" id="1" dur="indefinite" restart="never" nodeType="tmRoot"/>
-      </p:par>
-    </p:tnLst>
-  </p:timing>
-</p:sld>
-</file>
-
-<file path=ppt/slides/slide18.xml><?xml version="1.0" encoding="utf-8"?>
-<p:sld xmlns:a="http://schemas.openxmlformats.org/drawingml/2006/main" xmlns:r="http://schemas.openxmlformats.org/officeDocument/2006/relationships" xmlns:p="http://schemas.openxmlformats.org/presentationml/2006/main">
-  <p:cSld>
-    <p:spTree>
-      <p:nvGrpSpPr>
-        <p:cNvPr id="1" name=""/>
-        <p:cNvGrpSpPr/>
-        <p:nvPr/>
-      </p:nvGrpSpPr>
-      <p:grpSpPr>
-        <a:xfrm>
-          <a:off x="0" y="0"/>
-          <a:ext cx="0" cy="0"/>
-          <a:chOff x="0" y="0"/>
-          <a:chExt cx="0" cy="0"/>
-        </a:xfrm>
-      </p:grpSpPr>
-      <p:sp>
-        <p:nvSpPr>
-          <p:cNvPr id="2" name="Title 1"/>
-          <p:cNvSpPr>
-            <a:spLocks noGrp="1"/>
-          </p:cNvSpPr>
-          <p:nvPr>
-            <p:ph type="title"/>
-          </p:nvPr>
-        </p:nvSpPr>
-        <p:spPr/>
-        <p:txBody>
-          <a:bodyPr/>
-          <a:lstStyle/>
-          <a:p>
-            <a:r>
-              <a:rPr lang="en-US" dirty="0" smtClean="0"/>
-              <a:t>Placing </a:t>
-            </a:r>
-            <a:r>
-              <a:rPr lang="en-US" dirty="0" err="1" smtClean="0">
-                <a:sym typeface="Symbol" charset="2"/>
-              </a:rPr>
-              <a:t></a:t>
-            </a:r>
-            <a:r>
-              <a:rPr lang="en-US" dirty="0" smtClean="0">
-                <a:sym typeface="Symbol" charset="2"/>
-              </a:rPr>
-              <a:t> Functions</a:t>
-            </a:r>
-            <a:r>
-              <a:rPr lang="en-US" dirty="0" smtClean="0"/>
-              <a:t> </a:t>
-            </a:r>
-            <a:endParaRPr lang="en-US" dirty="0"/>
-          </a:p>
-        </p:txBody>
-      </p:sp>
-      <p:sp>
-        <p:nvSpPr>
-          <p:cNvPr id="4" name="Date Placeholder 3"/>
-          <p:cNvSpPr>
-            <a:spLocks noGrp="1"/>
-          </p:cNvSpPr>
-          <p:nvPr>
-            <p:ph type="dt" sz="half" idx="10"/>
-          </p:nvPr>
-        </p:nvSpPr>
-        <p:spPr/>
-        <p:txBody>
-          <a:bodyPr/>
-          <a:lstStyle/>
-          <a:p>
-            <a:fld id="{1CDBAC56-34FA-234E-90F5-8D8510025076}" type="datetime1">
-              <a:rPr lang="en-US" smtClean="0"/>
-              <a:pPr/>
-              <a:t>16-07-12</a:t>
-            </a:fld>
-            <a:endParaRPr lang="en-US"/>
-          </a:p>
-        </p:txBody>
-      </p:sp>
-      <p:sp>
-        <p:nvSpPr>
-          <p:cNvPr id="5" name="Slide Number Placeholder 4"/>
-          <p:cNvSpPr>
-            <a:spLocks noGrp="1"/>
-          </p:cNvSpPr>
-          <p:nvPr>
-            <p:ph type="sldNum" sz="quarter" idx="12"/>
-          </p:nvPr>
-        </p:nvSpPr>
-        <p:spPr/>
-        <p:txBody>
-          <a:bodyPr/>
-          <a:lstStyle/>
-          <a:p>
-            <a:fld id="{4DFFAA38-3D7A-BB4F-941A-338C60DCD924}" type="slidenum">
-              <a:rPr lang="en-US" smtClean="0"/>
-              <a:pPr/>
-              <a:t>18</a:t>
-            </a:fld>
-            <a:endParaRPr lang="en-US"/>
-          </a:p>
-        </p:txBody>
-      </p:sp>
-      <p:sp>
-        <p:nvSpPr>
-          <p:cNvPr id="6" name="TextBox 5"/>
-          <p:cNvSpPr txBox="1"/>
-          <p:nvPr/>
-        </p:nvSpPr>
-        <p:spPr>
-          <a:xfrm>
-            <a:off x="3352800" y="1752600"/>
-            <a:ext cx="1957387" cy="461665"/>
-          </a:xfrm>
-          <a:prstGeom prst="rect">
-            <a:avLst/>
-          </a:prstGeom>
-          <a:solidFill>
-            <a:schemeClr val="accent1"/>
-          </a:solidFill>
-          <a:ln>
-            <a:solidFill>
-              <a:schemeClr val="tx1"/>
-            </a:solidFill>
-          </a:ln>
-        </p:spPr>
-        <p:txBody>
-          <a:bodyPr wrap="none" rtlCol="0">
-            <a:spAutoFit/>
-          </a:bodyPr>
-          <a:lstStyle/>
-          <a:p>
-            <a:r>
-              <a:rPr lang="en-US" dirty="0" smtClean="0"/>
-              <a:t>1: V:=_; W:=_</a:t>
-            </a:r>
-            <a:endParaRPr lang="en-US" dirty="0"/>
-          </a:p>
-        </p:txBody>
-      </p:sp>
-      <p:sp>
-        <p:nvSpPr>
-          <p:cNvPr id="7" name="TextBox 6"/>
-          <p:cNvSpPr txBox="1"/>
-          <p:nvPr/>
-        </p:nvSpPr>
-        <p:spPr>
-          <a:xfrm>
-            <a:off x="1524000" y="2743200"/>
-            <a:ext cx="1143000" cy="461665"/>
-          </a:xfrm>
-          <a:prstGeom prst="rect">
-            <a:avLst/>
-          </a:prstGeom>
-          <a:solidFill>
-            <a:schemeClr val="accent1"/>
-          </a:solidFill>
-          <a:ln>
-            <a:solidFill>
-              <a:schemeClr val="tx1"/>
-            </a:solidFill>
-          </a:ln>
-        </p:spPr>
-        <p:txBody>
-          <a:bodyPr wrap="square" rtlCol="0">
-            <a:spAutoFit/>
-          </a:bodyPr>
-          <a:lstStyle/>
-          <a:p>
-            <a:r>
-              <a:rPr lang="en-US" dirty="0" smtClean="0"/>
-              <a:t>2:</a:t>
-            </a:r>
-            <a:endParaRPr lang="en-US" dirty="0"/>
-          </a:p>
-        </p:txBody>
-      </p:sp>
-      <p:sp>
-        <p:nvSpPr>
-          <p:cNvPr id="8" name="TextBox 7"/>
-          <p:cNvSpPr txBox="1"/>
-          <p:nvPr/>
-        </p:nvSpPr>
-        <p:spPr>
-          <a:xfrm>
-            <a:off x="5257800" y="2743200"/>
-            <a:ext cx="1371600" cy="461665"/>
-          </a:xfrm>
-          <a:prstGeom prst="rect">
-            <a:avLst/>
-          </a:prstGeom>
-          <a:solidFill>
-            <a:schemeClr val="accent1"/>
-          </a:solidFill>
-          <a:ln>
-            <a:solidFill>
-              <a:schemeClr val="tx1"/>
-            </a:solidFill>
-          </a:ln>
-        </p:spPr>
-        <p:txBody>
-          <a:bodyPr wrap="square" rtlCol="0">
-            <a:spAutoFit/>
-          </a:bodyPr>
-          <a:lstStyle/>
-          <a:p>
-            <a:r>
-              <a:rPr lang="en-US" dirty="0" smtClean="0"/>
-              <a:t>3: V:=_</a:t>
-            </a:r>
-            <a:endParaRPr lang="en-US" dirty="0"/>
-          </a:p>
-        </p:txBody>
-      </p:sp>
-      <p:sp>
-        <p:nvSpPr>
-          <p:cNvPr id="9" name="TextBox 8"/>
-          <p:cNvSpPr txBox="1"/>
-          <p:nvPr/>
-        </p:nvSpPr>
-        <p:spPr>
-          <a:xfrm>
-            <a:off x="3962400" y="3733800"/>
-            <a:ext cx="1371600" cy="461665"/>
-          </a:xfrm>
-          <a:prstGeom prst="rect">
-            <a:avLst/>
-          </a:prstGeom>
-          <a:solidFill>
-            <a:schemeClr val="accent1"/>
-          </a:solidFill>
-          <a:ln>
-            <a:solidFill>
-              <a:schemeClr val="tx1"/>
-            </a:solidFill>
-          </a:ln>
-        </p:spPr>
-        <p:txBody>
-          <a:bodyPr wrap="square" rtlCol="0">
-            <a:spAutoFit/>
-          </a:bodyPr>
-          <a:lstStyle/>
-          <a:p>
-            <a:r>
-              <a:rPr lang="en-US" dirty="0" smtClean="0"/>
-              <a:t>4:</a:t>
-            </a:r>
-            <a:endParaRPr lang="en-US" dirty="0"/>
-          </a:p>
-        </p:txBody>
-      </p:sp>
-      <p:sp>
-        <p:nvSpPr>
-          <p:cNvPr id="10" name="TextBox 9"/>
-          <p:cNvSpPr txBox="1"/>
-          <p:nvPr/>
-        </p:nvSpPr>
-        <p:spPr>
-          <a:xfrm>
-            <a:off x="6477000" y="3733800"/>
-            <a:ext cx="1371600" cy="461665"/>
-          </a:xfrm>
-          <a:prstGeom prst="rect">
-            <a:avLst/>
-          </a:prstGeom>
-          <a:solidFill>
-            <a:schemeClr val="accent1"/>
-          </a:solidFill>
-          <a:ln>
-            <a:solidFill>
-              <a:schemeClr val="tx1"/>
-            </a:solidFill>
-          </a:ln>
-        </p:spPr>
-        <p:txBody>
-          <a:bodyPr wrap="square" rtlCol="0">
-            <a:spAutoFit/>
-          </a:bodyPr>
-          <a:lstStyle/>
-          <a:p>
-            <a:r>
-              <a:rPr lang="en-US" dirty="0" smtClean="0"/>
-              <a:t>5: W:=_</a:t>
-            </a:r>
-            <a:endParaRPr lang="en-US" dirty="0"/>
-          </a:p>
-        </p:txBody>
-      </p:sp>
-      <p:sp>
-        <p:nvSpPr>
-          <p:cNvPr id="11" name="TextBox 10"/>
-          <p:cNvSpPr txBox="1"/>
-          <p:nvPr/>
-        </p:nvSpPr>
-        <p:spPr>
-          <a:xfrm>
-            <a:off x="5029200" y="4648200"/>
-            <a:ext cx="2209800" cy="461665"/>
-          </a:xfrm>
-          <a:prstGeom prst="rect">
-            <a:avLst/>
-          </a:prstGeom>
-          <a:solidFill>
-            <a:schemeClr val="accent1"/>
-          </a:solidFill>
-          <a:ln>
-            <a:solidFill>
-              <a:schemeClr val="tx1"/>
-            </a:solidFill>
-          </a:ln>
-        </p:spPr>
-        <p:txBody>
-          <a:bodyPr wrap="square" rtlCol="0">
-            <a:spAutoFit/>
-          </a:bodyPr>
-          <a:lstStyle/>
-          <a:p>
-            <a:r>
-              <a:rPr lang="en-US" dirty="0" smtClean="0"/>
-              <a:t>6: </a:t>
-            </a:r>
-            <a:r>
-              <a:rPr lang="en-US" dirty="0" smtClean="0">
-                <a:sym typeface="Symbol" charset="2"/>
-              </a:rPr>
-              <a:t>W:= (W,W) </a:t>
-            </a:r>
-            <a:endParaRPr lang="en-US" dirty="0" smtClean="0"/>
-          </a:p>
-        </p:txBody>
-      </p:sp>
-      <p:cxnSp>
-        <p:nvCxnSpPr>
-          <p:cNvPr id="14" name="Straight Arrow Connector 13"/>
-          <p:cNvCxnSpPr>
-            <a:stCxn id="6" idx="2"/>
-            <a:endCxn id="7" idx="0"/>
-          </p:cNvCxnSpPr>
-          <p:nvPr/>
-        </p:nvCxnSpPr>
-        <p:spPr bwMode="auto">
-          <a:xfrm rot="5400000">
-            <a:off x="2949030" y="1360735"/>
-            <a:ext cx="528935" cy="2235994"/>
-          </a:xfrm>
-          <a:prstGeom prst="straightConnector1">
-            <a:avLst/>
-          </a:prstGeom>
-          <a:solidFill>
-            <a:schemeClr val="accent1"/>
-          </a:solidFill>
-          <a:ln w="9525" cap="flat" cmpd="sng" algn="ctr">
-            <a:solidFill>
-              <a:schemeClr val="tx1"/>
-            </a:solidFill>
-            <a:prstDash val="solid"/>
-            <a:round/>
-            <a:headEnd type="none" w="med" len="med"/>
-            <a:tailEnd type="arrow"/>
-          </a:ln>
-          <a:effectLst/>
-        </p:spPr>
-      </p:cxnSp>
-      <p:cxnSp>
-        <p:nvCxnSpPr>
-          <p:cNvPr id="16" name="Straight Arrow Connector 15"/>
-          <p:cNvCxnSpPr>
-            <a:stCxn id="6" idx="2"/>
-            <a:endCxn id="8" idx="0"/>
-          </p:cNvCxnSpPr>
-          <p:nvPr/>
-        </p:nvCxnSpPr>
-        <p:spPr bwMode="auto">
-          <a:xfrm rot="16200000" flipH="1">
-            <a:off x="4873080" y="1672679"/>
-            <a:ext cx="528935" cy="1612106"/>
-          </a:xfrm>
-          <a:prstGeom prst="straightConnector1">
-            <a:avLst/>
-          </a:prstGeom>
-          <a:solidFill>
-            <a:schemeClr val="accent1"/>
-          </a:solidFill>
-          <a:ln w="9525" cap="flat" cmpd="sng" algn="ctr">
-            <a:solidFill>
-              <a:schemeClr val="tx1"/>
-            </a:solidFill>
-            <a:prstDash val="solid"/>
-            <a:round/>
-            <a:headEnd type="none" w="med" len="med"/>
-            <a:tailEnd type="arrow"/>
-          </a:ln>
-          <a:effectLst/>
-        </p:spPr>
-      </p:cxnSp>
-      <p:cxnSp>
-        <p:nvCxnSpPr>
-          <p:cNvPr id="18" name="Straight Arrow Connector 17"/>
-          <p:cNvCxnSpPr>
-            <a:stCxn id="8" idx="2"/>
-            <a:endCxn id="9" idx="0"/>
-          </p:cNvCxnSpPr>
-          <p:nvPr/>
-        </p:nvCxnSpPr>
-        <p:spPr bwMode="auto">
-          <a:xfrm rot="5400000">
-            <a:off x="5031433" y="2821632"/>
-            <a:ext cx="528935" cy="1295400"/>
-          </a:xfrm>
-          <a:prstGeom prst="straightConnector1">
-            <a:avLst/>
-          </a:prstGeom>
-          <a:solidFill>
-            <a:schemeClr val="accent1"/>
-          </a:solidFill>
-          <a:ln w="9525" cap="flat" cmpd="sng" algn="ctr">
-            <a:solidFill>
-              <a:schemeClr val="tx1"/>
-            </a:solidFill>
-            <a:prstDash val="solid"/>
-            <a:round/>
-            <a:headEnd type="none" w="med" len="med"/>
-            <a:tailEnd type="arrow"/>
-          </a:ln>
-          <a:effectLst/>
-        </p:spPr>
-      </p:cxnSp>
-      <p:cxnSp>
-        <p:nvCxnSpPr>
-          <p:cNvPr id="20" name="Straight Arrow Connector 19"/>
-          <p:cNvCxnSpPr>
-            <a:stCxn id="8" idx="2"/>
-            <a:endCxn id="10" idx="0"/>
-          </p:cNvCxnSpPr>
-          <p:nvPr/>
-        </p:nvCxnSpPr>
-        <p:spPr bwMode="auto">
-          <a:xfrm rot="16200000" flipH="1">
-            <a:off x="6288733" y="2859732"/>
-            <a:ext cx="528935" cy="1219200"/>
-          </a:xfrm>
-          <a:prstGeom prst="straightConnector1">
-            <a:avLst/>
-          </a:prstGeom>
-          <a:solidFill>
-            <a:schemeClr val="accent1"/>
-          </a:solidFill>
-          <a:ln w="9525" cap="flat" cmpd="sng" algn="ctr">
-            <a:solidFill>
-              <a:schemeClr val="tx1"/>
-            </a:solidFill>
-            <a:prstDash val="solid"/>
-            <a:round/>
-            <a:headEnd type="none" w="med" len="med"/>
-            <a:tailEnd type="arrow"/>
-          </a:ln>
-          <a:effectLst/>
-        </p:spPr>
-      </p:cxnSp>
-      <p:cxnSp>
-        <p:nvCxnSpPr>
-          <p:cNvPr id="22" name="Straight Arrow Connector 21"/>
-          <p:cNvCxnSpPr>
-            <a:stCxn id="9" idx="2"/>
-            <a:endCxn id="11" idx="0"/>
-          </p:cNvCxnSpPr>
-          <p:nvPr/>
-        </p:nvCxnSpPr>
-        <p:spPr bwMode="auto">
-          <a:xfrm rot="16200000" flipH="1">
-            <a:off x="5164783" y="3678882"/>
-            <a:ext cx="452735" cy="1485900"/>
-          </a:xfrm>
-          <a:prstGeom prst="straightConnector1">
-            <a:avLst/>
-          </a:prstGeom>
-          <a:solidFill>
-            <a:schemeClr val="accent1"/>
-          </a:solidFill>
-          <a:ln w="9525" cap="flat" cmpd="sng" algn="ctr">
-            <a:solidFill>
-              <a:schemeClr val="tx1"/>
-            </a:solidFill>
-            <a:prstDash val="solid"/>
-            <a:round/>
-            <a:headEnd type="none" w="med" len="med"/>
-            <a:tailEnd type="arrow"/>
-          </a:ln>
-          <a:effectLst/>
-        </p:spPr>
-      </p:cxnSp>
-      <p:cxnSp>
-        <p:nvCxnSpPr>
-          <p:cNvPr id="24" name="Straight Arrow Connector 23"/>
-          <p:cNvCxnSpPr>
-            <a:stCxn id="10" idx="2"/>
-            <a:endCxn id="11" idx="0"/>
-          </p:cNvCxnSpPr>
-          <p:nvPr/>
-        </p:nvCxnSpPr>
-        <p:spPr bwMode="auto">
-          <a:xfrm rot="5400000">
-            <a:off x="6422083" y="3907482"/>
-            <a:ext cx="452735" cy="1028700"/>
-          </a:xfrm>
-          <a:prstGeom prst="straightConnector1">
-            <a:avLst/>
-          </a:prstGeom>
-          <a:solidFill>
-            <a:schemeClr val="accent1"/>
-          </a:solidFill>
-          <a:ln w="9525" cap="flat" cmpd="sng" algn="ctr">
-            <a:solidFill>
-              <a:schemeClr val="tx1"/>
-            </a:solidFill>
-            <a:prstDash val="solid"/>
-            <a:round/>
-            <a:headEnd type="none" w="med" len="med"/>
-            <a:tailEnd type="arrow"/>
-          </a:ln>
-          <a:effectLst/>
-        </p:spPr>
-      </p:cxnSp>
-      <p:cxnSp>
-        <p:nvCxnSpPr>
-          <p:cNvPr id="26" name="Straight Arrow Connector 25"/>
-          <p:cNvCxnSpPr>
-            <a:stCxn id="7" idx="2"/>
-            <a:endCxn id="41" idx="0"/>
-          </p:cNvCxnSpPr>
-          <p:nvPr/>
-        </p:nvCxnSpPr>
-        <p:spPr bwMode="auto">
-          <a:xfrm rot="16200000" flipH="1">
-            <a:off x="1697683" y="3602682"/>
-            <a:ext cx="2433935" cy="1638300"/>
-          </a:xfrm>
-          <a:prstGeom prst="straightConnector1">
-            <a:avLst/>
-          </a:prstGeom>
-          <a:solidFill>
-            <a:schemeClr val="accent1"/>
-          </a:solidFill>
-          <a:ln w="9525" cap="flat" cmpd="sng" algn="ctr">
-            <a:solidFill>
-              <a:schemeClr val="tx1"/>
-            </a:solidFill>
-            <a:prstDash val="solid"/>
-            <a:round/>
-            <a:headEnd type="none" w="med" len="med"/>
-            <a:tailEnd type="arrow"/>
-          </a:ln>
-          <a:effectLst/>
-        </p:spPr>
-      </p:cxnSp>
-      <p:cxnSp>
-        <p:nvCxnSpPr>
-          <p:cNvPr id="28" name="Straight Arrow Connector 27"/>
-          <p:cNvCxnSpPr>
-            <a:stCxn id="11" idx="2"/>
-            <a:endCxn id="41" idx="0"/>
-          </p:cNvCxnSpPr>
-          <p:nvPr/>
-        </p:nvCxnSpPr>
-        <p:spPr bwMode="auto">
-          <a:xfrm rot="5400000">
-            <a:off x="4669483" y="4174182"/>
-            <a:ext cx="528935" cy="2400300"/>
-          </a:xfrm>
-          <a:prstGeom prst="straightConnector1">
-            <a:avLst/>
-          </a:prstGeom>
-          <a:solidFill>
-            <a:schemeClr val="accent1"/>
-          </a:solidFill>
-          <a:ln w="9525" cap="flat" cmpd="sng" algn="ctr">
-            <a:solidFill>
-              <a:schemeClr val="tx1"/>
-            </a:solidFill>
-            <a:prstDash val="solid"/>
-            <a:round/>
-            <a:headEnd type="none" w="med" len="med"/>
-            <a:tailEnd type="arrow"/>
-          </a:ln>
-          <a:effectLst/>
-        </p:spPr>
-      </p:cxnSp>
-      <p:sp>
-        <p:nvSpPr>
-          <p:cNvPr id="29" name="TextBox 28"/>
-          <p:cNvSpPr txBox="1"/>
-          <p:nvPr/>
-        </p:nvSpPr>
-        <p:spPr>
-          <a:xfrm>
-            <a:off x="6934200" y="2057400"/>
-            <a:ext cx="1559892" cy="461665"/>
-          </a:xfrm>
-          <a:prstGeom prst="rect">
-            <a:avLst/>
-          </a:prstGeom>
-          <a:solidFill>
-            <a:schemeClr val="accent1"/>
-          </a:solidFill>
-        </p:spPr>
-        <p:txBody>
-          <a:bodyPr wrap="none" rtlCol="0">
-            <a:spAutoFit/>
-          </a:bodyPr>
-          <a:lstStyle/>
-          <a:p>
-            <a:r>
-              <a:rPr lang="en-US" dirty="0" smtClean="0"/>
-              <a:t>DF(6)={7}</a:t>
-            </a:r>
-            <a:endParaRPr lang="en-US" dirty="0"/>
-          </a:p>
-        </p:txBody>
-      </p:sp>
-      <p:sp>
-        <p:nvSpPr>
-          <p:cNvPr id="41" name="TextBox 40"/>
-          <p:cNvSpPr txBox="1"/>
-          <p:nvPr/>
-        </p:nvSpPr>
-        <p:spPr>
-          <a:xfrm>
-            <a:off x="2514600" y="5638800"/>
-            <a:ext cx="2438400" cy="830997"/>
-          </a:xfrm>
-          <a:prstGeom prst="rect">
-            <a:avLst/>
-          </a:prstGeom>
-          <a:solidFill>
-            <a:schemeClr val="accent1"/>
-          </a:solidFill>
-          <a:ln>
-            <a:solidFill>
-              <a:schemeClr val="tx1"/>
-            </a:solidFill>
-          </a:ln>
-        </p:spPr>
-        <p:txBody>
-          <a:bodyPr wrap="square" rtlCol="0">
-            <a:spAutoFit/>
-          </a:bodyPr>
-          <a:lstStyle/>
-          <a:p>
-            <a:r>
-              <a:rPr lang="en-US" dirty="0" smtClean="0"/>
-              <a:t>7: V:= </a:t>
-            </a:r>
-            <a:r>
-              <a:rPr lang="en-US" dirty="0" smtClean="0">
-                <a:sym typeface="Symbol" charset="2"/>
-              </a:rPr>
-              <a:t>(V,V); W:= (W,W)</a:t>
-            </a:r>
-            <a:endParaRPr lang="en-US" dirty="0" smtClean="0"/>
-          </a:p>
-        </p:txBody>
-      </p:sp>
-    </p:spTree>
-  </p:cSld>
-  <p:clrMapOvr>
-    <a:masterClrMapping/>
-  </p:clrMapOvr>
-  <p:timing>
-    <p:tnLst>
-      <p:par>
-        <p:cTn xmlns:p14="http://schemas.microsoft.com/office/powerpoint/2010/main" id="1" dur="indefinite" restart="never" nodeType="tmRoot"/>
-      </p:par>
-    </p:tnLst>
-  </p:timing>
-</p:sld>
-</file>
-
 <file path=ppt/slides/slide19.xml><?xml version="1.0" encoding="utf-8"?>
 <p:sld xmlns:a="http://schemas.openxmlformats.org/drawingml/2006/main" xmlns:r="http://schemas.openxmlformats.org/officeDocument/2006/relationships" xmlns:p="http://schemas.openxmlformats.org/presentationml/2006/main">
   <p:cSld>
@@ -10140,33 +11150,25 @@
           <a:p>
             <a:r>
               <a:rPr lang="en-US" dirty="0" smtClean="0"/>
-              <a:t>Rename Variables</a:t>
+              <a:t>Placing </a:t>
+            </a:r>
+            <a:r>
+              <a:rPr lang="en-US" dirty="0" err="1" smtClean="0">
+                <a:sym typeface="Symbol" charset="2"/>
+              </a:rPr>
+              <a:t></a:t>
+            </a:r>
+            <a:r>
+              <a:rPr lang="en-US" dirty="0" smtClean="0">
+                <a:sym typeface="Symbol" charset="2"/>
+              </a:rPr>
+              <a:t> Functions</a:t>
+            </a:r>
+            <a:r>
+              <a:rPr lang="en-US" dirty="0" smtClean="0"/>
+              <a:t> </a:t>
             </a:r>
             <a:endParaRPr lang="en-US" dirty="0"/>
-          </a:p>
-        </p:txBody>
-      </p:sp>
-      <p:sp>
-        <p:nvSpPr>
-          <p:cNvPr id="4" name="Date Placeholder 3"/>
-          <p:cNvSpPr>
-            <a:spLocks noGrp="1"/>
-          </p:cNvSpPr>
-          <p:nvPr>
-            <p:ph type="dt" sz="half" idx="10"/>
-          </p:nvPr>
-        </p:nvSpPr>
-        <p:spPr/>
-        <p:txBody>
-          <a:bodyPr/>
-          <a:lstStyle/>
-          <a:p>
-            <a:fld id="{1CDBAC56-34FA-234E-90F5-8D8510025076}" type="datetime1">
-              <a:rPr lang="en-US" smtClean="0"/>
-              <a:pPr/>
-              <a:t>16-07-12</a:t>
-            </a:fld>
-            <a:endParaRPr lang="en-US"/>
           </a:p>
         </p:txBody>
       </p:sp>
@@ -10203,7 +11205,7 @@
         <p:spPr>
           <a:xfrm>
             <a:off x="3352800" y="1752600"/>
-            <a:ext cx="2300630" cy="461665"/>
+            <a:ext cx="1957387" cy="461665"/>
           </a:xfrm>
           <a:prstGeom prst="rect">
             <a:avLst/>
@@ -10225,7 +11227,7 @@
           <a:p>
             <a:r>
               <a:rPr lang="en-US" dirty="0" smtClean="0"/>
-              <a:t>1: V1:=_; W1:=_</a:t>
+              <a:t>1: V:=_; W:=_</a:t>
             </a:r>
             <a:endParaRPr lang="en-US" dirty="0"/>
           </a:p>
@@ -10299,7 +11301,7 @@
           <a:p>
             <a:r>
               <a:rPr lang="en-US" dirty="0" smtClean="0"/>
-              <a:t>3: V2:=_</a:t>
+              <a:t>3: V:=_</a:t>
             </a:r>
             <a:endParaRPr lang="en-US" dirty="0"/>
           </a:p>
@@ -10373,7 +11375,7 @@
           <a:p>
             <a:r>
               <a:rPr lang="en-US" dirty="0" smtClean="0"/>
-              <a:t>5: W2:=_</a:t>
+              <a:t>5: W:=_</a:t>
             </a:r>
             <a:endParaRPr lang="en-US" dirty="0"/>
           </a:p>
@@ -10388,7 +11390,7 @@
         <p:spPr>
           <a:xfrm>
             <a:off x="5029200" y="4648200"/>
-            <a:ext cx="2590800" cy="461665"/>
+            <a:ext cx="2209800" cy="461665"/>
           </a:xfrm>
           <a:prstGeom prst="rect">
             <a:avLst/>
@@ -10416,7 +11418,7 @@
               <a:rPr lang="en-US" dirty="0" smtClean="0">
                 <a:sym typeface="Symbol" charset="2"/>
               </a:rPr>
-              <a:t>W3:= (W1,W2) </a:t>
+              <a:t>W:= (W,W) </a:t>
             </a:r>
             <a:endParaRPr lang="en-US" dirty="0" smtClean="0"/>
           </a:p>
@@ -10433,8 +11435,8 @@
         </p:nvCxnSpPr>
         <p:spPr bwMode="auto">
           <a:xfrm rot="5400000">
-            <a:off x="3034841" y="1274925"/>
-            <a:ext cx="528935" cy="2407615"/>
+            <a:off x="2949030" y="1360735"/>
+            <a:ext cx="528935" cy="2235994"/>
           </a:xfrm>
           <a:prstGeom prst="straightConnector1">
             <a:avLst/>
@@ -10465,8 +11467,8 @@
         </p:nvCxnSpPr>
         <p:spPr bwMode="auto">
           <a:xfrm rot="16200000" flipH="1">
-            <a:off x="4958890" y="1758489"/>
-            <a:ext cx="528935" cy="1440485"/>
+            <a:off x="4873080" y="1672679"/>
+            <a:ext cx="528935" cy="1612106"/>
           </a:xfrm>
           <a:prstGeom prst="straightConnector1">
             <a:avLst/>
@@ -10561,8 +11563,8 @@
         </p:nvCxnSpPr>
         <p:spPr bwMode="auto">
           <a:xfrm rot="16200000" flipH="1">
-            <a:off x="5260033" y="3583632"/>
-            <a:ext cx="452735" cy="1676400"/>
+            <a:off x="5164783" y="3678882"/>
+            <a:ext cx="452735" cy="1485900"/>
           </a:xfrm>
           <a:prstGeom prst="straightConnector1">
             <a:avLst/>
@@ -10593,8 +11595,8 @@
         </p:nvCxnSpPr>
         <p:spPr bwMode="auto">
           <a:xfrm rot="5400000">
-            <a:off x="6517333" y="4002732"/>
-            <a:ext cx="452735" cy="838200"/>
+            <a:off x="6422083" y="3907482"/>
+            <a:ext cx="452735" cy="1028700"/>
           </a:xfrm>
           <a:prstGeom prst="straightConnector1">
             <a:avLst/>
@@ -10625,8 +11627,8 @@
         </p:nvCxnSpPr>
         <p:spPr bwMode="auto">
           <a:xfrm rot="16200000" flipH="1">
-            <a:off x="1754833" y="3545532"/>
-            <a:ext cx="2433935" cy="1752600"/>
+            <a:off x="1716733" y="3583632"/>
+            <a:ext cx="2433935" cy="1676400"/>
           </a:xfrm>
           <a:prstGeom prst="straightConnector1">
             <a:avLst/>
@@ -10657,8 +11659,8 @@
         </p:nvCxnSpPr>
         <p:spPr bwMode="auto">
           <a:xfrm rot="5400000">
-            <a:off x="4821883" y="4136082"/>
-            <a:ext cx="528935" cy="2476500"/>
+            <a:off x="4688533" y="4193232"/>
+            <a:ext cx="528935" cy="2362200"/>
           </a:xfrm>
           <a:prstGeom prst="straightConnector1">
             <a:avLst/>
@@ -10704,7 +11706,39 @@
           <a:p>
             <a:r>
               <a:rPr lang="en-US" dirty="0" smtClean="0"/>
-              <a:t>DF(6)={7}</a:t>
+              <a:t>DF(3)={7}</a:t>
+            </a:r>
+            <a:endParaRPr lang="en-US" dirty="0"/>
+          </a:p>
+        </p:txBody>
+      </p:sp>
+      <p:sp>
+        <p:nvSpPr>
+          <p:cNvPr id="21" name="TextBox 20"/>
+          <p:cNvSpPr txBox="1"/>
+          <p:nvPr/>
+        </p:nvSpPr>
+        <p:spPr>
+          <a:xfrm>
+            <a:off x="6934200" y="2971800"/>
+            <a:ext cx="1559892" cy="461665"/>
+          </a:xfrm>
+          <a:prstGeom prst="rect">
+            <a:avLst/>
+          </a:prstGeom>
+          <a:solidFill>
+            <a:schemeClr val="accent1"/>
+          </a:solidFill>
+        </p:spPr>
+        <p:txBody>
+          <a:bodyPr wrap="none" rtlCol="0">
+            <a:spAutoFit/>
+          </a:bodyPr>
+          <a:lstStyle/>
+          <a:p>
+            <a:r>
+              <a:rPr lang="en-US" dirty="0" smtClean="0"/>
+              <a:t>DF(5)={6}</a:t>
             </a:r>
             <a:endParaRPr lang="en-US" dirty="0"/>
           </a:p>
@@ -10718,8 +11752,8 @@
         </p:nvSpPr>
         <p:spPr>
           <a:xfrm>
-            <a:off x="2514600" y="5638800"/>
-            <a:ext cx="2667000" cy="830997"/>
+            <a:off x="2819400" y="5638800"/>
+            <a:ext cx="1905000" cy="461665"/>
           </a:xfrm>
           <a:prstGeom prst="rect">
             <a:avLst/>
@@ -10741,15 +11775,15 @@
           <a:p>
             <a:r>
               <a:rPr lang="en-US" dirty="0" smtClean="0"/>
-              <a:t>7: V3:= </a:t>
+              <a:t>7: V:= </a:t>
             </a:r>
             <a:r>
               <a:rPr lang="en-US" dirty="0" smtClean="0">
                 <a:sym typeface="Symbol" charset="2"/>
               </a:rPr>
-              <a:t>(V1,V2); W4:= (W1,W3)</a:t>
-            </a:r>
-            <a:endParaRPr lang="en-US" dirty="0" smtClean="0"/>
+              <a:t>(V,V)</a:t>
+            </a:r>
+            <a:endParaRPr lang="en-US" dirty="0"/>
           </a:p>
         </p:txBody>
       </p:sp>
@@ -10787,30 +11821,6 @@
       </p:grpSpPr>
       <p:sp>
         <p:nvSpPr>
-          <p:cNvPr id="4" name="Date Placeholder 3"/>
-          <p:cNvSpPr>
-            <a:spLocks noGrp="1"/>
-          </p:cNvSpPr>
-          <p:nvPr>
-            <p:ph type="dt" sz="half" idx="10"/>
-          </p:nvPr>
-        </p:nvSpPr>
-        <p:spPr/>
-        <p:txBody>
-          <a:bodyPr/>
-          <a:lstStyle/>
-          <a:p>
-            <a:fld id="{E5FE7FCB-2378-CF4C-A934-AE8AB86735F5}" type="datetime1">
-              <a:rPr lang="en-US"/>
-              <a:pPr/>
-              <a:t>16-07-12</a:t>
-            </a:fld>
-            <a:endParaRPr lang="en-US"/>
-          </a:p>
-        </p:txBody>
-      </p:sp>
-      <p:sp>
-        <p:nvSpPr>
           <p:cNvPr id="5" name="Slide Number Placeholder 5"/>
           <p:cNvSpPr>
             <a:spLocks noGrp="1"/>
@@ -10935,6 +11945,1298 @@
               <a:rPr lang="en-US" dirty="0"/>
               <a:t> algorithm</a:t>
             </a:r>
+          </a:p>
+        </p:txBody>
+      </p:sp>
+    </p:spTree>
+  </p:cSld>
+  <p:clrMapOvr>
+    <a:masterClrMapping/>
+  </p:clrMapOvr>
+  <p:timing>
+    <p:tnLst>
+      <p:par>
+        <p:cTn xmlns:p14="http://schemas.microsoft.com/office/powerpoint/2010/main" id="1" dur="indefinite" restart="never" nodeType="tmRoot"/>
+      </p:par>
+    </p:tnLst>
+  </p:timing>
+</p:sld>
+</file>
+
+<file path=ppt/slides/slide20.xml><?xml version="1.0" encoding="utf-8"?>
+<p:sld xmlns:a="http://schemas.openxmlformats.org/drawingml/2006/main" xmlns:r="http://schemas.openxmlformats.org/officeDocument/2006/relationships" xmlns:p="http://schemas.openxmlformats.org/presentationml/2006/main">
+  <p:cSld>
+    <p:spTree>
+      <p:nvGrpSpPr>
+        <p:cNvPr id="1" name=""/>
+        <p:cNvGrpSpPr/>
+        <p:nvPr/>
+      </p:nvGrpSpPr>
+      <p:grpSpPr>
+        <a:xfrm>
+          <a:off x="0" y="0"/>
+          <a:ext cx="0" cy="0"/>
+          <a:chOff x="0" y="0"/>
+          <a:chExt cx="0" cy="0"/>
+        </a:xfrm>
+      </p:grpSpPr>
+      <p:sp>
+        <p:nvSpPr>
+          <p:cNvPr id="2" name="Title 1"/>
+          <p:cNvSpPr>
+            <a:spLocks noGrp="1"/>
+          </p:cNvSpPr>
+          <p:nvPr>
+            <p:ph type="title"/>
+          </p:nvPr>
+        </p:nvSpPr>
+        <p:spPr/>
+        <p:txBody>
+          <a:bodyPr/>
+          <a:lstStyle/>
+          <a:p>
+            <a:r>
+              <a:rPr lang="en-US" dirty="0" smtClean="0"/>
+              <a:t>Placing </a:t>
+            </a:r>
+            <a:r>
+              <a:rPr lang="en-US" dirty="0" err="1" smtClean="0">
+                <a:sym typeface="Symbol" charset="2"/>
+              </a:rPr>
+              <a:t></a:t>
+            </a:r>
+            <a:r>
+              <a:rPr lang="en-US" dirty="0" smtClean="0">
+                <a:sym typeface="Symbol" charset="2"/>
+              </a:rPr>
+              <a:t> Functions</a:t>
+            </a:r>
+            <a:r>
+              <a:rPr lang="en-US" dirty="0" smtClean="0"/>
+              <a:t> </a:t>
+            </a:r>
+            <a:endParaRPr lang="en-US" dirty="0"/>
+          </a:p>
+        </p:txBody>
+      </p:sp>
+      <p:sp>
+        <p:nvSpPr>
+          <p:cNvPr id="5" name="Slide Number Placeholder 4"/>
+          <p:cNvSpPr>
+            <a:spLocks noGrp="1"/>
+          </p:cNvSpPr>
+          <p:nvPr>
+            <p:ph type="sldNum" sz="quarter" idx="12"/>
+          </p:nvPr>
+        </p:nvSpPr>
+        <p:spPr/>
+        <p:txBody>
+          <a:bodyPr/>
+          <a:lstStyle/>
+          <a:p>
+            <a:fld id="{4DFFAA38-3D7A-BB4F-941A-338C60DCD924}" type="slidenum">
+              <a:rPr lang="en-US" smtClean="0"/>
+              <a:pPr/>
+              <a:t>20</a:t>
+            </a:fld>
+            <a:endParaRPr lang="en-US"/>
+          </a:p>
+        </p:txBody>
+      </p:sp>
+      <p:sp>
+        <p:nvSpPr>
+          <p:cNvPr id="6" name="TextBox 5"/>
+          <p:cNvSpPr txBox="1"/>
+          <p:nvPr/>
+        </p:nvSpPr>
+        <p:spPr>
+          <a:xfrm>
+            <a:off x="3352800" y="1752600"/>
+            <a:ext cx="1957387" cy="461665"/>
+          </a:xfrm>
+          <a:prstGeom prst="rect">
+            <a:avLst/>
+          </a:prstGeom>
+          <a:solidFill>
+            <a:schemeClr val="accent1"/>
+          </a:solidFill>
+          <a:ln>
+            <a:solidFill>
+              <a:schemeClr val="tx1"/>
+            </a:solidFill>
+          </a:ln>
+        </p:spPr>
+        <p:txBody>
+          <a:bodyPr wrap="none" rtlCol="0">
+            <a:spAutoFit/>
+          </a:bodyPr>
+          <a:lstStyle/>
+          <a:p>
+            <a:r>
+              <a:rPr lang="en-US" dirty="0" smtClean="0"/>
+              <a:t>1: V:=_; W:=_</a:t>
+            </a:r>
+            <a:endParaRPr lang="en-US" dirty="0"/>
+          </a:p>
+        </p:txBody>
+      </p:sp>
+      <p:sp>
+        <p:nvSpPr>
+          <p:cNvPr id="7" name="TextBox 6"/>
+          <p:cNvSpPr txBox="1"/>
+          <p:nvPr/>
+        </p:nvSpPr>
+        <p:spPr>
+          <a:xfrm>
+            <a:off x="1524000" y="2743200"/>
+            <a:ext cx="1143000" cy="461665"/>
+          </a:xfrm>
+          <a:prstGeom prst="rect">
+            <a:avLst/>
+          </a:prstGeom>
+          <a:solidFill>
+            <a:schemeClr val="accent1"/>
+          </a:solidFill>
+          <a:ln>
+            <a:solidFill>
+              <a:schemeClr val="tx1"/>
+            </a:solidFill>
+          </a:ln>
+        </p:spPr>
+        <p:txBody>
+          <a:bodyPr wrap="square" rtlCol="0">
+            <a:spAutoFit/>
+          </a:bodyPr>
+          <a:lstStyle/>
+          <a:p>
+            <a:r>
+              <a:rPr lang="en-US" dirty="0" smtClean="0"/>
+              <a:t>2:</a:t>
+            </a:r>
+            <a:endParaRPr lang="en-US" dirty="0"/>
+          </a:p>
+        </p:txBody>
+      </p:sp>
+      <p:sp>
+        <p:nvSpPr>
+          <p:cNvPr id="8" name="TextBox 7"/>
+          <p:cNvSpPr txBox="1"/>
+          <p:nvPr/>
+        </p:nvSpPr>
+        <p:spPr>
+          <a:xfrm>
+            <a:off x="5257800" y="2743200"/>
+            <a:ext cx="1371600" cy="461665"/>
+          </a:xfrm>
+          <a:prstGeom prst="rect">
+            <a:avLst/>
+          </a:prstGeom>
+          <a:solidFill>
+            <a:schemeClr val="accent1"/>
+          </a:solidFill>
+          <a:ln>
+            <a:solidFill>
+              <a:schemeClr val="tx1"/>
+            </a:solidFill>
+          </a:ln>
+        </p:spPr>
+        <p:txBody>
+          <a:bodyPr wrap="square" rtlCol="0">
+            <a:spAutoFit/>
+          </a:bodyPr>
+          <a:lstStyle/>
+          <a:p>
+            <a:r>
+              <a:rPr lang="en-US" dirty="0" smtClean="0"/>
+              <a:t>3: V:=_</a:t>
+            </a:r>
+            <a:endParaRPr lang="en-US" dirty="0"/>
+          </a:p>
+        </p:txBody>
+      </p:sp>
+      <p:sp>
+        <p:nvSpPr>
+          <p:cNvPr id="9" name="TextBox 8"/>
+          <p:cNvSpPr txBox="1"/>
+          <p:nvPr/>
+        </p:nvSpPr>
+        <p:spPr>
+          <a:xfrm>
+            <a:off x="3962400" y="3733800"/>
+            <a:ext cx="1371600" cy="461665"/>
+          </a:xfrm>
+          <a:prstGeom prst="rect">
+            <a:avLst/>
+          </a:prstGeom>
+          <a:solidFill>
+            <a:schemeClr val="accent1"/>
+          </a:solidFill>
+          <a:ln>
+            <a:solidFill>
+              <a:schemeClr val="tx1"/>
+            </a:solidFill>
+          </a:ln>
+        </p:spPr>
+        <p:txBody>
+          <a:bodyPr wrap="square" rtlCol="0">
+            <a:spAutoFit/>
+          </a:bodyPr>
+          <a:lstStyle/>
+          <a:p>
+            <a:r>
+              <a:rPr lang="en-US" dirty="0" smtClean="0"/>
+              <a:t>4:</a:t>
+            </a:r>
+            <a:endParaRPr lang="en-US" dirty="0"/>
+          </a:p>
+        </p:txBody>
+      </p:sp>
+      <p:sp>
+        <p:nvSpPr>
+          <p:cNvPr id="10" name="TextBox 9"/>
+          <p:cNvSpPr txBox="1"/>
+          <p:nvPr/>
+        </p:nvSpPr>
+        <p:spPr>
+          <a:xfrm>
+            <a:off x="6477000" y="3733800"/>
+            <a:ext cx="1371600" cy="461665"/>
+          </a:xfrm>
+          <a:prstGeom prst="rect">
+            <a:avLst/>
+          </a:prstGeom>
+          <a:solidFill>
+            <a:schemeClr val="accent1"/>
+          </a:solidFill>
+          <a:ln>
+            <a:solidFill>
+              <a:schemeClr val="tx1"/>
+            </a:solidFill>
+          </a:ln>
+        </p:spPr>
+        <p:txBody>
+          <a:bodyPr wrap="square" rtlCol="0">
+            <a:spAutoFit/>
+          </a:bodyPr>
+          <a:lstStyle/>
+          <a:p>
+            <a:r>
+              <a:rPr lang="en-US" dirty="0" smtClean="0"/>
+              <a:t>5: W:=_</a:t>
+            </a:r>
+            <a:endParaRPr lang="en-US" dirty="0"/>
+          </a:p>
+        </p:txBody>
+      </p:sp>
+      <p:sp>
+        <p:nvSpPr>
+          <p:cNvPr id="11" name="TextBox 10"/>
+          <p:cNvSpPr txBox="1"/>
+          <p:nvPr/>
+        </p:nvSpPr>
+        <p:spPr>
+          <a:xfrm>
+            <a:off x="5029200" y="4648200"/>
+            <a:ext cx="2209800" cy="461665"/>
+          </a:xfrm>
+          <a:prstGeom prst="rect">
+            <a:avLst/>
+          </a:prstGeom>
+          <a:solidFill>
+            <a:schemeClr val="accent1"/>
+          </a:solidFill>
+          <a:ln>
+            <a:solidFill>
+              <a:schemeClr val="tx1"/>
+            </a:solidFill>
+          </a:ln>
+        </p:spPr>
+        <p:txBody>
+          <a:bodyPr wrap="square" rtlCol="0">
+            <a:spAutoFit/>
+          </a:bodyPr>
+          <a:lstStyle/>
+          <a:p>
+            <a:r>
+              <a:rPr lang="en-US" dirty="0" smtClean="0"/>
+              <a:t>6: </a:t>
+            </a:r>
+            <a:r>
+              <a:rPr lang="en-US" dirty="0" smtClean="0">
+                <a:sym typeface="Symbol" charset="2"/>
+              </a:rPr>
+              <a:t>W:= (W,W) </a:t>
+            </a:r>
+            <a:endParaRPr lang="en-US" dirty="0" smtClean="0"/>
+          </a:p>
+        </p:txBody>
+      </p:sp>
+      <p:cxnSp>
+        <p:nvCxnSpPr>
+          <p:cNvPr id="14" name="Straight Arrow Connector 13"/>
+          <p:cNvCxnSpPr>
+            <a:stCxn id="6" idx="2"/>
+            <a:endCxn id="7" idx="0"/>
+          </p:cNvCxnSpPr>
+          <p:nvPr/>
+        </p:nvCxnSpPr>
+        <p:spPr bwMode="auto">
+          <a:xfrm rot="5400000">
+            <a:off x="2949030" y="1360735"/>
+            <a:ext cx="528935" cy="2235994"/>
+          </a:xfrm>
+          <a:prstGeom prst="straightConnector1">
+            <a:avLst/>
+          </a:prstGeom>
+          <a:solidFill>
+            <a:schemeClr val="accent1"/>
+          </a:solidFill>
+          <a:ln w="9525" cap="flat" cmpd="sng" algn="ctr">
+            <a:solidFill>
+              <a:schemeClr val="tx1"/>
+            </a:solidFill>
+            <a:prstDash val="solid"/>
+            <a:round/>
+            <a:headEnd type="none" w="med" len="med"/>
+            <a:tailEnd type="arrow"/>
+          </a:ln>
+          <a:effectLst/>
+        </p:spPr>
+      </p:cxnSp>
+      <p:cxnSp>
+        <p:nvCxnSpPr>
+          <p:cNvPr id="16" name="Straight Arrow Connector 15"/>
+          <p:cNvCxnSpPr>
+            <a:stCxn id="6" idx="2"/>
+            <a:endCxn id="8" idx="0"/>
+          </p:cNvCxnSpPr>
+          <p:nvPr/>
+        </p:nvCxnSpPr>
+        <p:spPr bwMode="auto">
+          <a:xfrm rot="16200000" flipH="1">
+            <a:off x="4873080" y="1672679"/>
+            <a:ext cx="528935" cy="1612106"/>
+          </a:xfrm>
+          <a:prstGeom prst="straightConnector1">
+            <a:avLst/>
+          </a:prstGeom>
+          <a:solidFill>
+            <a:schemeClr val="accent1"/>
+          </a:solidFill>
+          <a:ln w="9525" cap="flat" cmpd="sng" algn="ctr">
+            <a:solidFill>
+              <a:schemeClr val="tx1"/>
+            </a:solidFill>
+            <a:prstDash val="solid"/>
+            <a:round/>
+            <a:headEnd type="none" w="med" len="med"/>
+            <a:tailEnd type="arrow"/>
+          </a:ln>
+          <a:effectLst/>
+        </p:spPr>
+      </p:cxnSp>
+      <p:cxnSp>
+        <p:nvCxnSpPr>
+          <p:cNvPr id="18" name="Straight Arrow Connector 17"/>
+          <p:cNvCxnSpPr>
+            <a:stCxn id="8" idx="2"/>
+            <a:endCxn id="9" idx="0"/>
+          </p:cNvCxnSpPr>
+          <p:nvPr/>
+        </p:nvCxnSpPr>
+        <p:spPr bwMode="auto">
+          <a:xfrm rot="5400000">
+            <a:off x="5031433" y="2821632"/>
+            <a:ext cx="528935" cy="1295400"/>
+          </a:xfrm>
+          <a:prstGeom prst="straightConnector1">
+            <a:avLst/>
+          </a:prstGeom>
+          <a:solidFill>
+            <a:schemeClr val="accent1"/>
+          </a:solidFill>
+          <a:ln w="9525" cap="flat" cmpd="sng" algn="ctr">
+            <a:solidFill>
+              <a:schemeClr val="tx1"/>
+            </a:solidFill>
+            <a:prstDash val="solid"/>
+            <a:round/>
+            <a:headEnd type="none" w="med" len="med"/>
+            <a:tailEnd type="arrow"/>
+          </a:ln>
+          <a:effectLst/>
+        </p:spPr>
+      </p:cxnSp>
+      <p:cxnSp>
+        <p:nvCxnSpPr>
+          <p:cNvPr id="20" name="Straight Arrow Connector 19"/>
+          <p:cNvCxnSpPr>
+            <a:stCxn id="8" idx="2"/>
+            <a:endCxn id="10" idx="0"/>
+          </p:cNvCxnSpPr>
+          <p:nvPr/>
+        </p:nvCxnSpPr>
+        <p:spPr bwMode="auto">
+          <a:xfrm rot="16200000" flipH="1">
+            <a:off x="6288733" y="2859732"/>
+            <a:ext cx="528935" cy="1219200"/>
+          </a:xfrm>
+          <a:prstGeom prst="straightConnector1">
+            <a:avLst/>
+          </a:prstGeom>
+          <a:solidFill>
+            <a:schemeClr val="accent1"/>
+          </a:solidFill>
+          <a:ln w="9525" cap="flat" cmpd="sng" algn="ctr">
+            <a:solidFill>
+              <a:schemeClr val="tx1"/>
+            </a:solidFill>
+            <a:prstDash val="solid"/>
+            <a:round/>
+            <a:headEnd type="none" w="med" len="med"/>
+            <a:tailEnd type="arrow"/>
+          </a:ln>
+          <a:effectLst/>
+        </p:spPr>
+      </p:cxnSp>
+      <p:cxnSp>
+        <p:nvCxnSpPr>
+          <p:cNvPr id="22" name="Straight Arrow Connector 21"/>
+          <p:cNvCxnSpPr>
+            <a:stCxn id="9" idx="2"/>
+            <a:endCxn id="11" idx="0"/>
+          </p:cNvCxnSpPr>
+          <p:nvPr/>
+        </p:nvCxnSpPr>
+        <p:spPr bwMode="auto">
+          <a:xfrm rot="16200000" flipH="1">
+            <a:off x="5164783" y="3678882"/>
+            <a:ext cx="452735" cy="1485900"/>
+          </a:xfrm>
+          <a:prstGeom prst="straightConnector1">
+            <a:avLst/>
+          </a:prstGeom>
+          <a:solidFill>
+            <a:schemeClr val="accent1"/>
+          </a:solidFill>
+          <a:ln w="9525" cap="flat" cmpd="sng" algn="ctr">
+            <a:solidFill>
+              <a:schemeClr val="tx1"/>
+            </a:solidFill>
+            <a:prstDash val="solid"/>
+            <a:round/>
+            <a:headEnd type="none" w="med" len="med"/>
+            <a:tailEnd type="arrow"/>
+          </a:ln>
+          <a:effectLst/>
+        </p:spPr>
+      </p:cxnSp>
+      <p:cxnSp>
+        <p:nvCxnSpPr>
+          <p:cNvPr id="24" name="Straight Arrow Connector 23"/>
+          <p:cNvCxnSpPr>
+            <a:stCxn id="10" idx="2"/>
+            <a:endCxn id="11" idx="0"/>
+          </p:cNvCxnSpPr>
+          <p:nvPr/>
+        </p:nvCxnSpPr>
+        <p:spPr bwMode="auto">
+          <a:xfrm rot="5400000">
+            <a:off x="6422083" y="3907482"/>
+            <a:ext cx="452735" cy="1028700"/>
+          </a:xfrm>
+          <a:prstGeom prst="straightConnector1">
+            <a:avLst/>
+          </a:prstGeom>
+          <a:solidFill>
+            <a:schemeClr val="accent1"/>
+          </a:solidFill>
+          <a:ln w="9525" cap="flat" cmpd="sng" algn="ctr">
+            <a:solidFill>
+              <a:schemeClr val="tx1"/>
+            </a:solidFill>
+            <a:prstDash val="solid"/>
+            <a:round/>
+            <a:headEnd type="none" w="med" len="med"/>
+            <a:tailEnd type="arrow"/>
+          </a:ln>
+          <a:effectLst/>
+        </p:spPr>
+      </p:cxnSp>
+      <p:cxnSp>
+        <p:nvCxnSpPr>
+          <p:cNvPr id="26" name="Straight Arrow Connector 25"/>
+          <p:cNvCxnSpPr>
+            <a:stCxn id="7" idx="2"/>
+            <a:endCxn id="41" idx="0"/>
+          </p:cNvCxnSpPr>
+          <p:nvPr/>
+        </p:nvCxnSpPr>
+        <p:spPr bwMode="auto">
+          <a:xfrm rot="16200000" flipH="1">
+            <a:off x="1697683" y="3602682"/>
+            <a:ext cx="2433935" cy="1638300"/>
+          </a:xfrm>
+          <a:prstGeom prst="straightConnector1">
+            <a:avLst/>
+          </a:prstGeom>
+          <a:solidFill>
+            <a:schemeClr val="accent1"/>
+          </a:solidFill>
+          <a:ln w="9525" cap="flat" cmpd="sng" algn="ctr">
+            <a:solidFill>
+              <a:schemeClr val="tx1"/>
+            </a:solidFill>
+            <a:prstDash val="solid"/>
+            <a:round/>
+            <a:headEnd type="none" w="med" len="med"/>
+            <a:tailEnd type="arrow"/>
+          </a:ln>
+          <a:effectLst/>
+        </p:spPr>
+      </p:cxnSp>
+      <p:cxnSp>
+        <p:nvCxnSpPr>
+          <p:cNvPr id="28" name="Straight Arrow Connector 27"/>
+          <p:cNvCxnSpPr>
+            <a:stCxn id="11" idx="2"/>
+            <a:endCxn id="41" idx="0"/>
+          </p:cNvCxnSpPr>
+          <p:nvPr/>
+        </p:nvCxnSpPr>
+        <p:spPr bwMode="auto">
+          <a:xfrm rot="5400000">
+            <a:off x="4669483" y="4174182"/>
+            <a:ext cx="528935" cy="2400300"/>
+          </a:xfrm>
+          <a:prstGeom prst="straightConnector1">
+            <a:avLst/>
+          </a:prstGeom>
+          <a:solidFill>
+            <a:schemeClr val="accent1"/>
+          </a:solidFill>
+          <a:ln w="9525" cap="flat" cmpd="sng" algn="ctr">
+            <a:solidFill>
+              <a:schemeClr val="tx1"/>
+            </a:solidFill>
+            <a:prstDash val="solid"/>
+            <a:round/>
+            <a:headEnd type="none" w="med" len="med"/>
+            <a:tailEnd type="arrow"/>
+          </a:ln>
+          <a:effectLst/>
+        </p:spPr>
+      </p:cxnSp>
+      <p:sp>
+        <p:nvSpPr>
+          <p:cNvPr id="29" name="TextBox 28"/>
+          <p:cNvSpPr txBox="1"/>
+          <p:nvPr/>
+        </p:nvSpPr>
+        <p:spPr>
+          <a:xfrm>
+            <a:off x="6934200" y="2057400"/>
+            <a:ext cx="1559892" cy="461665"/>
+          </a:xfrm>
+          <a:prstGeom prst="rect">
+            <a:avLst/>
+          </a:prstGeom>
+          <a:solidFill>
+            <a:schemeClr val="accent1"/>
+          </a:solidFill>
+        </p:spPr>
+        <p:txBody>
+          <a:bodyPr wrap="none" rtlCol="0">
+            <a:spAutoFit/>
+          </a:bodyPr>
+          <a:lstStyle/>
+          <a:p>
+            <a:r>
+              <a:rPr lang="en-US" dirty="0" smtClean="0"/>
+              <a:t>DF(6)={7}</a:t>
+            </a:r>
+            <a:endParaRPr lang="en-US" dirty="0"/>
+          </a:p>
+        </p:txBody>
+      </p:sp>
+      <p:sp>
+        <p:nvSpPr>
+          <p:cNvPr id="41" name="TextBox 40"/>
+          <p:cNvSpPr txBox="1"/>
+          <p:nvPr/>
+        </p:nvSpPr>
+        <p:spPr>
+          <a:xfrm>
+            <a:off x="2514600" y="5638800"/>
+            <a:ext cx="2438400" cy="830997"/>
+          </a:xfrm>
+          <a:prstGeom prst="rect">
+            <a:avLst/>
+          </a:prstGeom>
+          <a:solidFill>
+            <a:schemeClr val="accent1"/>
+          </a:solidFill>
+          <a:ln>
+            <a:solidFill>
+              <a:schemeClr val="tx1"/>
+            </a:solidFill>
+          </a:ln>
+        </p:spPr>
+        <p:txBody>
+          <a:bodyPr wrap="square" rtlCol="0">
+            <a:spAutoFit/>
+          </a:bodyPr>
+          <a:lstStyle/>
+          <a:p>
+            <a:r>
+              <a:rPr lang="en-US" dirty="0" smtClean="0"/>
+              <a:t>7: V:= </a:t>
+            </a:r>
+            <a:r>
+              <a:rPr lang="en-US" dirty="0" smtClean="0">
+                <a:sym typeface="Symbol" charset="2"/>
+              </a:rPr>
+              <a:t>(V,V); W:= (W,W)</a:t>
+            </a:r>
+            <a:endParaRPr lang="en-US" dirty="0" smtClean="0"/>
+          </a:p>
+        </p:txBody>
+      </p:sp>
+    </p:spTree>
+  </p:cSld>
+  <p:clrMapOvr>
+    <a:masterClrMapping/>
+  </p:clrMapOvr>
+  <p:timing>
+    <p:tnLst>
+      <p:par>
+        <p:cTn xmlns:p14="http://schemas.microsoft.com/office/powerpoint/2010/main" id="1" dur="indefinite" restart="never" nodeType="tmRoot"/>
+      </p:par>
+    </p:tnLst>
+  </p:timing>
+</p:sld>
+</file>
+
+<file path=ppt/slides/slide21.xml><?xml version="1.0" encoding="utf-8"?>
+<p:sld xmlns:a="http://schemas.openxmlformats.org/drawingml/2006/main" xmlns:r="http://schemas.openxmlformats.org/officeDocument/2006/relationships" xmlns:p="http://schemas.openxmlformats.org/presentationml/2006/main">
+  <p:cSld>
+    <p:spTree>
+      <p:nvGrpSpPr>
+        <p:cNvPr id="1" name=""/>
+        <p:cNvGrpSpPr/>
+        <p:nvPr/>
+      </p:nvGrpSpPr>
+      <p:grpSpPr>
+        <a:xfrm>
+          <a:off x="0" y="0"/>
+          <a:ext cx="0" cy="0"/>
+          <a:chOff x="0" y="0"/>
+          <a:chExt cx="0" cy="0"/>
+        </a:xfrm>
+      </p:grpSpPr>
+      <p:sp>
+        <p:nvSpPr>
+          <p:cNvPr id="2" name="Title 1"/>
+          <p:cNvSpPr>
+            <a:spLocks noGrp="1"/>
+          </p:cNvSpPr>
+          <p:nvPr>
+            <p:ph type="title"/>
+          </p:nvPr>
+        </p:nvSpPr>
+        <p:spPr/>
+        <p:txBody>
+          <a:bodyPr/>
+          <a:lstStyle/>
+          <a:p>
+            <a:r>
+              <a:rPr lang="en-US" dirty="0" smtClean="0"/>
+              <a:t>Rename Variables</a:t>
+            </a:r>
+            <a:endParaRPr lang="en-US" dirty="0"/>
+          </a:p>
+        </p:txBody>
+      </p:sp>
+      <p:sp>
+        <p:nvSpPr>
+          <p:cNvPr id="5" name="Slide Number Placeholder 4"/>
+          <p:cNvSpPr>
+            <a:spLocks noGrp="1"/>
+          </p:cNvSpPr>
+          <p:nvPr>
+            <p:ph type="sldNum" sz="quarter" idx="12"/>
+          </p:nvPr>
+        </p:nvSpPr>
+        <p:spPr/>
+        <p:txBody>
+          <a:bodyPr/>
+          <a:lstStyle/>
+          <a:p>
+            <a:fld id="{4DFFAA38-3D7A-BB4F-941A-338C60DCD924}" type="slidenum">
+              <a:rPr lang="en-US" smtClean="0"/>
+              <a:pPr/>
+              <a:t>21</a:t>
+            </a:fld>
+            <a:endParaRPr lang="en-US"/>
+          </a:p>
+        </p:txBody>
+      </p:sp>
+      <p:sp>
+        <p:nvSpPr>
+          <p:cNvPr id="6" name="TextBox 5"/>
+          <p:cNvSpPr txBox="1"/>
+          <p:nvPr/>
+        </p:nvSpPr>
+        <p:spPr>
+          <a:xfrm>
+            <a:off x="3352800" y="1752600"/>
+            <a:ext cx="2300630" cy="461665"/>
+          </a:xfrm>
+          <a:prstGeom prst="rect">
+            <a:avLst/>
+          </a:prstGeom>
+          <a:solidFill>
+            <a:schemeClr val="accent1"/>
+          </a:solidFill>
+          <a:ln>
+            <a:solidFill>
+              <a:schemeClr val="tx1"/>
+            </a:solidFill>
+          </a:ln>
+        </p:spPr>
+        <p:txBody>
+          <a:bodyPr wrap="none" rtlCol="0">
+            <a:spAutoFit/>
+          </a:bodyPr>
+          <a:lstStyle/>
+          <a:p>
+            <a:r>
+              <a:rPr lang="en-US" dirty="0" smtClean="0"/>
+              <a:t>1: V1:=_; W1:=_</a:t>
+            </a:r>
+            <a:endParaRPr lang="en-US" dirty="0"/>
+          </a:p>
+        </p:txBody>
+      </p:sp>
+      <p:sp>
+        <p:nvSpPr>
+          <p:cNvPr id="7" name="TextBox 6"/>
+          <p:cNvSpPr txBox="1"/>
+          <p:nvPr/>
+        </p:nvSpPr>
+        <p:spPr>
+          <a:xfrm>
+            <a:off x="1524000" y="2743200"/>
+            <a:ext cx="1143000" cy="461665"/>
+          </a:xfrm>
+          <a:prstGeom prst="rect">
+            <a:avLst/>
+          </a:prstGeom>
+          <a:solidFill>
+            <a:schemeClr val="accent1"/>
+          </a:solidFill>
+          <a:ln>
+            <a:solidFill>
+              <a:schemeClr val="tx1"/>
+            </a:solidFill>
+          </a:ln>
+        </p:spPr>
+        <p:txBody>
+          <a:bodyPr wrap="square" rtlCol="0">
+            <a:spAutoFit/>
+          </a:bodyPr>
+          <a:lstStyle/>
+          <a:p>
+            <a:r>
+              <a:rPr lang="en-US" dirty="0" smtClean="0"/>
+              <a:t>2:</a:t>
+            </a:r>
+            <a:endParaRPr lang="en-US" dirty="0"/>
+          </a:p>
+        </p:txBody>
+      </p:sp>
+      <p:sp>
+        <p:nvSpPr>
+          <p:cNvPr id="8" name="TextBox 7"/>
+          <p:cNvSpPr txBox="1"/>
+          <p:nvPr/>
+        </p:nvSpPr>
+        <p:spPr>
+          <a:xfrm>
+            <a:off x="5257800" y="2743200"/>
+            <a:ext cx="1371600" cy="461665"/>
+          </a:xfrm>
+          <a:prstGeom prst="rect">
+            <a:avLst/>
+          </a:prstGeom>
+          <a:solidFill>
+            <a:schemeClr val="accent1"/>
+          </a:solidFill>
+          <a:ln>
+            <a:solidFill>
+              <a:schemeClr val="tx1"/>
+            </a:solidFill>
+          </a:ln>
+        </p:spPr>
+        <p:txBody>
+          <a:bodyPr wrap="square" rtlCol="0">
+            <a:spAutoFit/>
+          </a:bodyPr>
+          <a:lstStyle/>
+          <a:p>
+            <a:r>
+              <a:rPr lang="en-US" dirty="0" smtClean="0"/>
+              <a:t>3: V2:=_</a:t>
+            </a:r>
+            <a:endParaRPr lang="en-US" dirty="0"/>
+          </a:p>
+        </p:txBody>
+      </p:sp>
+      <p:sp>
+        <p:nvSpPr>
+          <p:cNvPr id="9" name="TextBox 8"/>
+          <p:cNvSpPr txBox="1"/>
+          <p:nvPr/>
+        </p:nvSpPr>
+        <p:spPr>
+          <a:xfrm>
+            <a:off x="3962400" y="3733800"/>
+            <a:ext cx="1371600" cy="461665"/>
+          </a:xfrm>
+          <a:prstGeom prst="rect">
+            <a:avLst/>
+          </a:prstGeom>
+          <a:solidFill>
+            <a:schemeClr val="accent1"/>
+          </a:solidFill>
+          <a:ln>
+            <a:solidFill>
+              <a:schemeClr val="tx1"/>
+            </a:solidFill>
+          </a:ln>
+        </p:spPr>
+        <p:txBody>
+          <a:bodyPr wrap="square" rtlCol="0">
+            <a:spAutoFit/>
+          </a:bodyPr>
+          <a:lstStyle/>
+          <a:p>
+            <a:r>
+              <a:rPr lang="en-US" dirty="0" smtClean="0"/>
+              <a:t>4:</a:t>
+            </a:r>
+            <a:endParaRPr lang="en-US" dirty="0"/>
+          </a:p>
+        </p:txBody>
+      </p:sp>
+      <p:sp>
+        <p:nvSpPr>
+          <p:cNvPr id="10" name="TextBox 9"/>
+          <p:cNvSpPr txBox="1"/>
+          <p:nvPr/>
+        </p:nvSpPr>
+        <p:spPr>
+          <a:xfrm>
+            <a:off x="6477000" y="3733800"/>
+            <a:ext cx="1371600" cy="461665"/>
+          </a:xfrm>
+          <a:prstGeom prst="rect">
+            <a:avLst/>
+          </a:prstGeom>
+          <a:solidFill>
+            <a:schemeClr val="accent1"/>
+          </a:solidFill>
+          <a:ln>
+            <a:solidFill>
+              <a:schemeClr val="tx1"/>
+            </a:solidFill>
+          </a:ln>
+        </p:spPr>
+        <p:txBody>
+          <a:bodyPr wrap="square" rtlCol="0">
+            <a:spAutoFit/>
+          </a:bodyPr>
+          <a:lstStyle/>
+          <a:p>
+            <a:r>
+              <a:rPr lang="en-US" dirty="0" smtClean="0"/>
+              <a:t>5: W2:=_</a:t>
+            </a:r>
+            <a:endParaRPr lang="en-US" dirty="0"/>
+          </a:p>
+        </p:txBody>
+      </p:sp>
+      <p:sp>
+        <p:nvSpPr>
+          <p:cNvPr id="11" name="TextBox 10"/>
+          <p:cNvSpPr txBox="1"/>
+          <p:nvPr/>
+        </p:nvSpPr>
+        <p:spPr>
+          <a:xfrm>
+            <a:off x="5029200" y="4648200"/>
+            <a:ext cx="2590800" cy="461665"/>
+          </a:xfrm>
+          <a:prstGeom prst="rect">
+            <a:avLst/>
+          </a:prstGeom>
+          <a:solidFill>
+            <a:schemeClr val="accent1"/>
+          </a:solidFill>
+          <a:ln>
+            <a:solidFill>
+              <a:schemeClr val="tx1"/>
+            </a:solidFill>
+          </a:ln>
+        </p:spPr>
+        <p:txBody>
+          <a:bodyPr wrap="square" rtlCol="0">
+            <a:spAutoFit/>
+          </a:bodyPr>
+          <a:lstStyle/>
+          <a:p>
+            <a:r>
+              <a:rPr lang="en-US" dirty="0" smtClean="0"/>
+              <a:t>6: </a:t>
+            </a:r>
+            <a:r>
+              <a:rPr lang="en-US" dirty="0" smtClean="0">
+                <a:sym typeface="Symbol" charset="2"/>
+              </a:rPr>
+              <a:t>W3:= (W1,W2) </a:t>
+            </a:r>
+            <a:endParaRPr lang="en-US" dirty="0" smtClean="0"/>
+          </a:p>
+        </p:txBody>
+      </p:sp>
+      <p:cxnSp>
+        <p:nvCxnSpPr>
+          <p:cNvPr id="14" name="Straight Arrow Connector 13"/>
+          <p:cNvCxnSpPr>
+            <a:stCxn id="6" idx="2"/>
+            <a:endCxn id="7" idx="0"/>
+          </p:cNvCxnSpPr>
+          <p:nvPr/>
+        </p:nvCxnSpPr>
+        <p:spPr bwMode="auto">
+          <a:xfrm rot="5400000">
+            <a:off x="3034841" y="1274925"/>
+            <a:ext cx="528935" cy="2407615"/>
+          </a:xfrm>
+          <a:prstGeom prst="straightConnector1">
+            <a:avLst/>
+          </a:prstGeom>
+          <a:solidFill>
+            <a:schemeClr val="accent1"/>
+          </a:solidFill>
+          <a:ln w="9525" cap="flat" cmpd="sng" algn="ctr">
+            <a:solidFill>
+              <a:schemeClr val="tx1"/>
+            </a:solidFill>
+            <a:prstDash val="solid"/>
+            <a:round/>
+            <a:headEnd type="none" w="med" len="med"/>
+            <a:tailEnd type="arrow"/>
+          </a:ln>
+          <a:effectLst/>
+        </p:spPr>
+      </p:cxnSp>
+      <p:cxnSp>
+        <p:nvCxnSpPr>
+          <p:cNvPr id="16" name="Straight Arrow Connector 15"/>
+          <p:cNvCxnSpPr>
+            <a:stCxn id="6" idx="2"/>
+            <a:endCxn id="8" idx="0"/>
+          </p:cNvCxnSpPr>
+          <p:nvPr/>
+        </p:nvCxnSpPr>
+        <p:spPr bwMode="auto">
+          <a:xfrm rot="16200000" flipH="1">
+            <a:off x="4958890" y="1758489"/>
+            <a:ext cx="528935" cy="1440485"/>
+          </a:xfrm>
+          <a:prstGeom prst="straightConnector1">
+            <a:avLst/>
+          </a:prstGeom>
+          <a:solidFill>
+            <a:schemeClr val="accent1"/>
+          </a:solidFill>
+          <a:ln w="9525" cap="flat" cmpd="sng" algn="ctr">
+            <a:solidFill>
+              <a:schemeClr val="tx1"/>
+            </a:solidFill>
+            <a:prstDash val="solid"/>
+            <a:round/>
+            <a:headEnd type="none" w="med" len="med"/>
+            <a:tailEnd type="arrow"/>
+          </a:ln>
+          <a:effectLst/>
+        </p:spPr>
+      </p:cxnSp>
+      <p:cxnSp>
+        <p:nvCxnSpPr>
+          <p:cNvPr id="18" name="Straight Arrow Connector 17"/>
+          <p:cNvCxnSpPr>
+            <a:stCxn id="8" idx="2"/>
+            <a:endCxn id="9" idx="0"/>
+          </p:cNvCxnSpPr>
+          <p:nvPr/>
+        </p:nvCxnSpPr>
+        <p:spPr bwMode="auto">
+          <a:xfrm rot="5400000">
+            <a:off x="5031433" y="2821632"/>
+            <a:ext cx="528935" cy="1295400"/>
+          </a:xfrm>
+          <a:prstGeom prst="straightConnector1">
+            <a:avLst/>
+          </a:prstGeom>
+          <a:solidFill>
+            <a:schemeClr val="accent1"/>
+          </a:solidFill>
+          <a:ln w="9525" cap="flat" cmpd="sng" algn="ctr">
+            <a:solidFill>
+              <a:schemeClr val="tx1"/>
+            </a:solidFill>
+            <a:prstDash val="solid"/>
+            <a:round/>
+            <a:headEnd type="none" w="med" len="med"/>
+            <a:tailEnd type="arrow"/>
+          </a:ln>
+          <a:effectLst/>
+        </p:spPr>
+      </p:cxnSp>
+      <p:cxnSp>
+        <p:nvCxnSpPr>
+          <p:cNvPr id="20" name="Straight Arrow Connector 19"/>
+          <p:cNvCxnSpPr>
+            <a:stCxn id="8" idx="2"/>
+            <a:endCxn id="10" idx="0"/>
+          </p:cNvCxnSpPr>
+          <p:nvPr/>
+        </p:nvCxnSpPr>
+        <p:spPr bwMode="auto">
+          <a:xfrm rot="16200000" flipH="1">
+            <a:off x="6288733" y="2859732"/>
+            <a:ext cx="528935" cy="1219200"/>
+          </a:xfrm>
+          <a:prstGeom prst="straightConnector1">
+            <a:avLst/>
+          </a:prstGeom>
+          <a:solidFill>
+            <a:schemeClr val="accent1"/>
+          </a:solidFill>
+          <a:ln w="9525" cap="flat" cmpd="sng" algn="ctr">
+            <a:solidFill>
+              <a:schemeClr val="tx1"/>
+            </a:solidFill>
+            <a:prstDash val="solid"/>
+            <a:round/>
+            <a:headEnd type="none" w="med" len="med"/>
+            <a:tailEnd type="arrow"/>
+          </a:ln>
+          <a:effectLst/>
+        </p:spPr>
+      </p:cxnSp>
+      <p:cxnSp>
+        <p:nvCxnSpPr>
+          <p:cNvPr id="22" name="Straight Arrow Connector 21"/>
+          <p:cNvCxnSpPr>
+            <a:stCxn id="9" idx="2"/>
+            <a:endCxn id="11" idx="0"/>
+          </p:cNvCxnSpPr>
+          <p:nvPr/>
+        </p:nvCxnSpPr>
+        <p:spPr bwMode="auto">
+          <a:xfrm rot="16200000" flipH="1">
+            <a:off x="5260033" y="3583632"/>
+            <a:ext cx="452735" cy="1676400"/>
+          </a:xfrm>
+          <a:prstGeom prst="straightConnector1">
+            <a:avLst/>
+          </a:prstGeom>
+          <a:solidFill>
+            <a:schemeClr val="accent1"/>
+          </a:solidFill>
+          <a:ln w="9525" cap="flat" cmpd="sng" algn="ctr">
+            <a:solidFill>
+              <a:schemeClr val="tx1"/>
+            </a:solidFill>
+            <a:prstDash val="solid"/>
+            <a:round/>
+            <a:headEnd type="none" w="med" len="med"/>
+            <a:tailEnd type="arrow"/>
+          </a:ln>
+          <a:effectLst/>
+        </p:spPr>
+      </p:cxnSp>
+      <p:cxnSp>
+        <p:nvCxnSpPr>
+          <p:cNvPr id="24" name="Straight Arrow Connector 23"/>
+          <p:cNvCxnSpPr>
+            <a:stCxn id="10" idx="2"/>
+            <a:endCxn id="11" idx="0"/>
+          </p:cNvCxnSpPr>
+          <p:nvPr/>
+        </p:nvCxnSpPr>
+        <p:spPr bwMode="auto">
+          <a:xfrm rot="5400000">
+            <a:off x="6517333" y="4002732"/>
+            <a:ext cx="452735" cy="838200"/>
+          </a:xfrm>
+          <a:prstGeom prst="straightConnector1">
+            <a:avLst/>
+          </a:prstGeom>
+          <a:solidFill>
+            <a:schemeClr val="accent1"/>
+          </a:solidFill>
+          <a:ln w="9525" cap="flat" cmpd="sng" algn="ctr">
+            <a:solidFill>
+              <a:schemeClr val="tx1"/>
+            </a:solidFill>
+            <a:prstDash val="solid"/>
+            <a:round/>
+            <a:headEnd type="none" w="med" len="med"/>
+            <a:tailEnd type="arrow"/>
+          </a:ln>
+          <a:effectLst/>
+        </p:spPr>
+      </p:cxnSp>
+      <p:cxnSp>
+        <p:nvCxnSpPr>
+          <p:cNvPr id="26" name="Straight Arrow Connector 25"/>
+          <p:cNvCxnSpPr>
+            <a:stCxn id="7" idx="2"/>
+            <a:endCxn id="41" idx="0"/>
+          </p:cNvCxnSpPr>
+          <p:nvPr/>
+        </p:nvCxnSpPr>
+        <p:spPr bwMode="auto">
+          <a:xfrm rot="16200000" flipH="1">
+            <a:off x="1754833" y="3545532"/>
+            <a:ext cx="2433935" cy="1752600"/>
+          </a:xfrm>
+          <a:prstGeom prst="straightConnector1">
+            <a:avLst/>
+          </a:prstGeom>
+          <a:solidFill>
+            <a:schemeClr val="accent1"/>
+          </a:solidFill>
+          <a:ln w="9525" cap="flat" cmpd="sng" algn="ctr">
+            <a:solidFill>
+              <a:schemeClr val="tx1"/>
+            </a:solidFill>
+            <a:prstDash val="solid"/>
+            <a:round/>
+            <a:headEnd type="none" w="med" len="med"/>
+            <a:tailEnd type="arrow"/>
+          </a:ln>
+          <a:effectLst/>
+        </p:spPr>
+      </p:cxnSp>
+      <p:cxnSp>
+        <p:nvCxnSpPr>
+          <p:cNvPr id="28" name="Straight Arrow Connector 27"/>
+          <p:cNvCxnSpPr>
+            <a:stCxn id="11" idx="2"/>
+            <a:endCxn id="41" idx="0"/>
+          </p:cNvCxnSpPr>
+          <p:nvPr/>
+        </p:nvCxnSpPr>
+        <p:spPr bwMode="auto">
+          <a:xfrm rot="5400000">
+            <a:off x="4821883" y="4136082"/>
+            <a:ext cx="528935" cy="2476500"/>
+          </a:xfrm>
+          <a:prstGeom prst="straightConnector1">
+            <a:avLst/>
+          </a:prstGeom>
+          <a:solidFill>
+            <a:schemeClr val="accent1"/>
+          </a:solidFill>
+          <a:ln w="9525" cap="flat" cmpd="sng" algn="ctr">
+            <a:solidFill>
+              <a:schemeClr val="tx1"/>
+            </a:solidFill>
+            <a:prstDash val="solid"/>
+            <a:round/>
+            <a:headEnd type="none" w="med" len="med"/>
+            <a:tailEnd type="arrow"/>
+          </a:ln>
+          <a:effectLst/>
+        </p:spPr>
+      </p:cxnSp>
+      <p:sp>
+        <p:nvSpPr>
+          <p:cNvPr id="29" name="TextBox 28"/>
+          <p:cNvSpPr txBox="1"/>
+          <p:nvPr/>
+        </p:nvSpPr>
+        <p:spPr>
+          <a:xfrm>
+            <a:off x="6934200" y="2057400"/>
+            <a:ext cx="1559892" cy="461665"/>
+          </a:xfrm>
+          <a:prstGeom prst="rect">
+            <a:avLst/>
+          </a:prstGeom>
+          <a:solidFill>
+            <a:schemeClr val="accent1"/>
+          </a:solidFill>
+        </p:spPr>
+        <p:txBody>
+          <a:bodyPr wrap="none" rtlCol="0">
+            <a:spAutoFit/>
+          </a:bodyPr>
+          <a:lstStyle/>
+          <a:p>
+            <a:r>
+              <a:rPr lang="en-US" dirty="0" smtClean="0"/>
+              <a:t>DF(6)={7}</a:t>
+            </a:r>
+            <a:endParaRPr lang="en-US" dirty="0"/>
+          </a:p>
+        </p:txBody>
+      </p:sp>
+      <p:sp>
+        <p:nvSpPr>
+          <p:cNvPr id="41" name="TextBox 40"/>
+          <p:cNvSpPr txBox="1"/>
+          <p:nvPr/>
+        </p:nvSpPr>
+        <p:spPr>
+          <a:xfrm>
+            <a:off x="2514600" y="5638800"/>
+            <a:ext cx="2667000" cy="830997"/>
+          </a:xfrm>
+          <a:prstGeom prst="rect">
+            <a:avLst/>
+          </a:prstGeom>
+          <a:solidFill>
+            <a:schemeClr val="accent1"/>
+          </a:solidFill>
+          <a:ln>
+            <a:solidFill>
+              <a:schemeClr val="tx1"/>
+            </a:solidFill>
+          </a:ln>
+        </p:spPr>
+        <p:txBody>
+          <a:bodyPr wrap="square" rtlCol="0">
+            <a:spAutoFit/>
+          </a:bodyPr>
+          <a:lstStyle/>
+          <a:p>
+            <a:r>
+              <a:rPr lang="en-US" dirty="0" smtClean="0"/>
+              <a:t>7: V3:= </a:t>
+            </a:r>
+            <a:r>
+              <a:rPr lang="en-US" dirty="0" smtClean="0">
+                <a:sym typeface="Symbol" charset="2"/>
+              </a:rPr>
+              <a:t>(V1,V2); W4:= (W1,W3)</a:t>
+            </a:r>
+            <a:endParaRPr lang="en-US" dirty="0" smtClean="0"/>
           </a:p>
         </p:txBody>
       </p:sp>
@@ -11046,30 +13348,6 @@
       </p:sp>
       <p:sp>
         <p:nvSpPr>
-          <p:cNvPr id="4" name="Date Placeholder 3"/>
-          <p:cNvSpPr>
-            <a:spLocks noGrp="1"/>
-          </p:cNvSpPr>
-          <p:nvPr>
-            <p:ph type="dt" sz="half" idx="10"/>
-          </p:nvPr>
-        </p:nvSpPr>
-        <p:spPr/>
-        <p:txBody>
-          <a:bodyPr/>
-          <a:lstStyle/>
-          <a:p>
-            <a:fld id="{1CDBAC56-34FA-234E-90F5-8D8510025076}" type="datetime1">
-              <a:rPr lang="en-US" smtClean="0"/>
-              <a:pPr/>
-              <a:t>16-07-12</a:t>
-            </a:fld>
-            <a:endParaRPr lang="en-US"/>
-          </a:p>
-        </p:txBody>
-      </p:sp>
-      <p:sp>
-        <p:nvSpPr>
           <p:cNvPr id="5" name="Slide Number Placeholder 4"/>
           <p:cNvSpPr>
             <a:spLocks noGrp="1"/>
@@ -11126,30 +13404,6 @@
       </p:grpSpPr>
       <p:sp>
         <p:nvSpPr>
-          <p:cNvPr id="15" name="Date Placeholder 2"/>
-          <p:cNvSpPr>
-            <a:spLocks noGrp="1"/>
-          </p:cNvSpPr>
-          <p:nvPr>
-            <p:ph type="dt" sz="half" idx="10"/>
-          </p:nvPr>
-        </p:nvSpPr>
-        <p:spPr/>
-        <p:txBody>
-          <a:bodyPr/>
-          <a:lstStyle/>
-          <a:p>
-            <a:fld id="{F81A5FA9-278B-9A45-AC58-B7CF4BDA0AC1}" type="datetime1">
-              <a:rPr lang="en-US"/>
-              <a:pPr/>
-              <a:t>16-07-12</a:t>
-            </a:fld>
-            <a:endParaRPr lang="en-US"/>
-          </a:p>
-        </p:txBody>
-      </p:sp>
-      <p:sp>
-        <p:nvSpPr>
           <p:cNvPr id="16" name="Slide Number Placeholder 4"/>
           <p:cNvSpPr>
             <a:spLocks noGrp="1"/>
@@ -11668,10 +13922,14 @@
           <a:lstStyle/>
           <a:p>
             <a:r>
-              <a:rPr lang="en-US"/>
-              <a:t>3: return c1</a:t>
-            </a:r>
-            <a:endParaRPr lang="en-US" sz="2800"/>
+              <a:rPr lang="en-US" dirty="0"/>
+              <a:t>3: return </a:t>
+            </a:r>
+            <a:r>
+              <a:rPr lang="en-US" dirty="0" smtClean="0"/>
+              <a:t>c2</a:t>
+            </a:r>
+            <a:endParaRPr lang="en-US" sz="2800" dirty="0"/>
           </a:p>
         </p:txBody>
       </p:sp>
@@ -11960,30 +14218,6 @@
       </p:grpSpPr>
       <p:sp>
         <p:nvSpPr>
-          <p:cNvPr id="15" name="Date Placeholder 2"/>
-          <p:cNvSpPr>
-            <a:spLocks noGrp="1"/>
-          </p:cNvSpPr>
-          <p:nvPr>
-            <p:ph type="dt" sz="half" idx="10"/>
-          </p:nvPr>
-        </p:nvSpPr>
-        <p:spPr/>
-        <p:txBody>
-          <a:bodyPr/>
-          <a:lstStyle/>
-          <a:p>
-            <a:fld id="{F81A5FA9-278B-9A45-AC58-B7CF4BDA0AC1}" type="datetime1">
-              <a:rPr lang="en-US"/>
-              <a:pPr/>
-              <a:t>16-07-12</a:t>
-            </a:fld>
-            <a:endParaRPr lang="en-US"/>
-          </a:p>
-        </p:txBody>
-      </p:sp>
-      <p:sp>
-        <p:nvSpPr>
           <p:cNvPr id="16" name="Slide Number Placeholder 4"/>
           <p:cNvSpPr>
             <a:spLocks noGrp="1"/>
@@ -12502,10 +14736,14 @@
           <a:lstStyle/>
           <a:p>
             <a:r>
-              <a:rPr lang="en-US"/>
-              <a:t>3: return c1</a:t>
-            </a:r>
-            <a:endParaRPr lang="en-US" sz="2800"/>
+              <a:rPr lang="en-US" dirty="0"/>
+              <a:t>3: return </a:t>
+            </a:r>
+            <a:r>
+              <a:rPr lang="en-US" dirty="0" smtClean="0"/>
+              <a:t>c2</a:t>
+            </a:r>
+            <a:endParaRPr lang="en-US" sz="2800" dirty="0"/>
           </a:p>
         </p:txBody>
       </p:sp>
@@ -12886,30 +15124,6 @@
       </p:sp>
       <p:sp>
         <p:nvSpPr>
-          <p:cNvPr id="3" name="Date Placeholder 2"/>
-          <p:cNvSpPr>
-            <a:spLocks noGrp="1"/>
-          </p:cNvSpPr>
-          <p:nvPr>
-            <p:ph type="dt" sz="half" idx="10"/>
-          </p:nvPr>
-        </p:nvSpPr>
-        <p:spPr/>
-        <p:txBody>
-          <a:bodyPr/>
-          <a:lstStyle/>
-          <a:p>
-            <a:fld id="{C4DFBF3A-2DAB-514F-ACE2-471A02E60E43}" type="datetime1">
-              <a:rPr lang="en-US" smtClean="0"/>
-              <a:pPr/>
-              <a:t>16-07-12</a:t>
-            </a:fld>
-            <a:endParaRPr lang="en-US"/>
-          </a:p>
-        </p:txBody>
-      </p:sp>
-      <p:sp>
-        <p:nvSpPr>
           <p:cNvPr id="4" name="Slide Number Placeholder 3"/>
           <p:cNvSpPr>
             <a:spLocks noGrp="1"/>
@@ -12984,30 +15198,6 @@
               <a:t>Dominance Relation</a:t>
             </a:r>
             <a:endParaRPr lang="en-US" dirty="0"/>
-          </a:p>
-        </p:txBody>
-      </p:sp>
-      <p:sp>
-        <p:nvSpPr>
-          <p:cNvPr id="3" name="Date Placeholder 2"/>
-          <p:cNvSpPr>
-            <a:spLocks noGrp="1"/>
-          </p:cNvSpPr>
-          <p:nvPr>
-            <p:ph type="dt" sz="half" idx="10"/>
-          </p:nvPr>
-        </p:nvSpPr>
-        <p:spPr/>
-        <p:txBody>
-          <a:bodyPr/>
-          <a:lstStyle/>
-          <a:p>
-            <a:fld id="{C4DFBF3A-2DAB-514F-ACE2-471A02E60E43}" type="datetime1">
-              <a:rPr lang="en-US" smtClean="0"/>
-              <a:pPr/>
-              <a:t>16-07-12</a:t>
-            </a:fld>
-            <a:endParaRPr lang="en-US"/>
           </a:p>
         </p:txBody>
       </p:sp>
@@ -14399,30 +16589,6 @@
       </p:sp>
       <p:sp>
         <p:nvSpPr>
-          <p:cNvPr id="3" name="Date Placeholder 2"/>
-          <p:cNvSpPr>
-            <a:spLocks noGrp="1"/>
-          </p:cNvSpPr>
-          <p:nvPr>
-            <p:ph type="dt" sz="half" idx="10"/>
-          </p:nvPr>
-        </p:nvSpPr>
-        <p:spPr/>
-        <p:txBody>
-          <a:bodyPr/>
-          <a:lstStyle/>
-          <a:p>
-            <a:fld id="{C4DFBF3A-2DAB-514F-ACE2-471A02E60E43}" type="datetime1">
-              <a:rPr lang="en-US" smtClean="0"/>
-              <a:pPr/>
-              <a:t>16-07-12</a:t>
-            </a:fld>
-            <a:endParaRPr lang="en-US"/>
-          </a:p>
-        </p:txBody>
-      </p:sp>
-      <p:sp>
-        <p:nvSpPr>
           <p:cNvPr id="4" name="Slide Number Placeholder 3"/>
           <p:cNvSpPr>
             <a:spLocks noGrp="1"/>
@@ -15746,13 +17912,99 @@
             <a:pPr lvl="1"/>
             <a:r>
               <a:rPr lang="en-US" dirty="0" smtClean="0"/>
-              <a:t>If X is used in a </a:t>
-            </a:r>
-            <a:r>
-              <a:rPr lang="en-US" dirty="0" err="1" smtClean="0">
+              <a:t>If </a:t>
+            </a:r>
+            <a:r>
+              <a:rPr lang="en-US" dirty="0" smtClean="0"/>
+              <a:t>variable </a:t>
+            </a:r>
+            <a:r>
+              <a:rPr lang="en-US" i="1" dirty="0" smtClean="0"/>
+              <a:t>a</a:t>
+            </a:r>
+            <a:r>
+              <a:rPr lang="en-US" dirty="0" smtClean="0"/>
+              <a:t> is </a:t>
+            </a:r>
+            <a:r>
+              <a:rPr lang="en-US" dirty="0" smtClean="0"/>
+              <a:t>used in a </a:t>
+            </a:r>
+            <a:r>
+              <a:rPr lang="en-US" dirty="0" smtClean="0">
                 <a:sym typeface="Symbol" charset="2"/>
               </a:rPr>
-              <a:t></a:t>
+              <a:t> </a:t>
+            </a:r>
+            <a:r>
+              <a:rPr lang="en-US" dirty="0" smtClean="0"/>
+              <a:t>function in block </a:t>
+            </a:r>
+            <a:r>
+              <a:rPr lang="en-US" dirty="0" smtClean="0"/>
+              <a:t>X, </a:t>
+            </a:r>
+            <a:r>
+              <a:rPr lang="en-US" dirty="0" smtClean="0"/>
+              <a:t>then definition of </a:t>
+            </a:r>
+            <a:r>
+              <a:rPr lang="en-US" i="1" dirty="0"/>
+              <a:t>a</a:t>
+            </a:r>
+            <a:r>
+              <a:rPr lang="en-US" dirty="0" smtClean="0"/>
+              <a:t> </a:t>
+            </a:r>
+            <a:r>
+              <a:rPr lang="en-US" dirty="0" smtClean="0"/>
+              <a:t>dominates every predecessor of </a:t>
+            </a:r>
+            <a:r>
+              <a:rPr lang="en-US" dirty="0" smtClean="0"/>
+              <a:t>X</a:t>
+            </a:r>
+            <a:endParaRPr lang="en-US" dirty="0" smtClean="0"/>
+          </a:p>
+          <a:p>
+            <a:pPr lvl="1"/>
+            <a:r>
+              <a:rPr lang="en-US" dirty="0" smtClean="0"/>
+              <a:t>If </a:t>
+            </a:r>
+            <a:r>
+              <a:rPr lang="en-US" i="1" dirty="0"/>
+              <a:t>a</a:t>
+            </a:r>
+            <a:r>
+              <a:rPr lang="en-US" dirty="0" smtClean="0"/>
+              <a:t> </a:t>
+            </a:r>
+            <a:r>
+              <a:rPr lang="en-US" dirty="0" smtClean="0"/>
+              <a:t>is used in a non-</a:t>
+            </a:r>
+            <a:r>
+              <a:rPr lang="en-US" dirty="0" smtClean="0">
+                <a:sym typeface="Symbol" charset="2"/>
+              </a:rPr>
+              <a:t> statement in block </a:t>
+            </a:r>
+            <a:r>
+              <a:rPr lang="en-US" dirty="0" smtClean="0">
+                <a:sym typeface="Symbol" charset="2"/>
+              </a:rPr>
+              <a:t>X, </a:t>
+            </a:r>
+            <a:r>
+              <a:rPr lang="en-US" dirty="0" smtClean="0">
+                <a:sym typeface="Symbol" charset="2"/>
+              </a:rPr>
+              <a:t>then the definition of </a:t>
+            </a:r>
+            <a:r>
+              <a:rPr lang="en-US" i="1" dirty="0"/>
+              <a:t>a</a:t>
             </a:r>
             <a:r>
               <a:rPr lang="en-US" dirty="0" smtClean="0">
@@ -15761,93 +18013,21 @@
               <a:t> </a:t>
             </a:r>
             <a:r>
-              <a:rPr lang="en-US" dirty="0" smtClean="0"/>
-              <a:t>function in block </a:t>
-            </a:r>
-            <a:r>
-              <a:rPr lang="en-US" dirty="0" err="1" smtClean="0"/>
-              <a:t>n</a:t>
-            </a:r>
-            <a:r>
-              <a:rPr lang="en-US" dirty="0" smtClean="0"/>
-              <a:t>, then definition of X dominates every predecessor of </a:t>
-            </a:r>
-            <a:r>
-              <a:rPr lang="en-US" dirty="0" err="1" smtClean="0"/>
-              <a:t>n</a:t>
-            </a:r>
-            <a:endParaRPr lang="en-US" dirty="0" smtClean="0"/>
-          </a:p>
-          <a:p>
-            <a:pPr lvl="1"/>
-            <a:r>
-              <a:rPr lang="en-US" dirty="0" smtClean="0"/>
-              <a:t>If X is used in a non-</a:t>
-            </a:r>
-            <a:r>
-              <a:rPr lang="en-US" dirty="0" err="1" smtClean="0">
-                <a:sym typeface="Symbol" charset="2"/>
-              </a:rPr>
-              <a:t></a:t>
-            </a:r>
-            <a:r>
               <a:rPr lang="en-US" dirty="0" smtClean="0">
                 <a:sym typeface="Symbol" charset="2"/>
               </a:rPr>
-              <a:t> statement in block </a:t>
-            </a:r>
-            <a:r>
-              <a:rPr lang="en-US" dirty="0" err="1" smtClean="0">
-                <a:sym typeface="Symbol" charset="2"/>
-              </a:rPr>
-              <a:t>n</a:t>
+              <a:t>dominates </a:t>
             </a:r>
             <a:r>
               <a:rPr lang="en-US" dirty="0" smtClean="0">
                 <a:sym typeface="Symbol" charset="2"/>
               </a:rPr>
-              <a:t>, then the definition of X dominates </a:t>
-            </a:r>
-            <a:r>
-              <a:rPr lang="en-US" dirty="0" err="1" smtClean="0">
-                <a:sym typeface="Symbol" charset="2"/>
-              </a:rPr>
-              <a:t>n</a:t>
-            </a:r>
-            <a:r>
-              <a:rPr lang="en-US" dirty="0" smtClean="0">
-                <a:sym typeface="Symbol" charset="2"/>
-              </a:rPr>
-              <a:t>.</a:t>
+              <a:t>X.</a:t>
             </a:r>
             <a:endParaRPr lang="en-US" dirty="0" smtClean="0"/>
           </a:p>
           <a:p>
             <a:endParaRPr lang="en-US" dirty="0"/>
-          </a:p>
-        </p:txBody>
-      </p:sp>
-      <p:sp>
-        <p:nvSpPr>
-          <p:cNvPr id="3" name="Date Placeholder 2"/>
-          <p:cNvSpPr>
-            <a:spLocks noGrp="1"/>
-          </p:cNvSpPr>
-          <p:nvPr>
-            <p:ph type="dt" sz="half" idx="10"/>
-          </p:nvPr>
-        </p:nvSpPr>
-        <p:spPr/>
-        <p:txBody>
-          <a:bodyPr/>
-          <a:lstStyle/>
-          <a:p>
-            <a:fld id="{C4DFBF3A-2DAB-514F-ACE2-471A02E60E43}" type="datetime1">
-              <a:rPr lang="en-US" smtClean="0"/>
-              <a:pPr/>
-              <a:t>16-07-12</a:t>
-            </a:fld>
-            <a:endParaRPr lang="en-US"/>
           </a:p>
         </p:txBody>
       </p:sp>

--- a/assets/ppt/codegen/ssaform2.pptx
+++ b/assets/ppt/codegen/ssaform2.pptx
@@ -2,7 +2,7 @@
 <file path=ppt/presentation.xml><?xml version="1.0" encoding="utf-8"?>
 <p:presentation xmlns:a="http://schemas.openxmlformats.org/drawingml/2006/main" xmlns:r="http://schemas.openxmlformats.org/officeDocument/2006/relationships" xmlns:p="http://schemas.openxmlformats.org/presentationml/2006/main" strictFirstAndLastChars="0" saveSubsetFonts="1" autoCompressPictures="0">
   <p:sldMasterIdLst>
-    <p:sldMasterId id="2147483648" r:id="rId1"/>
+    <p:sldMasterId id="2147483660" r:id="rId1"/>
   </p:sldMasterIdLst>
   <p:notesMasterIdLst>
     <p:notesMasterId r:id="rId23"/>
@@ -160,6 +160,22 @@
       </a:defRPr>
     </a:lvl9pPr>
   </p:defaultTextStyle>
+  <p:extLst>
+    <p:ext uri="{EFAFB233-063F-42B5-8137-9DF3F51BA10A}">
+      <p15:sldGuideLst xmlns:p15="http://schemas.microsoft.com/office/powerpoint/2012/main">
+        <p15:guide id="1" orient="horz" pos="2160">
+          <p15:clr>
+            <a:srgbClr val="A4A3A4"/>
+          </p15:clr>
+        </p15:guide>
+        <p15:guide id="2" pos="2880">
+          <p15:clr>
+            <a:srgbClr val="A4A3A4"/>
+          </p15:clr>
+        </p15:guide>
+      </p15:sldGuideLst>
+    </p:ext>
+  </p:extLst>
 </p:presentation>
 </file>
 
@@ -246,7 +262,7 @@
             <a:fld id="{2A2B9AA4-819F-8549-A06A-E1B5D9D61F62}" type="datetimeFigureOut">
               <a:rPr lang="en-US" smtClean="0"/>
               <a:pPr/>
-              <a:t>16-07-19</a:t>
+              <a:t>7/18/19</a:t>
             </a:fld>
             <a:endParaRPr lang="en-US"/>
           </a:p>
@@ -1156,13 +1172,19 @@
         </p:spPr>
         <p:txBody>
           <a:bodyPr/>
-          <a:lstStyle/>
-          <a:p>
-            <a:r>
-              <a:rPr lang="en-CA" smtClean="0"/>
+          <a:lstStyle>
+            <a:lvl1pPr>
+              <a:defRPr>
+                <a:latin typeface="+mj-lt"/>
+              </a:defRPr>
+            </a:lvl1pPr>
+          </a:lstStyle>
+          <a:p>
+            <a:r>
+              <a:rPr lang="en-CA" dirty="0"/>
               <a:t>Click to edit Master title style</a:t>
             </a:r>
-            <a:endParaRPr lang="en-US"/>
+            <a:endParaRPr lang="en-US" dirty="0"/>
           </a:p>
         </p:txBody>
       </p:sp>
@@ -1187,7 +1209,9 @@
           <a:lstStyle>
             <a:lvl1pPr marL="0" indent="0" algn="ctr">
               <a:buNone/>
-              <a:defRPr/>
+              <a:defRPr>
+                <a:latin typeface="+mn-lt"/>
+              </a:defRPr>
             </a:lvl1pPr>
             <a:lvl2pPr marL="457200" indent="0" algn="ctr">
               <a:buNone/>
@@ -1224,92 +1248,74 @@
           </a:lstStyle>
           <a:p>
             <a:r>
-              <a:rPr lang="en-CA" smtClean="0"/>
+              <a:rPr lang="en-CA" dirty="0"/>
               <a:t>Click to edit Master subtitle style</a:t>
             </a:r>
-            <a:endParaRPr lang="en-US"/>
-          </a:p>
-        </p:txBody>
-      </p:sp>
-      <p:sp>
-        <p:nvSpPr>
-          <p:cNvPr id="4" name="Date Placeholder 3"/>
+            <a:endParaRPr lang="en-US" dirty="0"/>
+          </a:p>
+        </p:txBody>
+      </p:sp>
+      <p:sp>
+        <p:nvSpPr>
+          <p:cNvPr id="7" name="Footer Placeholder 6">
+            <a:extLst>
+              <a:ext uri="{FF2B5EF4-FFF2-40B4-BE49-F238E27FC236}">
+                <a16:creationId xmlns:a16="http://schemas.microsoft.com/office/drawing/2014/main" id="{CA57918C-4FEB-FC4B-889D-A7B37C602A61}"/>
+              </a:ext>
+            </a:extLst>
+          </p:cNvPr>
           <p:cNvSpPr>
             <a:spLocks noGrp="1"/>
           </p:cNvSpPr>
           <p:nvPr>
-            <p:ph type="dt" sz="half" idx="10"/>
+            <p:ph type="ftr" sz="quarter" idx="10"/>
           </p:nvPr>
         </p:nvSpPr>
         <p:spPr/>
         <p:txBody>
           <a:bodyPr/>
-          <a:lstStyle>
-            <a:lvl1pPr>
-              <a:defRPr smtClean="0"/>
-            </a:lvl1pPr>
-          </a:lstStyle>
-          <a:p>
-            <a:fld id="{A83F3A6A-2B10-DC41-8866-0D95DF015898}" type="datetime1">
-              <a:rPr lang="en-CA" smtClean="0"/>
-              <a:t>16-07-19</a:t>
-            </a:fld>
+          <a:lstStyle/>
+          <a:p>
             <a:endParaRPr lang="en-US"/>
           </a:p>
         </p:txBody>
       </p:sp>
       <p:sp>
         <p:nvSpPr>
-          <p:cNvPr id="5" name="Footer Placeholder 4"/>
+          <p:cNvPr id="8" name="Slide Number Placeholder 7">
+            <a:extLst>
+              <a:ext uri="{FF2B5EF4-FFF2-40B4-BE49-F238E27FC236}">
+                <a16:creationId xmlns:a16="http://schemas.microsoft.com/office/drawing/2014/main" id="{CE5DA644-BA1F-AA47-BA1C-083A9F7BC576}"/>
+              </a:ext>
+            </a:extLst>
+          </p:cNvPr>
           <p:cNvSpPr>
             <a:spLocks noGrp="1"/>
           </p:cNvSpPr>
           <p:nvPr>
-            <p:ph type="ftr" sz="quarter" idx="11"/>
+            <p:ph type="sldNum" sz="quarter" idx="11"/>
           </p:nvPr>
         </p:nvSpPr>
         <p:spPr/>
         <p:txBody>
           <a:bodyPr/>
-          <a:lstStyle>
-            <a:lvl1pPr>
-              <a:defRPr/>
-            </a:lvl1pPr>
-          </a:lstStyle>
-          <a:p>
-            <a:endParaRPr lang="en-US"/>
-          </a:p>
-        </p:txBody>
-      </p:sp>
-      <p:sp>
-        <p:nvSpPr>
-          <p:cNvPr id="6" name="Slide Number Placeholder 5"/>
-          <p:cNvSpPr>
-            <a:spLocks noGrp="1"/>
-          </p:cNvSpPr>
-          <p:nvPr>
-            <p:ph type="sldNum" sz="quarter" idx="12"/>
-          </p:nvPr>
-        </p:nvSpPr>
-        <p:spPr/>
-        <p:txBody>
-          <a:bodyPr/>
-          <a:lstStyle>
-            <a:lvl1pPr>
-              <a:defRPr smtClean="0"/>
-            </a:lvl1pPr>
-          </a:lstStyle>
-          <a:p>
-            <a:fld id="{00632DF9-8F59-3B48-8E00-329792CA07DF}" type="slidenum">
-              <a:rPr lang="en-US"/>
+          <a:lstStyle/>
+          <a:p>
+            <a:fld id="{95FC67CD-6733-D04F-B9BE-AD105949F24E}" type="slidenum">
+              <a:rPr lang="en-US" smtClean="0"/>
               <a:pPr/>
               <a:t>‹#›</a:t>
             </a:fld>
-            <a:endParaRPr lang="en-US"/>
+            <a:endParaRPr lang="en-US" dirty="0"/>
           </a:p>
         </p:txBody>
       </p:sp>
     </p:spTree>
+    <p:extLst>
+      <p:ext uri="{BB962C8B-B14F-4D97-AF65-F5344CB8AC3E}">
+        <p14:creationId xmlns:p14="http://schemas.microsoft.com/office/powerpoint/2010/main" val="1086523575"/>
+      </p:ext>
+    </p:extLst>
   </p:cSld>
   <p:clrMapOvr>
     <a:masterClrMapping/>
@@ -1347,13 +1353,19 @@
         <p:spPr/>
         <p:txBody>
           <a:bodyPr/>
-          <a:lstStyle/>
-          <a:p>
-            <a:r>
-              <a:rPr lang="en-CA" smtClean="0"/>
+          <a:lstStyle>
+            <a:lvl1pPr>
+              <a:defRPr>
+                <a:latin typeface="+mj-lt"/>
+              </a:defRPr>
+            </a:lvl1pPr>
+          </a:lstStyle>
+          <a:p>
+            <a:r>
+              <a:rPr lang="en-CA" dirty="0"/>
               <a:t>Click to edit Master title style</a:t>
             </a:r>
-            <a:endParaRPr lang="en-US"/>
+            <a:endParaRPr lang="en-US" dirty="0"/>
           </a:p>
         </p:txBody>
       </p:sp>
@@ -1370,124 +1382,132 @@
         <p:spPr/>
         <p:txBody>
           <a:bodyPr vert="eaVert"/>
-          <a:lstStyle/>
+          <a:lstStyle>
+            <a:lvl1pPr>
+              <a:defRPr>
+                <a:latin typeface="+mn-lt"/>
+              </a:defRPr>
+            </a:lvl1pPr>
+            <a:lvl2pPr>
+              <a:defRPr>
+                <a:latin typeface="+mn-lt"/>
+              </a:defRPr>
+            </a:lvl2pPr>
+            <a:lvl3pPr>
+              <a:defRPr>
+                <a:latin typeface="+mn-lt"/>
+              </a:defRPr>
+            </a:lvl3pPr>
+            <a:lvl4pPr>
+              <a:defRPr>
+                <a:latin typeface="+mn-lt"/>
+              </a:defRPr>
+            </a:lvl4pPr>
+            <a:lvl5pPr>
+              <a:defRPr>
+                <a:latin typeface="+mn-lt"/>
+              </a:defRPr>
+            </a:lvl5pPr>
+          </a:lstStyle>
           <a:p>
             <a:pPr lvl="0"/>
             <a:r>
-              <a:rPr lang="en-CA" smtClean="0"/>
+              <a:rPr lang="en-CA" dirty="0"/>
               <a:t>Click to edit Master text styles</a:t>
             </a:r>
           </a:p>
           <a:p>
             <a:pPr lvl="1"/>
             <a:r>
-              <a:rPr lang="en-CA" smtClean="0"/>
+              <a:rPr lang="en-CA" dirty="0"/>
               <a:t>Second level</a:t>
             </a:r>
           </a:p>
           <a:p>
             <a:pPr lvl="2"/>
             <a:r>
-              <a:rPr lang="en-CA" smtClean="0"/>
+              <a:rPr lang="en-CA" dirty="0"/>
               <a:t>Third level</a:t>
             </a:r>
           </a:p>
           <a:p>
             <a:pPr lvl="3"/>
             <a:r>
-              <a:rPr lang="en-CA" smtClean="0"/>
+              <a:rPr lang="en-CA" dirty="0"/>
               <a:t>Fourth level</a:t>
             </a:r>
           </a:p>
           <a:p>
             <a:pPr lvl="4"/>
             <a:r>
-              <a:rPr lang="en-CA" smtClean="0"/>
+              <a:rPr lang="en-CA" dirty="0"/>
               <a:t>Fifth level</a:t>
             </a:r>
-            <a:endParaRPr lang="en-US"/>
-          </a:p>
-        </p:txBody>
-      </p:sp>
-      <p:sp>
-        <p:nvSpPr>
-          <p:cNvPr id="4" name="Date Placeholder 3"/>
+            <a:endParaRPr lang="en-US" dirty="0"/>
+          </a:p>
+        </p:txBody>
+      </p:sp>
+      <p:sp>
+        <p:nvSpPr>
+          <p:cNvPr id="7" name="Footer Placeholder 6">
+            <a:extLst>
+              <a:ext uri="{FF2B5EF4-FFF2-40B4-BE49-F238E27FC236}">
+                <a16:creationId xmlns:a16="http://schemas.microsoft.com/office/drawing/2014/main" id="{A94622E8-716D-2543-B902-025F35883533}"/>
+              </a:ext>
+            </a:extLst>
+          </p:cNvPr>
           <p:cNvSpPr>
             <a:spLocks noGrp="1"/>
           </p:cNvSpPr>
           <p:nvPr>
-            <p:ph type="dt" sz="half" idx="10"/>
+            <p:ph type="ftr" sz="quarter" idx="10"/>
           </p:nvPr>
         </p:nvSpPr>
         <p:spPr/>
         <p:txBody>
           <a:bodyPr/>
-          <a:lstStyle>
-            <a:lvl1pPr>
-              <a:defRPr smtClean="0"/>
-            </a:lvl1pPr>
-          </a:lstStyle>
-          <a:p>
-            <a:fld id="{1B2A897D-159E-E943-BB1E-E0E5858F2A48}" type="datetime1">
-              <a:rPr lang="en-CA" smtClean="0"/>
-              <a:t>16-07-19</a:t>
-            </a:fld>
+          <a:lstStyle/>
+          <a:p>
             <a:endParaRPr lang="en-US"/>
           </a:p>
         </p:txBody>
       </p:sp>
       <p:sp>
         <p:nvSpPr>
-          <p:cNvPr id="5" name="Footer Placeholder 4"/>
+          <p:cNvPr id="8" name="Slide Number Placeholder 7">
+            <a:extLst>
+              <a:ext uri="{FF2B5EF4-FFF2-40B4-BE49-F238E27FC236}">
+                <a16:creationId xmlns:a16="http://schemas.microsoft.com/office/drawing/2014/main" id="{7524F093-4E36-C741-82AF-EEB7333B34DF}"/>
+              </a:ext>
+            </a:extLst>
+          </p:cNvPr>
           <p:cNvSpPr>
             <a:spLocks noGrp="1"/>
           </p:cNvSpPr>
           <p:nvPr>
-            <p:ph type="ftr" sz="quarter" idx="11"/>
+            <p:ph type="sldNum" sz="quarter" idx="11"/>
           </p:nvPr>
         </p:nvSpPr>
         <p:spPr/>
         <p:txBody>
           <a:bodyPr/>
-          <a:lstStyle>
-            <a:lvl1pPr>
-              <a:defRPr/>
-            </a:lvl1pPr>
-          </a:lstStyle>
-          <a:p>
-            <a:endParaRPr lang="en-US"/>
-          </a:p>
-        </p:txBody>
-      </p:sp>
-      <p:sp>
-        <p:nvSpPr>
-          <p:cNvPr id="6" name="Slide Number Placeholder 5"/>
-          <p:cNvSpPr>
-            <a:spLocks noGrp="1"/>
-          </p:cNvSpPr>
-          <p:nvPr>
-            <p:ph type="sldNum" sz="quarter" idx="12"/>
-          </p:nvPr>
-        </p:nvSpPr>
-        <p:spPr/>
-        <p:txBody>
-          <a:bodyPr/>
-          <a:lstStyle>
-            <a:lvl1pPr>
-              <a:defRPr smtClean="0"/>
-            </a:lvl1pPr>
-          </a:lstStyle>
-          <a:p>
-            <a:fld id="{643A4320-0776-394D-B186-48379CB87F5B}" type="slidenum">
-              <a:rPr lang="en-US"/>
+          <a:lstStyle/>
+          <a:p>
+            <a:fld id="{95FC67CD-6733-D04F-B9BE-AD105949F24E}" type="slidenum">
+              <a:rPr lang="en-US" smtClean="0"/>
               <a:pPr/>
               <a:t>‹#›</a:t>
             </a:fld>
-            <a:endParaRPr lang="en-US"/>
+            <a:endParaRPr lang="en-US" dirty="0"/>
           </a:p>
         </p:txBody>
       </p:sp>
     </p:spTree>
+    <p:extLst>
+      <p:ext uri="{BB962C8B-B14F-4D97-AF65-F5344CB8AC3E}">
+        <p14:creationId xmlns:p14="http://schemas.microsoft.com/office/powerpoint/2010/main" val="2377961925"/>
+      </p:ext>
+    </p:extLst>
   </p:cSld>
   <p:clrMapOvr>
     <a:masterClrMapping/>
@@ -1530,13 +1550,19 @@
         </p:spPr>
         <p:txBody>
           <a:bodyPr vert="eaVert"/>
-          <a:lstStyle/>
-          <a:p>
-            <a:r>
-              <a:rPr lang="en-CA" smtClean="0"/>
+          <a:lstStyle>
+            <a:lvl1pPr>
+              <a:defRPr>
+                <a:latin typeface="+mj-lt"/>
+              </a:defRPr>
+            </a:lvl1pPr>
+          </a:lstStyle>
+          <a:p>
+            <a:r>
+              <a:rPr lang="en-CA" dirty="0"/>
               <a:t>Click to edit Master title style</a:t>
             </a:r>
-            <a:endParaRPr lang="en-US"/>
+            <a:endParaRPr lang="en-US" dirty="0"/>
           </a:p>
         </p:txBody>
       </p:sp>
@@ -1558,124 +1584,132 @@
         </p:spPr>
         <p:txBody>
           <a:bodyPr vert="eaVert"/>
-          <a:lstStyle/>
+          <a:lstStyle>
+            <a:lvl1pPr>
+              <a:defRPr>
+                <a:latin typeface="+mn-lt"/>
+              </a:defRPr>
+            </a:lvl1pPr>
+            <a:lvl2pPr>
+              <a:defRPr>
+                <a:latin typeface="+mn-lt"/>
+              </a:defRPr>
+            </a:lvl2pPr>
+            <a:lvl3pPr>
+              <a:defRPr>
+                <a:latin typeface="+mn-lt"/>
+              </a:defRPr>
+            </a:lvl3pPr>
+            <a:lvl4pPr>
+              <a:defRPr>
+                <a:latin typeface="+mn-lt"/>
+              </a:defRPr>
+            </a:lvl4pPr>
+            <a:lvl5pPr>
+              <a:defRPr>
+                <a:latin typeface="+mn-lt"/>
+              </a:defRPr>
+            </a:lvl5pPr>
+          </a:lstStyle>
           <a:p>
             <a:pPr lvl="0"/>
             <a:r>
-              <a:rPr lang="en-CA" smtClean="0"/>
+              <a:rPr lang="en-CA" dirty="0"/>
               <a:t>Click to edit Master text styles</a:t>
             </a:r>
           </a:p>
           <a:p>
             <a:pPr lvl="1"/>
             <a:r>
-              <a:rPr lang="en-CA" smtClean="0"/>
+              <a:rPr lang="en-CA" dirty="0"/>
               <a:t>Second level</a:t>
             </a:r>
           </a:p>
           <a:p>
             <a:pPr lvl="2"/>
             <a:r>
-              <a:rPr lang="en-CA" smtClean="0"/>
+              <a:rPr lang="en-CA" dirty="0"/>
               <a:t>Third level</a:t>
             </a:r>
           </a:p>
           <a:p>
             <a:pPr lvl="3"/>
             <a:r>
-              <a:rPr lang="en-CA" smtClean="0"/>
+              <a:rPr lang="en-CA" dirty="0"/>
               <a:t>Fourth level</a:t>
             </a:r>
           </a:p>
           <a:p>
             <a:pPr lvl="4"/>
             <a:r>
-              <a:rPr lang="en-CA" smtClean="0"/>
+              <a:rPr lang="en-CA" dirty="0"/>
               <a:t>Fifth level</a:t>
             </a:r>
-            <a:endParaRPr lang="en-US"/>
-          </a:p>
-        </p:txBody>
-      </p:sp>
-      <p:sp>
-        <p:nvSpPr>
-          <p:cNvPr id="4" name="Date Placeholder 3"/>
+            <a:endParaRPr lang="en-US" dirty="0"/>
+          </a:p>
+        </p:txBody>
+      </p:sp>
+      <p:sp>
+        <p:nvSpPr>
+          <p:cNvPr id="7" name="Footer Placeholder 6">
+            <a:extLst>
+              <a:ext uri="{FF2B5EF4-FFF2-40B4-BE49-F238E27FC236}">
+                <a16:creationId xmlns:a16="http://schemas.microsoft.com/office/drawing/2014/main" id="{AB010344-6C51-EF4E-81B3-87005283EB16}"/>
+              </a:ext>
+            </a:extLst>
+          </p:cNvPr>
           <p:cNvSpPr>
             <a:spLocks noGrp="1"/>
           </p:cNvSpPr>
           <p:nvPr>
-            <p:ph type="dt" sz="half" idx="10"/>
+            <p:ph type="ftr" sz="quarter" idx="10"/>
           </p:nvPr>
         </p:nvSpPr>
         <p:spPr/>
         <p:txBody>
           <a:bodyPr/>
-          <a:lstStyle>
-            <a:lvl1pPr>
-              <a:defRPr smtClean="0"/>
-            </a:lvl1pPr>
-          </a:lstStyle>
-          <a:p>
-            <a:fld id="{A09D2FF6-AD79-0C4A-895D-88C6A3DC94DD}" type="datetime1">
-              <a:rPr lang="en-CA" smtClean="0"/>
-              <a:t>16-07-19</a:t>
-            </a:fld>
+          <a:lstStyle/>
+          <a:p>
             <a:endParaRPr lang="en-US"/>
           </a:p>
         </p:txBody>
       </p:sp>
       <p:sp>
         <p:nvSpPr>
-          <p:cNvPr id="5" name="Footer Placeholder 4"/>
+          <p:cNvPr id="8" name="Slide Number Placeholder 7">
+            <a:extLst>
+              <a:ext uri="{FF2B5EF4-FFF2-40B4-BE49-F238E27FC236}">
+                <a16:creationId xmlns:a16="http://schemas.microsoft.com/office/drawing/2014/main" id="{5ED49F94-3724-5E4A-B082-D0D7C38EC60C}"/>
+              </a:ext>
+            </a:extLst>
+          </p:cNvPr>
           <p:cNvSpPr>
             <a:spLocks noGrp="1"/>
           </p:cNvSpPr>
           <p:nvPr>
-            <p:ph type="ftr" sz="quarter" idx="11"/>
+            <p:ph type="sldNum" sz="quarter" idx="11"/>
           </p:nvPr>
         </p:nvSpPr>
         <p:spPr/>
         <p:txBody>
           <a:bodyPr/>
-          <a:lstStyle>
-            <a:lvl1pPr>
-              <a:defRPr/>
-            </a:lvl1pPr>
-          </a:lstStyle>
-          <a:p>
-            <a:endParaRPr lang="en-US"/>
-          </a:p>
-        </p:txBody>
-      </p:sp>
-      <p:sp>
-        <p:nvSpPr>
-          <p:cNvPr id="6" name="Slide Number Placeholder 5"/>
-          <p:cNvSpPr>
-            <a:spLocks noGrp="1"/>
-          </p:cNvSpPr>
-          <p:nvPr>
-            <p:ph type="sldNum" sz="quarter" idx="12"/>
-          </p:nvPr>
-        </p:nvSpPr>
-        <p:spPr/>
-        <p:txBody>
-          <a:bodyPr/>
-          <a:lstStyle>
-            <a:lvl1pPr>
-              <a:defRPr smtClean="0"/>
-            </a:lvl1pPr>
-          </a:lstStyle>
-          <a:p>
-            <a:fld id="{4B96FCF7-937C-E044-AB8A-F5A60A0ED7ED}" type="slidenum">
-              <a:rPr lang="en-US"/>
+          <a:lstStyle/>
+          <a:p>
+            <a:fld id="{95FC67CD-6733-D04F-B9BE-AD105949F24E}" type="slidenum">
+              <a:rPr lang="en-US" smtClean="0"/>
               <a:pPr/>
               <a:t>‹#›</a:t>
             </a:fld>
-            <a:endParaRPr lang="en-US"/>
+            <a:endParaRPr lang="en-US" dirty="0"/>
           </a:p>
         </p:txBody>
       </p:sp>
     </p:spTree>
+    <p:extLst>
+      <p:ext uri="{BB962C8B-B14F-4D97-AF65-F5344CB8AC3E}">
+        <p14:creationId xmlns:p14="http://schemas.microsoft.com/office/powerpoint/2010/main" val="1596606437"/>
+      </p:ext>
+    </p:extLst>
   </p:cSld>
   <p:clrMapOvr>
     <a:masterClrMapping/>
@@ -1713,13 +1747,19 @@
         <p:spPr/>
         <p:txBody>
           <a:bodyPr/>
-          <a:lstStyle/>
-          <a:p>
-            <a:r>
-              <a:rPr lang="en-CA" smtClean="0"/>
+          <a:lstStyle>
+            <a:lvl1pPr>
+              <a:defRPr>
+                <a:latin typeface="+mj-lt"/>
+              </a:defRPr>
+            </a:lvl1pPr>
+          </a:lstStyle>
+          <a:p>
+            <a:r>
+              <a:rPr lang="en-CA" dirty="0"/>
               <a:t>Click to edit Master title style</a:t>
             </a:r>
-            <a:endParaRPr lang="en-US"/>
+            <a:endParaRPr lang="en-US" dirty="0"/>
           </a:p>
         </p:txBody>
       </p:sp>
@@ -1736,69 +1776,68 @@
         <p:spPr/>
         <p:txBody>
           <a:bodyPr/>
-          <a:lstStyle/>
-          <a:p>
-            <a:pPr lvl="0"/>
-            <a:r>
-              <a:rPr lang="en-CA" smtClean="0"/>
-              <a:t>Click to edit Master text styles</a:t>
-            </a:r>
-          </a:p>
-          <a:p>
-            <a:pPr lvl="1"/>
-            <a:r>
-              <a:rPr lang="en-CA" smtClean="0"/>
-              <a:t>Second level</a:t>
-            </a:r>
-          </a:p>
-          <a:p>
-            <a:pPr lvl="2"/>
-            <a:r>
-              <a:rPr lang="en-CA" smtClean="0"/>
-              <a:t>Third level</a:t>
-            </a:r>
-          </a:p>
-          <a:p>
-            <a:pPr lvl="3"/>
-            <a:r>
-              <a:rPr lang="en-CA" smtClean="0"/>
-              <a:t>Fourth level</a:t>
-            </a:r>
-          </a:p>
-          <a:p>
-            <a:pPr lvl="4"/>
-            <a:r>
-              <a:rPr lang="en-CA" smtClean="0"/>
-              <a:t>Fifth level</a:t>
-            </a:r>
-            <a:endParaRPr lang="en-US"/>
-          </a:p>
-        </p:txBody>
-      </p:sp>
-      <p:sp>
-        <p:nvSpPr>
-          <p:cNvPr id="4" name="Date Placeholder 3"/>
-          <p:cNvSpPr>
-            <a:spLocks noGrp="1"/>
-          </p:cNvSpPr>
-          <p:nvPr>
-            <p:ph type="dt" sz="half" idx="10"/>
-          </p:nvPr>
-        </p:nvSpPr>
-        <p:spPr/>
-        <p:txBody>
-          <a:bodyPr/>
           <a:lstStyle>
             <a:lvl1pPr>
-              <a:defRPr smtClean="0"/>
+              <a:defRPr>
+                <a:latin typeface="+mn-lt"/>
+              </a:defRPr>
             </a:lvl1pPr>
+            <a:lvl2pPr>
+              <a:defRPr>
+                <a:latin typeface="+mn-lt"/>
+              </a:defRPr>
+            </a:lvl2pPr>
+            <a:lvl3pPr>
+              <a:defRPr>
+                <a:latin typeface="+mn-lt"/>
+              </a:defRPr>
+            </a:lvl3pPr>
+            <a:lvl4pPr>
+              <a:defRPr>
+                <a:latin typeface="+mn-lt"/>
+              </a:defRPr>
+            </a:lvl4pPr>
+            <a:lvl5pPr>
+              <a:defRPr>
+                <a:latin typeface="+mn-lt"/>
+              </a:defRPr>
+            </a:lvl5pPr>
           </a:lstStyle>
           <a:p>
-            <a:fld id="{B91F39AC-49BB-F840-B50F-2160584F20B0}" type="datetime1">
-              <a:rPr lang="en-CA" smtClean="0"/>
-              <a:t>16-07-19</a:t>
-            </a:fld>
-            <a:endParaRPr lang="en-US"/>
+            <a:pPr lvl="0"/>
+            <a:r>
+              <a:rPr lang="en-CA" dirty="0"/>
+              <a:t>Click to edit Master text styles</a:t>
+            </a:r>
+          </a:p>
+          <a:p>
+            <a:pPr lvl="1"/>
+            <a:r>
+              <a:rPr lang="en-CA" dirty="0"/>
+              <a:t>Second level</a:t>
+            </a:r>
+          </a:p>
+          <a:p>
+            <a:pPr lvl="2"/>
+            <a:r>
+              <a:rPr lang="en-CA" dirty="0"/>
+              <a:t>Third level</a:t>
+            </a:r>
+          </a:p>
+          <a:p>
+            <a:pPr lvl="3"/>
+            <a:r>
+              <a:rPr lang="en-CA" dirty="0"/>
+              <a:t>Fourth level</a:t>
+            </a:r>
+          </a:p>
+          <a:p>
+            <a:pPr lvl="4"/>
+            <a:r>
+              <a:rPr lang="en-CA" dirty="0"/>
+              <a:t>Fifth level</a:t>
+            </a:r>
+            <a:endParaRPr lang="en-US" dirty="0"/>
           </a:p>
         </p:txBody>
       </p:sp>
@@ -1812,7 +1851,15 @@
             <p:ph type="ftr" sz="quarter" idx="11"/>
           </p:nvPr>
         </p:nvSpPr>
-        <p:spPr/>
+        <p:spPr>
+          <a:xfrm>
+            <a:off x="3124200" y="6248400"/>
+            <a:ext cx="2895600" cy="457200"/>
+          </a:xfrm>
+          <a:prstGeom prst="rect">
+            <a:avLst/>
+          </a:prstGeom>
+        </p:spPr>
         <p:txBody>
           <a:bodyPr/>
           <a:lstStyle>
@@ -1844,7 +1891,7 @@
             </a:lvl1pPr>
           </a:lstStyle>
           <a:p>
-            <a:fld id="{4DFFAA38-3D7A-BB4F-941A-338C60DCD924}" type="slidenum">
+            <a:fld id="{D94201BD-6681-B946-ACD9-A8F6D28AC38D}" type="slidenum">
               <a:rPr lang="en-US"/>
               <a:pPr/>
               <a:t>‹#›</a:t>
@@ -1854,6 +1901,11 @@
         </p:txBody>
       </p:sp>
     </p:spTree>
+    <p:extLst>
+      <p:ext uri="{BB962C8B-B14F-4D97-AF65-F5344CB8AC3E}">
+        <p14:creationId xmlns:p14="http://schemas.microsoft.com/office/powerpoint/2010/main" val="2988213596"/>
+      </p:ext>
+    </p:extLst>
   </p:cSld>
   <p:clrMapOvr>
     <a:masterClrMapping/>
@@ -1898,15 +1950,17 @@
           <a:bodyPr anchor="t"/>
           <a:lstStyle>
             <a:lvl1pPr algn="l">
-              <a:defRPr sz="4000" b="1" cap="all"/>
+              <a:defRPr sz="4000" b="1" cap="all">
+                <a:latin typeface="+mj-lt"/>
+              </a:defRPr>
             </a:lvl1pPr>
           </a:lstStyle>
           <a:p>
             <a:r>
-              <a:rPr lang="en-CA" smtClean="0"/>
+              <a:rPr lang="en-CA" dirty="0"/>
               <a:t>Click to edit Master title style</a:t>
             </a:r>
-            <a:endParaRPr lang="en-US"/>
+            <a:endParaRPr lang="en-US" dirty="0"/>
           </a:p>
         </p:txBody>
       </p:sp>
@@ -1931,7 +1985,9 @@
           <a:lstStyle>
             <a:lvl1pPr marL="0" indent="0">
               <a:buNone/>
-              <a:defRPr sz="2000"/>
+              <a:defRPr sz="2000">
+                <a:latin typeface="+mn-lt"/>
+              </a:defRPr>
             </a:lvl1pPr>
             <a:lvl2pPr marL="457200" indent="0">
               <a:buNone/>
@@ -1969,7 +2025,7 @@
           <a:p>
             <a:pPr lvl="0"/>
             <a:r>
-              <a:rPr lang="en-CA" smtClean="0"/>
+              <a:rPr lang="en-CA" dirty="0"/>
               <a:t>Click to edit Master text styles</a:t>
             </a:r>
           </a:p>
@@ -1977,83 +2033,65 @@
       </p:sp>
       <p:sp>
         <p:nvSpPr>
-          <p:cNvPr id="4" name="Date Placeholder 3"/>
+          <p:cNvPr id="7" name="Footer Placeholder 6">
+            <a:extLst>
+              <a:ext uri="{FF2B5EF4-FFF2-40B4-BE49-F238E27FC236}">
+                <a16:creationId xmlns:a16="http://schemas.microsoft.com/office/drawing/2014/main" id="{2B039AA2-523D-0546-920D-E32D1313510F}"/>
+              </a:ext>
+            </a:extLst>
+          </p:cNvPr>
           <p:cNvSpPr>
             <a:spLocks noGrp="1"/>
           </p:cNvSpPr>
           <p:nvPr>
-            <p:ph type="dt" sz="half" idx="10"/>
+            <p:ph type="ftr" sz="quarter" idx="10"/>
           </p:nvPr>
         </p:nvSpPr>
         <p:spPr/>
         <p:txBody>
           <a:bodyPr/>
-          <a:lstStyle>
-            <a:lvl1pPr>
-              <a:defRPr smtClean="0"/>
-            </a:lvl1pPr>
-          </a:lstStyle>
-          <a:p>
-            <a:fld id="{13F8759B-55D6-CF47-83FE-70B165316CE9}" type="datetime1">
-              <a:rPr lang="en-CA" smtClean="0"/>
-              <a:t>16-07-19</a:t>
-            </a:fld>
+          <a:lstStyle/>
+          <a:p>
             <a:endParaRPr lang="en-US"/>
           </a:p>
         </p:txBody>
       </p:sp>
       <p:sp>
         <p:nvSpPr>
-          <p:cNvPr id="5" name="Footer Placeholder 4"/>
+          <p:cNvPr id="8" name="Slide Number Placeholder 7">
+            <a:extLst>
+              <a:ext uri="{FF2B5EF4-FFF2-40B4-BE49-F238E27FC236}">
+                <a16:creationId xmlns:a16="http://schemas.microsoft.com/office/drawing/2014/main" id="{F86BC01E-DD3B-5E4B-95A4-DD35BF84807C}"/>
+              </a:ext>
+            </a:extLst>
+          </p:cNvPr>
           <p:cNvSpPr>
             <a:spLocks noGrp="1"/>
           </p:cNvSpPr>
           <p:nvPr>
-            <p:ph type="ftr" sz="quarter" idx="11"/>
+            <p:ph type="sldNum" sz="quarter" idx="11"/>
           </p:nvPr>
         </p:nvSpPr>
         <p:spPr/>
         <p:txBody>
           <a:bodyPr/>
-          <a:lstStyle>
-            <a:lvl1pPr>
-              <a:defRPr/>
-            </a:lvl1pPr>
-          </a:lstStyle>
-          <a:p>
-            <a:endParaRPr lang="en-US"/>
-          </a:p>
-        </p:txBody>
-      </p:sp>
-      <p:sp>
-        <p:nvSpPr>
-          <p:cNvPr id="6" name="Slide Number Placeholder 5"/>
-          <p:cNvSpPr>
-            <a:spLocks noGrp="1"/>
-          </p:cNvSpPr>
-          <p:nvPr>
-            <p:ph type="sldNum" sz="quarter" idx="12"/>
-          </p:nvPr>
-        </p:nvSpPr>
-        <p:spPr/>
-        <p:txBody>
-          <a:bodyPr/>
-          <a:lstStyle>
-            <a:lvl1pPr>
-              <a:defRPr smtClean="0"/>
-            </a:lvl1pPr>
-          </a:lstStyle>
-          <a:p>
-            <a:fld id="{1BF7D276-479A-5B45-8DD8-E84F515403C8}" type="slidenum">
-              <a:rPr lang="en-US"/>
+          <a:lstStyle/>
+          <a:p>
+            <a:fld id="{95FC67CD-6733-D04F-B9BE-AD105949F24E}" type="slidenum">
+              <a:rPr lang="en-US" smtClean="0"/>
               <a:pPr/>
               <a:t>‹#›</a:t>
             </a:fld>
-            <a:endParaRPr lang="en-US"/>
+            <a:endParaRPr lang="en-US" dirty="0"/>
           </a:p>
         </p:txBody>
       </p:sp>
     </p:spTree>
+    <p:extLst>
+      <p:ext uri="{BB962C8B-B14F-4D97-AF65-F5344CB8AC3E}">
+        <p14:creationId xmlns:p14="http://schemas.microsoft.com/office/powerpoint/2010/main" val="3943442120"/>
+      </p:ext>
+    </p:extLst>
   </p:cSld>
   <p:clrMapOvr>
     <a:masterClrMapping/>
@@ -2091,13 +2129,19 @@
         <p:spPr/>
         <p:txBody>
           <a:bodyPr/>
-          <a:lstStyle/>
-          <a:p>
-            <a:r>
-              <a:rPr lang="en-CA" smtClean="0"/>
+          <a:lstStyle>
+            <a:lvl1pPr>
+              <a:defRPr>
+                <a:latin typeface="+mj-lt"/>
+              </a:defRPr>
+            </a:lvl1pPr>
+          </a:lstStyle>
+          <a:p>
+            <a:r>
+              <a:rPr lang="en-CA" dirty="0"/>
               <a:t>Click to edit Master title style</a:t>
             </a:r>
-            <a:endParaRPr lang="en-US"/>
+            <a:endParaRPr lang="en-US" dirty="0"/>
           </a:p>
         </p:txBody>
       </p:sp>
@@ -2121,19 +2165,29 @@
           <a:bodyPr/>
           <a:lstStyle>
             <a:lvl1pPr>
-              <a:defRPr sz="2800"/>
+              <a:defRPr sz="2800">
+                <a:latin typeface="+mn-lt"/>
+              </a:defRPr>
             </a:lvl1pPr>
             <a:lvl2pPr>
-              <a:defRPr sz="2400"/>
+              <a:defRPr sz="2400">
+                <a:latin typeface="+mn-lt"/>
+              </a:defRPr>
             </a:lvl2pPr>
             <a:lvl3pPr>
-              <a:defRPr sz="2000"/>
+              <a:defRPr sz="2000">
+                <a:latin typeface="+mn-lt"/>
+              </a:defRPr>
             </a:lvl3pPr>
             <a:lvl4pPr>
-              <a:defRPr sz="1800"/>
+              <a:defRPr sz="1800">
+                <a:latin typeface="+mn-lt"/>
+              </a:defRPr>
             </a:lvl4pPr>
             <a:lvl5pPr>
-              <a:defRPr sz="1800"/>
+              <a:defRPr sz="1800">
+                <a:latin typeface="+mn-lt"/>
+              </a:defRPr>
             </a:lvl5pPr>
             <a:lvl6pPr>
               <a:defRPr sz="1800"/>
@@ -2151,38 +2205,38 @@
           <a:p>
             <a:pPr lvl="0"/>
             <a:r>
-              <a:rPr lang="en-CA" smtClean="0"/>
+              <a:rPr lang="en-CA" dirty="0"/>
               <a:t>Click to edit Master text styles</a:t>
             </a:r>
           </a:p>
           <a:p>
             <a:pPr lvl="1"/>
             <a:r>
-              <a:rPr lang="en-CA" smtClean="0"/>
+              <a:rPr lang="en-CA" dirty="0"/>
               <a:t>Second level</a:t>
             </a:r>
           </a:p>
           <a:p>
             <a:pPr lvl="2"/>
             <a:r>
-              <a:rPr lang="en-CA" smtClean="0"/>
+              <a:rPr lang="en-CA" dirty="0"/>
               <a:t>Third level</a:t>
             </a:r>
           </a:p>
           <a:p>
             <a:pPr lvl="3"/>
             <a:r>
-              <a:rPr lang="en-CA" smtClean="0"/>
+              <a:rPr lang="en-CA" dirty="0"/>
               <a:t>Fourth level</a:t>
             </a:r>
           </a:p>
           <a:p>
             <a:pPr lvl="4"/>
             <a:r>
-              <a:rPr lang="en-CA" smtClean="0"/>
+              <a:rPr lang="en-CA" dirty="0"/>
               <a:t>Fifth level</a:t>
             </a:r>
-            <a:endParaRPr lang="en-US"/>
+            <a:endParaRPr lang="en-US" dirty="0"/>
           </a:p>
         </p:txBody>
       </p:sp>
@@ -2206,19 +2260,29 @@
           <a:bodyPr/>
           <a:lstStyle>
             <a:lvl1pPr>
-              <a:defRPr sz="2800"/>
+              <a:defRPr sz="2800">
+                <a:latin typeface="+mn-lt"/>
+              </a:defRPr>
             </a:lvl1pPr>
             <a:lvl2pPr>
-              <a:defRPr sz="2400"/>
+              <a:defRPr sz="2400">
+                <a:latin typeface="+mn-lt"/>
+              </a:defRPr>
             </a:lvl2pPr>
             <a:lvl3pPr>
-              <a:defRPr sz="2000"/>
+              <a:defRPr sz="2000">
+                <a:latin typeface="+mn-lt"/>
+              </a:defRPr>
             </a:lvl3pPr>
             <a:lvl4pPr>
-              <a:defRPr sz="1800"/>
+              <a:defRPr sz="1800">
+                <a:latin typeface="+mn-lt"/>
+              </a:defRPr>
             </a:lvl4pPr>
             <a:lvl5pPr>
-              <a:defRPr sz="1800"/>
+              <a:defRPr sz="1800">
+                <a:latin typeface="+mn-lt"/>
+              </a:defRPr>
             </a:lvl5pPr>
             <a:lvl6pPr>
               <a:defRPr sz="1800"/>
@@ -2236,120 +2300,102 @@
           <a:p>
             <a:pPr lvl="0"/>
             <a:r>
-              <a:rPr lang="en-CA" smtClean="0"/>
+              <a:rPr lang="en-CA" dirty="0"/>
               <a:t>Click to edit Master text styles</a:t>
             </a:r>
           </a:p>
           <a:p>
             <a:pPr lvl="1"/>
             <a:r>
-              <a:rPr lang="en-CA" smtClean="0"/>
+              <a:rPr lang="en-CA" dirty="0"/>
               <a:t>Second level</a:t>
             </a:r>
           </a:p>
           <a:p>
             <a:pPr lvl="2"/>
             <a:r>
-              <a:rPr lang="en-CA" smtClean="0"/>
+              <a:rPr lang="en-CA" dirty="0"/>
               <a:t>Third level</a:t>
             </a:r>
           </a:p>
           <a:p>
             <a:pPr lvl="3"/>
             <a:r>
-              <a:rPr lang="en-CA" smtClean="0"/>
+              <a:rPr lang="en-CA" dirty="0"/>
               <a:t>Fourth level</a:t>
             </a:r>
           </a:p>
           <a:p>
             <a:pPr lvl="4"/>
             <a:r>
-              <a:rPr lang="en-CA" smtClean="0"/>
+              <a:rPr lang="en-CA" dirty="0"/>
               <a:t>Fifth level</a:t>
             </a:r>
-            <a:endParaRPr lang="en-US"/>
-          </a:p>
-        </p:txBody>
-      </p:sp>
-      <p:sp>
-        <p:nvSpPr>
-          <p:cNvPr id="5" name="Date Placeholder 4"/>
+            <a:endParaRPr lang="en-US" dirty="0"/>
+          </a:p>
+        </p:txBody>
+      </p:sp>
+      <p:sp>
+        <p:nvSpPr>
+          <p:cNvPr id="8" name="Footer Placeholder 7">
+            <a:extLst>
+              <a:ext uri="{FF2B5EF4-FFF2-40B4-BE49-F238E27FC236}">
+                <a16:creationId xmlns:a16="http://schemas.microsoft.com/office/drawing/2014/main" id="{DA945EC4-37BF-4E43-B2AD-837601045EC0}"/>
+              </a:ext>
+            </a:extLst>
+          </p:cNvPr>
           <p:cNvSpPr>
             <a:spLocks noGrp="1"/>
           </p:cNvSpPr>
           <p:nvPr>
-            <p:ph type="dt" sz="half" idx="10"/>
+            <p:ph type="ftr" sz="quarter" idx="10"/>
           </p:nvPr>
         </p:nvSpPr>
         <p:spPr/>
         <p:txBody>
           <a:bodyPr/>
-          <a:lstStyle>
-            <a:lvl1pPr>
-              <a:defRPr smtClean="0"/>
-            </a:lvl1pPr>
-          </a:lstStyle>
-          <a:p>
-            <a:fld id="{22DFC75E-20AA-3A4B-8036-FC4E21DCED42}" type="datetime1">
-              <a:rPr lang="en-CA" smtClean="0"/>
-              <a:t>16-07-19</a:t>
-            </a:fld>
+          <a:lstStyle/>
+          <a:p>
             <a:endParaRPr lang="en-US"/>
           </a:p>
         </p:txBody>
       </p:sp>
       <p:sp>
         <p:nvSpPr>
-          <p:cNvPr id="6" name="Footer Placeholder 5"/>
+          <p:cNvPr id="9" name="Slide Number Placeholder 8">
+            <a:extLst>
+              <a:ext uri="{FF2B5EF4-FFF2-40B4-BE49-F238E27FC236}">
+                <a16:creationId xmlns:a16="http://schemas.microsoft.com/office/drawing/2014/main" id="{BEFEF4CF-D098-9549-A3AC-4A120E0BFA05}"/>
+              </a:ext>
+            </a:extLst>
+          </p:cNvPr>
           <p:cNvSpPr>
             <a:spLocks noGrp="1"/>
           </p:cNvSpPr>
           <p:nvPr>
-            <p:ph type="ftr" sz="quarter" idx="11"/>
+            <p:ph type="sldNum" sz="quarter" idx="11"/>
           </p:nvPr>
         </p:nvSpPr>
         <p:spPr/>
         <p:txBody>
           <a:bodyPr/>
-          <a:lstStyle>
-            <a:lvl1pPr>
-              <a:defRPr/>
-            </a:lvl1pPr>
-          </a:lstStyle>
-          <a:p>
-            <a:endParaRPr lang="en-US"/>
-          </a:p>
-        </p:txBody>
-      </p:sp>
-      <p:sp>
-        <p:nvSpPr>
-          <p:cNvPr id="7" name="Slide Number Placeholder 6"/>
-          <p:cNvSpPr>
-            <a:spLocks noGrp="1"/>
-          </p:cNvSpPr>
-          <p:nvPr>
-            <p:ph type="sldNum" sz="quarter" idx="12"/>
-          </p:nvPr>
-        </p:nvSpPr>
-        <p:spPr/>
-        <p:txBody>
-          <a:bodyPr/>
-          <a:lstStyle>
-            <a:lvl1pPr>
-              <a:defRPr smtClean="0"/>
-            </a:lvl1pPr>
-          </a:lstStyle>
-          <a:p>
-            <a:fld id="{90A7465B-A24A-EF4A-BC77-71DEFD92317D}" type="slidenum">
-              <a:rPr lang="en-US"/>
+          <a:lstStyle/>
+          <a:p>
+            <a:fld id="{95FC67CD-6733-D04F-B9BE-AD105949F24E}" type="slidenum">
+              <a:rPr lang="en-US" smtClean="0"/>
               <a:pPr/>
               <a:t>‹#›</a:t>
             </a:fld>
-            <a:endParaRPr lang="en-US"/>
+            <a:endParaRPr lang="en-US" dirty="0"/>
           </a:p>
         </p:txBody>
       </p:sp>
     </p:spTree>
+    <p:extLst>
+      <p:ext uri="{BB962C8B-B14F-4D97-AF65-F5344CB8AC3E}">
+        <p14:creationId xmlns:p14="http://schemas.microsoft.com/office/powerpoint/2010/main" val="1974948154"/>
+      </p:ext>
+    </p:extLst>
   </p:cSld>
   <p:clrMapOvr>
     <a:masterClrMapping/>
@@ -2394,15 +2440,17 @@
           <a:bodyPr/>
           <a:lstStyle>
             <a:lvl1pPr>
-              <a:defRPr/>
+              <a:defRPr>
+                <a:latin typeface="+mj-lt"/>
+              </a:defRPr>
             </a:lvl1pPr>
           </a:lstStyle>
           <a:p>
             <a:r>
-              <a:rPr lang="en-CA" smtClean="0"/>
+              <a:rPr lang="en-CA" dirty="0"/>
               <a:t>Click to edit Master title style</a:t>
             </a:r>
-            <a:endParaRPr lang="en-US"/>
+            <a:endParaRPr lang="en-US" dirty="0"/>
           </a:p>
         </p:txBody>
       </p:sp>
@@ -2427,7 +2475,9 @@
           <a:lstStyle>
             <a:lvl1pPr marL="0" indent="0">
               <a:buNone/>
-              <a:defRPr sz="2400" b="1"/>
+              <a:defRPr sz="2400" b="1">
+                <a:latin typeface="+mj-lt"/>
+              </a:defRPr>
             </a:lvl1pPr>
             <a:lvl2pPr marL="457200" indent="0">
               <a:buNone/>
@@ -2465,7 +2515,7 @@
           <a:p>
             <a:pPr lvl="0"/>
             <a:r>
-              <a:rPr lang="en-CA" smtClean="0"/>
+              <a:rPr lang="en-CA" dirty="0"/>
               <a:t>Click to edit Master text styles</a:t>
             </a:r>
           </a:p>
@@ -2491,19 +2541,29 @@
           <a:bodyPr/>
           <a:lstStyle>
             <a:lvl1pPr>
-              <a:defRPr sz="2400"/>
+              <a:defRPr sz="2400">
+                <a:latin typeface="+mn-lt"/>
+              </a:defRPr>
             </a:lvl1pPr>
             <a:lvl2pPr>
-              <a:defRPr sz="2000"/>
+              <a:defRPr sz="2000">
+                <a:latin typeface="+mn-lt"/>
+              </a:defRPr>
             </a:lvl2pPr>
             <a:lvl3pPr>
-              <a:defRPr sz="1800"/>
+              <a:defRPr sz="1800">
+                <a:latin typeface="+mn-lt"/>
+              </a:defRPr>
             </a:lvl3pPr>
             <a:lvl4pPr>
-              <a:defRPr sz="1600"/>
+              <a:defRPr sz="1600">
+                <a:latin typeface="+mn-lt"/>
+              </a:defRPr>
             </a:lvl4pPr>
             <a:lvl5pPr>
-              <a:defRPr sz="1600"/>
+              <a:defRPr sz="1600">
+                <a:latin typeface="+mn-lt"/>
+              </a:defRPr>
             </a:lvl5pPr>
             <a:lvl6pPr>
               <a:defRPr sz="1600"/>
@@ -2521,38 +2581,38 @@
           <a:p>
             <a:pPr lvl="0"/>
             <a:r>
-              <a:rPr lang="en-CA" smtClean="0"/>
+              <a:rPr lang="en-CA" dirty="0"/>
               <a:t>Click to edit Master text styles</a:t>
             </a:r>
           </a:p>
           <a:p>
             <a:pPr lvl="1"/>
             <a:r>
-              <a:rPr lang="en-CA" smtClean="0"/>
+              <a:rPr lang="en-CA" dirty="0"/>
               <a:t>Second level</a:t>
             </a:r>
           </a:p>
           <a:p>
             <a:pPr lvl="2"/>
             <a:r>
-              <a:rPr lang="en-CA" smtClean="0"/>
+              <a:rPr lang="en-CA" dirty="0"/>
               <a:t>Third level</a:t>
             </a:r>
           </a:p>
           <a:p>
             <a:pPr lvl="3"/>
             <a:r>
-              <a:rPr lang="en-CA" smtClean="0"/>
+              <a:rPr lang="en-CA" dirty="0"/>
               <a:t>Fourth level</a:t>
             </a:r>
           </a:p>
           <a:p>
             <a:pPr lvl="4"/>
             <a:r>
-              <a:rPr lang="en-CA" smtClean="0"/>
+              <a:rPr lang="en-CA" dirty="0"/>
               <a:t>Fifth level</a:t>
             </a:r>
-            <a:endParaRPr lang="en-US"/>
+            <a:endParaRPr lang="en-US" dirty="0"/>
           </a:p>
         </p:txBody>
       </p:sp>
@@ -2577,7 +2637,9 @@
           <a:lstStyle>
             <a:lvl1pPr marL="0" indent="0">
               <a:buNone/>
-              <a:defRPr sz="2400" b="1"/>
+              <a:defRPr sz="2400" b="1">
+                <a:latin typeface="+mj-lt"/>
+              </a:defRPr>
             </a:lvl1pPr>
             <a:lvl2pPr marL="457200" indent="0">
               <a:buNone/>
@@ -2615,7 +2677,7 @@
           <a:p>
             <a:pPr lvl="0"/>
             <a:r>
-              <a:rPr lang="en-CA" smtClean="0"/>
+              <a:rPr lang="en-CA" dirty="0"/>
               <a:t>Click to edit Master text styles</a:t>
             </a:r>
           </a:p>
@@ -2641,19 +2703,29 @@
           <a:bodyPr/>
           <a:lstStyle>
             <a:lvl1pPr>
-              <a:defRPr sz="2400"/>
+              <a:defRPr sz="2400">
+                <a:latin typeface="+mn-lt"/>
+              </a:defRPr>
             </a:lvl1pPr>
             <a:lvl2pPr>
-              <a:defRPr sz="2000"/>
+              <a:defRPr sz="2000">
+                <a:latin typeface="+mn-lt"/>
+              </a:defRPr>
             </a:lvl2pPr>
             <a:lvl3pPr>
-              <a:defRPr sz="1800"/>
+              <a:defRPr sz="1800">
+                <a:latin typeface="+mn-lt"/>
+              </a:defRPr>
             </a:lvl3pPr>
             <a:lvl4pPr>
-              <a:defRPr sz="1600"/>
+              <a:defRPr sz="1600">
+                <a:latin typeface="+mn-lt"/>
+              </a:defRPr>
             </a:lvl4pPr>
             <a:lvl5pPr>
-              <a:defRPr sz="1600"/>
+              <a:defRPr sz="1600">
+                <a:latin typeface="+mn-lt"/>
+              </a:defRPr>
             </a:lvl5pPr>
             <a:lvl6pPr>
               <a:defRPr sz="1600"/>
@@ -2671,120 +2743,102 @@
           <a:p>
             <a:pPr lvl="0"/>
             <a:r>
-              <a:rPr lang="en-CA" smtClean="0"/>
+              <a:rPr lang="en-CA" dirty="0"/>
               <a:t>Click to edit Master text styles</a:t>
             </a:r>
           </a:p>
           <a:p>
             <a:pPr lvl="1"/>
             <a:r>
-              <a:rPr lang="en-CA" smtClean="0"/>
+              <a:rPr lang="en-CA" dirty="0"/>
               <a:t>Second level</a:t>
             </a:r>
           </a:p>
           <a:p>
             <a:pPr lvl="2"/>
             <a:r>
-              <a:rPr lang="en-CA" smtClean="0"/>
+              <a:rPr lang="en-CA" dirty="0"/>
               <a:t>Third level</a:t>
             </a:r>
           </a:p>
           <a:p>
             <a:pPr lvl="3"/>
             <a:r>
-              <a:rPr lang="en-CA" smtClean="0"/>
+              <a:rPr lang="en-CA" dirty="0"/>
               <a:t>Fourth level</a:t>
             </a:r>
           </a:p>
           <a:p>
             <a:pPr lvl="4"/>
             <a:r>
-              <a:rPr lang="en-CA" smtClean="0"/>
+              <a:rPr lang="en-CA" dirty="0"/>
               <a:t>Fifth level</a:t>
             </a:r>
-            <a:endParaRPr lang="en-US"/>
-          </a:p>
-        </p:txBody>
-      </p:sp>
-      <p:sp>
-        <p:nvSpPr>
-          <p:cNvPr id="7" name="Date Placeholder 6"/>
+            <a:endParaRPr lang="en-US" dirty="0"/>
+          </a:p>
+        </p:txBody>
+      </p:sp>
+      <p:sp>
+        <p:nvSpPr>
+          <p:cNvPr id="10" name="Footer Placeholder 9">
+            <a:extLst>
+              <a:ext uri="{FF2B5EF4-FFF2-40B4-BE49-F238E27FC236}">
+                <a16:creationId xmlns:a16="http://schemas.microsoft.com/office/drawing/2014/main" id="{0912E499-92DE-AB4A-A5B0-FD67B2273F7D}"/>
+              </a:ext>
+            </a:extLst>
+          </p:cNvPr>
           <p:cNvSpPr>
             <a:spLocks noGrp="1"/>
           </p:cNvSpPr>
           <p:nvPr>
-            <p:ph type="dt" sz="half" idx="10"/>
+            <p:ph type="ftr" sz="quarter" idx="10"/>
           </p:nvPr>
         </p:nvSpPr>
         <p:spPr/>
         <p:txBody>
           <a:bodyPr/>
-          <a:lstStyle>
-            <a:lvl1pPr>
-              <a:defRPr smtClean="0"/>
-            </a:lvl1pPr>
-          </a:lstStyle>
-          <a:p>
-            <a:fld id="{DC2F9846-8E12-E940-A6D6-9C91AF3C127A}" type="datetime1">
-              <a:rPr lang="en-CA" smtClean="0"/>
-              <a:t>16-07-19</a:t>
-            </a:fld>
+          <a:lstStyle/>
+          <a:p>
             <a:endParaRPr lang="en-US"/>
           </a:p>
         </p:txBody>
       </p:sp>
       <p:sp>
         <p:nvSpPr>
-          <p:cNvPr id="8" name="Footer Placeholder 7"/>
+          <p:cNvPr id="11" name="Slide Number Placeholder 10">
+            <a:extLst>
+              <a:ext uri="{FF2B5EF4-FFF2-40B4-BE49-F238E27FC236}">
+                <a16:creationId xmlns:a16="http://schemas.microsoft.com/office/drawing/2014/main" id="{80D4789F-B319-FB45-8996-99D418A3599C}"/>
+              </a:ext>
+            </a:extLst>
+          </p:cNvPr>
           <p:cNvSpPr>
             <a:spLocks noGrp="1"/>
           </p:cNvSpPr>
           <p:nvPr>
-            <p:ph type="ftr" sz="quarter" idx="11"/>
+            <p:ph type="sldNum" sz="quarter" idx="11"/>
           </p:nvPr>
         </p:nvSpPr>
         <p:spPr/>
         <p:txBody>
           <a:bodyPr/>
-          <a:lstStyle>
-            <a:lvl1pPr>
-              <a:defRPr/>
-            </a:lvl1pPr>
-          </a:lstStyle>
-          <a:p>
-            <a:endParaRPr lang="en-US"/>
-          </a:p>
-        </p:txBody>
-      </p:sp>
-      <p:sp>
-        <p:nvSpPr>
-          <p:cNvPr id="9" name="Slide Number Placeholder 8"/>
-          <p:cNvSpPr>
-            <a:spLocks noGrp="1"/>
-          </p:cNvSpPr>
-          <p:nvPr>
-            <p:ph type="sldNum" sz="quarter" idx="12"/>
-          </p:nvPr>
-        </p:nvSpPr>
-        <p:spPr/>
-        <p:txBody>
-          <a:bodyPr/>
-          <a:lstStyle>
-            <a:lvl1pPr>
-              <a:defRPr smtClean="0"/>
-            </a:lvl1pPr>
-          </a:lstStyle>
-          <a:p>
-            <a:fld id="{468512B9-2EBD-5143-B160-2F31E1336FC2}" type="slidenum">
-              <a:rPr lang="en-US"/>
+          <a:lstStyle/>
+          <a:p>
+            <a:fld id="{95FC67CD-6733-D04F-B9BE-AD105949F24E}" type="slidenum">
+              <a:rPr lang="en-US" smtClean="0"/>
               <a:pPr/>
               <a:t>‹#›</a:t>
             </a:fld>
-            <a:endParaRPr lang="en-US"/>
+            <a:endParaRPr lang="en-US" dirty="0"/>
           </a:p>
         </p:txBody>
       </p:sp>
     </p:spTree>
+    <p:extLst>
+      <p:ext uri="{BB962C8B-B14F-4D97-AF65-F5344CB8AC3E}">
+        <p14:creationId xmlns:p14="http://schemas.microsoft.com/office/powerpoint/2010/main" val="4273910813"/>
+      </p:ext>
+    </p:extLst>
   </p:cSld>
   <p:clrMapOvr>
     <a:masterClrMapping/>
@@ -2822,95 +2876,83 @@
         <p:spPr/>
         <p:txBody>
           <a:bodyPr/>
-          <a:lstStyle/>
-          <a:p>
-            <a:r>
-              <a:rPr lang="en-CA" smtClean="0"/>
+          <a:lstStyle>
+            <a:lvl1pPr>
+              <a:defRPr>
+                <a:latin typeface="+mj-lt"/>
+              </a:defRPr>
+            </a:lvl1pPr>
+          </a:lstStyle>
+          <a:p>
+            <a:r>
+              <a:rPr lang="en-CA" dirty="0"/>
               <a:t>Click to edit Master title style</a:t>
             </a:r>
-            <a:endParaRPr lang="en-US"/>
-          </a:p>
-        </p:txBody>
-      </p:sp>
-      <p:sp>
-        <p:nvSpPr>
-          <p:cNvPr id="3" name="Date Placeholder 2"/>
+            <a:endParaRPr lang="en-US" dirty="0"/>
+          </a:p>
+        </p:txBody>
+      </p:sp>
+      <p:sp>
+        <p:nvSpPr>
+          <p:cNvPr id="6" name="Footer Placeholder 5">
+            <a:extLst>
+              <a:ext uri="{FF2B5EF4-FFF2-40B4-BE49-F238E27FC236}">
+                <a16:creationId xmlns:a16="http://schemas.microsoft.com/office/drawing/2014/main" id="{96BDBB7E-298A-4445-97E1-4B099A07ED3A}"/>
+              </a:ext>
+            </a:extLst>
+          </p:cNvPr>
           <p:cNvSpPr>
             <a:spLocks noGrp="1"/>
           </p:cNvSpPr>
           <p:nvPr>
-            <p:ph type="dt" sz="half" idx="10"/>
+            <p:ph type="ftr" sz="quarter" idx="10"/>
           </p:nvPr>
         </p:nvSpPr>
         <p:spPr/>
         <p:txBody>
           <a:bodyPr/>
-          <a:lstStyle>
-            <a:lvl1pPr>
-              <a:defRPr smtClean="0"/>
-            </a:lvl1pPr>
-          </a:lstStyle>
-          <a:p>
-            <a:fld id="{CFEF1C19-828C-9040-A09A-675642B5D8D1}" type="datetime1">
-              <a:rPr lang="en-CA" smtClean="0"/>
-              <a:t>16-07-19</a:t>
-            </a:fld>
+          <a:lstStyle/>
+          <a:p>
             <a:endParaRPr lang="en-US"/>
           </a:p>
         </p:txBody>
       </p:sp>
       <p:sp>
         <p:nvSpPr>
-          <p:cNvPr id="4" name="Footer Placeholder 3"/>
+          <p:cNvPr id="7" name="Slide Number Placeholder 6">
+            <a:extLst>
+              <a:ext uri="{FF2B5EF4-FFF2-40B4-BE49-F238E27FC236}">
+                <a16:creationId xmlns:a16="http://schemas.microsoft.com/office/drawing/2014/main" id="{A7895EC8-D916-8648-B520-23F9FC802EB0}"/>
+              </a:ext>
+            </a:extLst>
+          </p:cNvPr>
           <p:cNvSpPr>
             <a:spLocks noGrp="1"/>
           </p:cNvSpPr>
           <p:nvPr>
-            <p:ph type="ftr" sz="quarter" idx="11"/>
+            <p:ph type="sldNum" sz="quarter" idx="11"/>
           </p:nvPr>
         </p:nvSpPr>
         <p:spPr/>
         <p:txBody>
           <a:bodyPr/>
-          <a:lstStyle>
-            <a:lvl1pPr>
-              <a:defRPr/>
-            </a:lvl1pPr>
-          </a:lstStyle>
-          <a:p>
-            <a:endParaRPr lang="en-US"/>
-          </a:p>
-        </p:txBody>
-      </p:sp>
-      <p:sp>
-        <p:nvSpPr>
-          <p:cNvPr id="5" name="Slide Number Placeholder 4"/>
-          <p:cNvSpPr>
-            <a:spLocks noGrp="1"/>
-          </p:cNvSpPr>
-          <p:nvPr>
-            <p:ph type="sldNum" sz="quarter" idx="12"/>
-          </p:nvPr>
-        </p:nvSpPr>
-        <p:spPr/>
-        <p:txBody>
-          <a:bodyPr/>
-          <a:lstStyle>
-            <a:lvl1pPr>
-              <a:defRPr smtClean="0"/>
-            </a:lvl1pPr>
-          </a:lstStyle>
-          <a:p>
-            <a:fld id="{37B6CB5A-F5BD-474A-BDA3-1E989790071A}" type="slidenum">
-              <a:rPr lang="en-US"/>
+          <a:lstStyle/>
+          <a:p>
+            <a:fld id="{95FC67CD-6733-D04F-B9BE-AD105949F24E}" type="slidenum">
+              <a:rPr lang="en-US" smtClean="0"/>
               <a:pPr/>
               <a:t>‹#›</a:t>
             </a:fld>
-            <a:endParaRPr lang="en-US"/>
+            <a:endParaRPr lang="en-US" dirty="0"/>
           </a:p>
         </p:txBody>
       </p:sp>
     </p:spTree>
+    <p:extLst>
+      <p:ext uri="{BB962C8B-B14F-4D97-AF65-F5344CB8AC3E}">
+        <p14:creationId xmlns:p14="http://schemas.microsoft.com/office/powerpoint/2010/main" val="1826989727"/>
+      </p:ext>
+    </p:extLst>
   </p:cSld>
   <p:clrMapOvr>
     <a:masterClrMapping/>
@@ -2937,83 +2979,65 @@
       </p:grpSpPr>
       <p:sp>
         <p:nvSpPr>
-          <p:cNvPr id="2" name="Date Placeholder 1"/>
+          <p:cNvPr id="5" name="Footer Placeholder 4">
+            <a:extLst>
+              <a:ext uri="{FF2B5EF4-FFF2-40B4-BE49-F238E27FC236}">
+                <a16:creationId xmlns:a16="http://schemas.microsoft.com/office/drawing/2014/main" id="{5DF03754-C429-BF4B-85C9-F1D1C975E80F}"/>
+              </a:ext>
+            </a:extLst>
+          </p:cNvPr>
           <p:cNvSpPr>
             <a:spLocks noGrp="1"/>
           </p:cNvSpPr>
           <p:nvPr>
-            <p:ph type="dt" sz="half" idx="10"/>
+            <p:ph type="ftr" sz="quarter" idx="10"/>
           </p:nvPr>
         </p:nvSpPr>
         <p:spPr/>
         <p:txBody>
           <a:bodyPr/>
-          <a:lstStyle>
-            <a:lvl1pPr>
-              <a:defRPr smtClean="0"/>
-            </a:lvl1pPr>
-          </a:lstStyle>
-          <a:p>
-            <a:fld id="{DE06ADBE-F554-D140-A4E6-ACABAB2BC95F}" type="datetime1">
-              <a:rPr lang="en-CA" smtClean="0"/>
-              <a:t>16-07-19</a:t>
-            </a:fld>
+          <a:lstStyle/>
+          <a:p>
             <a:endParaRPr lang="en-US"/>
           </a:p>
         </p:txBody>
       </p:sp>
       <p:sp>
         <p:nvSpPr>
-          <p:cNvPr id="3" name="Footer Placeholder 2"/>
+          <p:cNvPr id="6" name="Slide Number Placeholder 5">
+            <a:extLst>
+              <a:ext uri="{FF2B5EF4-FFF2-40B4-BE49-F238E27FC236}">
+                <a16:creationId xmlns:a16="http://schemas.microsoft.com/office/drawing/2014/main" id="{53E846D2-4831-1148-91F0-086A1F9C711D}"/>
+              </a:ext>
+            </a:extLst>
+          </p:cNvPr>
           <p:cNvSpPr>
             <a:spLocks noGrp="1"/>
           </p:cNvSpPr>
           <p:nvPr>
-            <p:ph type="ftr" sz="quarter" idx="11"/>
+            <p:ph type="sldNum" sz="quarter" idx="11"/>
           </p:nvPr>
         </p:nvSpPr>
         <p:spPr/>
         <p:txBody>
           <a:bodyPr/>
-          <a:lstStyle>
-            <a:lvl1pPr>
-              <a:defRPr/>
-            </a:lvl1pPr>
-          </a:lstStyle>
-          <a:p>
-            <a:endParaRPr lang="en-US"/>
-          </a:p>
-        </p:txBody>
-      </p:sp>
-      <p:sp>
-        <p:nvSpPr>
-          <p:cNvPr id="4" name="Slide Number Placeholder 3"/>
-          <p:cNvSpPr>
-            <a:spLocks noGrp="1"/>
-          </p:cNvSpPr>
-          <p:nvPr>
-            <p:ph type="sldNum" sz="quarter" idx="12"/>
-          </p:nvPr>
-        </p:nvSpPr>
-        <p:spPr/>
-        <p:txBody>
-          <a:bodyPr/>
-          <a:lstStyle>
-            <a:lvl1pPr>
-              <a:defRPr smtClean="0"/>
-            </a:lvl1pPr>
-          </a:lstStyle>
-          <a:p>
-            <a:fld id="{C1F62FDB-F864-E842-91C2-6712A2A87806}" type="slidenum">
-              <a:rPr lang="en-US"/>
+          <a:lstStyle/>
+          <a:p>
+            <a:fld id="{95FC67CD-6733-D04F-B9BE-AD105949F24E}" type="slidenum">
+              <a:rPr lang="en-US" smtClean="0"/>
               <a:pPr/>
               <a:t>‹#›</a:t>
             </a:fld>
-            <a:endParaRPr lang="en-US"/>
+            <a:endParaRPr lang="en-US" dirty="0"/>
           </a:p>
         </p:txBody>
       </p:sp>
     </p:spTree>
+    <p:extLst>
+      <p:ext uri="{BB962C8B-B14F-4D97-AF65-F5344CB8AC3E}">
+        <p14:creationId xmlns:p14="http://schemas.microsoft.com/office/powerpoint/2010/main" val="1947986799"/>
+      </p:ext>
+    </p:extLst>
   </p:cSld>
   <p:clrMapOvr>
     <a:masterClrMapping/>
@@ -3058,15 +3082,17 @@
           <a:bodyPr anchor="b"/>
           <a:lstStyle>
             <a:lvl1pPr algn="l">
-              <a:defRPr sz="2000" b="1"/>
+              <a:defRPr sz="2000" b="1">
+                <a:latin typeface="+mj-lt"/>
+              </a:defRPr>
             </a:lvl1pPr>
           </a:lstStyle>
           <a:p>
             <a:r>
-              <a:rPr lang="en-CA" smtClean="0"/>
+              <a:rPr lang="en-CA" dirty="0"/>
               <a:t>Click to edit Master title style</a:t>
             </a:r>
-            <a:endParaRPr lang="en-US"/>
+            <a:endParaRPr lang="en-US" dirty="0"/>
           </a:p>
         </p:txBody>
       </p:sp>
@@ -3090,19 +3116,29 @@
           <a:bodyPr/>
           <a:lstStyle>
             <a:lvl1pPr>
-              <a:defRPr sz="3200"/>
+              <a:defRPr sz="3200">
+                <a:latin typeface="+mn-lt"/>
+              </a:defRPr>
             </a:lvl1pPr>
             <a:lvl2pPr>
-              <a:defRPr sz="2800"/>
+              <a:defRPr sz="2800">
+                <a:latin typeface="+mn-lt"/>
+              </a:defRPr>
             </a:lvl2pPr>
             <a:lvl3pPr>
-              <a:defRPr sz="2400"/>
+              <a:defRPr sz="2400">
+                <a:latin typeface="+mn-lt"/>
+              </a:defRPr>
             </a:lvl3pPr>
             <a:lvl4pPr>
-              <a:defRPr sz="2000"/>
+              <a:defRPr sz="2000">
+                <a:latin typeface="+mn-lt"/>
+              </a:defRPr>
             </a:lvl4pPr>
             <a:lvl5pPr>
-              <a:defRPr sz="2000"/>
+              <a:defRPr sz="2000">
+                <a:latin typeface="+mn-lt"/>
+              </a:defRPr>
             </a:lvl5pPr>
             <a:lvl6pPr>
               <a:defRPr sz="2000"/>
@@ -3120,38 +3156,38 @@
           <a:p>
             <a:pPr lvl="0"/>
             <a:r>
-              <a:rPr lang="en-CA" smtClean="0"/>
+              <a:rPr lang="en-CA" dirty="0"/>
               <a:t>Click to edit Master text styles</a:t>
             </a:r>
           </a:p>
           <a:p>
             <a:pPr lvl="1"/>
             <a:r>
-              <a:rPr lang="en-CA" smtClean="0"/>
+              <a:rPr lang="en-CA" dirty="0"/>
               <a:t>Second level</a:t>
             </a:r>
           </a:p>
           <a:p>
             <a:pPr lvl="2"/>
             <a:r>
-              <a:rPr lang="en-CA" smtClean="0"/>
+              <a:rPr lang="en-CA" dirty="0"/>
               <a:t>Third level</a:t>
             </a:r>
           </a:p>
           <a:p>
             <a:pPr lvl="3"/>
             <a:r>
-              <a:rPr lang="en-CA" smtClean="0"/>
+              <a:rPr lang="en-CA" dirty="0"/>
               <a:t>Fourth level</a:t>
             </a:r>
           </a:p>
           <a:p>
             <a:pPr lvl="4"/>
             <a:r>
-              <a:rPr lang="en-CA" smtClean="0"/>
+              <a:rPr lang="en-CA" dirty="0"/>
               <a:t>Fifth level</a:t>
             </a:r>
-            <a:endParaRPr lang="en-US"/>
+            <a:endParaRPr lang="en-US" dirty="0"/>
           </a:p>
         </p:txBody>
       </p:sp>
@@ -3176,7 +3212,9 @@
           <a:lstStyle>
             <a:lvl1pPr marL="0" indent="0">
               <a:buNone/>
-              <a:defRPr sz="1400"/>
+              <a:defRPr sz="1400">
+                <a:latin typeface="+mn-lt"/>
+              </a:defRPr>
             </a:lvl1pPr>
             <a:lvl2pPr marL="457200" indent="0">
               <a:buNone/>
@@ -3214,7 +3252,7 @@
           <a:p>
             <a:pPr lvl="0"/>
             <a:r>
-              <a:rPr lang="en-CA" smtClean="0"/>
+              <a:rPr lang="en-CA" dirty="0"/>
               <a:t>Click to edit Master text styles</a:t>
             </a:r>
           </a:p>
@@ -3222,83 +3260,65 @@
       </p:sp>
       <p:sp>
         <p:nvSpPr>
-          <p:cNvPr id="5" name="Date Placeholder 4"/>
+          <p:cNvPr id="8" name="Footer Placeholder 7">
+            <a:extLst>
+              <a:ext uri="{FF2B5EF4-FFF2-40B4-BE49-F238E27FC236}">
+                <a16:creationId xmlns:a16="http://schemas.microsoft.com/office/drawing/2014/main" id="{1FB8657E-D33B-074B-AE26-E7CBD7232F89}"/>
+              </a:ext>
+            </a:extLst>
+          </p:cNvPr>
           <p:cNvSpPr>
             <a:spLocks noGrp="1"/>
           </p:cNvSpPr>
           <p:nvPr>
-            <p:ph type="dt" sz="half" idx="10"/>
+            <p:ph type="ftr" sz="quarter" idx="10"/>
           </p:nvPr>
         </p:nvSpPr>
         <p:spPr/>
         <p:txBody>
           <a:bodyPr/>
-          <a:lstStyle>
-            <a:lvl1pPr>
-              <a:defRPr smtClean="0"/>
-            </a:lvl1pPr>
-          </a:lstStyle>
-          <a:p>
-            <a:fld id="{D281C4C4-61D3-3445-95EC-CBA6C057C797}" type="datetime1">
-              <a:rPr lang="en-CA" smtClean="0"/>
-              <a:t>16-07-19</a:t>
-            </a:fld>
+          <a:lstStyle/>
+          <a:p>
             <a:endParaRPr lang="en-US"/>
           </a:p>
         </p:txBody>
       </p:sp>
       <p:sp>
         <p:nvSpPr>
-          <p:cNvPr id="6" name="Footer Placeholder 5"/>
+          <p:cNvPr id="9" name="Slide Number Placeholder 8">
+            <a:extLst>
+              <a:ext uri="{FF2B5EF4-FFF2-40B4-BE49-F238E27FC236}">
+                <a16:creationId xmlns:a16="http://schemas.microsoft.com/office/drawing/2014/main" id="{212E3D66-C201-A64A-A27B-A535DB26C750}"/>
+              </a:ext>
+            </a:extLst>
+          </p:cNvPr>
           <p:cNvSpPr>
             <a:spLocks noGrp="1"/>
           </p:cNvSpPr>
           <p:nvPr>
-            <p:ph type="ftr" sz="quarter" idx="11"/>
+            <p:ph type="sldNum" sz="quarter" idx="11"/>
           </p:nvPr>
         </p:nvSpPr>
         <p:spPr/>
         <p:txBody>
           <a:bodyPr/>
-          <a:lstStyle>
-            <a:lvl1pPr>
-              <a:defRPr/>
-            </a:lvl1pPr>
-          </a:lstStyle>
-          <a:p>
-            <a:endParaRPr lang="en-US"/>
-          </a:p>
-        </p:txBody>
-      </p:sp>
-      <p:sp>
-        <p:nvSpPr>
-          <p:cNvPr id="7" name="Slide Number Placeholder 6"/>
-          <p:cNvSpPr>
-            <a:spLocks noGrp="1"/>
-          </p:cNvSpPr>
-          <p:nvPr>
-            <p:ph type="sldNum" sz="quarter" idx="12"/>
-          </p:nvPr>
-        </p:nvSpPr>
-        <p:spPr/>
-        <p:txBody>
-          <a:bodyPr/>
-          <a:lstStyle>
-            <a:lvl1pPr>
-              <a:defRPr smtClean="0"/>
-            </a:lvl1pPr>
-          </a:lstStyle>
-          <a:p>
-            <a:fld id="{FAD6E7CC-0CBE-234E-AA50-75399A4F7BEF}" type="slidenum">
-              <a:rPr lang="en-US"/>
+          <a:lstStyle/>
+          <a:p>
+            <a:fld id="{95FC67CD-6733-D04F-B9BE-AD105949F24E}" type="slidenum">
+              <a:rPr lang="en-US" smtClean="0"/>
               <a:pPr/>
               <a:t>‹#›</a:t>
             </a:fld>
-            <a:endParaRPr lang="en-US"/>
+            <a:endParaRPr lang="en-US" dirty="0"/>
           </a:p>
         </p:txBody>
       </p:sp>
     </p:spTree>
+    <p:extLst>
+      <p:ext uri="{BB962C8B-B14F-4D97-AF65-F5344CB8AC3E}">
+        <p14:creationId xmlns:p14="http://schemas.microsoft.com/office/powerpoint/2010/main" val="3888668905"/>
+      </p:ext>
+    </p:extLst>
   </p:cSld>
   <p:clrMapOvr>
     <a:masterClrMapping/>
@@ -3343,15 +3363,17 @@
           <a:bodyPr anchor="b"/>
           <a:lstStyle>
             <a:lvl1pPr algn="l">
-              <a:defRPr sz="2000" b="1"/>
+              <a:defRPr sz="2000" b="1">
+                <a:latin typeface="+mj-lt"/>
+              </a:defRPr>
             </a:lvl1pPr>
           </a:lstStyle>
           <a:p>
             <a:r>
-              <a:rPr lang="en-CA" smtClean="0"/>
+              <a:rPr lang="en-CA" dirty="0"/>
               <a:t>Click to edit Master title style</a:t>
             </a:r>
-            <a:endParaRPr lang="en-US"/>
+            <a:endParaRPr lang="en-US" dirty="0"/>
           </a:p>
         </p:txBody>
       </p:sp>
@@ -3412,7 +3434,7 @@
             </a:lvl9pPr>
           </a:lstStyle>
           <a:p>
-            <a:endParaRPr lang="en-US"/>
+            <a:endParaRPr lang="en-US" dirty="0"/>
           </a:p>
         </p:txBody>
       </p:sp>
@@ -3437,7 +3459,9 @@
           <a:lstStyle>
             <a:lvl1pPr marL="0" indent="0">
               <a:buNone/>
-              <a:defRPr sz="1400"/>
+              <a:defRPr sz="1400">
+                <a:latin typeface="+mn-lt"/>
+              </a:defRPr>
             </a:lvl1pPr>
             <a:lvl2pPr marL="457200" indent="0">
               <a:buNone/>
@@ -3475,7 +3499,7 @@
           <a:p>
             <a:pPr lvl="0"/>
             <a:r>
-              <a:rPr lang="en-CA" smtClean="0"/>
+              <a:rPr lang="en-CA" dirty="0"/>
               <a:t>Click to edit Master text styles</a:t>
             </a:r>
           </a:p>
@@ -3483,83 +3507,65 @@
       </p:sp>
       <p:sp>
         <p:nvSpPr>
-          <p:cNvPr id="5" name="Date Placeholder 4"/>
+          <p:cNvPr id="8" name="Footer Placeholder 7">
+            <a:extLst>
+              <a:ext uri="{FF2B5EF4-FFF2-40B4-BE49-F238E27FC236}">
+                <a16:creationId xmlns:a16="http://schemas.microsoft.com/office/drawing/2014/main" id="{B5BB785B-8CD1-0040-A247-EDEF010C15C9}"/>
+              </a:ext>
+            </a:extLst>
+          </p:cNvPr>
           <p:cNvSpPr>
             <a:spLocks noGrp="1"/>
           </p:cNvSpPr>
           <p:nvPr>
-            <p:ph type="dt" sz="half" idx="10"/>
+            <p:ph type="ftr" sz="quarter" idx="10"/>
           </p:nvPr>
         </p:nvSpPr>
         <p:spPr/>
         <p:txBody>
           <a:bodyPr/>
-          <a:lstStyle>
-            <a:lvl1pPr>
-              <a:defRPr smtClean="0"/>
-            </a:lvl1pPr>
-          </a:lstStyle>
-          <a:p>
-            <a:fld id="{1B6FC431-BFB1-CC4B-B2B2-680890BAD524}" type="datetime1">
-              <a:rPr lang="en-CA" smtClean="0"/>
-              <a:t>16-07-19</a:t>
-            </a:fld>
+          <a:lstStyle/>
+          <a:p>
             <a:endParaRPr lang="en-US"/>
           </a:p>
         </p:txBody>
       </p:sp>
       <p:sp>
         <p:nvSpPr>
-          <p:cNvPr id="6" name="Footer Placeholder 5"/>
+          <p:cNvPr id="9" name="Slide Number Placeholder 8">
+            <a:extLst>
+              <a:ext uri="{FF2B5EF4-FFF2-40B4-BE49-F238E27FC236}">
+                <a16:creationId xmlns:a16="http://schemas.microsoft.com/office/drawing/2014/main" id="{A1275E30-5B29-BD43-B756-3D1D1E7E12BD}"/>
+              </a:ext>
+            </a:extLst>
+          </p:cNvPr>
           <p:cNvSpPr>
             <a:spLocks noGrp="1"/>
           </p:cNvSpPr>
           <p:nvPr>
-            <p:ph type="ftr" sz="quarter" idx="11"/>
+            <p:ph type="sldNum" sz="quarter" idx="11"/>
           </p:nvPr>
         </p:nvSpPr>
         <p:spPr/>
         <p:txBody>
           <a:bodyPr/>
-          <a:lstStyle>
-            <a:lvl1pPr>
-              <a:defRPr/>
-            </a:lvl1pPr>
-          </a:lstStyle>
-          <a:p>
-            <a:endParaRPr lang="en-US"/>
-          </a:p>
-        </p:txBody>
-      </p:sp>
-      <p:sp>
-        <p:nvSpPr>
-          <p:cNvPr id="7" name="Slide Number Placeholder 6"/>
-          <p:cNvSpPr>
-            <a:spLocks noGrp="1"/>
-          </p:cNvSpPr>
-          <p:nvPr>
-            <p:ph type="sldNum" sz="quarter" idx="12"/>
-          </p:nvPr>
-        </p:nvSpPr>
-        <p:spPr/>
-        <p:txBody>
-          <a:bodyPr/>
-          <a:lstStyle>
-            <a:lvl1pPr>
-              <a:defRPr smtClean="0"/>
-            </a:lvl1pPr>
-          </a:lstStyle>
-          <a:p>
-            <a:fld id="{2B299760-8B6F-FB4A-8A38-29CD67D0D0AF}" type="slidenum">
-              <a:rPr lang="en-US"/>
+          <a:lstStyle/>
+          <a:p>
+            <a:fld id="{95FC67CD-6733-D04F-B9BE-AD105949F24E}" type="slidenum">
+              <a:rPr lang="en-US" smtClean="0"/>
               <a:pPr/>
               <a:t>‹#›</a:t>
             </a:fld>
-            <a:endParaRPr lang="en-US"/>
+            <a:endParaRPr lang="en-US" dirty="0"/>
           </a:p>
         </p:txBody>
       </p:sp>
     </p:spTree>
+    <p:extLst>
+      <p:ext uri="{BB962C8B-B14F-4D97-AF65-F5344CB8AC3E}">
+        <p14:creationId xmlns:p14="http://schemas.microsoft.com/office/powerpoint/2010/main" val="3060550734"/>
+      </p:ext>
+    </p:extLst>
   </p:cSld>
   <p:clrMapOvr>
     <a:masterClrMapping/>
@@ -3568,7 +3574,7 @@
 </file>
 
 <file path=ppt/slideMasters/slideMaster1.xml><?xml version="1.0" encoding="utf-8"?>
-<p:sldMaster xmlns:a="http://schemas.openxmlformats.org/drawingml/2006/main" xmlns:r="http://schemas.openxmlformats.org/officeDocument/2006/relationships" xmlns:p="http://schemas.openxmlformats.org/presentationml/2006/main">
+<p:sldMaster xmlns:a="http://schemas.openxmlformats.org/drawingml/2006/main" xmlns:r="http://schemas.openxmlformats.org/officeDocument/2006/relationships" xmlns:p="http://schemas.openxmlformats.org/presentationml/2006/main" preserve="1">
   <p:cSld>
     <p:bg>
       <p:bgPr>
@@ -3708,99 +3714,6 @@
       </p:sp>
       <p:sp>
         <p:nvSpPr>
-          <p:cNvPr id="1028" name="Rectangle 4"/>
-          <p:cNvSpPr>
-            <a:spLocks noGrp="1" noChangeArrowheads="1"/>
-          </p:cNvSpPr>
-          <p:nvPr>
-            <p:ph type="dt" sz="half" idx="2"/>
-          </p:nvPr>
-        </p:nvSpPr>
-        <p:spPr bwMode="auto">
-          <a:xfrm>
-            <a:off x="685800" y="6248400"/>
-            <a:ext cx="1905000" cy="457200"/>
-          </a:xfrm>
-          <a:prstGeom prst="rect">
-            <a:avLst/>
-          </a:prstGeom>
-          <a:noFill/>
-          <a:ln w="9525">
-            <a:noFill/>
-            <a:miter lim="800000"/>
-            <a:headEnd/>
-            <a:tailEnd/>
-          </a:ln>
-          <a:effectLst/>
-        </p:spPr>
-        <p:txBody>
-          <a:bodyPr vert="horz" wrap="square" lIns="91440" tIns="45720" rIns="91440" bIns="45720" numCol="1" anchor="t" anchorCtr="0" compatLnSpc="1">
-            <a:prstTxWarp prst="textNoShape">
-              <a:avLst/>
-            </a:prstTxWarp>
-          </a:bodyPr>
-          <a:lstStyle>
-            <a:lvl1pPr>
-              <a:defRPr sz="1400">
-                <a:latin typeface="Candara"/>
-                <a:cs typeface="Candara"/>
-              </a:defRPr>
-            </a:lvl1pPr>
-          </a:lstStyle>
-          <a:p>
-            <a:fld id="{34DBDBF9-2F7A-9241-B7C9-46604A8CA96B}" type="datetime1">
-              <a:rPr lang="en-CA" smtClean="0"/>
-              <a:t>16-07-19</a:t>
-            </a:fld>
-            <a:endParaRPr lang="en-US" dirty="0"/>
-          </a:p>
-        </p:txBody>
-      </p:sp>
-      <p:sp>
-        <p:nvSpPr>
-          <p:cNvPr id="1029" name="Rectangle 5"/>
-          <p:cNvSpPr>
-            <a:spLocks noGrp="1" noChangeArrowheads="1"/>
-          </p:cNvSpPr>
-          <p:nvPr>
-            <p:ph type="ftr" sz="quarter" idx="3"/>
-          </p:nvPr>
-        </p:nvSpPr>
-        <p:spPr bwMode="auto">
-          <a:xfrm>
-            <a:off x="3124200" y="6248400"/>
-            <a:ext cx="2895600" cy="457200"/>
-          </a:xfrm>
-          <a:prstGeom prst="rect">
-            <a:avLst/>
-          </a:prstGeom>
-          <a:noFill/>
-          <a:ln w="9525">
-            <a:noFill/>
-            <a:miter lim="800000"/>
-            <a:headEnd/>
-            <a:tailEnd/>
-          </a:ln>
-          <a:effectLst/>
-        </p:spPr>
-        <p:txBody>
-          <a:bodyPr vert="horz" wrap="square" lIns="91440" tIns="45720" rIns="91440" bIns="45720" numCol="1" anchor="t" anchorCtr="0" compatLnSpc="1">
-            <a:prstTxWarp prst="textNoShape">
-              <a:avLst/>
-            </a:prstTxWarp>
-          </a:bodyPr>
-          <a:lstStyle>
-            <a:lvl1pPr algn="ctr">
-              <a:defRPr sz="1400"/>
-            </a:lvl1pPr>
-          </a:lstStyle>
-          <a:p>
-            <a:endParaRPr lang="en-US"/>
-          </a:p>
-        </p:txBody>
-      </p:sp>
-      <p:sp>
-        <p:nvSpPr>
           <p:cNvPr id="1030" name="Rectangle 6"/>
           <p:cNvSpPr>
             <a:spLocks noGrp="1" noChangeArrowheads="1"/>
@@ -3835,13 +3748,13 @@
           <a:lstStyle>
             <a:lvl1pPr algn="r">
               <a:defRPr sz="1400">
-                <a:latin typeface="Candara"/>
+                <a:latin typeface="+mn-lt"/>
                 <a:cs typeface="Candara"/>
               </a:defRPr>
             </a:lvl1pPr>
           </a:lstStyle>
           <a:p>
-            <a:fld id="{D8512D64-FEAA-BC43-A323-8C6D3B193ADD}" type="slidenum">
+            <a:fld id="{95FC67CD-6733-D04F-B9BE-AD105949F24E}" type="slidenum">
               <a:rPr lang="en-US" smtClean="0"/>
               <a:pPr/>
               <a:t>‹#›</a:t>
@@ -3850,21 +3763,69 @@
           </a:p>
         </p:txBody>
       </p:sp>
+      <p:sp>
+        <p:nvSpPr>
+          <p:cNvPr id="2" name="Footer Placeholder 1">
+            <a:extLst>
+              <a:ext uri="{FF2B5EF4-FFF2-40B4-BE49-F238E27FC236}">
+                <a16:creationId xmlns:a16="http://schemas.microsoft.com/office/drawing/2014/main" id="{20CEA516-DB0A-A54B-8590-B485BCFD422E}"/>
+              </a:ext>
+            </a:extLst>
+          </p:cNvPr>
+          <p:cNvSpPr>
+            <a:spLocks noGrp="1"/>
+          </p:cNvSpPr>
+          <p:nvPr>
+            <p:ph type="ftr" sz="quarter" idx="3"/>
+          </p:nvPr>
+        </p:nvSpPr>
+        <p:spPr>
+          <a:xfrm>
+            <a:off x="3028950" y="6356350"/>
+            <a:ext cx="3086100" cy="365125"/>
+          </a:xfrm>
+          <a:prstGeom prst="rect">
+            <a:avLst/>
+          </a:prstGeom>
+        </p:spPr>
+        <p:txBody>
+          <a:bodyPr vert="horz" lIns="91440" tIns="45720" rIns="91440" bIns="45720" rtlCol="0" anchor="ctr"/>
+          <a:lstStyle>
+            <a:lvl1pPr algn="ctr">
+              <a:defRPr sz="1200">
+                <a:solidFill>
+                  <a:schemeClr val="tx1">
+                    <a:tint val="75000"/>
+                  </a:schemeClr>
+                </a:solidFill>
+              </a:defRPr>
+            </a:lvl1pPr>
+          </a:lstStyle>
+          <a:p>
+            <a:endParaRPr lang="en-US"/>
+          </a:p>
+        </p:txBody>
+      </p:sp>
     </p:spTree>
+    <p:extLst>
+      <p:ext uri="{BB962C8B-B14F-4D97-AF65-F5344CB8AC3E}">
+        <p14:creationId xmlns:p14="http://schemas.microsoft.com/office/powerpoint/2010/main" val="2412231116"/>
+      </p:ext>
+    </p:extLst>
   </p:cSld>
   <p:clrMap bg1="lt1" tx1="dk1" bg2="lt2" tx2="dk2" accent1="accent1" accent2="accent2" accent3="accent3" accent4="accent4" accent5="accent5" accent6="accent6" hlink="hlink" folHlink="folHlink"/>
   <p:sldLayoutIdLst>
-    <p:sldLayoutId id="2147483649" r:id="rId1"/>
-    <p:sldLayoutId id="2147483650" r:id="rId2"/>
-    <p:sldLayoutId id="2147483651" r:id="rId3"/>
-    <p:sldLayoutId id="2147483652" r:id="rId4"/>
-    <p:sldLayoutId id="2147483653" r:id="rId5"/>
-    <p:sldLayoutId id="2147483654" r:id="rId6"/>
-    <p:sldLayoutId id="2147483655" r:id="rId7"/>
-    <p:sldLayoutId id="2147483656" r:id="rId8"/>
-    <p:sldLayoutId id="2147483657" r:id="rId9"/>
-    <p:sldLayoutId id="2147483658" r:id="rId10"/>
-    <p:sldLayoutId id="2147483659" r:id="rId11"/>
+    <p:sldLayoutId id="2147483661" r:id="rId1"/>
+    <p:sldLayoutId id="2147483662" r:id="rId2"/>
+    <p:sldLayoutId id="2147483663" r:id="rId3"/>
+    <p:sldLayoutId id="2147483664" r:id="rId4"/>
+    <p:sldLayoutId id="2147483665" r:id="rId5"/>
+    <p:sldLayoutId id="2147483666" r:id="rId6"/>
+    <p:sldLayoutId id="2147483667" r:id="rId7"/>
+    <p:sldLayoutId id="2147483668" r:id="rId8"/>
+    <p:sldLayoutId id="2147483669" r:id="rId9"/>
+    <p:sldLayoutId id="2147483670" r:id="rId10"/>
+    <p:sldLayoutId id="2147483671" r:id="rId11"/>
   </p:sldLayoutIdLst>
   <p:hf hdr="0" ftr="0" dt="0"/>
   <p:txStyles>
@@ -3880,7 +3841,7 @@
           <a:solidFill>
             <a:schemeClr val="tx2"/>
           </a:solidFill>
-          <a:latin typeface="Candara"/>
+          <a:latin typeface="+mj-lt"/>
           <a:ea typeface="+mj-ea"/>
           <a:cs typeface="Candara"/>
         </a:defRPr>
@@ -4011,7 +3972,7 @@
           <a:solidFill>
             <a:schemeClr val="tx1"/>
           </a:solidFill>
-          <a:latin typeface="Candara"/>
+          <a:latin typeface="+mn-lt"/>
           <a:ea typeface="+mn-ea"/>
           <a:cs typeface="Candara"/>
         </a:defRPr>
@@ -4028,7 +3989,7 @@
           <a:solidFill>
             <a:schemeClr val="tx1"/>
           </a:solidFill>
-          <a:latin typeface="Candara"/>
+          <a:latin typeface="+mn-lt"/>
           <a:ea typeface="ＭＳ Ｐゴシック" charset="-128"/>
           <a:cs typeface="Candara"/>
         </a:defRPr>
@@ -4045,7 +4006,7 @@
           <a:solidFill>
             <a:schemeClr val="tx1"/>
           </a:solidFill>
-          <a:latin typeface="Candara"/>
+          <a:latin typeface="+mn-lt"/>
           <a:ea typeface="ＭＳ Ｐゴシック" charset="-128"/>
           <a:cs typeface="Candara"/>
         </a:defRPr>
@@ -4062,7 +4023,7 @@
           <a:solidFill>
             <a:schemeClr val="tx1"/>
           </a:solidFill>
-          <a:latin typeface="Candara"/>
+          <a:latin typeface="+mn-lt"/>
           <a:ea typeface="ＭＳ Ｐゴシック" charset="-128"/>
           <a:cs typeface="Candara"/>
         </a:defRPr>
@@ -4079,7 +4040,7 @@
           <a:solidFill>
             <a:schemeClr val="tx1"/>
           </a:solidFill>
-          <a:latin typeface="Candara"/>
+          <a:latin typeface="+mn-lt"/>
           <a:ea typeface="ＭＳ Ｐゴシック" charset="-128"/>
           <a:cs typeface="Candara"/>
         </a:defRPr>
@@ -4300,7 +4261,7 @@
               </a:spcBef>
             </a:pPr>
             <a:r>
-              <a:rPr lang="en-US" dirty="0" smtClean="0">
+              <a:rPr lang="en-US" dirty="0">
                 <a:solidFill>
                   <a:schemeClr val="dk1"/>
                 </a:solidFill>
@@ -4311,15 +4272,6 @@
               </a:rPr>
               <a:t>Static Single Assignment Form</a:t>
             </a:r>
-            <a:endParaRPr lang="en-US" dirty="0">
-              <a:solidFill>
-                <a:schemeClr val="dk1"/>
-              </a:solidFill>
-              <a:latin typeface="Calibri"/>
-              <a:ea typeface="Calibri"/>
-              <a:cs typeface="Calibri"/>
-              <a:sym typeface="Calibri"/>
-            </a:endParaRPr>
           </a:p>
         </p:txBody>
       </p:sp>
@@ -4433,6 +4385,30 @@
       </p:sp>
       <p:sp>
         <p:nvSpPr>
+          <p:cNvPr id="2" name="Slide Number Placeholder 1"/>
+          <p:cNvSpPr>
+            <a:spLocks noGrp="1"/>
+          </p:cNvSpPr>
+          <p:nvPr>
+            <p:ph type="sldNum" sz="quarter" idx="11"/>
+          </p:nvPr>
+        </p:nvSpPr>
+        <p:spPr/>
+        <p:txBody>
+          <a:bodyPr/>
+          <a:lstStyle/>
+          <a:p>
+            <a:fld id="{00632DF9-8F59-3B48-8E00-329792CA07DF}" type="slidenum">
+              <a:rPr lang="en-US" smtClean="0"/>
+              <a:pPr/>
+              <a:t>1</a:t>
+            </a:fld>
+            <a:endParaRPr lang="en-US"/>
+          </a:p>
+        </p:txBody>
+      </p:sp>
+      <p:sp>
+        <p:nvSpPr>
           <p:cNvPr id="205" name="Shape 205"/>
           <p:cNvSpPr/>
           <p:nvPr/>
@@ -4478,7 +4454,7 @@
               <a:buNone/>
             </a:pPr>
             <a:r>
-              <a:rPr lang="en-US" sz="2400" dirty="0" smtClean="0">
+              <a:rPr lang="en-US" sz="2400" dirty="0">
                 <a:solidFill>
                   <a:schemeClr val="dk1"/>
                 </a:solidFill>
@@ -4489,39 +4465,6 @@
               </a:rPr>
               <a:t>SSA Form 2</a:t>
             </a:r>
-            <a:endParaRPr lang="en-US" sz="2400" dirty="0">
-              <a:solidFill>
-                <a:schemeClr val="dk1"/>
-              </a:solidFill>
-              <a:latin typeface="Calibri"/>
-              <a:ea typeface="Calibri"/>
-              <a:cs typeface="Calibri"/>
-              <a:sym typeface="Calibri"/>
-            </a:endParaRPr>
-          </a:p>
-        </p:txBody>
-      </p:sp>
-      <p:sp>
-        <p:nvSpPr>
-          <p:cNvPr id="2" name="Slide Number Placeholder 1"/>
-          <p:cNvSpPr>
-            <a:spLocks noGrp="1"/>
-          </p:cNvSpPr>
-          <p:nvPr>
-            <p:ph type="sldNum" sz="quarter" idx="12"/>
-          </p:nvPr>
-        </p:nvSpPr>
-        <p:spPr/>
-        <p:txBody>
-          <a:bodyPr/>
-          <a:lstStyle/>
-          <a:p>
-            <a:fld id="{00632DF9-8F59-3B48-8E00-329792CA07DF}" type="slidenum">
-              <a:rPr lang="en-US" smtClean="0"/>
-              <a:pPr/>
-              <a:t>1</a:t>
-            </a:fld>
-            <a:endParaRPr lang="en-US"/>
           </a:p>
         </p:txBody>
       </p:sp>
@@ -4535,13 +4478,6 @@
   <p:clrMapOvr>
     <a:masterClrMapping/>
   </p:clrMapOvr>
-  <p:timing>
-    <p:tnLst>
-      <p:par>
-        <p:cTn xmlns:p14="http://schemas.microsoft.com/office/powerpoint/2010/main" id="1" dur="indefinite" restart="never" nodeType="tmRoot"/>
-      </p:par>
-    </p:tnLst>
-  </p:timing>
 </p:sld>
 </file>
 
@@ -4578,10 +4514,9 @@
           <a:lstStyle/>
           <a:p>
             <a:r>
-              <a:rPr lang="en-US" dirty="0" smtClean="0"/>
+              <a:rPr lang="en-US" dirty="0"/>
               <a:t>Dominance Relation</a:t>
             </a:r>
-            <a:endParaRPr lang="en-US" dirty="0"/>
           </a:p>
         </p:txBody>
       </p:sp>
@@ -4592,7 +4527,7 @@
             <a:spLocks noGrp="1"/>
           </p:cNvSpPr>
           <p:nvPr>
-            <p:ph type="sldNum" sz="quarter" idx="12"/>
+            <p:ph type="sldNum" sz="quarter" idx="11"/>
           </p:nvPr>
         </p:nvSpPr>
         <p:spPr/>
@@ -4639,10 +4574,9 @@
           <a:lstStyle/>
           <a:p>
             <a:r>
-              <a:rPr lang="en-US" dirty="0" smtClean="0"/>
+              <a:rPr lang="en-US" dirty="0"/>
               <a:t>1:</a:t>
             </a:r>
-            <a:endParaRPr lang="en-US" dirty="0"/>
           </a:p>
         </p:txBody>
       </p:sp>
@@ -4676,10 +4610,9 @@
           <a:lstStyle/>
           <a:p>
             <a:r>
-              <a:rPr lang="en-US" dirty="0" smtClean="0"/>
+              <a:rPr lang="en-US" dirty="0"/>
               <a:t>2:</a:t>
             </a:r>
-            <a:endParaRPr lang="en-US" dirty="0"/>
           </a:p>
         </p:txBody>
       </p:sp>
@@ -4713,10 +4646,9 @@
           <a:lstStyle/>
           <a:p>
             <a:r>
-              <a:rPr lang="en-US" dirty="0" smtClean="0"/>
+              <a:rPr lang="en-US" dirty="0"/>
               <a:t>3:</a:t>
             </a:r>
-            <a:endParaRPr lang="en-US" dirty="0"/>
           </a:p>
         </p:txBody>
       </p:sp>
@@ -4750,15 +4682,11 @@
           <a:lstStyle/>
           <a:p>
             <a:r>
-              <a:rPr lang="en-US" dirty="0" smtClean="0"/>
-              <a:t>4</a:t>
-            </a:r>
-            <a:r>
-              <a:rPr lang="en-US" dirty="0" smtClean="0"/>
-              <a:t>: a3=</a:t>
-            </a:r>
-            <a:r>
-              <a:rPr lang="en-US" dirty="0" smtClean="0">
+              <a:rPr lang="en-US" dirty="0"/>
+              <a:t>4: a3=</a:t>
+            </a:r>
+            <a:r>
+              <a:rPr lang="en-US" dirty="0">
                 <a:sym typeface="Symbol" charset="2"/>
               </a:rPr>
               <a:t>(a1,a2)</a:t>
@@ -4797,10 +4725,9 @@
           <a:lstStyle/>
           <a:p>
             <a:r>
-              <a:rPr lang="en-US" dirty="0" smtClean="0"/>
+              <a:rPr lang="en-US" dirty="0"/>
               <a:t>5:</a:t>
             </a:r>
-            <a:endParaRPr lang="en-US" dirty="0"/>
           </a:p>
         </p:txBody>
       </p:sp>
@@ -4834,18 +4761,13 @@
           <a:lstStyle/>
           <a:p>
             <a:r>
-              <a:rPr lang="en-US" dirty="0" smtClean="0">
+              <a:rPr lang="en-US" dirty="0">
                 <a:solidFill>
                   <a:schemeClr val="bg1"/>
                 </a:solidFill>
               </a:rPr>
               <a:t>6:</a:t>
             </a:r>
-            <a:endParaRPr lang="en-US" dirty="0">
-              <a:solidFill>
-                <a:schemeClr val="bg1"/>
-              </a:solidFill>
-            </a:endParaRPr>
           </a:p>
         </p:txBody>
       </p:sp>
@@ -4879,18 +4801,13 @@
           <a:lstStyle/>
           <a:p>
             <a:r>
-              <a:rPr lang="en-US" dirty="0" smtClean="0">
+              <a:rPr lang="en-US" dirty="0">
                 <a:solidFill>
                   <a:srgbClr val="FFFFFF"/>
                 </a:solidFill>
               </a:rPr>
               <a:t>7:</a:t>
             </a:r>
-            <a:endParaRPr lang="en-US" dirty="0">
-              <a:solidFill>
-                <a:srgbClr val="FFFFFF"/>
-              </a:solidFill>
-            </a:endParaRPr>
           </a:p>
         </p:txBody>
       </p:sp>
@@ -4924,18 +4841,13 @@
           <a:lstStyle/>
           <a:p>
             <a:r>
-              <a:rPr lang="en-US" dirty="0" smtClean="0">
+              <a:rPr lang="en-US" dirty="0">
                 <a:solidFill>
                   <a:srgbClr val="FFFFFF"/>
                 </a:solidFill>
               </a:rPr>
               <a:t>8:</a:t>
             </a:r>
-            <a:endParaRPr lang="en-US" dirty="0">
-              <a:solidFill>
-                <a:srgbClr val="FFFFFF"/>
-              </a:solidFill>
-            </a:endParaRPr>
           </a:p>
         </p:txBody>
       </p:sp>
@@ -4969,10 +4881,9 @@
           <a:lstStyle/>
           <a:p>
             <a:r>
-              <a:rPr lang="en-US" dirty="0" smtClean="0"/>
+              <a:rPr lang="en-US" dirty="0"/>
               <a:t>9:</a:t>
             </a:r>
-            <a:endParaRPr lang="en-US" dirty="0"/>
           </a:p>
         </p:txBody>
       </p:sp>
@@ -5006,10 +4917,9 @@
           <a:lstStyle/>
           <a:p>
             <a:r>
-              <a:rPr lang="en-US" dirty="0" smtClean="0"/>
+              <a:rPr lang="en-US" dirty="0"/>
               <a:t>10:</a:t>
             </a:r>
-            <a:endParaRPr lang="en-US" dirty="0"/>
           </a:p>
         </p:txBody>
       </p:sp>
@@ -5043,10 +4953,9 @@
           <a:lstStyle/>
           <a:p>
             <a:r>
-              <a:rPr lang="en-US" dirty="0" smtClean="0"/>
+              <a:rPr lang="en-US" dirty="0"/>
               <a:t>11:</a:t>
             </a:r>
-            <a:endParaRPr lang="en-US" dirty="0"/>
           </a:p>
         </p:txBody>
       </p:sp>
@@ -5080,10 +4989,9 @@
           <a:lstStyle/>
           <a:p>
             <a:r>
-              <a:rPr lang="en-US" dirty="0" smtClean="0"/>
+              <a:rPr lang="en-US" dirty="0"/>
               <a:t>12:</a:t>
             </a:r>
-            <a:endParaRPr lang="en-US" dirty="0"/>
           </a:p>
         </p:txBody>
       </p:sp>
@@ -5117,10 +5025,9 @@
           <a:lstStyle/>
           <a:p>
             <a:r>
-              <a:rPr lang="en-US" dirty="0" smtClean="0"/>
+              <a:rPr lang="en-US" dirty="0"/>
               <a:t>13:</a:t>
             </a:r>
-            <a:endParaRPr lang="en-US" dirty="0"/>
           </a:p>
         </p:txBody>
       </p:sp>
@@ -5792,10 +5699,9 @@
           <a:lstStyle/>
           <a:p>
             <a:r>
-              <a:rPr lang="en-US" dirty="0" smtClean="0"/>
+              <a:rPr lang="en-US" dirty="0"/>
               <a:t>a=0</a:t>
             </a:r>
-            <a:endParaRPr lang="en-US" dirty="0"/>
           </a:p>
         </p:txBody>
       </p:sp>
@@ -5809,13 +5715,6 @@
   <p:clrMapOvr>
     <a:masterClrMapping/>
   </p:clrMapOvr>
-  <p:timing>
-    <p:tnLst>
-      <p:par>
-        <p:cTn xmlns:p14="http://schemas.microsoft.com/office/powerpoint/2010/main" id="1" dur="indefinite" restart="never" nodeType="tmRoot"/>
-      </p:par>
-    </p:tnLst>
-  </p:timing>
 </p:sld>
 </file>
 
@@ -5852,10 +5751,9 @@
           <a:lstStyle/>
           <a:p>
             <a:r>
-              <a:rPr lang="en-US" dirty="0" smtClean="0"/>
+              <a:rPr lang="en-US" dirty="0"/>
               <a:t>Dominance Relation</a:t>
             </a:r>
-            <a:endParaRPr lang="en-US" dirty="0"/>
           </a:p>
         </p:txBody>
       </p:sp>
@@ -5866,7 +5764,7 @@
             <a:spLocks noGrp="1"/>
           </p:cNvSpPr>
           <p:nvPr>
-            <p:ph type="sldNum" sz="quarter" idx="12"/>
+            <p:ph type="sldNum" sz="quarter" idx="11"/>
           </p:nvPr>
         </p:nvSpPr>
         <p:spPr/>
@@ -5913,10 +5811,9 @@
           <a:lstStyle/>
           <a:p>
             <a:r>
-              <a:rPr lang="en-US" dirty="0" smtClean="0"/>
+              <a:rPr lang="en-US" dirty="0"/>
               <a:t>1:</a:t>
             </a:r>
-            <a:endParaRPr lang="en-US" dirty="0"/>
           </a:p>
         </p:txBody>
       </p:sp>
@@ -5950,10 +5847,9 @@
           <a:lstStyle/>
           <a:p>
             <a:r>
-              <a:rPr lang="en-US" dirty="0" smtClean="0"/>
+              <a:rPr lang="en-US" dirty="0"/>
               <a:t>2:</a:t>
             </a:r>
-            <a:endParaRPr lang="en-US" dirty="0"/>
           </a:p>
         </p:txBody>
       </p:sp>
@@ -5987,10 +5883,9 @@
           <a:lstStyle/>
           <a:p>
             <a:r>
-              <a:rPr lang="en-US" dirty="0" smtClean="0"/>
+              <a:rPr lang="en-US" dirty="0"/>
               <a:t>3:</a:t>
             </a:r>
-            <a:endParaRPr lang="en-US" dirty="0"/>
           </a:p>
         </p:txBody>
       </p:sp>
@@ -6024,14 +5919,9 @@
           <a:lstStyle/>
           <a:p>
             <a:r>
-              <a:rPr lang="en-US" dirty="0" smtClean="0"/>
-              <a:t>4</a:t>
-            </a:r>
-            <a:r>
-              <a:rPr lang="en-US" dirty="0" smtClean="0"/>
-              <a:t>:</a:t>
-            </a:r>
-            <a:endParaRPr lang="en-US" dirty="0"/>
+              <a:rPr lang="en-US" dirty="0"/>
+              <a:t>4:</a:t>
+            </a:r>
           </a:p>
         </p:txBody>
       </p:sp>
@@ -6065,10 +5955,9 @@
           <a:lstStyle/>
           <a:p>
             <a:r>
-              <a:rPr lang="en-US" dirty="0" smtClean="0"/>
+              <a:rPr lang="en-US" dirty="0"/>
               <a:t>5:</a:t>
             </a:r>
-            <a:endParaRPr lang="en-US" dirty="0"/>
           </a:p>
         </p:txBody>
       </p:sp>
@@ -6102,18 +5991,13 @@
           <a:lstStyle/>
           <a:p>
             <a:r>
-              <a:rPr lang="en-US" dirty="0" smtClean="0">
+              <a:rPr lang="en-US" dirty="0">
                 <a:solidFill>
                   <a:schemeClr val="bg1"/>
                 </a:solidFill>
               </a:rPr>
               <a:t>6:</a:t>
             </a:r>
-            <a:endParaRPr lang="en-US" dirty="0">
-              <a:solidFill>
-                <a:schemeClr val="bg1"/>
-              </a:solidFill>
-            </a:endParaRPr>
           </a:p>
         </p:txBody>
       </p:sp>
@@ -6147,18 +6031,13 @@
           <a:lstStyle/>
           <a:p>
             <a:r>
-              <a:rPr lang="en-US" dirty="0" smtClean="0">
+              <a:rPr lang="en-US" dirty="0">
                 <a:solidFill>
                   <a:srgbClr val="FFFFFF"/>
                 </a:solidFill>
               </a:rPr>
               <a:t>7:</a:t>
             </a:r>
-            <a:endParaRPr lang="en-US" dirty="0">
-              <a:solidFill>
-                <a:srgbClr val="FFFFFF"/>
-              </a:solidFill>
-            </a:endParaRPr>
           </a:p>
         </p:txBody>
       </p:sp>
@@ -6192,26 +6071,13 @@
           <a:lstStyle/>
           <a:p>
             <a:r>
-              <a:rPr lang="en-US" dirty="0" smtClean="0">
+              <a:rPr lang="en-US" dirty="0">
                 <a:solidFill>
                   <a:srgbClr val="FFFFFF"/>
                 </a:solidFill>
               </a:rPr>
-              <a:t>8</a:t>
-            </a:r>
-            <a:r>
-              <a:rPr lang="en-US" dirty="0" smtClean="0">
-                <a:solidFill>
-                  <a:srgbClr val="FFFFFF"/>
-                </a:solidFill>
-              </a:rPr>
-              <a:t>: b = a</a:t>
-            </a:r>
-            <a:endParaRPr lang="en-US" dirty="0">
-              <a:solidFill>
-                <a:srgbClr val="FFFFFF"/>
-              </a:solidFill>
-            </a:endParaRPr>
+              <a:t>8: b = a</a:t>
+            </a:r>
           </a:p>
         </p:txBody>
       </p:sp>
@@ -6245,10 +6111,9 @@
           <a:lstStyle/>
           <a:p>
             <a:r>
-              <a:rPr lang="en-US" dirty="0" smtClean="0"/>
+              <a:rPr lang="en-US" dirty="0"/>
               <a:t>9:</a:t>
             </a:r>
-            <a:endParaRPr lang="en-US" dirty="0"/>
           </a:p>
         </p:txBody>
       </p:sp>
@@ -6282,10 +6147,9 @@
           <a:lstStyle/>
           <a:p>
             <a:r>
-              <a:rPr lang="en-US" dirty="0" smtClean="0"/>
+              <a:rPr lang="en-US" dirty="0"/>
               <a:t>10:</a:t>
             </a:r>
-            <a:endParaRPr lang="en-US" dirty="0"/>
           </a:p>
         </p:txBody>
       </p:sp>
@@ -6319,10 +6183,9 @@
           <a:lstStyle/>
           <a:p>
             <a:r>
-              <a:rPr lang="en-US" dirty="0" smtClean="0"/>
+              <a:rPr lang="en-US" dirty="0"/>
               <a:t>11:</a:t>
             </a:r>
-            <a:endParaRPr lang="en-US" dirty="0"/>
           </a:p>
         </p:txBody>
       </p:sp>
@@ -6356,10 +6219,9 @@
           <a:lstStyle/>
           <a:p>
             <a:r>
-              <a:rPr lang="en-US" dirty="0" smtClean="0"/>
+              <a:rPr lang="en-US" dirty="0"/>
               <a:t>12:</a:t>
             </a:r>
-            <a:endParaRPr lang="en-US" dirty="0"/>
           </a:p>
         </p:txBody>
       </p:sp>
@@ -6393,10 +6255,9 @@
           <a:lstStyle/>
           <a:p>
             <a:r>
-              <a:rPr lang="en-US" dirty="0" smtClean="0"/>
+              <a:rPr lang="en-US" dirty="0"/>
               <a:t>13:</a:t>
             </a:r>
-            <a:endParaRPr lang="en-US" dirty="0"/>
           </a:p>
         </p:txBody>
       </p:sp>
@@ -7068,10 +6929,9 @@
           <a:lstStyle/>
           <a:p>
             <a:r>
-              <a:rPr lang="en-US" dirty="0" smtClean="0"/>
+              <a:rPr lang="en-US" dirty="0"/>
               <a:t>a=0</a:t>
             </a:r>
-            <a:endParaRPr lang="en-US" dirty="0"/>
           </a:p>
         </p:txBody>
       </p:sp>
@@ -7085,13 +6945,6 @@
   <p:clrMapOvr>
     <a:masterClrMapping/>
   </p:clrMapOvr>
-  <p:timing>
-    <p:tnLst>
-      <p:par>
-        <p:cTn xmlns:p14="http://schemas.microsoft.com/office/powerpoint/2010/main" id="1" dur="indefinite" restart="never" nodeType="tmRoot"/>
-      </p:par>
-    </p:tnLst>
-  </p:timing>
 </p:sld>
 </file>
 
@@ -7128,10 +6981,9 @@
           <a:lstStyle/>
           <a:p>
             <a:r>
-              <a:rPr lang="en-US" dirty="0" smtClean="0"/>
+              <a:rPr lang="en-US" dirty="0"/>
               <a:t>Dominance Frontier</a:t>
             </a:r>
-            <a:endParaRPr lang="en-US" dirty="0"/>
           </a:p>
         </p:txBody>
       </p:sp>
@@ -7151,51 +7003,50 @@
           <a:lstStyle/>
           <a:p>
             <a:r>
-              <a:rPr lang="en-US" dirty="0" smtClean="0"/>
+              <a:rPr lang="en-US" dirty="0"/>
               <a:t>X </a:t>
             </a:r>
             <a:r>
-              <a:rPr lang="en-US" i="1" dirty="0" smtClean="0"/>
+              <a:rPr lang="en-US" i="1" dirty="0"/>
               <a:t>strictly dominates </a:t>
             </a:r>
             <a:r>
-              <a:rPr lang="en-US" dirty="0" smtClean="0"/>
+              <a:rPr lang="en-US" dirty="0"/>
               <a:t>Y if X dominates Y and X ≠ Y</a:t>
             </a:r>
-            <a:endParaRPr lang="en-US" i="1" dirty="0" smtClean="0"/>
-          </a:p>
-          <a:p>
-            <a:r>
-              <a:rPr lang="en-US" i="1" dirty="0" smtClean="0"/>
+            <a:endParaRPr lang="en-US" i="1" dirty="0"/>
+          </a:p>
+          <a:p>
+            <a:r>
+              <a:rPr lang="en-US" i="1" dirty="0"/>
               <a:t>Dominance Frontier </a:t>
             </a:r>
             <a:r>
-              <a:rPr lang="en-US" dirty="0" smtClean="0"/>
+              <a:rPr lang="en-US" dirty="0"/>
               <a:t>(DF)</a:t>
             </a:r>
             <a:r>
-              <a:rPr lang="en-US" i="1" dirty="0" smtClean="0"/>
+              <a:rPr lang="en-US" i="1" dirty="0"/>
               <a:t> </a:t>
             </a:r>
             <a:r>
-              <a:rPr lang="en-US" dirty="0" smtClean="0"/>
+              <a:rPr lang="en-US" dirty="0"/>
               <a:t>of node X is the set of all nodes Y such that:</a:t>
             </a:r>
           </a:p>
           <a:p>
             <a:pPr lvl="1"/>
             <a:r>
-              <a:rPr lang="en-US" dirty="0" smtClean="0"/>
+              <a:rPr lang="en-US" dirty="0"/>
               <a:t>X dominates a predecessor of Y, AND</a:t>
             </a:r>
           </a:p>
           <a:p>
             <a:pPr lvl="1"/>
             <a:r>
-              <a:rPr lang="en-US" dirty="0" smtClean="0"/>
+              <a:rPr lang="en-US" dirty="0"/>
               <a:t>X does not strictly dominate Y</a:t>
             </a:r>
-            <a:endParaRPr lang="en-US" dirty="0"/>
           </a:p>
         </p:txBody>
       </p:sp>
@@ -7228,13 +7079,6 @@
   <p:clrMapOvr>
     <a:masterClrMapping/>
   </p:clrMapOvr>
-  <p:timing>
-    <p:tnLst>
-      <p:par>
-        <p:cTn xmlns:p14="http://schemas.microsoft.com/office/powerpoint/2010/main" id="1" dur="indefinite" restart="never" nodeType="tmRoot"/>
-      </p:par>
-    </p:tnLst>
-  </p:timing>
 </p:sld>
 </file>
 
@@ -7271,10 +7115,9 @@
           <a:lstStyle/>
           <a:p>
             <a:r>
-              <a:rPr lang="en-US" dirty="0" smtClean="0"/>
+              <a:rPr lang="en-US" dirty="0"/>
               <a:t>Dominance Frontier</a:t>
             </a:r>
-            <a:endParaRPr lang="en-US" dirty="0"/>
           </a:p>
         </p:txBody>
       </p:sp>
@@ -7285,7 +7128,7 @@
             <a:spLocks noGrp="1"/>
           </p:cNvSpPr>
           <p:nvPr>
-            <p:ph type="sldNum" sz="quarter" idx="12"/>
+            <p:ph type="sldNum" sz="quarter" idx="11"/>
           </p:nvPr>
         </p:nvSpPr>
         <p:spPr/>
@@ -7332,10 +7175,9 @@
           <a:lstStyle/>
           <a:p>
             <a:r>
-              <a:rPr lang="en-US" dirty="0" smtClean="0"/>
+              <a:rPr lang="en-US" dirty="0"/>
               <a:t>1:</a:t>
             </a:r>
-            <a:endParaRPr lang="en-US" dirty="0"/>
           </a:p>
         </p:txBody>
       </p:sp>
@@ -7369,10 +7211,9 @@
           <a:lstStyle/>
           <a:p>
             <a:r>
-              <a:rPr lang="en-US" dirty="0" smtClean="0"/>
+              <a:rPr lang="en-US" dirty="0"/>
               <a:t>2:</a:t>
             </a:r>
-            <a:endParaRPr lang="en-US" dirty="0"/>
           </a:p>
         </p:txBody>
       </p:sp>
@@ -7406,10 +7247,9 @@
           <a:lstStyle/>
           <a:p>
             <a:r>
-              <a:rPr lang="en-US" dirty="0" smtClean="0"/>
+              <a:rPr lang="en-US" dirty="0"/>
               <a:t>3:</a:t>
             </a:r>
-            <a:endParaRPr lang="en-US" dirty="0"/>
           </a:p>
         </p:txBody>
       </p:sp>
@@ -7443,10 +7283,9 @@
           <a:lstStyle/>
           <a:p>
             <a:r>
-              <a:rPr lang="en-US" dirty="0" smtClean="0"/>
+              <a:rPr lang="en-US" dirty="0"/>
               <a:t>4:</a:t>
             </a:r>
-            <a:endParaRPr lang="en-US" dirty="0"/>
           </a:p>
         </p:txBody>
       </p:sp>
@@ -7480,10 +7319,9 @@
           <a:lstStyle/>
           <a:p>
             <a:r>
-              <a:rPr lang="en-US" dirty="0" smtClean="0"/>
+              <a:rPr lang="en-US" dirty="0"/>
               <a:t>5:</a:t>
             </a:r>
-            <a:endParaRPr lang="en-US" dirty="0"/>
           </a:p>
         </p:txBody>
       </p:sp>
@@ -7517,18 +7355,13 @@
           <a:lstStyle/>
           <a:p>
             <a:r>
-              <a:rPr lang="en-US" dirty="0" smtClean="0">
+              <a:rPr lang="en-US" dirty="0">
                 <a:solidFill>
                   <a:schemeClr val="bg1"/>
                 </a:solidFill>
               </a:rPr>
               <a:t>6:</a:t>
             </a:r>
-            <a:endParaRPr lang="en-US" dirty="0">
-              <a:solidFill>
-                <a:schemeClr val="bg1"/>
-              </a:solidFill>
-            </a:endParaRPr>
           </a:p>
         </p:txBody>
       </p:sp>
@@ -7562,18 +7395,13 @@
           <a:lstStyle/>
           <a:p>
             <a:r>
-              <a:rPr lang="en-US" dirty="0" smtClean="0">
+              <a:rPr lang="en-US" dirty="0">
                 <a:solidFill>
                   <a:srgbClr val="FFFFFF"/>
                 </a:solidFill>
               </a:rPr>
               <a:t>7:</a:t>
             </a:r>
-            <a:endParaRPr lang="en-US" dirty="0">
-              <a:solidFill>
-                <a:srgbClr val="FFFFFF"/>
-              </a:solidFill>
-            </a:endParaRPr>
           </a:p>
         </p:txBody>
       </p:sp>
@@ -7607,18 +7435,13 @@
           <a:lstStyle/>
           <a:p>
             <a:r>
-              <a:rPr lang="en-US" dirty="0" smtClean="0">
+              <a:rPr lang="en-US" dirty="0">
                 <a:solidFill>
                   <a:srgbClr val="FFFFFF"/>
                 </a:solidFill>
               </a:rPr>
               <a:t>8:</a:t>
             </a:r>
-            <a:endParaRPr lang="en-US" dirty="0">
-              <a:solidFill>
-                <a:srgbClr val="FFFFFF"/>
-              </a:solidFill>
-            </a:endParaRPr>
           </a:p>
         </p:txBody>
       </p:sp>
@@ -7652,10 +7475,9 @@
           <a:lstStyle/>
           <a:p>
             <a:r>
-              <a:rPr lang="en-US" dirty="0" smtClean="0"/>
+              <a:rPr lang="en-US" dirty="0"/>
               <a:t>9:</a:t>
             </a:r>
-            <a:endParaRPr lang="en-US" dirty="0"/>
           </a:p>
         </p:txBody>
       </p:sp>
@@ -7689,10 +7511,9 @@
           <a:lstStyle/>
           <a:p>
             <a:r>
-              <a:rPr lang="en-US" dirty="0" smtClean="0"/>
+              <a:rPr lang="en-US" dirty="0"/>
               <a:t>10:</a:t>
             </a:r>
-            <a:endParaRPr lang="en-US" dirty="0"/>
           </a:p>
         </p:txBody>
       </p:sp>
@@ -7726,10 +7547,9 @@
           <a:lstStyle/>
           <a:p>
             <a:r>
-              <a:rPr lang="en-US" dirty="0" smtClean="0"/>
+              <a:rPr lang="en-US" dirty="0"/>
               <a:t>11:</a:t>
             </a:r>
-            <a:endParaRPr lang="en-US" dirty="0"/>
           </a:p>
         </p:txBody>
       </p:sp>
@@ -7763,10 +7583,9 @@
           <a:lstStyle/>
           <a:p>
             <a:r>
-              <a:rPr lang="en-US" dirty="0" smtClean="0"/>
+              <a:rPr lang="en-US" dirty="0"/>
               <a:t>12:</a:t>
             </a:r>
-            <a:endParaRPr lang="en-US" dirty="0"/>
           </a:p>
         </p:txBody>
       </p:sp>
@@ -7800,10 +7619,9 @@
           <a:lstStyle/>
           <a:p>
             <a:r>
-              <a:rPr lang="en-US" dirty="0" smtClean="0"/>
+              <a:rPr lang="en-US" dirty="0"/>
               <a:t>13:</a:t>
             </a:r>
-            <a:endParaRPr lang="en-US" dirty="0"/>
           </a:p>
         </p:txBody>
       </p:sp>
@@ -8477,10 +8295,9 @@
           <a:lstStyle/>
           <a:p>
             <a:r>
-              <a:rPr lang="en-US" dirty="0" smtClean="0"/>
+              <a:rPr lang="en-US" dirty="0"/>
               <a:t>D(5)={6,7,8}</a:t>
             </a:r>
-            <a:endParaRPr lang="en-US" dirty="0"/>
           </a:p>
         </p:txBody>
       </p:sp>
@@ -8509,10 +8326,9 @@
           <a:lstStyle/>
           <a:p>
             <a:r>
-              <a:rPr lang="en-US" dirty="0" smtClean="0"/>
+              <a:rPr lang="en-US" dirty="0"/>
               <a:t>DF(5) = {4,12,5,13}</a:t>
             </a:r>
-            <a:endParaRPr lang="en-US" dirty="0"/>
           </a:p>
         </p:txBody>
       </p:sp>
@@ -8541,18 +8357,13 @@
           <a:lstStyle/>
           <a:p>
             <a:r>
-              <a:rPr lang="en-US" dirty="0" smtClean="0">
+              <a:rPr lang="en-US" dirty="0">
                 <a:solidFill>
                   <a:srgbClr val="FFFFFF"/>
                 </a:solidFill>
               </a:rPr>
               <a:t>S(6)={4,8}</a:t>
             </a:r>
-            <a:endParaRPr lang="en-US" dirty="0">
-              <a:solidFill>
-                <a:srgbClr val="FFFFFF"/>
-              </a:solidFill>
-            </a:endParaRPr>
           </a:p>
         </p:txBody>
       </p:sp>
@@ -8581,18 +8392,13 @@
           <a:lstStyle/>
           <a:p>
             <a:r>
-              <a:rPr lang="en-US" dirty="0" smtClean="0">
+              <a:rPr lang="en-US" dirty="0">
                 <a:solidFill>
                   <a:srgbClr val="FFFFFF"/>
                 </a:solidFill>
               </a:rPr>
               <a:t>S(7)={8,12}</a:t>
             </a:r>
-            <a:endParaRPr lang="en-US" dirty="0">
-              <a:solidFill>
-                <a:srgbClr val="FFFFFF"/>
-              </a:solidFill>
-            </a:endParaRPr>
           </a:p>
         </p:txBody>
       </p:sp>
@@ -8621,18 +8427,13 @@
           <a:lstStyle/>
           <a:p>
             <a:r>
-              <a:rPr lang="en-US" dirty="0" smtClean="0">
+              <a:rPr lang="en-US" dirty="0">
                 <a:solidFill>
                   <a:srgbClr val="FFFFFF"/>
                 </a:solidFill>
               </a:rPr>
               <a:t>S(8)={5,13}</a:t>
             </a:r>
-            <a:endParaRPr lang="en-US" dirty="0">
-              <a:solidFill>
-                <a:srgbClr val="FFFFFF"/>
-              </a:solidFill>
-            </a:endParaRPr>
           </a:p>
         </p:txBody>
       </p:sp>
@@ -8644,7 +8445,7 @@
   <p:timing>
     <p:tnLst>
       <p:par>
-        <p:cTn xmlns:p14="http://schemas.microsoft.com/office/powerpoint/2010/main" id="1" dur="indefinite" restart="never" nodeType="tmRoot">
+        <p:cTn id="1" dur="indefinite" restart="never" nodeType="tmRoot">
           <p:childTnLst>
             <p:seq concurrent="1" nextAc="seek">
               <p:cTn id="2" dur="indefinite" nodeType="mainSeq">
@@ -8939,10 +8740,9 @@
           <a:lstStyle/>
           <a:p>
             <a:r>
-              <a:rPr lang="en-US" dirty="0" smtClean="0"/>
+              <a:rPr lang="en-US" dirty="0"/>
               <a:t>Dominance Frontier</a:t>
             </a:r>
-            <a:endParaRPr lang="en-US" dirty="0"/>
           </a:p>
         </p:txBody>
       </p:sp>
@@ -8962,55 +8762,54 @@
           <a:lstStyle/>
           <a:p>
             <a:r>
-              <a:rPr lang="en-US" dirty="0" smtClean="0"/>
+              <a:rPr lang="en-US" dirty="0"/>
               <a:t>Algorithm to compute DF(X):</a:t>
             </a:r>
           </a:p>
           <a:p>
             <a:pPr lvl="1"/>
             <a:r>
-              <a:rPr lang="en-US" dirty="0" err="1" smtClean="0"/>
+              <a:rPr lang="en-US" dirty="0" err="1"/>
               <a:t>Local(X</a:t>
             </a:r>
             <a:r>
-              <a:rPr lang="en-US" dirty="0" smtClean="0"/>
+              <a:rPr lang="en-US" dirty="0"/>
               <a:t>) := set of successors of X who do not immediately dominate X</a:t>
             </a:r>
           </a:p>
           <a:p>
             <a:pPr lvl="1"/>
             <a:r>
-              <a:rPr lang="en-US" dirty="0" err="1" smtClean="0"/>
+              <a:rPr lang="en-US" dirty="0" err="1"/>
               <a:t>Up(X</a:t>
             </a:r>
             <a:r>
-              <a:rPr lang="en-US" dirty="0" smtClean="0"/>
+              <a:rPr lang="en-US" dirty="0"/>
               <a:t>) := set of nodes in DF(X) that are not dominated by X’s immediate dominator.</a:t>
             </a:r>
           </a:p>
           <a:p>
             <a:pPr lvl="1"/>
             <a:r>
-              <a:rPr lang="en-US" dirty="0" smtClean="0"/>
+              <a:rPr lang="en-US" dirty="0"/>
               <a:t>DF(X) := Union of </a:t>
             </a:r>
             <a:r>
-              <a:rPr lang="en-US" dirty="0" err="1" smtClean="0"/>
+              <a:rPr lang="en-US" dirty="0" err="1"/>
               <a:t>Local(X</a:t>
             </a:r>
             <a:r>
-              <a:rPr lang="en-US" dirty="0" smtClean="0"/>
+              <a:rPr lang="en-US" dirty="0"/>
               <a:t>) &amp; ( Union of </a:t>
             </a:r>
             <a:r>
-              <a:rPr lang="en-US" dirty="0" err="1" smtClean="0"/>
+              <a:rPr lang="en-US" dirty="0" err="1"/>
               <a:t>Up(K</a:t>
             </a:r>
             <a:r>
-              <a:rPr lang="en-US" dirty="0" smtClean="0"/>
+              <a:rPr lang="en-US" dirty="0"/>
               <a:t>) for all K that are children of X )</a:t>
             </a:r>
-            <a:endParaRPr lang="en-US" dirty="0"/>
           </a:p>
         </p:txBody>
       </p:sp>
@@ -9043,13 +8842,6 @@
   <p:clrMapOvr>
     <a:masterClrMapping/>
   </p:clrMapOvr>
-  <p:timing>
-    <p:tnLst>
-      <p:par>
-        <p:cTn xmlns:p14="http://schemas.microsoft.com/office/powerpoint/2010/main" id="1" dur="indefinite" restart="never" nodeType="tmRoot"/>
-      </p:par>
-    </p:tnLst>
-  </p:timing>
 </p:sld>
 </file>
 
@@ -9086,10 +8878,9 @@
           <a:lstStyle/>
           <a:p>
             <a:r>
-              <a:rPr lang="en-US" dirty="0" smtClean="0"/>
+              <a:rPr lang="en-US" dirty="0"/>
               <a:t>Dominance Frontier</a:t>
             </a:r>
-            <a:endParaRPr lang="en-US" dirty="0"/>
           </a:p>
         </p:txBody>
       </p:sp>
@@ -9114,11 +8905,11 @@
           <a:lstStyle/>
           <a:p>
             <a:r>
-              <a:rPr lang="en-US" sz="2800" dirty="0" err="1" smtClean="0"/>
+              <a:rPr lang="en-US" sz="2800" dirty="0" err="1"/>
               <a:t>ComputeDF(X</a:t>
             </a:r>
             <a:r>
-              <a:rPr lang="en-US" sz="2800" dirty="0" smtClean="0"/>
+              <a:rPr lang="en-US" sz="2800" dirty="0"/>
               <a:t>):</a:t>
             </a:r>
           </a:p>
@@ -9127,11 +8918,11 @@
               <a:buNone/>
             </a:pPr>
             <a:r>
-              <a:rPr lang="en-US" sz="2400" dirty="0" smtClean="0"/>
+              <a:rPr lang="en-US" sz="2400" dirty="0"/>
               <a:t>S := {} </a:t>
             </a:r>
             <a:r>
-              <a:rPr lang="en-US" sz="2400" dirty="0" smtClean="0">
+              <a:rPr lang="en-US" sz="2400" dirty="0">
                 <a:solidFill>
                   <a:schemeClr val="accent2"/>
                 </a:solidFill>
@@ -9144,15 +8935,15 @@
               <a:buNone/>
             </a:pPr>
             <a:r>
-              <a:rPr lang="en-US" sz="2400" dirty="0" smtClean="0"/>
+              <a:rPr lang="en-US" sz="2400" dirty="0"/>
               <a:t>For each node Y in </a:t>
             </a:r>
             <a:r>
-              <a:rPr lang="en-US" sz="2400" dirty="0" err="1" smtClean="0"/>
+              <a:rPr lang="en-US" sz="2400" dirty="0" err="1"/>
               <a:t>Successor(X</a:t>
             </a:r>
             <a:r>
-              <a:rPr lang="en-US" sz="2400" dirty="0" smtClean="0"/>
+              <a:rPr lang="en-US" sz="2400" dirty="0"/>
               <a:t>):</a:t>
             </a:r>
           </a:p>
@@ -9161,7 +8952,7 @@
               <a:buNone/>
             </a:pPr>
             <a:r>
-              <a:rPr lang="en-US" sz="2400" dirty="0" smtClean="0"/>
+              <a:rPr lang="en-US" sz="2400" dirty="0"/>
               <a:t>	If Y is not immediately dominating X:</a:t>
             </a:r>
           </a:p>
@@ -9170,11 +8961,11 @@
               <a:buNone/>
             </a:pPr>
             <a:r>
-              <a:rPr lang="en-US" sz="2400" dirty="0" smtClean="0"/>
+              <a:rPr lang="en-US" sz="2400" dirty="0"/>
               <a:t>		S := S + {Y</a:t>
             </a:r>
             <a:r>
-              <a:rPr lang="en-US" sz="2400" dirty="0" smtClean="0">
+              <a:rPr lang="en-US" sz="2400" dirty="0">
                 <a:solidFill>
                   <a:srgbClr val="333399"/>
                 </a:solidFill>
@@ -9182,7 +8973,7 @@
               <a:t>} // this is </a:t>
             </a:r>
             <a:r>
-              <a:rPr lang="en-US" sz="2400" dirty="0" err="1" smtClean="0">
+              <a:rPr lang="en-US" sz="2400" dirty="0" err="1">
                 <a:solidFill>
                   <a:srgbClr val="333399"/>
                 </a:solidFill>
@@ -9190,7 +8981,7 @@
               <a:t>Local(X</a:t>
             </a:r>
             <a:r>
-              <a:rPr lang="en-US" sz="2400" dirty="0" smtClean="0">
+              <a:rPr lang="en-US" sz="2400" dirty="0">
                 <a:solidFill>
                   <a:srgbClr val="333399"/>
                 </a:solidFill>
@@ -9203,11 +8994,11 @@
               <a:buNone/>
             </a:pPr>
             <a:r>
-              <a:rPr lang="en-US" sz="2400" dirty="0" smtClean="0"/>
+              <a:rPr lang="en-US" sz="2400" dirty="0"/>
               <a:t>For each child K of X in D(X): </a:t>
             </a:r>
             <a:r>
-              <a:rPr lang="en-US" sz="2400" dirty="0" smtClean="0">
+              <a:rPr lang="en-US" sz="2400" dirty="0">
                 <a:solidFill>
                   <a:srgbClr val="333399"/>
                 </a:solidFill>
@@ -9220,15 +9011,15 @@
               <a:buNone/>
             </a:pPr>
             <a:r>
-              <a:rPr lang="en-US" sz="2400" dirty="0" smtClean="0"/>
+              <a:rPr lang="en-US" sz="2400" dirty="0"/>
               <a:t>	For each element Y in </a:t>
             </a:r>
             <a:r>
-              <a:rPr lang="en-US" sz="2400" dirty="0" err="1" smtClean="0"/>
+              <a:rPr lang="en-US" sz="2400" dirty="0" err="1"/>
               <a:t>ComputeDF(K</a:t>
             </a:r>
             <a:r>
-              <a:rPr lang="en-US" sz="2400" dirty="0" smtClean="0"/>
+              <a:rPr lang="en-US" sz="2400" dirty="0"/>
               <a:t>):</a:t>
             </a:r>
           </a:p>
@@ -9237,7 +9028,7 @@
               <a:buNone/>
             </a:pPr>
             <a:r>
-              <a:rPr lang="en-US" sz="2400" dirty="0" smtClean="0"/>
+              <a:rPr lang="en-US" sz="2400" dirty="0"/>
               <a:t>		If X does not dominate Y, </a:t>
             </a:r>
           </a:p>
@@ -9246,11 +9037,11 @@
               <a:buNone/>
             </a:pPr>
             <a:r>
-              <a:rPr lang="en-US" sz="2400" dirty="0" smtClean="0"/>
+              <a:rPr lang="en-US" sz="2400" dirty="0"/>
               <a:t>			S := S + {Y} </a:t>
             </a:r>
             <a:r>
-              <a:rPr lang="en-US" sz="2400" dirty="0" smtClean="0">
+              <a:rPr lang="en-US" sz="2400" dirty="0">
                 <a:solidFill>
                   <a:srgbClr val="333399"/>
                 </a:solidFill>
@@ -9258,7 +9049,7 @@
               <a:t>// this is </a:t>
             </a:r>
             <a:r>
-              <a:rPr lang="en-US" sz="2400" dirty="0" err="1" smtClean="0">
+              <a:rPr lang="en-US" sz="2400" dirty="0" err="1">
                 <a:solidFill>
                   <a:srgbClr val="333399"/>
                 </a:solidFill>
@@ -9266,7 +9057,7 @@
               <a:t>Up(X</a:t>
             </a:r>
             <a:r>
-              <a:rPr lang="en-US" sz="2400" dirty="0" smtClean="0">
+              <a:rPr lang="en-US" sz="2400" dirty="0">
                 <a:solidFill>
                   <a:srgbClr val="333399"/>
                 </a:solidFill>
@@ -9274,7 +9065,7 @@
               <a:t>)</a:t>
             </a:r>
             <a:r>
-              <a:rPr lang="en-US" sz="2400" dirty="0" smtClean="0"/>
+              <a:rPr lang="en-US" sz="2400" dirty="0"/>
               <a:t> </a:t>
             </a:r>
           </a:p>
@@ -9283,7 +9074,7 @@
               <a:buNone/>
             </a:pPr>
             <a:r>
-              <a:rPr lang="en-US" sz="2400" dirty="0" smtClean="0"/>
+              <a:rPr lang="en-US" sz="2400" dirty="0"/>
               <a:t>DF(X) = S</a:t>
             </a:r>
           </a:p>
@@ -9318,13 +9109,6 @@
   <p:clrMapOvr>
     <a:masterClrMapping/>
   </p:clrMapOvr>
-  <p:timing>
-    <p:tnLst>
-      <p:par>
-        <p:cTn xmlns:p14="http://schemas.microsoft.com/office/powerpoint/2010/main" id="1" dur="indefinite" restart="never" nodeType="tmRoot"/>
-      </p:par>
-    </p:tnLst>
-  </p:timing>
 </p:sld>
 </file>
 
@@ -9361,10 +9145,9 @@
           <a:lstStyle/>
           <a:p>
             <a:r>
-              <a:rPr lang="en-US" dirty="0" smtClean="0"/>
+              <a:rPr lang="en-US" dirty="0"/>
               <a:t>Dominance Frontier</a:t>
             </a:r>
-            <a:endParaRPr lang="en-US" dirty="0"/>
           </a:p>
         </p:txBody>
       </p:sp>
@@ -9384,44 +9167,44 @@
           <a:lstStyle/>
           <a:p>
             <a:r>
-              <a:rPr lang="en-US" dirty="0" smtClean="0"/>
+              <a:rPr lang="en-US" dirty="0"/>
               <a:t>Dominance Frontier Criterion</a:t>
             </a:r>
           </a:p>
           <a:p>
             <a:pPr lvl="1"/>
             <a:r>
-              <a:rPr lang="en-US" dirty="0" smtClean="0"/>
+              <a:rPr lang="en-US" dirty="0"/>
               <a:t>If node X contains definition of some variable </a:t>
             </a:r>
             <a:r>
-              <a:rPr lang="en-US" i="1" dirty="0" smtClean="0"/>
+              <a:rPr lang="en-US" i="1" dirty="0"/>
               <a:t>a</a:t>
             </a:r>
             <a:r>
-              <a:rPr lang="en-US" dirty="0" smtClean="0"/>
+              <a:rPr lang="en-US" dirty="0"/>
               <a:t>, then any node Y in the DF(X) needs a </a:t>
             </a:r>
             <a:r>
-              <a:rPr lang="en-US" dirty="0" err="1" smtClean="0">
+              <a:rPr lang="en-US" dirty="0" err="1">
                 <a:sym typeface="Symbol" charset="2"/>
               </a:rPr>
               <a:t></a:t>
             </a:r>
             <a:r>
-              <a:rPr lang="en-US" dirty="0" smtClean="0">
+              <a:rPr lang="en-US" dirty="0">
                 <a:sym typeface="Symbol" charset="2"/>
               </a:rPr>
               <a:t> function for </a:t>
             </a:r>
             <a:r>
-              <a:rPr lang="en-US" i="1" dirty="0" smtClean="0">
+              <a:rPr lang="en-US" i="1" dirty="0">
                 <a:sym typeface="Symbol" charset="2"/>
               </a:rPr>
               <a:t>a</a:t>
             </a:r>
             <a:r>
-              <a:rPr lang="en-US" dirty="0" smtClean="0">
+              <a:rPr lang="en-US" dirty="0">
                 <a:sym typeface="Symbol" charset="2"/>
               </a:rPr>
               <a:t>.</a:t>
@@ -9429,7 +9212,7 @@
           </a:p>
           <a:p>
             <a:r>
-              <a:rPr lang="en-US" dirty="0" smtClean="0">
+              <a:rPr lang="en-US" dirty="0">
                 <a:sym typeface="Symbol" charset="2"/>
               </a:rPr>
               <a:t>Iterated Dominance Frontier</a:t>
@@ -9438,39 +9221,39 @@
           <a:p>
             <a:pPr lvl="1"/>
             <a:r>
-              <a:rPr lang="en-US" dirty="0" smtClean="0">
+              <a:rPr lang="en-US" dirty="0">
                 <a:sym typeface="Symbol" charset="2"/>
               </a:rPr>
               <a:t>Since </a:t>
             </a:r>
             <a:r>
-              <a:rPr lang="en-US" dirty="0" smtClean="0"/>
+              <a:rPr lang="en-US" dirty="0"/>
               <a:t>a </a:t>
             </a:r>
             <a:r>
-              <a:rPr lang="en-US" dirty="0" err="1" smtClean="0">
+              <a:rPr lang="en-US" dirty="0" err="1">
                 <a:sym typeface="Symbol" charset="2"/>
               </a:rPr>
               <a:t></a:t>
             </a:r>
             <a:r>
-              <a:rPr lang="en-US" dirty="0" smtClean="0">
+              <a:rPr lang="en-US" dirty="0">
                 <a:sym typeface="Symbol" charset="2"/>
               </a:rPr>
               <a:t> function is itself a definition of a new variable, we must iterate the DF criterion until no nodes in the CFG need </a:t>
             </a:r>
             <a:r>
-              <a:rPr lang="en-US" dirty="0" smtClean="0"/>
+              <a:rPr lang="en-US" dirty="0"/>
               <a:t>a </a:t>
             </a:r>
             <a:r>
-              <a:rPr lang="en-US" dirty="0" err="1" smtClean="0">
+              <a:rPr lang="en-US" dirty="0" err="1">
                 <a:sym typeface="Symbol" charset="2"/>
               </a:rPr>
               <a:t></a:t>
             </a:r>
             <a:r>
-              <a:rPr lang="en-US" dirty="0" smtClean="0">
+              <a:rPr lang="en-US" dirty="0">
                 <a:sym typeface="Symbol" charset="2"/>
               </a:rPr>
               <a:t> function.</a:t>
@@ -9507,13 +9290,6 @@
   <p:clrMapOvr>
     <a:masterClrMapping/>
   </p:clrMapOvr>
-  <p:timing>
-    <p:tnLst>
-      <p:par>
-        <p:cTn xmlns:p14="http://schemas.microsoft.com/office/powerpoint/2010/main" id="1" dur="indefinite" restart="never" nodeType="tmRoot"/>
-      </p:par>
-    </p:tnLst>
-  </p:timing>
 </p:sld>
 </file>
 
@@ -9550,26 +9326,25 @@
           <a:lstStyle/>
           <a:p>
             <a:r>
-              <a:rPr lang="en-US" dirty="0" smtClean="0"/>
+              <a:rPr lang="en-US" dirty="0"/>
               <a:t>Placing </a:t>
             </a:r>
             <a:r>
-              <a:rPr lang="en-US" dirty="0" err="1" smtClean="0">
+              <a:rPr lang="en-US" dirty="0" err="1">
                 <a:sym typeface="Symbol" charset="2"/>
               </a:rPr>
               <a:t></a:t>
             </a:r>
             <a:r>
-              <a:rPr lang="en-US" dirty="0" smtClean="0">
+              <a:rPr lang="en-US" dirty="0">
                 <a:sym typeface="Symbol" charset="2"/>
               </a:rPr>
               <a:t> Functions</a:t>
             </a:r>
             <a:r>
-              <a:rPr lang="en-US" dirty="0" smtClean="0"/>
+              <a:rPr lang="en-US" dirty="0"/>
               <a:t> </a:t>
             </a:r>
-            <a:endParaRPr lang="en-US" dirty="0"/>
           </a:p>
         </p:txBody>
       </p:sp>
@@ -9580,7 +9355,7 @@
             <a:spLocks noGrp="1"/>
           </p:cNvSpPr>
           <p:nvPr>
-            <p:ph type="sldNum" sz="quarter" idx="12"/>
+            <p:ph type="sldNum" sz="quarter" idx="11"/>
           </p:nvPr>
         </p:nvSpPr>
         <p:spPr/>
@@ -9627,10 +9402,9 @@
           <a:lstStyle/>
           <a:p>
             <a:r>
-              <a:rPr lang="en-US" dirty="0" smtClean="0"/>
+              <a:rPr lang="en-US" dirty="0"/>
               <a:t>1: V:=_; W:=_</a:t>
             </a:r>
-            <a:endParaRPr lang="en-US" dirty="0"/>
           </a:p>
         </p:txBody>
       </p:sp>
@@ -9664,10 +9438,9 @@
           <a:lstStyle/>
           <a:p>
             <a:r>
-              <a:rPr lang="en-US" dirty="0" smtClean="0"/>
+              <a:rPr lang="en-US" dirty="0"/>
               <a:t>2:</a:t>
             </a:r>
-            <a:endParaRPr lang="en-US" dirty="0"/>
           </a:p>
         </p:txBody>
       </p:sp>
@@ -9701,10 +9474,9 @@
           <a:lstStyle/>
           <a:p>
             <a:r>
-              <a:rPr lang="en-US" dirty="0" smtClean="0"/>
+              <a:rPr lang="en-US" dirty="0"/>
               <a:t>3: V:=_</a:t>
             </a:r>
-            <a:endParaRPr lang="en-US" dirty="0"/>
           </a:p>
         </p:txBody>
       </p:sp>
@@ -9738,10 +9510,9 @@
           <a:lstStyle/>
           <a:p>
             <a:r>
-              <a:rPr lang="en-US" dirty="0" smtClean="0"/>
+              <a:rPr lang="en-US" dirty="0"/>
               <a:t>4:</a:t>
             </a:r>
-            <a:endParaRPr lang="en-US" dirty="0"/>
           </a:p>
         </p:txBody>
       </p:sp>
@@ -9775,10 +9546,9 @@
           <a:lstStyle/>
           <a:p>
             <a:r>
-              <a:rPr lang="en-US" dirty="0" smtClean="0"/>
+              <a:rPr lang="en-US" dirty="0"/>
               <a:t>5: W:=_</a:t>
             </a:r>
-            <a:endParaRPr lang="en-US" dirty="0"/>
           </a:p>
         </p:txBody>
       </p:sp>
@@ -9812,10 +9582,9 @@
           <a:lstStyle/>
           <a:p>
             <a:r>
-              <a:rPr lang="en-US" dirty="0" smtClean="0"/>
+              <a:rPr lang="en-US" dirty="0"/>
               <a:t>6:</a:t>
             </a:r>
-            <a:endParaRPr lang="en-US" dirty="0"/>
           </a:p>
         </p:txBody>
       </p:sp>
@@ -9849,10 +9618,9 @@
           <a:lstStyle/>
           <a:p>
             <a:r>
-              <a:rPr lang="en-US" dirty="0" smtClean="0"/>
+              <a:rPr lang="en-US" dirty="0"/>
               <a:t>7:</a:t>
             </a:r>
-            <a:endParaRPr lang="en-US" dirty="0"/>
           </a:p>
         </p:txBody>
       </p:sp>
@@ -10137,10 +9905,9 @@
           <a:lstStyle/>
           <a:p>
             <a:r>
-              <a:rPr lang="en-US" dirty="0" smtClean="0"/>
+              <a:rPr lang="en-US" dirty="0"/>
               <a:t>DF(3)={7}</a:t>
             </a:r>
-            <a:endParaRPr lang="en-US" dirty="0"/>
           </a:p>
         </p:txBody>
       </p:sp>
@@ -10172,18 +9939,17 @@
           <a:lstStyle/>
           <a:p>
             <a:r>
-              <a:rPr lang="en-US" dirty="0" smtClean="0"/>
+              <a:rPr lang="en-US" dirty="0"/>
               <a:t>Empty boxes indicate </a:t>
             </a:r>
             <a:r>
-              <a:rPr lang="en-US" i="1" dirty="0" smtClean="0"/>
+              <a:rPr lang="en-US" i="1" dirty="0"/>
               <a:t>uses </a:t>
             </a:r>
             <a:r>
-              <a:rPr lang="en-US" dirty="0" smtClean="0"/>
+              <a:rPr lang="en-US" dirty="0"/>
               <a:t>of variables V, W</a:t>
             </a:r>
-            <a:endParaRPr lang="en-US" dirty="0"/>
           </a:p>
         </p:txBody>
       </p:sp>
@@ -10195,7 +9961,7 @@
   <p:timing>
     <p:tnLst>
       <p:par>
-        <p:cTn xmlns:p14="http://schemas.microsoft.com/office/powerpoint/2010/main" id="1" dur="indefinite" restart="never" nodeType="tmRoot">
+        <p:cTn id="1" dur="indefinite" restart="never" nodeType="tmRoot">
           <p:childTnLst>
             <p:seq concurrent="1" nextAc="seek">
               <p:cTn id="2" dur="indefinite" nodeType="mainSeq">
@@ -10398,26 +10164,25 @@
           <a:lstStyle/>
           <a:p>
             <a:r>
-              <a:rPr lang="en-US" dirty="0" smtClean="0"/>
+              <a:rPr lang="en-US" dirty="0"/>
               <a:t>Placing </a:t>
             </a:r>
             <a:r>
-              <a:rPr lang="en-US" dirty="0" err="1" smtClean="0">
+              <a:rPr lang="en-US" dirty="0" err="1">
                 <a:sym typeface="Symbol" charset="2"/>
               </a:rPr>
               <a:t></a:t>
             </a:r>
             <a:r>
-              <a:rPr lang="en-US" dirty="0" smtClean="0">
+              <a:rPr lang="en-US" dirty="0">
                 <a:sym typeface="Symbol" charset="2"/>
               </a:rPr>
               <a:t> Functions</a:t>
             </a:r>
             <a:r>
-              <a:rPr lang="en-US" dirty="0" smtClean="0"/>
+              <a:rPr lang="en-US" dirty="0"/>
               <a:t> </a:t>
             </a:r>
-            <a:endParaRPr lang="en-US" dirty="0"/>
           </a:p>
         </p:txBody>
       </p:sp>
@@ -10428,7 +10193,7 @@
             <a:spLocks noGrp="1"/>
           </p:cNvSpPr>
           <p:nvPr>
-            <p:ph type="sldNum" sz="quarter" idx="12"/>
+            <p:ph type="sldNum" sz="quarter" idx="11"/>
           </p:nvPr>
         </p:nvSpPr>
         <p:spPr/>
@@ -10475,10 +10240,9 @@
           <a:lstStyle/>
           <a:p>
             <a:r>
-              <a:rPr lang="en-US" dirty="0" smtClean="0"/>
+              <a:rPr lang="en-US" dirty="0"/>
               <a:t>1: V:=_; W:=_</a:t>
             </a:r>
-            <a:endParaRPr lang="en-US" dirty="0"/>
           </a:p>
         </p:txBody>
       </p:sp>
@@ -10512,10 +10276,9 @@
           <a:lstStyle/>
           <a:p>
             <a:r>
-              <a:rPr lang="en-US" dirty="0" smtClean="0"/>
+              <a:rPr lang="en-US" dirty="0"/>
               <a:t>2:</a:t>
             </a:r>
-            <a:endParaRPr lang="en-US" dirty="0"/>
           </a:p>
         </p:txBody>
       </p:sp>
@@ -10549,10 +10312,9 @@
           <a:lstStyle/>
           <a:p>
             <a:r>
-              <a:rPr lang="en-US" dirty="0" smtClean="0"/>
+              <a:rPr lang="en-US" dirty="0"/>
               <a:t>3: V:=_</a:t>
             </a:r>
-            <a:endParaRPr lang="en-US" dirty="0"/>
           </a:p>
         </p:txBody>
       </p:sp>
@@ -10586,10 +10348,9 @@
           <a:lstStyle/>
           <a:p>
             <a:r>
-              <a:rPr lang="en-US" dirty="0" smtClean="0"/>
+              <a:rPr lang="en-US" dirty="0"/>
               <a:t>4:</a:t>
             </a:r>
-            <a:endParaRPr lang="en-US" dirty="0"/>
           </a:p>
         </p:txBody>
       </p:sp>
@@ -10623,10 +10384,9 @@
           <a:lstStyle/>
           <a:p>
             <a:r>
-              <a:rPr lang="en-US" dirty="0" smtClean="0"/>
+              <a:rPr lang="en-US" dirty="0"/>
               <a:t>5: W:=_</a:t>
             </a:r>
-            <a:endParaRPr lang="en-US" dirty="0"/>
           </a:p>
         </p:txBody>
       </p:sp>
@@ -10660,10 +10420,9 @@
           <a:lstStyle/>
           <a:p>
             <a:r>
-              <a:rPr lang="en-US" dirty="0" smtClean="0"/>
+              <a:rPr lang="en-US" dirty="0"/>
               <a:t>6:</a:t>
             </a:r>
-            <a:endParaRPr lang="en-US" dirty="0"/>
           </a:p>
         </p:txBody>
       </p:sp>
@@ -10697,11 +10456,11 @@
           <a:lstStyle/>
           <a:p>
             <a:r>
-              <a:rPr lang="en-US" dirty="0" smtClean="0"/>
+              <a:rPr lang="en-US" dirty="0"/>
               <a:t>7: V:= </a:t>
             </a:r>
             <a:r>
-              <a:rPr lang="en-US" dirty="0" smtClean="0">
+              <a:rPr lang="en-US" dirty="0">
                 <a:sym typeface="Symbol" charset="2"/>
               </a:rPr>
               <a:t>(V,V)</a:t>
@@ -10991,10 +10750,9 @@
           <a:lstStyle/>
           <a:p>
             <a:r>
-              <a:rPr lang="en-US" dirty="0" smtClean="0"/>
+              <a:rPr lang="en-US" dirty="0"/>
               <a:t>DF(3)={7}</a:t>
             </a:r>
-            <a:endParaRPr lang="en-US" dirty="0"/>
           </a:p>
         </p:txBody>
       </p:sp>
@@ -11023,10 +10781,9 @@
           <a:lstStyle/>
           <a:p>
             <a:r>
-              <a:rPr lang="en-US" dirty="0" smtClean="0"/>
+              <a:rPr lang="en-US" dirty="0"/>
               <a:t>DF(5)={6}</a:t>
             </a:r>
-            <a:endParaRPr lang="en-US" dirty="0"/>
           </a:p>
         </p:txBody>
       </p:sp>
@@ -11038,7 +10795,7 @@
   <p:timing>
     <p:tnLst>
       <p:par>
-        <p:cTn xmlns:p14="http://schemas.microsoft.com/office/powerpoint/2010/main" id="1" dur="indefinite" restart="never" nodeType="tmRoot">
+        <p:cTn id="1" dur="indefinite" restart="never" nodeType="tmRoot">
           <p:childTnLst>
             <p:seq concurrent="1" nextAc="seek">
               <p:cTn id="2" dur="indefinite" nodeType="mainSeq">
@@ -11149,26 +10906,25 @@
           <a:lstStyle/>
           <a:p>
             <a:r>
-              <a:rPr lang="en-US" dirty="0" smtClean="0"/>
+              <a:rPr lang="en-US" dirty="0"/>
               <a:t>Placing </a:t>
             </a:r>
             <a:r>
-              <a:rPr lang="en-US" dirty="0" err="1" smtClean="0">
+              <a:rPr lang="en-US" dirty="0" err="1">
                 <a:sym typeface="Symbol" charset="2"/>
               </a:rPr>
               <a:t></a:t>
             </a:r>
             <a:r>
-              <a:rPr lang="en-US" dirty="0" smtClean="0">
+              <a:rPr lang="en-US" dirty="0">
                 <a:sym typeface="Symbol" charset="2"/>
               </a:rPr>
               <a:t> Functions</a:t>
             </a:r>
             <a:r>
-              <a:rPr lang="en-US" dirty="0" smtClean="0"/>
+              <a:rPr lang="en-US" dirty="0"/>
               <a:t> </a:t>
             </a:r>
-            <a:endParaRPr lang="en-US" dirty="0"/>
           </a:p>
         </p:txBody>
       </p:sp>
@@ -11179,7 +10935,7 @@
             <a:spLocks noGrp="1"/>
           </p:cNvSpPr>
           <p:nvPr>
-            <p:ph type="sldNum" sz="quarter" idx="12"/>
+            <p:ph type="sldNum" sz="quarter" idx="11"/>
           </p:nvPr>
         </p:nvSpPr>
         <p:spPr/>
@@ -11226,10 +10982,9 @@
           <a:lstStyle/>
           <a:p>
             <a:r>
-              <a:rPr lang="en-US" dirty="0" smtClean="0"/>
+              <a:rPr lang="en-US" dirty="0"/>
               <a:t>1: V:=_; W:=_</a:t>
             </a:r>
-            <a:endParaRPr lang="en-US" dirty="0"/>
           </a:p>
         </p:txBody>
       </p:sp>
@@ -11263,10 +11018,9 @@
           <a:lstStyle/>
           <a:p>
             <a:r>
-              <a:rPr lang="en-US" dirty="0" smtClean="0"/>
+              <a:rPr lang="en-US" dirty="0"/>
               <a:t>2:</a:t>
             </a:r>
-            <a:endParaRPr lang="en-US" dirty="0"/>
           </a:p>
         </p:txBody>
       </p:sp>
@@ -11300,10 +11054,9 @@
           <a:lstStyle/>
           <a:p>
             <a:r>
-              <a:rPr lang="en-US" dirty="0" smtClean="0"/>
+              <a:rPr lang="en-US" dirty="0"/>
               <a:t>3: V:=_</a:t>
             </a:r>
-            <a:endParaRPr lang="en-US" dirty="0"/>
           </a:p>
         </p:txBody>
       </p:sp>
@@ -11337,10 +11090,9 @@
           <a:lstStyle/>
           <a:p>
             <a:r>
-              <a:rPr lang="en-US" dirty="0" smtClean="0"/>
+              <a:rPr lang="en-US" dirty="0"/>
               <a:t>4:</a:t>
             </a:r>
-            <a:endParaRPr lang="en-US" dirty="0"/>
           </a:p>
         </p:txBody>
       </p:sp>
@@ -11374,10 +11126,9 @@
           <a:lstStyle/>
           <a:p>
             <a:r>
-              <a:rPr lang="en-US" dirty="0" smtClean="0"/>
+              <a:rPr lang="en-US" dirty="0"/>
               <a:t>5: W:=_</a:t>
             </a:r>
-            <a:endParaRPr lang="en-US" dirty="0"/>
           </a:p>
         </p:txBody>
       </p:sp>
@@ -11411,16 +11162,16 @@
           <a:lstStyle/>
           <a:p>
             <a:r>
-              <a:rPr lang="en-US" dirty="0" smtClean="0"/>
+              <a:rPr lang="en-US" dirty="0"/>
               <a:t>6: </a:t>
             </a:r>
             <a:r>
-              <a:rPr lang="en-US" dirty="0" smtClean="0">
+              <a:rPr lang="en-US" dirty="0">
                 <a:sym typeface="Symbol" charset="2"/>
               </a:rPr>
               <a:t>W:= (W,W) </a:t>
             </a:r>
-            <a:endParaRPr lang="en-US" dirty="0" smtClean="0"/>
+            <a:endParaRPr lang="en-US" dirty="0"/>
           </a:p>
         </p:txBody>
       </p:sp>
@@ -11705,10 +11456,9 @@
           <a:lstStyle/>
           <a:p>
             <a:r>
-              <a:rPr lang="en-US" dirty="0" smtClean="0"/>
+              <a:rPr lang="en-US" dirty="0"/>
               <a:t>DF(3)={7}</a:t>
             </a:r>
-            <a:endParaRPr lang="en-US" dirty="0"/>
           </a:p>
         </p:txBody>
       </p:sp>
@@ -11737,10 +11487,9 @@
           <a:lstStyle/>
           <a:p>
             <a:r>
-              <a:rPr lang="en-US" dirty="0" smtClean="0"/>
+              <a:rPr lang="en-US" dirty="0"/>
               <a:t>DF(5)={6}</a:t>
             </a:r>
-            <a:endParaRPr lang="en-US" dirty="0"/>
           </a:p>
         </p:txBody>
       </p:sp>
@@ -11774,11 +11523,11 @@
           <a:lstStyle/>
           <a:p>
             <a:r>
-              <a:rPr lang="en-US" dirty="0" smtClean="0"/>
+              <a:rPr lang="en-US" dirty="0"/>
               <a:t>7: V:= </a:t>
             </a:r>
             <a:r>
-              <a:rPr lang="en-US" dirty="0" smtClean="0">
+              <a:rPr lang="en-US" dirty="0">
                 <a:sym typeface="Symbol" charset="2"/>
               </a:rPr>
               <a:t>(V,V)</a:t>
@@ -11792,13 +11541,6 @@
   <p:clrMapOvr>
     <a:masterClrMapping/>
   </p:clrMapOvr>
-  <p:timing>
-    <p:tnLst>
-      <p:par>
-        <p:cTn xmlns:p14="http://schemas.microsoft.com/office/powerpoint/2010/main" id="1" dur="indefinite" restart="never" nodeType="tmRoot"/>
-      </p:par>
-    </p:tnLst>
-  </p:timing>
 </p:sld>
 </file>
 
@@ -11821,6 +11563,101 @@
       </p:grpSpPr>
       <p:sp>
         <p:nvSpPr>
+          <p:cNvPr id="232450" name="Rectangle 2"/>
+          <p:cNvSpPr>
+            <a:spLocks noGrp="1" noChangeArrowheads="1"/>
+          </p:cNvSpPr>
+          <p:nvPr>
+            <p:ph type="title"/>
+          </p:nvPr>
+        </p:nvSpPr>
+        <p:spPr/>
+        <p:txBody>
+          <a:bodyPr/>
+          <a:lstStyle/>
+          <a:p>
+            <a:r>
+              <a:rPr lang="en-US"/>
+              <a:t>SSA Form</a:t>
+            </a:r>
+          </a:p>
+        </p:txBody>
+      </p:sp>
+      <p:sp>
+        <p:nvSpPr>
+          <p:cNvPr id="232451" name="Rectangle 3"/>
+          <p:cNvSpPr>
+            <a:spLocks noGrp="1" noChangeArrowheads="1"/>
+          </p:cNvSpPr>
+          <p:nvPr>
+            <p:ph idx="1"/>
+          </p:nvPr>
+        </p:nvSpPr>
+        <p:spPr/>
+        <p:txBody>
+          <a:bodyPr/>
+          <a:lstStyle/>
+          <a:p>
+            <a:r>
+              <a:rPr lang="en-US" dirty="0"/>
+              <a:t>Conversion from a Control Flow Graph (created from TAC) into SSA Form is not trivial</a:t>
+            </a:r>
+          </a:p>
+          <a:p>
+            <a:r>
+              <a:rPr lang="en-US" dirty="0"/>
+              <a:t>SSA creation algorithms: </a:t>
+            </a:r>
+          </a:p>
+          <a:p>
+            <a:pPr lvl="1"/>
+            <a:r>
+              <a:rPr lang="en-US" dirty="0"/>
+              <a:t>Original algorithm by </a:t>
+            </a:r>
+            <a:r>
+              <a:rPr lang="en-US" dirty="0" err="1"/>
+              <a:t>Cytron</a:t>
+            </a:r>
+            <a:r>
+              <a:rPr lang="en-US" dirty="0"/>
+              <a:t> et al. 1986</a:t>
+            </a:r>
+          </a:p>
+          <a:p>
+            <a:pPr lvl="1"/>
+            <a:r>
+              <a:rPr lang="en-US" dirty="0" err="1"/>
+              <a:t>Lengauer-Tarjan</a:t>
+            </a:r>
+            <a:r>
+              <a:rPr lang="en-US" dirty="0"/>
+              <a:t> algorithm (see the Tiger book by Andrew W. </a:t>
+            </a:r>
+            <a:r>
+              <a:rPr lang="en-US" dirty="0" err="1"/>
+              <a:t>Appel</a:t>
+            </a:r>
+            <a:r>
+              <a:rPr lang="en-US" dirty="0"/>
+              <a:t> for more details)</a:t>
+            </a:r>
+          </a:p>
+          <a:p>
+            <a:pPr lvl="1"/>
+            <a:r>
+              <a:rPr lang="en-US" dirty="0" err="1"/>
+              <a:t>Harel</a:t>
+            </a:r>
+            <a:r>
+              <a:rPr lang="en-US" dirty="0"/>
+              <a:t> algorithm</a:t>
+            </a:r>
+          </a:p>
+        </p:txBody>
+      </p:sp>
+      <p:sp>
+        <p:nvSpPr>
           <p:cNvPr id="5" name="Slide Number Placeholder 5"/>
           <p:cNvSpPr>
             <a:spLocks noGrp="1"/>
@@ -11843,123 +11680,11 @@
           </a:p>
         </p:txBody>
       </p:sp>
-      <p:sp>
-        <p:nvSpPr>
-          <p:cNvPr id="232450" name="Rectangle 2"/>
-          <p:cNvSpPr>
-            <a:spLocks noGrp="1" noChangeArrowheads="1"/>
-          </p:cNvSpPr>
-          <p:nvPr>
-            <p:ph type="title"/>
-          </p:nvPr>
-        </p:nvSpPr>
-        <p:spPr/>
-        <p:txBody>
-          <a:bodyPr/>
-          <a:lstStyle/>
-          <a:p>
-            <a:r>
-              <a:rPr lang="en-US"/>
-              <a:t>SSA Form</a:t>
-            </a:r>
-          </a:p>
-        </p:txBody>
-      </p:sp>
-      <p:sp>
-        <p:nvSpPr>
-          <p:cNvPr id="232451" name="Rectangle 3"/>
-          <p:cNvSpPr>
-            <a:spLocks noGrp="1" noChangeArrowheads="1"/>
-          </p:cNvSpPr>
-          <p:nvPr>
-            <p:ph type="body" idx="1"/>
-          </p:nvPr>
-        </p:nvSpPr>
-        <p:spPr/>
-        <p:txBody>
-          <a:bodyPr/>
-          <a:lstStyle/>
-          <a:p>
-            <a:r>
-              <a:rPr lang="en-US" dirty="0"/>
-              <a:t>Conversion from a Control Flow Graph (created from TAC) into SSA Form is not trivial</a:t>
-            </a:r>
-            <a:endParaRPr lang="en-US" dirty="0" smtClean="0"/>
-          </a:p>
-          <a:p>
-            <a:r>
-              <a:rPr lang="en-US" dirty="0" smtClean="0"/>
-              <a:t>SSA creation algorithms</a:t>
-            </a:r>
-            <a:r>
-              <a:rPr lang="en-US" dirty="0"/>
-              <a:t>: </a:t>
-            </a:r>
-            <a:endParaRPr lang="en-US" dirty="0" smtClean="0"/>
-          </a:p>
-          <a:p>
-            <a:pPr lvl="1"/>
-            <a:r>
-              <a:rPr lang="en-US" dirty="0" smtClean="0"/>
-              <a:t>Original algorithm by </a:t>
-            </a:r>
-            <a:r>
-              <a:rPr lang="en-US" dirty="0" err="1" smtClean="0"/>
-              <a:t>Cytron</a:t>
-            </a:r>
-            <a:r>
-              <a:rPr lang="en-US" dirty="0" smtClean="0"/>
-              <a:t> et al. 1986</a:t>
-            </a:r>
-          </a:p>
-          <a:p>
-            <a:pPr lvl="1"/>
-            <a:r>
-              <a:rPr lang="en-US" dirty="0" err="1" smtClean="0"/>
-              <a:t>Lengauer</a:t>
-            </a:r>
-            <a:r>
-              <a:rPr lang="en-US" dirty="0" err="1"/>
-              <a:t>-Tarjan</a:t>
-            </a:r>
-            <a:r>
-              <a:rPr lang="en-US" dirty="0"/>
-              <a:t> algorithm (see the Tiger book by Andrew W. </a:t>
-            </a:r>
-            <a:r>
-              <a:rPr lang="en-US" dirty="0" err="1"/>
-              <a:t>Appel</a:t>
-            </a:r>
-            <a:r>
-              <a:rPr lang="en-US" dirty="0"/>
-              <a:t> for more details)</a:t>
-            </a:r>
-          </a:p>
-          <a:p>
-            <a:pPr lvl="1"/>
-            <a:r>
-              <a:rPr lang="en-US" dirty="0" err="1"/>
-              <a:t>Harel</a:t>
-            </a:r>
-            <a:r>
-              <a:rPr lang="en-US" dirty="0"/>
-              <a:t> algorithm</a:t>
-            </a:r>
-          </a:p>
-        </p:txBody>
-      </p:sp>
     </p:spTree>
   </p:cSld>
   <p:clrMapOvr>
     <a:masterClrMapping/>
   </p:clrMapOvr>
-  <p:timing>
-    <p:tnLst>
-      <p:par>
-        <p:cTn xmlns:p14="http://schemas.microsoft.com/office/powerpoint/2010/main" id="1" dur="indefinite" restart="never" nodeType="tmRoot"/>
-      </p:par>
-    </p:tnLst>
-  </p:timing>
 </p:sld>
 </file>
 
@@ -11996,26 +11721,25 @@
           <a:lstStyle/>
           <a:p>
             <a:r>
-              <a:rPr lang="en-US" dirty="0" smtClean="0"/>
+              <a:rPr lang="en-US" dirty="0"/>
               <a:t>Placing </a:t>
             </a:r>
             <a:r>
-              <a:rPr lang="en-US" dirty="0" err="1" smtClean="0">
+              <a:rPr lang="en-US" dirty="0" err="1">
                 <a:sym typeface="Symbol" charset="2"/>
               </a:rPr>
               <a:t></a:t>
             </a:r>
             <a:r>
-              <a:rPr lang="en-US" dirty="0" smtClean="0">
+              <a:rPr lang="en-US" dirty="0">
                 <a:sym typeface="Symbol" charset="2"/>
               </a:rPr>
               <a:t> Functions</a:t>
             </a:r>
             <a:r>
-              <a:rPr lang="en-US" dirty="0" smtClean="0"/>
+              <a:rPr lang="en-US" dirty="0"/>
               <a:t> </a:t>
             </a:r>
-            <a:endParaRPr lang="en-US" dirty="0"/>
           </a:p>
         </p:txBody>
       </p:sp>
@@ -12026,7 +11750,7 @@
             <a:spLocks noGrp="1"/>
           </p:cNvSpPr>
           <p:nvPr>
-            <p:ph type="sldNum" sz="quarter" idx="12"/>
+            <p:ph type="sldNum" sz="quarter" idx="11"/>
           </p:nvPr>
         </p:nvSpPr>
         <p:spPr/>
@@ -12073,10 +11797,9 @@
           <a:lstStyle/>
           <a:p>
             <a:r>
-              <a:rPr lang="en-US" dirty="0" smtClean="0"/>
+              <a:rPr lang="en-US" dirty="0"/>
               <a:t>1: V:=_; W:=_</a:t>
             </a:r>
-            <a:endParaRPr lang="en-US" dirty="0"/>
           </a:p>
         </p:txBody>
       </p:sp>
@@ -12110,10 +11833,9 @@
           <a:lstStyle/>
           <a:p>
             <a:r>
-              <a:rPr lang="en-US" dirty="0" smtClean="0"/>
+              <a:rPr lang="en-US" dirty="0"/>
               <a:t>2:</a:t>
             </a:r>
-            <a:endParaRPr lang="en-US" dirty="0"/>
           </a:p>
         </p:txBody>
       </p:sp>
@@ -12147,10 +11869,9 @@
           <a:lstStyle/>
           <a:p>
             <a:r>
-              <a:rPr lang="en-US" dirty="0" smtClean="0"/>
+              <a:rPr lang="en-US" dirty="0"/>
               <a:t>3: V:=_</a:t>
             </a:r>
-            <a:endParaRPr lang="en-US" dirty="0"/>
           </a:p>
         </p:txBody>
       </p:sp>
@@ -12184,10 +11905,9 @@
           <a:lstStyle/>
           <a:p>
             <a:r>
-              <a:rPr lang="en-US" dirty="0" smtClean="0"/>
+              <a:rPr lang="en-US" dirty="0"/>
               <a:t>4:</a:t>
             </a:r>
-            <a:endParaRPr lang="en-US" dirty="0"/>
           </a:p>
         </p:txBody>
       </p:sp>
@@ -12221,10 +11941,9 @@
           <a:lstStyle/>
           <a:p>
             <a:r>
-              <a:rPr lang="en-US" dirty="0" smtClean="0"/>
+              <a:rPr lang="en-US" dirty="0"/>
               <a:t>5: W:=_</a:t>
             </a:r>
-            <a:endParaRPr lang="en-US" dirty="0"/>
           </a:p>
         </p:txBody>
       </p:sp>
@@ -12258,16 +11977,16 @@
           <a:lstStyle/>
           <a:p>
             <a:r>
-              <a:rPr lang="en-US" dirty="0" smtClean="0"/>
+              <a:rPr lang="en-US" dirty="0"/>
               <a:t>6: </a:t>
             </a:r>
             <a:r>
-              <a:rPr lang="en-US" dirty="0" smtClean="0">
+              <a:rPr lang="en-US" dirty="0">
                 <a:sym typeface="Symbol" charset="2"/>
               </a:rPr>
               <a:t>W:= (W,W) </a:t>
             </a:r>
-            <a:endParaRPr lang="en-US" dirty="0" smtClean="0"/>
+            <a:endParaRPr lang="en-US" dirty="0"/>
           </a:p>
         </p:txBody>
       </p:sp>
@@ -12552,10 +12271,9 @@
           <a:lstStyle/>
           <a:p>
             <a:r>
-              <a:rPr lang="en-US" dirty="0" smtClean="0"/>
+              <a:rPr lang="en-US" dirty="0"/>
               <a:t>DF(6)={7}</a:t>
             </a:r>
-            <a:endParaRPr lang="en-US" dirty="0"/>
           </a:p>
         </p:txBody>
       </p:sp>
@@ -12589,16 +12307,16 @@
           <a:lstStyle/>
           <a:p>
             <a:r>
-              <a:rPr lang="en-US" dirty="0" smtClean="0"/>
+              <a:rPr lang="en-US" dirty="0"/>
               <a:t>7: V:= </a:t>
             </a:r>
             <a:r>
-              <a:rPr lang="en-US" dirty="0" smtClean="0">
+              <a:rPr lang="en-US" dirty="0">
                 <a:sym typeface="Symbol" charset="2"/>
               </a:rPr>
               <a:t>(V,V); W:= (W,W)</a:t>
             </a:r>
-            <a:endParaRPr lang="en-US" dirty="0" smtClean="0"/>
+            <a:endParaRPr lang="en-US" dirty="0"/>
           </a:p>
         </p:txBody>
       </p:sp>
@@ -12607,13 +12325,6 @@
   <p:clrMapOvr>
     <a:masterClrMapping/>
   </p:clrMapOvr>
-  <p:timing>
-    <p:tnLst>
-      <p:par>
-        <p:cTn xmlns:p14="http://schemas.microsoft.com/office/powerpoint/2010/main" id="1" dur="indefinite" restart="never" nodeType="tmRoot"/>
-      </p:par>
-    </p:tnLst>
-  </p:timing>
 </p:sld>
 </file>
 
@@ -12650,10 +12361,9 @@
           <a:lstStyle/>
           <a:p>
             <a:r>
-              <a:rPr lang="en-US" dirty="0" smtClean="0"/>
+              <a:rPr lang="en-US" dirty="0"/>
               <a:t>Rename Variables</a:t>
             </a:r>
-            <a:endParaRPr lang="en-US" dirty="0"/>
           </a:p>
         </p:txBody>
       </p:sp>
@@ -12664,7 +12374,7 @@
             <a:spLocks noGrp="1"/>
           </p:cNvSpPr>
           <p:nvPr>
-            <p:ph type="sldNum" sz="quarter" idx="12"/>
+            <p:ph type="sldNum" sz="quarter" idx="11"/>
           </p:nvPr>
         </p:nvSpPr>
         <p:spPr/>
@@ -12711,10 +12421,9 @@
           <a:lstStyle/>
           <a:p>
             <a:r>
-              <a:rPr lang="en-US" dirty="0" smtClean="0"/>
+              <a:rPr lang="en-US" dirty="0"/>
               <a:t>1: V1:=_; W1:=_</a:t>
             </a:r>
-            <a:endParaRPr lang="en-US" dirty="0"/>
           </a:p>
         </p:txBody>
       </p:sp>
@@ -12748,10 +12457,9 @@
           <a:lstStyle/>
           <a:p>
             <a:r>
-              <a:rPr lang="en-US" dirty="0" smtClean="0"/>
+              <a:rPr lang="en-US" dirty="0"/>
               <a:t>2:</a:t>
             </a:r>
-            <a:endParaRPr lang="en-US" dirty="0"/>
           </a:p>
         </p:txBody>
       </p:sp>
@@ -12785,10 +12493,9 @@
           <a:lstStyle/>
           <a:p>
             <a:r>
-              <a:rPr lang="en-US" dirty="0" smtClean="0"/>
+              <a:rPr lang="en-US" dirty="0"/>
               <a:t>3: V2:=_</a:t>
             </a:r>
-            <a:endParaRPr lang="en-US" dirty="0"/>
           </a:p>
         </p:txBody>
       </p:sp>
@@ -12822,10 +12529,9 @@
           <a:lstStyle/>
           <a:p>
             <a:r>
-              <a:rPr lang="en-US" dirty="0" smtClean="0"/>
+              <a:rPr lang="en-US" dirty="0"/>
               <a:t>4:</a:t>
             </a:r>
-            <a:endParaRPr lang="en-US" dirty="0"/>
           </a:p>
         </p:txBody>
       </p:sp>
@@ -12859,10 +12565,9 @@
           <a:lstStyle/>
           <a:p>
             <a:r>
-              <a:rPr lang="en-US" dirty="0" smtClean="0"/>
+              <a:rPr lang="en-US" dirty="0"/>
               <a:t>5: W2:=_</a:t>
             </a:r>
-            <a:endParaRPr lang="en-US" dirty="0"/>
           </a:p>
         </p:txBody>
       </p:sp>
@@ -12896,16 +12601,16 @@
           <a:lstStyle/>
           <a:p>
             <a:r>
-              <a:rPr lang="en-US" dirty="0" smtClean="0"/>
+              <a:rPr lang="en-US" dirty="0"/>
               <a:t>6: </a:t>
             </a:r>
             <a:r>
-              <a:rPr lang="en-US" dirty="0" smtClean="0">
+              <a:rPr lang="en-US" dirty="0">
                 <a:sym typeface="Symbol" charset="2"/>
               </a:rPr>
               <a:t>W3:= (W1,W2) </a:t>
             </a:r>
-            <a:endParaRPr lang="en-US" dirty="0" smtClean="0"/>
+            <a:endParaRPr lang="en-US" dirty="0"/>
           </a:p>
         </p:txBody>
       </p:sp>
@@ -13190,10 +12895,9 @@
           <a:lstStyle/>
           <a:p>
             <a:r>
-              <a:rPr lang="en-US" dirty="0" smtClean="0"/>
+              <a:rPr lang="en-US" dirty="0"/>
               <a:t>DF(6)={7}</a:t>
             </a:r>
-            <a:endParaRPr lang="en-US" dirty="0"/>
           </a:p>
         </p:txBody>
       </p:sp>
@@ -13227,16 +12931,16 @@
           <a:lstStyle/>
           <a:p>
             <a:r>
-              <a:rPr lang="en-US" dirty="0" smtClean="0"/>
+              <a:rPr lang="en-US" dirty="0"/>
               <a:t>7: V3:= </a:t>
             </a:r>
             <a:r>
-              <a:rPr lang="en-US" dirty="0" smtClean="0">
+              <a:rPr lang="en-US" dirty="0">
                 <a:sym typeface="Symbol" charset="2"/>
               </a:rPr>
               <a:t>(V1,V2); W4:= (W1,W3)</a:t>
             </a:r>
-            <a:endParaRPr lang="en-US" dirty="0" smtClean="0"/>
+            <a:endParaRPr lang="en-US" dirty="0"/>
           </a:p>
         </p:txBody>
       </p:sp>
@@ -13245,13 +12949,6 @@
   <p:clrMapOvr>
     <a:masterClrMapping/>
   </p:clrMapOvr>
-  <p:timing>
-    <p:tnLst>
-      <p:par>
-        <p:cTn xmlns:p14="http://schemas.microsoft.com/office/powerpoint/2010/main" id="1" dur="indefinite" restart="never" nodeType="tmRoot"/>
-      </p:par>
-    </p:tnLst>
-  </p:timing>
 </p:sld>
 </file>
 
@@ -13288,10 +12985,9 @@
           <a:lstStyle/>
           <a:p>
             <a:r>
-              <a:rPr lang="en-US" dirty="0" smtClean="0"/>
+              <a:rPr lang="en-US" dirty="0"/>
               <a:t>Conversion to SSA Form</a:t>
             </a:r>
-            <a:endParaRPr lang="en-US" dirty="0"/>
           </a:p>
         </p:txBody>
       </p:sp>
@@ -13311,38 +13007,37 @@
           <a:lstStyle/>
           <a:p>
             <a:r>
-              <a:rPr lang="en-US" dirty="0" smtClean="0"/>
+              <a:rPr lang="en-US" dirty="0"/>
               <a:t>Simple idea: add a </a:t>
             </a:r>
             <a:r>
-              <a:rPr lang="en-US" dirty="0" err="1" smtClean="0">
+              <a:rPr lang="en-US" dirty="0" err="1">
                 <a:sym typeface="Symbol" charset="2"/>
               </a:rPr>
               <a:t></a:t>
             </a:r>
             <a:r>
-              <a:rPr lang="en-US" dirty="0" smtClean="0">
+              <a:rPr lang="en-US" dirty="0">
                 <a:sym typeface="Symbol" charset="2"/>
               </a:rPr>
               <a:t> </a:t>
             </a:r>
             <a:r>
-              <a:rPr lang="en-US" dirty="0" smtClean="0"/>
+              <a:rPr lang="en-US" dirty="0"/>
               <a:t>function for every variable at a join point</a:t>
             </a:r>
           </a:p>
           <a:p>
             <a:r>
-              <a:rPr lang="en-US" dirty="0" smtClean="0"/>
+              <a:rPr lang="en-US" dirty="0"/>
               <a:t>A join point is any node in the control-flow graph with more than one predecessor</a:t>
             </a:r>
           </a:p>
           <a:p>
             <a:r>
-              <a:rPr lang="en-US" dirty="0" smtClean="0"/>
+              <a:rPr lang="en-US" dirty="0"/>
               <a:t>But: this is wasteful and unnecessary.</a:t>
             </a:r>
-            <a:endParaRPr lang="en-US" dirty="0"/>
           </a:p>
         </p:txBody>
       </p:sp>
@@ -13375,13 +13070,6 @@
   <p:clrMapOvr>
     <a:masterClrMapping/>
   </p:clrMapOvr>
-  <p:timing>
-    <p:tnLst>
-      <p:par>
-        <p:cTn xmlns:p14="http://schemas.microsoft.com/office/powerpoint/2010/main" id="1" dur="indefinite" restart="never" nodeType="tmRoot"/>
-      </p:par>
-    </p:tnLst>
-  </p:timing>
 </p:sld>
 </file>
 
@@ -13404,30 +13092,6 @@
       </p:grpSpPr>
       <p:sp>
         <p:nvSpPr>
-          <p:cNvPr id="16" name="Slide Number Placeholder 4"/>
-          <p:cNvSpPr>
-            <a:spLocks noGrp="1"/>
-          </p:cNvSpPr>
-          <p:nvPr>
-            <p:ph type="sldNum" sz="quarter" idx="12"/>
-          </p:nvPr>
-        </p:nvSpPr>
-        <p:spPr/>
-        <p:txBody>
-          <a:bodyPr/>
-          <a:lstStyle/>
-          <a:p>
-            <a:fld id="{4D66F3EA-B5F7-DC47-A25C-9B8A460AD847}" type="slidenum">
-              <a:rPr lang="en-US"/>
-              <a:pPr/>
-              <a:t>4</a:t>
-            </a:fld>
-            <a:endParaRPr lang="en-US"/>
-          </a:p>
-        </p:txBody>
-      </p:sp>
-      <p:sp>
-        <p:nvSpPr>
           <p:cNvPr id="218114" name="Rectangle 2"/>
           <p:cNvSpPr>
             <a:spLocks noGrp="1" noChangeArrowheads="1"/>
@@ -13442,10 +13106,33 @@
           <a:lstStyle/>
           <a:p>
             <a:r>
-              <a:rPr lang="en-US" dirty="0" smtClean="0"/>
+              <a:rPr lang="en-US" dirty="0"/>
               <a:t>Conversion to SSA Form</a:t>
             </a:r>
-            <a:endParaRPr lang="en-US" dirty="0"/>
+          </a:p>
+        </p:txBody>
+      </p:sp>
+      <p:sp>
+        <p:nvSpPr>
+          <p:cNvPr id="16" name="Slide Number Placeholder 4"/>
+          <p:cNvSpPr>
+            <a:spLocks noGrp="1"/>
+          </p:cNvSpPr>
+          <p:nvPr>
+            <p:ph type="sldNum" sz="quarter" idx="11"/>
+          </p:nvPr>
+        </p:nvSpPr>
+        <p:spPr/>
+        <p:txBody>
+          <a:bodyPr/>
+          <a:lstStyle/>
+          <a:p>
+            <a:fld id="{4D66F3EA-B5F7-DC47-A25C-9B8A460AD847}" type="slidenum">
+              <a:rPr lang="en-US"/>
+              <a:pPr/>
+              <a:t>4</a:t>
+            </a:fld>
+            <a:endParaRPr lang="en-US"/>
           </a:p>
         </p:txBody>
       </p:sp>
@@ -13923,11 +13610,7 @@
           <a:p>
             <a:r>
               <a:rPr lang="en-US" dirty="0"/>
-              <a:t>3: return </a:t>
-            </a:r>
-            <a:r>
-              <a:rPr lang="en-US" dirty="0" smtClean="0"/>
-              <a:t>c2</a:t>
+              <a:t>3: return c2</a:t>
             </a:r>
             <a:endParaRPr lang="en-US" sz="2800" dirty="0"/>
           </a:p>
@@ -14071,7 +13754,7 @@
             <a:lstStyle/>
             <a:p>
               <a:r>
-                <a:rPr lang="en-US" dirty="0" smtClean="0">
+                <a:rPr lang="en-US" dirty="0">
                   <a:solidFill>
                     <a:srgbClr val="800000"/>
                   </a:solidFill>
@@ -14124,7 +13807,7 @@
   <p:timing>
     <p:tnLst>
       <p:par>
-        <p:cTn xmlns:p14="http://schemas.microsoft.com/office/powerpoint/2010/main" id="1" dur="indefinite" restart="never" nodeType="tmRoot">
+        <p:cTn id="1" dur="indefinite" restart="never" nodeType="tmRoot">
           <p:childTnLst>
             <p:seq concurrent="1" nextAc="seek">
               <p:cTn id="2" dur="indefinite" nodeType="mainSeq">
@@ -14218,30 +13901,6 @@
       </p:grpSpPr>
       <p:sp>
         <p:nvSpPr>
-          <p:cNvPr id="16" name="Slide Number Placeholder 4"/>
-          <p:cNvSpPr>
-            <a:spLocks noGrp="1"/>
-          </p:cNvSpPr>
-          <p:nvPr>
-            <p:ph type="sldNum" sz="quarter" idx="12"/>
-          </p:nvPr>
-        </p:nvSpPr>
-        <p:spPr/>
-        <p:txBody>
-          <a:bodyPr/>
-          <a:lstStyle/>
-          <a:p>
-            <a:fld id="{4D66F3EA-B5F7-DC47-A25C-9B8A460AD847}" type="slidenum">
-              <a:rPr lang="en-US"/>
-              <a:pPr/>
-              <a:t>5</a:t>
-            </a:fld>
-            <a:endParaRPr lang="en-US"/>
-          </a:p>
-        </p:txBody>
-      </p:sp>
-      <p:sp>
-        <p:nvSpPr>
           <p:cNvPr id="218114" name="Rectangle 2"/>
           <p:cNvSpPr>
             <a:spLocks noGrp="1" noChangeArrowheads="1"/>
@@ -14256,10 +13915,33 @@
           <a:lstStyle/>
           <a:p>
             <a:r>
-              <a:rPr lang="en-US" dirty="0" smtClean="0"/>
+              <a:rPr lang="en-US" dirty="0"/>
               <a:t>Conversion to SSA Form</a:t>
             </a:r>
-            <a:endParaRPr lang="en-US" dirty="0"/>
+          </a:p>
+        </p:txBody>
+      </p:sp>
+      <p:sp>
+        <p:nvSpPr>
+          <p:cNvPr id="16" name="Slide Number Placeholder 4"/>
+          <p:cNvSpPr>
+            <a:spLocks noGrp="1"/>
+          </p:cNvSpPr>
+          <p:nvPr>
+            <p:ph type="sldNum" sz="quarter" idx="11"/>
+          </p:nvPr>
+        </p:nvSpPr>
+        <p:spPr/>
+        <p:txBody>
+          <a:bodyPr/>
+          <a:lstStyle/>
+          <a:p>
+            <a:fld id="{4D66F3EA-B5F7-DC47-A25C-9B8A460AD847}" type="slidenum">
+              <a:rPr lang="en-US"/>
+              <a:pPr/>
+              <a:t>5</a:t>
+            </a:fld>
+            <a:endParaRPr lang="en-US"/>
           </a:p>
         </p:txBody>
       </p:sp>
@@ -14737,11 +14419,7 @@
           <a:p>
             <a:r>
               <a:rPr lang="en-US" dirty="0"/>
-              <a:t>3: return </a:t>
-            </a:r>
-            <a:r>
-              <a:rPr lang="en-US" dirty="0" smtClean="0"/>
-              <a:t>c2</a:t>
+              <a:t>3: return c2</a:t>
             </a:r>
             <a:endParaRPr lang="en-US" sz="2800" dirty="0"/>
           </a:p>
@@ -14885,7 +14563,7 @@
             <a:lstStyle/>
             <a:p>
               <a:r>
-                <a:rPr lang="en-US" dirty="0" smtClean="0">
+                <a:rPr lang="en-US" dirty="0">
                   <a:solidFill>
                     <a:srgbClr val="800000"/>
                   </a:solidFill>
@@ -14893,7 +14571,7 @@
                 <a:t>b2 changes in each loop. SSA is </a:t>
               </a:r>
               <a:r>
-                <a:rPr lang="en-US" b="1" dirty="0" smtClean="0">
+                <a:rPr lang="en-US" b="1" dirty="0">
                   <a:solidFill>
                     <a:srgbClr val="800000"/>
                   </a:solidFill>
@@ -14901,7 +14579,7 @@
                 <a:t>not </a:t>
               </a:r>
               <a:r>
-                <a:rPr lang="en-US" dirty="0" smtClean="0">
+                <a:rPr lang="en-US" dirty="0">
                   <a:solidFill>
                     <a:srgbClr val="800000"/>
                   </a:solidFill>
@@ -14954,7 +14632,7 @@
   <p:timing>
     <p:tnLst>
       <p:par>
-        <p:cTn xmlns:p14="http://schemas.microsoft.com/office/powerpoint/2010/main" id="1" dur="indefinite" restart="never" nodeType="tmRoot">
+        <p:cTn id="1" dur="indefinite" restart="never" nodeType="tmRoot">
           <p:childTnLst>
             <p:seq concurrent="1" nextAc="seek">
               <p:cTn id="2" dur="indefinite" nodeType="mainSeq">
@@ -15062,10 +14740,9 @@
           <a:lstStyle/>
           <a:p>
             <a:r>
-              <a:rPr lang="en-US" dirty="0" smtClean="0"/>
+              <a:rPr lang="en-US" dirty="0"/>
               <a:t>Dominance Relation</a:t>
             </a:r>
-            <a:endParaRPr lang="en-US" dirty="0"/>
           </a:p>
         </p:txBody>
       </p:sp>
@@ -15085,35 +14762,35 @@
           <a:lstStyle/>
           <a:p>
             <a:r>
-              <a:rPr lang="en-US" dirty="0" smtClean="0"/>
+              <a:rPr lang="en-US" dirty="0"/>
               <a:t>X </a:t>
             </a:r>
             <a:r>
-              <a:rPr lang="en-US" i="1" dirty="0" smtClean="0"/>
+              <a:rPr lang="en-US" i="1" dirty="0"/>
               <a:t>dominates </a:t>
             </a:r>
             <a:r>
-              <a:rPr lang="en-US" dirty="0" smtClean="0"/>
+              <a:rPr lang="en-US" dirty="0"/>
               <a:t>Y if every path from the start node to Y goes through X</a:t>
             </a:r>
           </a:p>
           <a:p>
             <a:r>
-              <a:rPr lang="en-US" dirty="0" smtClean="0"/>
+              <a:rPr lang="en-US" dirty="0"/>
               <a:t>D(X) is the set of nodes that X dominates</a:t>
             </a:r>
           </a:p>
           <a:p>
             <a:r>
-              <a:rPr lang="en-US" dirty="0" smtClean="0"/>
+              <a:rPr lang="en-US" dirty="0"/>
               <a:t>X </a:t>
             </a:r>
             <a:r>
-              <a:rPr lang="en-US" i="1" dirty="0" smtClean="0"/>
+              <a:rPr lang="en-US" i="1" dirty="0"/>
               <a:t>strictly dominates </a:t>
             </a:r>
             <a:r>
-              <a:rPr lang="en-US" dirty="0" smtClean="0"/>
+              <a:rPr lang="en-US" dirty="0"/>
               <a:t>Y if X dominates Y and X ≠ Y</a:t>
             </a:r>
           </a:p>
@@ -15151,13 +14828,6 @@
   <p:clrMapOvr>
     <a:masterClrMapping/>
   </p:clrMapOvr>
-  <p:timing>
-    <p:tnLst>
-      <p:par>
-        <p:cTn xmlns:p14="http://schemas.microsoft.com/office/powerpoint/2010/main" id="1" dur="indefinite" restart="never" nodeType="tmRoot"/>
-      </p:par>
-    </p:tnLst>
-  </p:timing>
 </p:sld>
 </file>
 
@@ -15194,10 +14864,9 @@
           <a:lstStyle/>
           <a:p>
             <a:r>
-              <a:rPr lang="en-US" dirty="0" smtClean="0"/>
+              <a:rPr lang="en-US" dirty="0"/>
               <a:t>Dominance Relation</a:t>
             </a:r>
-            <a:endParaRPr lang="en-US" dirty="0"/>
           </a:p>
         </p:txBody>
       </p:sp>
@@ -15208,7 +14877,7 @@
             <a:spLocks noGrp="1"/>
           </p:cNvSpPr>
           <p:nvPr>
-            <p:ph type="sldNum" sz="quarter" idx="12"/>
+            <p:ph type="sldNum" sz="quarter" idx="11"/>
           </p:nvPr>
         </p:nvSpPr>
         <p:spPr/>
@@ -15255,10 +14924,9 @@
           <a:lstStyle/>
           <a:p>
             <a:r>
-              <a:rPr lang="en-US" dirty="0" smtClean="0"/>
+              <a:rPr lang="en-US" dirty="0"/>
               <a:t>1:</a:t>
             </a:r>
-            <a:endParaRPr lang="en-US" dirty="0"/>
           </a:p>
         </p:txBody>
       </p:sp>
@@ -15292,10 +14960,9 @@
           <a:lstStyle/>
           <a:p>
             <a:r>
-              <a:rPr lang="en-US" dirty="0" smtClean="0"/>
+              <a:rPr lang="en-US" dirty="0"/>
               <a:t>2:</a:t>
             </a:r>
-            <a:endParaRPr lang="en-US" dirty="0"/>
           </a:p>
         </p:txBody>
       </p:sp>
@@ -15329,10 +14996,9 @@
           <a:lstStyle/>
           <a:p>
             <a:r>
-              <a:rPr lang="en-US" dirty="0" smtClean="0"/>
+              <a:rPr lang="en-US" dirty="0"/>
               <a:t>3:</a:t>
             </a:r>
-            <a:endParaRPr lang="en-US" dirty="0"/>
           </a:p>
         </p:txBody>
       </p:sp>
@@ -15366,10 +15032,9 @@
           <a:lstStyle/>
           <a:p>
             <a:r>
-              <a:rPr lang="en-US" dirty="0" smtClean="0"/>
+              <a:rPr lang="en-US" dirty="0"/>
               <a:t>4:</a:t>
             </a:r>
-            <a:endParaRPr lang="en-US" dirty="0"/>
           </a:p>
         </p:txBody>
       </p:sp>
@@ -15403,10 +15068,9 @@
           <a:lstStyle/>
           <a:p>
             <a:r>
-              <a:rPr lang="en-US" dirty="0" smtClean="0"/>
+              <a:rPr lang="en-US" dirty="0"/>
               <a:t>5:</a:t>
             </a:r>
-            <a:endParaRPr lang="en-US" dirty="0"/>
           </a:p>
         </p:txBody>
       </p:sp>
@@ -15440,10 +15104,9 @@
           <a:lstStyle/>
           <a:p>
             <a:r>
-              <a:rPr lang="en-US" dirty="0" smtClean="0"/>
+              <a:rPr lang="en-US" dirty="0"/>
               <a:t>6:</a:t>
             </a:r>
-            <a:endParaRPr lang="en-US" dirty="0"/>
           </a:p>
         </p:txBody>
       </p:sp>
@@ -15477,10 +15140,9 @@
           <a:lstStyle/>
           <a:p>
             <a:r>
-              <a:rPr lang="en-US" dirty="0" smtClean="0"/>
+              <a:rPr lang="en-US" dirty="0"/>
               <a:t>7:</a:t>
             </a:r>
-            <a:endParaRPr lang="en-US" dirty="0"/>
           </a:p>
         </p:txBody>
       </p:sp>
@@ -15514,10 +15176,9 @@
           <a:lstStyle/>
           <a:p>
             <a:r>
-              <a:rPr lang="en-US" dirty="0" smtClean="0"/>
+              <a:rPr lang="en-US" dirty="0"/>
               <a:t>8:</a:t>
             </a:r>
-            <a:endParaRPr lang="en-US" dirty="0"/>
           </a:p>
         </p:txBody>
       </p:sp>
@@ -15551,10 +15212,9 @@
           <a:lstStyle/>
           <a:p>
             <a:r>
-              <a:rPr lang="en-US" dirty="0" smtClean="0"/>
+              <a:rPr lang="en-US" dirty="0"/>
               <a:t>9:</a:t>
             </a:r>
-            <a:endParaRPr lang="en-US" dirty="0"/>
           </a:p>
         </p:txBody>
       </p:sp>
@@ -15588,10 +15248,9 @@
           <a:lstStyle/>
           <a:p>
             <a:r>
-              <a:rPr lang="en-US" dirty="0" smtClean="0"/>
+              <a:rPr lang="en-US" dirty="0"/>
               <a:t>10:</a:t>
             </a:r>
-            <a:endParaRPr lang="en-US" dirty="0"/>
           </a:p>
         </p:txBody>
       </p:sp>
@@ -15625,10 +15284,9 @@
           <a:lstStyle/>
           <a:p>
             <a:r>
-              <a:rPr lang="en-US" dirty="0" smtClean="0"/>
+              <a:rPr lang="en-US" dirty="0"/>
               <a:t>11:</a:t>
             </a:r>
-            <a:endParaRPr lang="en-US" dirty="0"/>
           </a:p>
         </p:txBody>
       </p:sp>
@@ -15662,10 +15320,9 @@
           <a:lstStyle/>
           <a:p>
             <a:r>
-              <a:rPr lang="en-US" dirty="0" smtClean="0"/>
+              <a:rPr lang="en-US" dirty="0"/>
               <a:t>12:</a:t>
             </a:r>
-            <a:endParaRPr lang="en-US" dirty="0"/>
           </a:p>
         </p:txBody>
       </p:sp>
@@ -15699,10 +15356,9 @@
           <a:lstStyle/>
           <a:p>
             <a:r>
-              <a:rPr lang="en-US" dirty="0" smtClean="0"/>
+              <a:rPr lang="en-US" dirty="0"/>
               <a:t>13:</a:t>
             </a:r>
-            <a:endParaRPr lang="en-US" dirty="0"/>
           </a:p>
         </p:txBody>
       </p:sp>
@@ -16376,10 +16032,9 @@
           <a:lstStyle/>
           <a:p>
             <a:r>
-              <a:rPr lang="en-US" dirty="0" smtClean="0"/>
+              <a:rPr lang="en-US" dirty="0"/>
               <a:t>D(5)={6,7,8}</a:t>
             </a:r>
-            <a:endParaRPr lang="en-US" dirty="0"/>
           </a:p>
         </p:txBody>
       </p:sp>
@@ -16408,10 +16063,9 @@
           <a:lstStyle/>
           <a:p>
             <a:r>
-              <a:rPr lang="en-US" dirty="0" smtClean="0"/>
+              <a:rPr lang="en-US" dirty="0"/>
               <a:t>5 strictly dominates 6, 7, 8</a:t>
             </a:r>
-            <a:endParaRPr lang="en-US" dirty="0"/>
           </a:p>
         </p:txBody>
       </p:sp>
@@ -16423,7 +16077,7 @@
   <p:timing>
     <p:tnLst>
       <p:par>
-        <p:cTn xmlns:p14="http://schemas.microsoft.com/office/powerpoint/2010/main" id="1" dur="indefinite" restart="never" nodeType="tmRoot">
+        <p:cTn id="1" dur="indefinite" restart="never" nodeType="tmRoot">
           <p:childTnLst>
             <p:seq concurrent="1" nextAc="seek">
               <p:cTn id="2" dur="indefinite" nodeType="mainSeq">
@@ -16580,10 +16234,9 @@
           <a:lstStyle/>
           <a:p>
             <a:r>
-              <a:rPr lang="en-US" dirty="0" smtClean="0"/>
+              <a:rPr lang="en-US" dirty="0"/>
               <a:t>Dominance Relation</a:t>
             </a:r>
-            <a:endParaRPr lang="en-US" dirty="0"/>
           </a:p>
         </p:txBody>
       </p:sp>
@@ -16594,7 +16247,7 @@
             <a:spLocks noGrp="1"/>
           </p:cNvSpPr>
           <p:nvPr>
-            <p:ph type="sldNum" sz="quarter" idx="12"/>
+            <p:ph type="sldNum" sz="quarter" idx="11"/>
           </p:nvPr>
         </p:nvSpPr>
         <p:spPr/>
@@ -16641,10 +16294,9 @@
           <a:lstStyle/>
           <a:p>
             <a:r>
-              <a:rPr lang="en-US" dirty="0" smtClean="0"/>
+              <a:rPr lang="en-US" dirty="0"/>
               <a:t>1:</a:t>
             </a:r>
-            <a:endParaRPr lang="en-US" dirty="0"/>
           </a:p>
         </p:txBody>
       </p:sp>
@@ -16678,10 +16330,9 @@
           <a:lstStyle/>
           <a:p>
             <a:r>
-              <a:rPr lang="en-US" dirty="0" smtClean="0"/>
+              <a:rPr lang="en-US" dirty="0"/>
               <a:t>2:</a:t>
             </a:r>
-            <a:endParaRPr lang="en-US" dirty="0"/>
           </a:p>
         </p:txBody>
       </p:sp>
@@ -16715,10 +16366,9 @@
           <a:lstStyle/>
           <a:p>
             <a:r>
-              <a:rPr lang="en-US" dirty="0" smtClean="0"/>
+              <a:rPr lang="en-US" dirty="0"/>
               <a:t>3:</a:t>
             </a:r>
-            <a:endParaRPr lang="en-US" dirty="0"/>
           </a:p>
         </p:txBody>
       </p:sp>
@@ -16752,10 +16402,9 @@
           <a:lstStyle/>
           <a:p>
             <a:r>
-              <a:rPr lang="en-US" dirty="0" smtClean="0"/>
+              <a:rPr lang="en-US" dirty="0"/>
               <a:t>4:</a:t>
             </a:r>
-            <a:endParaRPr lang="en-US" dirty="0"/>
           </a:p>
         </p:txBody>
       </p:sp>
@@ -16789,10 +16438,9 @@
           <a:lstStyle/>
           <a:p>
             <a:r>
-              <a:rPr lang="en-US" dirty="0" smtClean="0"/>
+              <a:rPr lang="en-US" dirty="0"/>
               <a:t>5:</a:t>
             </a:r>
-            <a:endParaRPr lang="en-US" dirty="0"/>
           </a:p>
         </p:txBody>
       </p:sp>
@@ -16826,18 +16474,13 @@
           <a:lstStyle/>
           <a:p>
             <a:r>
-              <a:rPr lang="en-US" dirty="0" smtClean="0">
+              <a:rPr lang="en-US" dirty="0">
                 <a:solidFill>
                   <a:schemeClr val="bg1"/>
                 </a:solidFill>
               </a:rPr>
               <a:t>6:</a:t>
             </a:r>
-            <a:endParaRPr lang="en-US" dirty="0">
-              <a:solidFill>
-                <a:schemeClr val="bg1"/>
-              </a:solidFill>
-            </a:endParaRPr>
           </a:p>
         </p:txBody>
       </p:sp>
@@ -16871,18 +16514,13 @@
           <a:lstStyle/>
           <a:p>
             <a:r>
-              <a:rPr lang="en-US" dirty="0" smtClean="0">
+              <a:rPr lang="en-US" dirty="0">
                 <a:solidFill>
                   <a:srgbClr val="FFFFFF"/>
                 </a:solidFill>
               </a:rPr>
               <a:t>7:</a:t>
             </a:r>
-            <a:endParaRPr lang="en-US" dirty="0">
-              <a:solidFill>
-                <a:srgbClr val="FFFFFF"/>
-              </a:solidFill>
-            </a:endParaRPr>
           </a:p>
         </p:txBody>
       </p:sp>
@@ -16916,18 +16554,13 @@
           <a:lstStyle/>
           <a:p>
             <a:r>
-              <a:rPr lang="en-US" dirty="0" smtClean="0">
+              <a:rPr lang="en-US" dirty="0">
                 <a:solidFill>
                   <a:srgbClr val="FFFFFF"/>
                 </a:solidFill>
               </a:rPr>
               <a:t>8:</a:t>
             </a:r>
-            <a:endParaRPr lang="en-US" dirty="0">
-              <a:solidFill>
-                <a:srgbClr val="FFFFFF"/>
-              </a:solidFill>
-            </a:endParaRPr>
           </a:p>
         </p:txBody>
       </p:sp>
@@ -16961,10 +16594,9 @@
           <a:lstStyle/>
           <a:p>
             <a:r>
-              <a:rPr lang="en-US" dirty="0" smtClean="0"/>
+              <a:rPr lang="en-US" dirty="0"/>
               <a:t>9:</a:t>
             </a:r>
-            <a:endParaRPr lang="en-US" dirty="0"/>
           </a:p>
         </p:txBody>
       </p:sp>
@@ -16998,10 +16630,9 @@
           <a:lstStyle/>
           <a:p>
             <a:r>
-              <a:rPr lang="en-US" dirty="0" smtClean="0"/>
+              <a:rPr lang="en-US" dirty="0"/>
               <a:t>10:</a:t>
             </a:r>
-            <a:endParaRPr lang="en-US" dirty="0"/>
           </a:p>
         </p:txBody>
       </p:sp>
@@ -17035,10 +16666,9 @@
           <a:lstStyle/>
           <a:p>
             <a:r>
-              <a:rPr lang="en-US" dirty="0" smtClean="0"/>
+              <a:rPr lang="en-US" dirty="0"/>
               <a:t>11:</a:t>
             </a:r>
-            <a:endParaRPr lang="en-US" dirty="0"/>
           </a:p>
         </p:txBody>
       </p:sp>
@@ -17072,10 +16702,9 @@
           <a:lstStyle/>
           <a:p>
             <a:r>
-              <a:rPr lang="en-US" dirty="0" smtClean="0"/>
+              <a:rPr lang="en-US" dirty="0"/>
               <a:t>12:</a:t>
             </a:r>
-            <a:endParaRPr lang="en-US" dirty="0"/>
           </a:p>
         </p:txBody>
       </p:sp>
@@ -17109,10 +16738,9 @@
           <a:lstStyle/>
           <a:p>
             <a:r>
-              <a:rPr lang="en-US" dirty="0" smtClean="0"/>
+              <a:rPr lang="en-US" dirty="0"/>
               <a:t>13:</a:t>
             </a:r>
-            <a:endParaRPr lang="en-US" dirty="0"/>
           </a:p>
         </p:txBody>
       </p:sp>
@@ -17786,10 +17414,9 @@
           <a:lstStyle/>
           <a:p>
             <a:r>
-              <a:rPr lang="en-US" dirty="0" smtClean="0"/>
+              <a:rPr lang="en-US" dirty="0"/>
               <a:t>D(5)={6,7,8}</a:t>
             </a:r>
-            <a:endParaRPr lang="en-US" dirty="0"/>
           </a:p>
         </p:txBody>
       </p:sp>
@@ -17818,10 +17445,9 @@
           <a:lstStyle/>
           <a:p>
             <a:r>
-              <a:rPr lang="en-US" dirty="0" smtClean="0"/>
+              <a:rPr lang="en-US" dirty="0"/>
               <a:t>5 strictly dominates 6, 7, 8</a:t>
             </a:r>
-            <a:endParaRPr lang="en-US" dirty="0"/>
           </a:p>
         </p:txBody>
       </p:sp>
@@ -17830,13 +17456,6 @@
   <p:clrMapOvr>
     <a:masterClrMapping/>
   </p:clrMapOvr>
-  <p:timing>
-    <p:tnLst>
-      <p:par>
-        <p:cTn xmlns:p14="http://schemas.microsoft.com/office/powerpoint/2010/main" id="1" dur="indefinite" restart="never" nodeType="tmRoot"/>
-      </p:par>
-    </p:tnLst>
-  </p:timing>
 </p:sld>
 </file>
 
@@ -17873,10 +17492,9 @@
           <a:lstStyle/>
           <a:p>
             <a:r>
-              <a:rPr lang="en-US" dirty="0" smtClean="0"/>
+              <a:rPr lang="en-US" dirty="0"/>
               <a:t>Dominance Property of SSA</a:t>
             </a:r>
-            <a:endParaRPr lang="en-US" dirty="0"/>
           </a:p>
         </p:txBody>
       </p:sp>
@@ -17896,80 +17514,55 @@
           <a:lstStyle/>
           <a:p>
             <a:r>
-              <a:rPr lang="en-US" dirty="0" smtClean="0"/>
+              <a:rPr lang="en-US" dirty="0"/>
               <a:t>Essential property of SSA form is the definition of a variable must </a:t>
             </a:r>
             <a:r>
-              <a:rPr lang="en-US" i="1" dirty="0" smtClean="0"/>
+              <a:rPr lang="en-US" i="1" dirty="0"/>
               <a:t>dominate </a:t>
             </a:r>
             <a:r>
-              <a:rPr lang="en-US" dirty="0" smtClean="0"/>
+              <a:rPr lang="en-US" dirty="0"/>
               <a:t>use of the variable:</a:t>
             </a:r>
           </a:p>
           <a:p>
             <a:pPr lvl="1"/>
             <a:r>
-              <a:rPr lang="en-US" dirty="0" smtClean="0"/>
-              <a:t>If </a:t>
-            </a:r>
-            <a:r>
-              <a:rPr lang="en-US" dirty="0" smtClean="0"/>
-              <a:t>variable </a:t>
-            </a:r>
-            <a:r>
-              <a:rPr lang="en-US" i="1" dirty="0" smtClean="0"/>
+              <a:rPr lang="en-US" dirty="0"/>
+              <a:t>If variable </a:t>
+            </a:r>
+            <a:r>
+              <a:rPr lang="en-US" i="1" dirty="0"/>
               <a:t>a</a:t>
             </a:r>
             <a:r>
-              <a:rPr lang="en-US" dirty="0" smtClean="0"/>
-              <a:t> is </a:t>
-            </a:r>
-            <a:r>
-              <a:rPr lang="en-US" dirty="0" smtClean="0"/>
-              <a:t>used in a </a:t>
-            </a:r>
-            <a:r>
-              <a:rPr lang="en-US" dirty="0" smtClean="0">
+              <a:rPr lang="en-US" dirty="0"/>
+              <a:t> is used in a </a:t>
+            </a:r>
+            <a:r>
+              <a:rPr lang="en-US" dirty="0">
                 <a:sym typeface="Symbol" charset="2"/>
               </a:rPr>
               <a:t> </a:t>
             </a:r>
             <a:r>
-              <a:rPr lang="en-US" dirty="0" smtClean="0"/>
-              <a:t>function in block </a:t>
-            </a:r>
-            <a:r>
-              <a:rPr lang="en-US" dirty="0" smtClean="0"/>
-              <a:t>X, </a:t>
-            </a:r>
-            <a:r>
-              <a:rPr lang="en-US" dirty="0" smtClean="0"/>
-              <a:t>then definition of </a:t>
+              <a:rPr lang="en-US" dirty="0"/>
+              <a:t>function in block X, then definition of </a:t>
             </a:r>
             <a:r>
               <a:rPr lang="en-US" i="1" dirty="0"/>
               <a:t>a</a:t>
             </a:r>
             <a:r>
-              <a:rPr lang="en-US" dirty="0" smtClean="0"/>
-              <a:t> </a:t>
-            </a:r>
-            <a:r>
-              <a:rPr lang="en-US" dirty="0" smtClean="0"/>
-              <a:t>dominates every predecessor of </a:t>
-            </a:r>
-            <a:r>
-              <a:rPr lang="en-US" dirty="0" smtClean="0"/>
-              <a:t>X</a:t>
-            </a:r>
-            <a:endParaRPr lang="en-US" dirty="0" smtClean="0"/>
+              <a:rPr lang="en-US" dirty="0"/>
+              <a:t> dominates every predecessor of X</a:t>
+            </a:r>
           </a:p>
           <a:p>
             <a:pPr lvl="1"/>
             <a:r>
-              <a:rPr lang="en-US" dirty="0" smtClean="0"/>
+              <a:rPr lang="en-US" dirty="0"/>
               <a:t>If </a:t>
             </a:r>
             <a:r>
@@ -17977,54 +17570,26 @@
               <a:t>a</a:t>
             </a:r>
             <a:r>
-              <a:rPr lang="en-US" dirty="0" smtClean="0"/>
-              <a:t> </a:t>
-            </a:r>
-            <a:r>
-              <a:rPr lang="en-US" dirty="0" smtClean="0"/>
-              <a:t>is used in a non-</a:t>
-            </a:r>
-            <a:r>
-              <a:rPr lang="en-US" dirty="0" smtClean="0">
+              <a:rPr lang="en-US" dirty="0"/>
+              <a:t> is used in a non-</a:t>
+            </a:r>
+            <a:r>
+              <a:rPr lang="en-US" dirty="0">
                 <a:sym typeface="Symbol" charset="2"/>
               </a:rPr>
-              <a:t> statement in block </a:t>
-            </a:r>
-            <a:r>
-              <a:rPr lang="en-US" dirty="0" smtClean="0">
+              <a:t> statement in block X, then the definition of </a:t>
+            </a:r>
+            <a:r>
+              <a:rPr lang="en-US" i="1" dirty="0"/>
+              <a:t>a</a:t>
+            </a:r>
+            <a:r>
+              <a:rPr lang="en-US" dirty="0">
                 <a:sym typeface="Symbol" charset="2"/>
               </a:rPr>
-              <a:t>X, </a:t>
-            </a:r>
-            <a:r>
-              <a:rPr lang="en-US" dirty="0" smtClean="0">
-                <a:sym typeface="Symbol" charset="2"/>
-              </a:rPr>
-              <a:t>then the definition of </a:t>
-            </a:r>
-            <a:r>
-              <a:rPr lang="en-US" i="1" dirty="0"/>
-              <a:t>a</a:t>
-            </a:r>
-            <a:r>
-              <a:rPr lang="en-US" dirty="0" smtClean="0">
-                <a:sym typeface="Symbol" charset="2"/>
-              </a:rPr>
-              <a:t> </a:t>
-            </a:r>
-            <a:r>
-              <a:rPr lang="en-US" dirty="0" smtClean="0">
-                <a:sym typeface="Symbol" charset="2"/>
-              </a:rPr>
-              <a:t>dominates </a:t>
-            </a:r>
-            <a:r>
-              <a:rPr lang="en-US" dirty="0" smtClean="0">
-                <a:sym typeface="Symbol" charset="2"/>
-              </a:rPr>
-              <a:t>X.</a:t>
-            </a:r>
-            <a:endParaRPr lang="en-US" dirty="0" smtClean="0"/>
+              <a:t> dominates X.</a:t>
+            </a:r>
+            <a:endParaRPr lang="en-US" dirty="0"/>
           </a:p>
           <a:p>
             <a:endParaRPr lang="en-US" dirty="0"/>
@@ -18060,18 +17625,11 @@
   <p:clrMapOvr>
     <a:masterClrMapping/>
   </p:clrMapOvr>
-  <p:timing>
-    <p:tnLst>
-      <p:par>
-        <p:cTn xmlns:p14="http://schemas.microsoft.com/office/powerpoint/2010/main" id="1" dur="indefinite" restart="never" nodeType="tmRoot"/>
-      </p:par>
-    </p:tnLst>
-  </p:timing>
 </p:sld>
 </file>
 
 <file path=ppt/theme/theme1.xml><?xml version="1.0" encoding="utf-8"?>
-<a:theme xmlns:a="http://schemas.openxmlformats.org/drawingml/2006/main" name="Blank Presentation">
+<a:theme xmlns:a="http://schemas.openxmlformats.org/drawingml/2006/main" name="1_Blank Presentation">
   <a:themeElements>
     <a:clrScheme name="Blank Presentation 1">
       <a:dk1>
@@ -18111,16 +17669,110 @@
         <a:srgbClr val="99CC00"/>
       </a:folHlink>
     </a:clrScheme>
-    <a:fontScheme name="Blank Presentation">
+    <a:fontScheme name="Office">
       <a:majorFont>
-        <a:latin typeface="Times"/>
+        <a:latin typeface="Calibri Light" panose="020F0302020204030204"/>
         <a:ea typeface=""/>
         <a:cs typeface=""/>
+        <a:font script="Jpan" typeface="游ゴシック Light"/>
+        <a:font script="Hang" typeface="맑은 고딕"/>
+        <a:font script="Hans" typeface="等线 Light"/>
+        <a:font script="Hant" typeface="新細明體"/>
+        <a:font script="Arab" typeface="Times New Roman"/>
+        <a:font script="Hebr" typeface="Times New Roman"/>
+        <a:font script="Thai" typeface="Angsana New"/>
+        <a:font script="Ethi" typeface="Nyala"/>
+        <a:font script="Beng" typeface="Vrinda"/>
+        <a:font script="Gujr" typeface="Shruti"/>
+        <a:font script="Khmr" typeface="MoolBoran"/>
+        <a:font script="Knda" typeface="Tunga"/>
+        <a:font script="Guru" typeface="Raavi"/>
+        <a:font script="Cans" typeface="Euphemia"/>
+        <a:font script="Cher" typeface="Plantagenet Cherokee"/>
+        <a:font script="Yiii" typeface="Microsoft Yi Baiti"/>
+        <a:font script="Tibt" typeface="Microsoft Himalaya"/>
+        <a:font script="Thaa" typeface="MV Boli"/>
+        <a:font script="Deva" typeface="Mangal"/>
+        <a:font script="Telu" typeface="Gautami"/>
+        <a:font script="Taml" typeface="Latha"/>
+        <a:font script="Syrc" typeface="Estrangelo Edessa"/>
+        <a:font script="Orya" typeface="Kalinga"/>
+        <a:font script="Mlym" typeface="Kartika"/>
+        <a:font script="Laoo" typeface="DokChampa"/>
+        <a:font script="Sinh" typeface="Iskoola Pota"/>
+        <a:font script="Mong" typeface="Mongolian Baiti"/>
+        <a:font script="Viet" typeface="Times New Roman"/>
+        <a:font script="Uigh" typeface="Microsoft Uighur"/>
+        <a:font script="Geor" typeface="Sylfaen"/>
+        <a:font script="Armn" typeface="Arial"/>
+        <a:font script="Bugi" typeface="Leelawadee UI"/>
+        <a:font script="Bopo" typeface="Microsoft JhengHei"/>
+        <a:font script="Java" typeface="Javanese Text"/>
+        <a:font script="Lisu" typeface="Segoe UI"/>
+        <a:font script="Mymr" typeface="Myanmar Text"/>
+        <a:font script="Nkoo" typeface="Ebrima"/>
+        <a:font script="Olck" typeface="Nirmala UI"/>
+        <a:font script="Osma" typeface="Ebrima"/>
+        <a:font script="Phag" typeface="Phagspa"/>
+        <a:font script="Syrn" typeface="Estrangelo Edessa"/>
+        <a:font script="Syrj" typeface="Estrangelo Edessa"/>
+        <a:font script="Syre" typeface="Estrangelo Edessa"/>
+        <a:font script="Sora" typeface="Nirmala UI"/>
+        <a:font script="Tale" typeface="Microsoft Tai Le"/>
+        <a:font script="Talu" typeface="Microsoft New Tai Lue"/>
+        <a:font script="Tfng" typeface="Ebrima"/>
       </a:majorFont>
       <a:minorFont>
-        <a:latin typeface="Times"/>
+        <a:latin typeface="Calibri" panose="020F0502020204030204"/>
         <a:ea typeface=""/>
         <a:cs typeface=""/>
+        <a:font script="Jpan" typeface="游ゴシック"/>
+        <a:font script="Hang" typeface="맑은 고딕"/>
+        <a:font script="Hans" typeface="等线"/>
+        <a:font script="Hant" typeface="新細明體"/>
+        <a:font script="Arab" typeface="Arial"/>
+        <a:font script="Hebr" typeface="Arial"/>
+        <a:font script="Thai" typeface="Cordia New"/>
+        <a:font script="Ethi" typeface="Nyala"/>
+        <a:font script="Beng" typeface="Vrinda"/>
+        <a:font script="Gujr" typeface="Shruti"/>
+        <a:font script="Khmr" typeface="DaunPenh"/>
+        <a:font script="Knda" typeface="Tunga"/>
+        <a:font script="Guru" typeface="Raavi"/>
+        <a:font script="Cans" typeface="Euphemia"/>
+        <a:font script="Cher" typeface="Plantagenet Cherokee"/>
+        <a:font script="Yiii" typeface="Microsoft Yi Baiti"/>
+        <a:font script="Tibt" typeface="Microsoft Himalaya"/>
+        <a:font script="Thaa" typeface="MV Boli"/>
+        <a:font script="Deva" typeface="Mangal"/>
+        <a:font script="Telu" typeface="Gautami"/>
+        <a:font script="Taml" typeface="Latha"/>
+        <a:font script="Syrc" typeface="Estrangelo Edessa"/>
+        <a:font script="Orya" typeface="Kalinga"/>
+        <a:font script="Mlym" typeface="Kartika"/>
+        <a:font script="Laoo" typeface="DokChampa"/>
+        <a:font script="Sinh" typeface="Iskoola Pota"/>
+        <a:font script="Mong" typeface="Mongolian Baiti"/>
+        <a:font script="Viet" typeface="Arial"/>
+        <a:font script="Uigh" typeface="Microsoft Uighur"/>
+        <a:font script="Geor" typeface="Sylfaen"/>
+        <a:font script="Armn" typeface="Arial"/>
+        <a:font script="Bugi" typeface="Leelawadee UI"/>
+        <a:font script="Bopo" typeface="Microsoft JhengHei"/>
+        <a:font script="Java" typeface="Javanese Text"/>
+        <a:font script="Lisu" typeface="Segoe UI"/>
+        <a:font script="Mymr" typeface="Myanmar Text"/>
+        <a:font script="Nkoo" typeface="Ebrima"/>
+        <a:font script="Olck" typeface="Nirmala UI"/>
+        <a:font script="Osma" typeface="Ebrima"/>
+        <a:font script="Phag" typeface="Phagspa"/>
+        <a:font script="Syrn" typeface="Estrangelo Edessa"/>
+        <a:font script="Syrj" typeface="Estrangelo Edessa"/>
+        <a:font script="Syre" typeface="Estrangelo Edessa"/>
+        <a:font script="Sora" typeface="Nirmala UI"/>
+        <a:font script="Tale" typeface="Microsoft Tai Le"/>
+        <a:font script="Talu" typeface="Microsoft New Tai Lue"/>
+        <a:font script="Tfng" typeface="Ebrima"/>
       </a:minorFont>
     </a:fontScheme>
     <a:fmtScheme name="Office">

--- a/assets/ppt/codegen/ssaform2.pptx
+++ b/assets/ppt/codegen/ssaform2.pptx
@@ -262,7 +262,7 @@
             <a:fld id="{2A2B9AA4-819F-8549-A06A-E1B5D9D61F62}" type="datetimeFigureOut">
               <a:rPr lang="en-US" smtClean="0"/>
               <a:pPr/>
-              <a:t>7/18/19</a:t>
+              <a:t>8/7/19</a:t>
             </a:fld>
             <a:endParaRPr lang="en-US"/>
           </a:p>
@@ -8769,46 +8769,22 @@
           <a:p>
             <a:pPr lvl="1"/>
             <a:r>
-              <a:rPr lang="en-US" dirty="0" err="1"/>
-              <a:t>Local(X</a:t>
-            </a:r>
-            <a:r>
               <a:rPr lang="en-US" dirty="0"/>
-              <a:t>) := set of successors of X who do not immediately dominate X</a:t>
+              <a:t>Local(X) := set of successors of X that X does not immediately dominate</a:t>
             </a:r>
           </a:p>
           <a:p>
             <a:pPr lvl="1"/>
             <a:r>
-              <a:rPr lang="en-US" dirty="0" err="1"/>
-              <a:t>Up(X</a:t>
-            </a:r>
-            <a:r>
               <a:rPr lang="en-US" dirty="0"/>
-              <a:t>) := set of nodes in DF(X) that are not dominated by X’s immediate dominator.</a:t>
+              <a:t>Up(X) := if X dominates K, Up(X) is the set of nodes in DF(K) that are not dominated by X.</a:t>
             </a:r>
           </a:p>
           <a:p>
             <a:pPr lvl="1"/>
             <a:r>
               <a:rPr lang="en-US" dirty="0"/>
-              <a:t>DF(X) := Union of </a:t>
-            </a:r>
-            <a:r>
-              <a:rPr lang="en-US" dirty="0" err="1"/>
-              <a:t>Local(X</a:t>
-            </a:r>
-            <a:r>
-              <a:rPr lang="en-US" dirty="0"/>
-              <a:t>) &amp; ( Union of </a:t>
-            </a:r>
-            <a:r>
-              <a:rPr lang="en-US" dirty="0" err="1"/>
-              <a:t>Up(K</a:t>
-            </a:r>
-            <a:r>
-              <a:rPr lang="en-US" dirty="0"/>
-              <a:t>) for all K that are children of X )</a:t>
+              <a:t>DF(X) := Union of Local(X) and ( Union of Up(K) for all K that are children of X )</a:t>
             </a:r>
           </a:p>
         </p:txBody>
@@ -8872,7 +8848,12 @@
             <p:ph type="title"/>
           </p:nvPr>
         </p:nvSpPr>
-        <p:spPr/>
+        <p:spPr>
+          <a:xfrm>
+            <a:off x="685800" y="609600"/>
+            <a:ext cx="7772400" cy="1143000"/>
+          </a:xfrm>
+        </p:spPr>
         <p:txBody>
           <a:bodyPr/>
           <a:lstStyle/>
@@ -8884,202 +8865,259 @@
           </a:p>
         </p:txBody>
       </p:sp>
-      <p:sp>
-        <p:nvSpPr>
-          <p:cNvPr id="5" name="Content Placeholder 4"/>
-          <p:cNvSpPr>
-            <a:spLocks noGrp="1"/>
-          </p:cNvSpPr>
-          <p:nvPr>
-            <p:ph idx="1"/>
-          </p:nvPr>
-        </p:nvSpPr>
-        <p:spPr>
-          <a:xfrm>
-            <a:off x="685800" y="1828800"/>
-            <a:ext cx="7772400" cy="4419600"/>
-          </a:xfrm>
-        </p:spPr>
-        <p:txBody>
-          <a:bodyPr/>
-          <a:lstStyle/>
-          <a:p>
-            <a:r>
-              <a:rPr lang="en-US" sz="2800" dirty="0" err="1"/>
-              <a:t>ComputeDF(X</a:t>
-            </a:r>
-            <a:r>
-              <a:rPr lang="en-US" sz="2800" dirty="0"/>
-              <a:t>):</a:t>
-            </a:r>
-          </a:p>
-          <a:p>
-            <a:pPr lvl="1">
-              <a:buNone/>
-            </a:pPr>
-            <a:r>
-              <a:rPr lang="en-US" sz="2400" dirty="0"/>
-              <a:t>S := {} </a:t>
-            </a:r>
-            <a:r>
-              <a:rPr lang="en-US" sz="2400" dirty="0">
-                <a:solidFill>
-                  <a:schemeClr val="accent2"/>
-                </a:solidFill>
-              </a:rPr>
-              <a:t>// empty set</a:t>
-            </a:r>
-          </a:p>
-          <a:p>
-            <a:pPr lvl="1">
-              <a:buNone/>
-            </a:pPr>
-            <a:r>
-              <a:rPr lang="en-US" sz="2400" dirty="0"/>
-              <a:t>For each node Y in </a:t>
-            </a:r>
-            <a:r>
-              <a:rPr lang="en-US" sz="2400" dirty="0" err="1"/>
-              <a:t>Successor(X</a:t>
-            </a:r>
-            <a:r>
-              <a:rPr lang="en-US" sz="2400" dirty="0"/>
-              <a:t>):</a:t>
-            </a:r>
-          </a:p>
-          <a:p>
-            <a:pPr lvl="1">
-              <a:buNone/>
-            </a:pPr>
-            <a:r>
-              <a:rPr lang="en-US" sz="2400" dirty="0"/>
-              <a:t>	If Y is not immediately dominating X:</a:t>
-            </a:r>
-          </a:p>
-          <a:p>
-            <a:pPr lvl="1">
-              <a:buNone/>
-            </a:pPr>
-            <a:r>
-              <a:rPr lang="en-US" sz="2400" dirty="0"/>
-              <a:t>		S := S + {Y</a:t>
-            </a:r>
-            <a:r>
-              <a:rPr lang="en-US" sz="2400" dirty="0">
-                <a:solidFill>
-                  <a:srgbClr val="333399"/>
-                </a:solidFill>
-              </a:rPr>
-              <a:t>} // this is </a:t>
-            </a:r>
-            <a:r>
-              <a:rPr lang="en-US" sz="2400" dirty="0" err="1">
-                <a:solidFill>
-                  <a:srgbClr val="333399"/>
-                </a:solidFill>
-              </a:rPr>
-              <a:t>Local(X</a:t>
-            </a:r>
-            <a:r>
-              <a:rPr lang="en-US" sz="2400" dirty="0">
-                <a:solidFill>
-                  <a:srgbClr val="333399"/>
-                </a:solidFill>
-              </a:rPr>
-              <a:t>), + means union</a:t>
-            </a:r>
-          </a:p>
-          <a:p>
-            <a:pPr lvl="1">
-              <a:buNone/>
-            </a:pPr>
-            <a:r>
-              <a:rPr lang="en-US" sz="2400" dirty="0"/>
-              <a:t>For each child K of X in D(X): </a:t>
-            </a:r>
-            <a:r>
-              <a:rPr lang="en-US" sz="2400" dirty="0">
-                <a:solidFill>
-                  <a:srgbClr val="333399"/>
-                </a:solidFill>
-              </a:rPr>
-              <a:t>// X dominates K</a:t>
-            </a:r>
-          </a:p>
-          <a:p>
-            <a:pPr lvl="1">
-              <a:buNone/>
-            </a:pPr>
-            <a:r>
-              <a:rPr lang="en-US" sz="2400" dirty="0"/>
-              <a:t>	For each element Y in </a:t>
-            </a:r>
-            <a:r>
-              <a:rPr lang="en-US" sz="2400" dirty="0" err="1"/>
-              <a:t>ComputeDF(K</a:t>
-            </a:r>
-            <a:r>
-              <a:rPr lang="en-US" sz="2400" dirty="0"/>
-              <a:t>):</a:t>
-            </a:r>
-          </a:p>
-          <a:p>
-            <a:pPr lvl="1">
-              <a:buNone/>
-            </a:pPr>
-            <a:r>
-              <a:rPr lang="en-US" sz="2400" dirty="0"/>
-              <a:t>		If X does not dominate Y, </a:t>
-            </a:r>
-          </a:p>
-          <a:p>
-            <a:pPr lvl="1">
-              <a:buNone/>
-            </a:pPr>
-            <a:r>
-              <a:rPr lang="en-US" sz="2400" dirty="0"/>
-              <a:t>			S := S + {Y} </a:t>
-            </a:r>
-            <a:r>
-              <a:rPr lang="en-US" sz="2400" dirty="0">
-                <a:solidFill>
-                  <a:srgbClr val="333399"/>
-                </a:solidFill>
-              </a:rPr>
-              <a:t>// this is </a:t>
-            </a:r>
-            <a:r>
-              <a:rPr lang="en-US" sz="2400" dirty="0" err="1">
-                <a:solidFill>
-                  <a:srgbClr val="333399"/>
-                </a:solidFill>
-              </a:rPr>
-              <a:t>Up(X</a:t>
-            </a:r>
-            <a:r>
-              <a:rPr lang="en-US" sz="2400" dirty="0">
-                <a:solidFill>
-                  <a:srgbClr val="333399"/>
-                </a:solidFill>
-              </a:rPr>
-              <a:t>)</a:t>
-            </a:r>
-            <a:r>
-              <a:rPr lang="en-US" sz="2400" dirty="0"/>
-              <a:t> </a:t>
-            </a:r>
-          </a:p>
-          <a:p>
-            <a:pPr lvl="1">
-              <a:buNone/>
-            </a:pPr>
-            <a:r>
-              <a:rPr lang="en-US" sz="2400" dirty="0"/>
-              <a:t>DF(X) = S</a:t>
-            </a:r>
-          </a:p>
-        </p:txBody>
-      </p:sp>
+      <mc:AlternateContent xmlns:mc="http://schemas.openxmlformats.org/markup-compatibility/2006">
+        <mc:Choice xmlns:a14="http://schemas.microsoft.com/office/drawing/2010/main" Requires="a14">
+          <p:sp>
+            <p:nvSpPr>
+              <p:cNvPr id="5" name="Content Placeholder 4"/>
+              <p:cNvSpPr>
+                <a:spLocks noGrp="1"/>
+              </p:cNvSpPr>
+              <p:nvPr>
+                <p:ph idx="1"/>
+              </p:nvPr>
+            </p:nvSpPr>
+            <p:spPr>
+              <a:xfrm>
+                <a:off x="685800" y="1828800"/>
+                <a:ext cx="7772400" cy="4419600"/>
+              </a:xfrm>
+            </p:spPr>
+            <p:txBody>
+              <a:bodyPr/>
+              <a:lstStyle/>
+              <a:p>
+                <a:r>
+                  <a:rPr lang="en-US" sz="2800" dirty="0"/>
+                  <a:t>ComputeDF(X):</a:t>
+                </a:r>
+              </a:p>
+              <a:p>
+                <a:pPr lvl="1">
+                  <a:buNone/>
+                </a:pPr>
+                <a:r>
+                  <a:rPr lang="en-US" sz="2400" dirty="0"/>
+                  <a:t>S := {} </a:t>
+                </a:r>
+                <a:r>
+                  <a:rPr lang="en-US" sz="2400" dirty="0">
+                    <a:solidFill>
+                      <a:schemeClr val="accent2"/>
+                    </a:solidFill>
+                  </a:rPr>
+                  <a:t>// empty set</a:t>
+                </a:r>
+              </a:p>
+              <a:p>
+                <a:pPr lvl="1">
+                  <a:buNone/>
+                </a:pPr>
+                <a:r>
+                  <a:rPr lang="en-US" sz="2400" dirty="0"/>
+                  <a:t>For each node Y in </a:t>
+                </a:r>
+                <a:r>
+                  <a:rPr lang="en-US" sz="2400" dirty="0" err="1"/>
+                  <a:t>Successor(X</a:t>
+                </a:r>
+                <a:r>
+                  <a:rPr lang="en-US" sz="2400" dirty="0"/>
+                  <a:t>):</a:t>
+                </a:r>
+              </a:p>
+              <a:p>
+                <a:pPr lvl="1">
+                  <a:buNone/>
+                </a:pPr>
+                <a:r>
+                  <a:rPr lang="en-US" sz="2400" dirty="0"/>
+                  <a:t>	If X does not immediately dominate Y:</a:t>
+                </a:r>
+              </a:p>
+              <a:p>
+                <a:pPr lvl="1">
+                  <a:buNone/>
+                </a:pPr>
+                <a:r>
+                  <a:rPr lang="en-US" sz="2400" dirty="0"/>
+                  <a:t>		 S := S </a:t>
+                </a:r>
+                <a14:m>
+                  <m:oMath xmlns:m="http://schemas.openxmlformats.org/officeDocument/2006/math">
+                    <m:r>
+                      <a:rPr lang="en-US" sz="2400" b="0" i="1" smtClean="0">
+                        <a:latin typeface="Cambria Math" panose="02040503050406030204" pitchFamily="18" charset="0"/>
+                        <a:ea typeface="Cambria Math" panose="02040503050406030204" pitchFamily="18" charset="0"/>
+                      </a:rPr>
+                      <m:t>∪</m:t>
+                    </m:r>
+                  </m:oMath>
+                </a14:m>
+                <a:r>
+                  <a:rPr lang="en-US" sz="2400" dirty="0"/>
+                  <a:t> {Y</a:t>
+                </a:r>
+                <a:r>
+                  <a:rPr lang="en-US" sz="2400" dirty="0">
+                    <a:solidFill>
+                      <a:srgbClr val="333399"/>
+                    </a:solidFill>
+                  </a:rPr>
+                  <a:t>} // this is Local(X), </a:t>
+                </a:r>
+                <a14:m>
+                  <m:oMath xmlns:m="http://schemas.openxmlformats.org/officeDocument/2006/math">
+                    <m:r>
+                      <a:rPr lang="en-US" sz="2400" i="1" smtClean="0">
+                        <a:solidFill>
+                          <a:srgbClr val="333399"/>
+                        </a:solidFill>
+                        <a:latin typeface="Cambria Math" panose="02040503050406030204" pitchFamily="18" charset="0"/>
+                        <a:ea typeface="Cambria Math" panose="02040503050406030204" pitchFamily="18" charset="0"/>
+                      </a:rPr>
+                      <m:t>∪</m:t>
+                    </m:r>
+                  </m:oMath>
+                </a14:m>
+                <a:r>
+                  <a:rPr lang="en-US" sz="2400" dirty="0">
+                    <a:solidFill>
+                      <a:srgbClr val="333399"/>
+                    </a:solidFill>
+                  </a:rPr>
+                  <a:t> means union</a:t>
+                </a:r>
+              </a:p>
+              <a:p>
+                <a:pPr lvl="1">
+                  <a:buNone/>
+                </a:pPr>
+                <a:r>
+                  <a:rPr lang="en-US" sz="2400" dirty="0"/>
+                  <a:t>For each child K of X in D(X): </a:t>
+                </a:r>
+                <a:r>
+                  <a:rPr lang="en-US" sz="2400" dirty="0">
+                    <a:solidFill>
+                      <a:srgbClr val="333399"/>
+                    </a:solidFill>
+                  </a:rPr>
+                  <a:t>// X dominates K</a:t>
+                </a:r>
+              </a:p>
+              <a:p>
+                <a:pPr lvl="1">
+                  <a:buNone/>
+                </a:pPr>
+                <a:r>
+                  <a:rPr lang="en-US" sz="2400" dirty="0"/>
+                  <a:t>	For each element Y in </a:t>
+                </a:r>
+                <a:r>
+                  <a:rPr lang="en-US" sz="2400" dirty="0" err="1"/>
+                  <a:t>ComputeDF(K</a:t>
+                </a:r>
+                <a:r>
+                  <a:rPr lang="en-US" sz="2400" dirty="0"/>
+                  <a:t>):</a:t>
+                </a:r>
+              </a:p>
+              <a:p>
+                <a:pPr lvl="1">
+                  <a:buNone/>
+                </a:pPr>
+                <a:r>
+                  <a:rPr lang="en-US" sz="2400" dirty="0"/>
+                  <a:t>		 If X does not dominate Y, </a:t>
+                </a:r>
+              </a:p>
+              <a:p>
+                <a:pPr lvl="1">
+                  <a:buNone/>
+                </a:pPr>
+                <a:r>
+                  <a:rPr lang="en-US" sz="2400" dirty="0"/>
+                  <a:t>			S := S </a:t>
+                </a:r>
+                <a14:m>
+                  <m:oMath xmlns:m="http://schemas.openxmlformats.org/officeDocument/2006/math">
+                    <m:r>
+                      <a:rPr lang="en-US" sz="2400" i="1" smtClean="0">
+                        <a:latin typeface="Cambria Math" panose="02040503050406030204" pitchFamily="18" charset="0"/>
+                        <a:ea typeface="Cambria Math" panose="02040503050406030204" pitchFamily="18" charset="0"/>
+                      </a:rPr>
+                      <m:t>∪</m:t>
+                    </m:r>
+                  </m:oMath>
+                </a14:m>
+                <a:r>
+                  <a:rPr lang="en-US" sz="2400" dirty="0"/>
+                  <a:t> {Y} </a:t>
+                </a:r>
+                <a:r>
+                  <a:rPr lang="en-US" sz="2400" dirty="0">
+                    <a:solidFill>
+                      <a:srgbClr val="333399"/>
+                    </a:solidFill>
+                  </a:rPr>
+                  <a:t>// this is Up(X)</a:t>
+                </a:r>
+                <a:r>
+                  <a:rPr lang="en-US" sz="2400" dirty="0"/>
+                  <a:t> </a:t>
+                </a:r>
+              </a:p>
+              <a:p>
+                <a:pPr lvl="1">
+                  <a:buNone/>
+                </a:pPr>
+                <a:r>
+                  <a:rPr lang="en-US" sz="2400" dirty="0"/>
+                  <a:t>DF(X) = S; return S</a:t>
+                </a:r>
+              </a:p>
+            </p:txBody>
+          </p:sp>
+        </mc:Choice>
+        <mc:Fallback>
+          <p:sp>
+            <p:nvSpPr>
+              <p:cNvPr id="5" name="Content Placeholder 4"/>
+              <p:cNvSpPr>
+                <a:spLocks noGrp="1" noRot="1" noChangeAspect="1" noMove="1" noResize="1" noEditPoints="1" noAdjustHandles="1" noChangeArrowheads="1" noChangeShapeType="1" noTextEdit="1"/>
+              </p:cNvSpPr>
+              <p:nvPr>
+                <p:ph idx="1"/>
+              </p:nvPr>
+            </p:nvSpPr>
+            <p:spPr>
+              <a:xfrm>
+                <a:off x="685800" y="1828800"/>
+                <a:ext cx="7772400" cy="4419600"/>
+              </a:xfrm>
+              <a:blipFill>
+                <a:blip r:embed="rId2"/>
+                <a:stretch>
+                  <a:fillRect l="-1468" t="-2011" b="-4023"/>
+                </a:stretch>
+              </a:blipFill>
+            </p:spPr>
+            <p:txBody>
+              <a:bodyPr/>
+              <a:lstStyle/>
+              <a:p>
+                <a:r>
+                  <a:rPr lang="en-US">
+                    <a:noFill/>
+                  </a:rPr>
+                  <a:t> </a:t>
+                </a:r>
+              </a:p>
+            </p:txBody>
+          </p:sp>
+        </mc:Fallback>
+      </mc:AlternateContent>
       <p:sp>
         <p:nvSpPr>
           <p:cNvPr id="4" name="Slide Number Placeholder 3"/>
